--- a/Lessons/Lesson2.pptx
+++ b/Lessons/Lesson2.pptx
@@ -4,16 +4,30 @@
   <p:sldMasterIdLst>
     <p:sldMasterId id="2147483648" r:id="rId1"/>
   </p:sldMasterIdLst>
+  <p:notesMasterIdLst>
+    <p:notesMasterId r:id="rId22"/>
+  </p:notesMasterIdLst>
   <p:sldIdLst>
     <p:sldId id="256" r:id="rId2"/>
     <p:sldId id="257" r:id="rId3"/>
     <p:sldId id="261" r:id="rId4"/>
     <p:sldId id="262" r:id="rId5"/>
-    <p:sldId id="263" r:id="rId6"/>
-    <p:sldId id="264" r:id="rId7"/>
-    <p:sldId id="260" r:id="rId8"/>
-    <p:sldId id="258" r:id="rId9"/>
-    <p:sldId id="259" r:id="rId10"/>
+    <p:sldId id="265" r:id="rId6"/>
+    <p:sldId id="266" r:id="rId7"/>
+    <p:sldId id="267" r:id="rId8"/>
+    <p:sldId id="268" r:id="rId9"/>
+    <p:sldId id="269" r:id="rId10"/>
+    <p:sldId id="271" r:id="rId11"/>
+    <p:sldId id="272" r:id="rId12"/>
+    <p:sldId id="277" r:id="rId13"/>
+    <p:sldId id="274" r:id="rId14"/>
+    <p:sldId id="275" r:id="rId15"/>
+    <p:sldId id="276" r:id="rId16"/>
+    <p:sldId id="270" r:id="rId17"/>
+    <p:sldId id="278" r:id="rId18"/>
+    <p:sldId id="263" r:id="rId19"/>
+    <p:sldId id="264" r:id="rId20"/>
+    <p:sldId id="258" r:id="rId21"/>
   </p:sldIdLst>
   <p:sldSz cx="12192000" cy="6858000"/>
   <p:notesSz cx="6858000" cy="9144000"/>
@@ -112,7 +126,730 @@
       </a:defRPr>
     </a:lvl9pPr>
   </p:defaultTextStyle>
+  <p:extLst>
+    <p:ext uri="{EFAFB233-063F-42B5-8137-9DF3F51BA10A}">
+      <p15:sldGuideLst xmlns:p15="http://schemas.microsoft.com/office/powerpoint/2012/main"/>
+    </p:ext>
+  </p:extLst>
 </p:presentation>
+</file>
+
+<file path=ppt/notesMasters/notesMaster1.xml><?xml version="1.0" encoding="utf-8"?>
+<p:notesMaster xmlns:a="http://schemas.openxmlformats.org/drawingml/2006/main" xmlns:r="http://schemas.openxmlformats.org/officeDocument/2006/relationships" xmlns:p="http://schemas.openxmlformats.org/presentationml/2006/main">
+  <p:cSld>
+    <p:bg>
+      <p:bgRef idx="1001">
+        <a:schemeClr val="bg1"/>
+      </p:bgRef>
+    </p:bg>
+    <p:spTree>
+      <p:nvGrpSpPr>
+        <p:cNvPr id="1" name=""/>
+        <p:cNvGrpSpPr/>
+        <p:nvPr/>
+      </p:nvGrpSpPr>
+      <p:grpSpPr>
+        <a:xfrm>
+          <a:off x="0" y="0"/>
+          <a:ext cx="0" cy="0"/>
+          <a:chOff x="0" y="0"/>
+          <a:chExt cx="0" cy="0"/>
+        </a:xfrm>
+      </p:grpSpPr>
+      <p:sp>
+        <p:nvSpPr>
+          <p:cNvPr id="2" name="Header Placeholder 1"/>
+          <p:cNvSpPr>
+            <a:spLocks noGrp="1"/>
+          </p:cNvSpPr>
+          <p:nvPr>
+            <p:ph type="hdr" sz="quarter"/>
+          </p:nvPr>
+        </p:nvSpPr>
+        <p:spPr>
+          <a:xfrm>
+            <a:off x="0" y="0"/>
+            <a:ext cx="2971800" cy="458788"/>
+          </a:xfrm>
+          <a:prstGeom prst="rect">
+            <a:avLst/>
+          </a:prstGeom>
+        </p:spPr>
+        <p:txBody>
+          <a:bodyPr vert="horz" lIns="91440" tIns="45720" rIns="91440" bIns="45720" rtlCol="0"/>
+          <a:lstStyle>
+            <a:lvl1pPr algn="l">
+              <a:defRPr sz="1200"/>
+            </a:lvl1pPr>
+          </a:lstStyle>
+          <a:p>
+            <a:endParaRPr lang="en-US"/>
+          </a:p>
+        </p:txBody>
+      </p:sp>
+      <p:sp>
+        <p:nvSpPr>
+          <p:cNvPr id="3" name="Date Placeholder 2"/>
+          <p:cNvSpPr>
+            <a:spLocks noGrp="1"/>
+          </p:cNvSpPr>
+          <p:nvPr>
+            <p:ph type="dt" idx="1"/>
+          </p:nvPr>
+        </p:nvSpPr>
+        <p:spPr>
+          <a:xfrm>
+            <a:off x="3884613" y="0"/>
+            <a:ext cx="2971800" cy="458788"/>
+          </a:xfrm>
+          <a:prstGeom prst="rect">
+            <a:avLst/>
+          </a:prstGeom>
+        </p:spPr>
+        <p:txBody>
+          <a:bodyPr vert="horz" lIns="91440" tIns="45720" rIns="91440" bIns="45720" rtlCol="0"/>
+          <a:lstStyle>
+            <a:lvl1pPr algn="r">
+              <a:defRPr sz="1200"/>
+            </a:lvl1pPr>
+          </a:lstStyle>
+          <a:p>
+            <a:fld id="{CF2B96EE-A88A-4F53-824F-757220476D78}" type="datetimeFigureOut">
+              <a:rPr lang="en-US" smtClean="0"/>
+              <a:t>11/5/2018</a:t>
+            </a:fld>
+            <a:endParaRPr lang="en-US"/>
+          </a:p>
+        </p:txBody>
+      </p:sp>
+      <p:sp>
+        <p:nvSpPr>
+          <p:cNvPr id="4" name="Slide Image Placeholder 3"/>
+          <p:cNvSpPr>
+            <a:spLocks noGrp="1" noRot="1" noChangeAspect="1"/>
+          </p:cNvSpPr>
+          <p:nvPr>
+            <p:ph type="sldImg" idx="2"/>
+          </p:nvPr>
+        </p:nvSpPr>
+        <p:spPr>
+          <a:xfrm>
+            <a:off x="685800" y="1143000"/>
+            <a:ext cx="5486400" cy="3086100"/>
+          </a:xfrm>
+          <a:prstGeom prst="rect">
+            <a:avLst/>
+          </a:prstGeom>
+          <a:noFill/>
+          <a:ln w="12700">
+            <a:solidFill>
+              <a:prstClr val="black"/>
+            </a:solidFill>
+          </a:ln>
+        </p:spPr>
+        <p:txBody>
+          <a:bodyPr vert="horz" lIns="91440" tIns="45720" rIns="91440" bIns="45720" rtlCol="0" anchor="ctr"/>
+          <a:lstStyle/>
+          <a:p>
+            <a:endParaRPr lang="en-US"/>
+          </a:p>
+        </p:txBody>
+      </p:sp>
+      <p:sp>
+        <p:nvSpPr>
+          <p:cNvPr id="5" name="Notes Placeholder 4"/>
+          <p:cNvSpPr>
+            <a:spLocks noGrp="1"/>
+          </p:cNvSpPr>
+          <p:nvPr>
+            <p:ph type="body" sz="quarter" idx="3"/>
+          </p:nvPr>
+        </p:nvSpPr>
+        <p:spPr>
+          <a:xfrm>
+            <a:off x="685800" y="4400550"/>
+            <a:ext cx="5486400" cy="3600450"/>
+          </a:xfrm>
+          <a:prstGeom prst="rect">
+            <a:avLst/>
+          </a:prstGeom>
+        </p:spPr>
+        <p:txBody>
+          <a:bodyPr vert="horz" lIns="91440" tIns="45720" rIns="91440" bIns="45720" rtlCol="0"/>
+          <a:lstStyle/>
+          <a:p>
+            <a:pPr lvl="0"/>
+            <a:r>
+              <a:rPr lang="en-US"/>
+              <a:t>Edit Master text styles</a:t>
+            </a:r>
+          </a:p>
+          <a:p>
+            <a:pPr lvl="1"/>
+            <a:r>
+              <a:rPr lang="en-US"/>
+              <a:t>Second level</a:t>
+            </a:r>
+          </a:p>
+          <a:p>
+            <a:pPr lvl="2"/>
+            <a:r>
+              <a:rPr lang="en-US"/>
+              <a:t>Third level</a:t>
+            </a:r>
+          </a:p>
+          <a:p>
+            <a:pPr lvl="3"/>
+            <a:r>
+              <a:rPr lang="en-US"/>
+              <a:t>Fourth level</a:t>
+            </a:r>
+          </a:p>
+          <a:p>
+            <a:pPr lvl="4"/>
+            <a:r>
+              <a:rPr lang="en-US"/>
+              <a:t>Fifth level</a:t>
+            </a:r>
+          </a:p>
+        </p:txBody>
+      </p:sp>
+      <p:sp>
+        <p:nvSpPr>
+          <p:cNvPr id="6" name="Footer Placeholder 5"/>
+          <p:cNvSpPr>
+            <a:spLocks noGrp="1"/>
+          </p:cNvSpPr>
+          <p:nvPr>
+            <p:ph type="ftr" sz="quarter" idx="4"/>
+          </p:nvPr>
+        </p:nvSpPr>
+        <p:spPr>
+          <a:xfrm>
+            <a:off x="0" y="8685213"/>
+            <a:ext cx="2971800" cy="458787"/>
+          </a:xfrm>
+          <a:prstGeom prst="rect">
+            <a:avLst/>
+          </a:prstGeom>
+        </p:spPr>
+        <p:txBody>
+          <a:bodyPr vert="horz" lIns="91440" tIns="45720" rIns="91440" bIns="45720" rtlCol="0" anchor="b"/>
+          <a:lstStyle>
+            <a:lvl1pPr algn="l">
+              <a:defRPr sz="1200"/>
+            </a:lvl1pPr>
+          </a:lstStyle>
+          <a:p>
+            <a:endParaRPr lang="en-US"/>
+          </a:p>
+        </p:txBody>
+      </p:sp>
+      <p:sp>
+        <p:nvSpPr>
+          <p:cNvPr id="7" name="Slide Number Placeholder 6"/>
+          <p:cNvSpPr>
+            <a:spLocks noGrp="1"/>
+          </p:cNvSpPr>
+          <p:nvPr>
+            <p:ph type="sldNum" sz="quarter" idx="5"/>
+          </p:nvPr>
+        </p:nvSpPr>
+        <p:spPr>
+          <a:xfrm>
+            <a:off x="3884613" y="8685213"/>
+            <a:ext cx="2971800" cy="458787"/>
+          </a:xfrm>
+          <a:prstGeom prst="rect">
+            <a:avLst/>
+          </a:prstGeom>
+        </p:spPr>
+        <p:txBody>
+          <a:bodyPr vert="horz" lIns="91440" tIns="45720" rIns="91440" bIns="45720" rtlCol="0" anchor="b"/>
+          <a:lstStyle>
+            <a:lvl1pPr algn="r">
+              <a:defRPr sz="1200"/>
+            </a:lvl1pPr>
+          </a:lstStyle>
+          <a:p>
+            <a:fld id="{AB4F6275-0E25-4E4E-99DE-2002C9C04F42}" type="slidenum">
+              <a:rPr lang="en-US" smtClean="0"/>
+              <a:t>‹#›</a:t>
+            </a:fld>
+            <a:endParaRPr lang="en-US"/>
+          </a:p>
+        </p:txBody>
+      </p:sp>
+    </p:spTree>
+    <p:extLst>
+      <p:ext uri="{BB962C8B-B14F-4D97-AF65-F5344CB8AC3E}">
+        <p14:creationId xmlns:p14="http://schemas.microsoft.com/office/powerpoint/2010/main" val="804802426"/>
+      </p:ext>
+    </p:extLst>
+  </p:cSld>
+  <p:clrMap bg1="lt1" tx1="dk1" bg2="lt2" tx2="dk2" accent1="accent1" accent2="accent2" accent3="accent3" accent4="accent4" accent5="accent5" accent6="accent6" hlink="hlink" folHlink="folHlink"/>
+  <p:notesStyle>
+    <a:lvl1pPr marL="0" algn="l" defTabSz="914400" rtl="0" eaLnBrk="1" latinLnBrk="0" hangingPunct="1">
+      <a:defRPr sz="1200" kern="1200">
+        <a:solidFill>
+          <a:schemeClr val="tx1"/>
+        </a:solidFill>
+        <a:latin typeface="+mn-lt"/>
+        <a:ea typeface="+mn-ea"/>
+        <a:cs typeface="+mn-cs"/>
+      </a:defRPr>
+    </a:lvl1pPr>
+    <a:lvl2pPr marL="457200" algn="l" defTabSz="914400" rtl="0" eaLnBrk="1" latinLnBrk="0" hangingPunct="1">
+      <a:defRPr sz="1200" kern="1200">
+        <a:solidFill>
+          <a:schemeClr val="tx1"/>
+        </a:solidFill>
+        <a:latin typeface="+mn-lt"/>
+        <a:ea typeface="+mn-ea"/>
+        <a:cs typeface="+mn-cs"/>
+      </a:defRPr>
+    </a:lvl2pPr>
+    <a:lvl3pPr marL="914400" algn="l" defTabSz="914400" rtl="0" eaLnBrk="1" latinLnBrk="0" hangingPunct="1">
+      <a:defRPr sz="1200" kern="1200">
+        <a:solidFill>
+          <a:schemeClr val="tx1"/>
+        </a:solidFill>
+        <a:latin typeface="+mn-lt"/>
+        <a:ea typeface="+mn-ea"/>
+        <a:cs typeface="+mn-cs"/>
+      </a:defRPr>
+    </a:lvl3pPr>
+    <a:lvl4pPr marL="1371600" algn="l" defTabSz="914400" rtl="0" eaLnBrk="1" latinLnBrk="0" hangingPunct="1">
+      <a:defRPr sz="1200" kern="1200">
+        <a:solidFill>
+          <a:schemeClr val="tx1"/>
+        </a:solidFill>
+        <a:latin typeface="+mn-lt"/>
+        <a:ea typeface="+mn-ea"/>
+        <a:cs typeface="+mn-cs"/>
+      </a:defRPr>
+    </a:lvl4pPr>
+    <a:lvl5pPr marL="1828800" algn="l" defTabSz="914400" rtl="0" eaLnBrk="1" latinLnBrk="0" hangingPunct="1">
+      <a:defRPr sz="1200" kern="1200">
+        <a:solidFill>
+          <a:schemeClr val="tx1"/>
+        </a:solidFill>
+        <a:latin typeface="+mn-lt"/>
+        <a:ea typeface="+mn-ea"/>
+        <a:cs typeface="+mn-cs"/>
+      </a:defRPr>
+    </a:lvl5pPr>
+    <a:lvl6pPr marL="2286000" algn="l" defTabSz="914400" rtl="0" eaLnBrk="1" latinLnBrk="0" hangingPunct="1">
+      <a:defRPr sz="1200" kern="1200">
+        <a:solidFill>
+          <a:schemeClr val="tx1"/>
+        </a:solidFill>
+        <a:latin typeface="+mn-lt"/>
+        <a:ea typeface="+mn-ea"/>
+        <a:cs typeface="+mn-cs"/>
+      </a:defRPr>
+    </a:lvl6pPr>
+    <a:lvl7pPr marL="2743200" algn="l" defTabSz="914400" rtl="0" eaLnBrk="1" latinLnBrk="0" hangingPunct="1">
+      <a:defRPr sz="1200" kern="1200">
+        <a:solidFill>
+          <a:schemeClr val="tx1"/>
+        </a:solidFill>
+        <a:latin typeface="+mn-lt"/>
+        <a:ea typeface="+mn-ea"/>
+        <a:cs typeface="+mn-cs"/>
+      </a:defRPr>
+    </a:lvl7pPr>
+    <a:lvl8pPr marL="3200400" algn="l" defTabSz="914400" rtl="0" eaLnBrk="1" latinLnBrk="0" hangingPunct="1">
+      <a:defRPr sz="1200" kern="1200">
+        <a:solidFill>
+          <a:schemeClr val="tx1"/>
+        </a:solidFill>
+        <a:latin typeface="+mn-lt"/>
+        <a:ea typeface="+mn-ea"/>
+        <a:cs typeface="+mn-cs"/>
+      </a:defRPr>
+    </a:lvl8pPr>
+    <a:lvl9pPr marL="3657600" algn="l" defTabSz="914400" rtl="0" eaLnBrk="1" latinLnBrk="0" hangingPunct="1">
+      <a:defRPr sz="1200" kern="1200">
+        <a:solidFill>
+          <a:schemeClr val="tx1"/>
+        </a:solidFill>
+        <a:latin typeface="+mn-lt"/>
+        <a:ea typeface="+mn-ea"/>
+        <a:cs typeface="+mn-cs"/>
+      </a:defRPr>
+    </a:lvl9pPr>
+  </p:notesStyle>
+</p:notesMaster>
+</file>
+
+<file path=ppt/notesSlides/notesSlide1.xml><?xml version="1.0" encoding="utf-8"?>
+<p:notes xmlns:a="http://schemas.openxmlformats.org/drawingml/2006/main" xmlns:r="http://schemas.openxmlformats.org/officeDocument/2006/relationships" xmlns:p="http://schemas.openxmlformats.org/presentationml/2006/main">
+  <p:cSld>
+    <p:spTree>
+      <p:nvGrpSpPr>
+        <p:cNvPr id="1" name=""/>
+        <p:cNvGrpSpPr/>
+        <p:nvPr/>
+      </p:nvGrpSpPr>
+      <p:grpSpPr>
+        <a:xfrm>
+          <a:off x="0" y="0"/>
+          <a:ext cx="0" cy="0"/>
+          <a:chOff x="0" y="0"/>
+          <a:chExt cx="0" cy="0"/>
+        </a:xfrm>
+      </p:grpSpPr>
+      <p:sp>
+        <p:nvSpPr>
+          <p:cNvPr id="2" name="Slide Image Placeholder 1"/>
+          <p:cNvSpPr>
+            <a:spLocks noGrp="1" noRot="1" noChangeAspect="1"/>
+          </p:cNvSpPr>
+          <p:nvPr>
+            <p:ph type="sldImg"/>
+          </p:nvPr>
+        </p:nvSpPr>
+        <p:spPr/>
+      </p:sp>
+      <p:sp>
+        <p:nvSpPr>
+          <p:cNvPr id="3" name="Notes Placeholder 2"/>
+          <p:cNvSpPr>
+            <a:spLocks noGrp="1"/>
+          </p:cNvSpPr>
+          <p:nvPr>
+            <p:ph type="body" idx="1"/>
+          </p:nvPr>
+        </p:nvSpPr>
+        <p:spPr/>
+        <p:txBody>
+          <a:bodyPr/>
+          <a:lstStyle/>
+          <a:p>
+            <a:r>
+              <a:rPr lang="en-US" dirty="0"/>
+              <a:t>And how does it improve upon the initial predictions that it has made; before we go into that, I need to go over a few more key principles</a:t>
+            </a:r>
+          </a:p>
+        </p:txBody>
+      </p:sp>
+      <p:sp>
+        <p:nvSpPr>
+          <p:cNvPr id="4" name="Slide Number Placeholder 3"/>
+          <p:cNvSpPr>
+            <a:spLocks noGrp="1"/>
+          </p:cNvSpPr>
+          <p:nvPr>
+            <p:ph type="sldNum" sz="quarter" idx="5"/>
+          </p:nvPr>
+        </p:nvSpPr>
+        <p:spPr/>
+        <p:txBody>
+          <a:bodyPr/>
+          <a:lstStyle/>
+          <a:p>
+            <a:fld id="{AB4F6275-0E25-4E4E-99DE-2002C9C04F42}" type="slidenum">
+              <a:rPr lang="en-US" smtClean="0"/>
+              <a:t>4</a:t>
+            </a:fld>
+            <a:endParaRPr lang="en-US"/>
+          </a:p>
+        </p:txBody>
+      </p:sp>
+    </p:spTree>
+    <p:extLst>
+      <p:ext uri="{BB962C8B-B14F-4D97-AF65-F5344CB8AC3E}">
+        <p14:creationId xmlns:p14="http://schemas.microsoft.com/office/powerpoint/2010/main" val="4056982469"/>
+      </p:ext>
+    </p:extLst>
+  </p:cSld>
+  <p:clrMapOvr>
+    <a:masterClrMapping/>
+  </p:clrMapOvr>
+</p:notes>
+</file>
+
+<file path=ppt/notesSlides/notesSlide2.xml><?xml version="1.0" encoding="utf-8"?>
+<p:notes xmlns:a="http://schemas.openxmlformats.org/drawingml/2006/main" xmlns:r="http://schemas.openxmlformats.org/officeDocument/2006/relationships" xmlns:p="http://schemas.openxmlformats.org/presentationml/2006/main">
+  <p:cSld>
+    <p:spTree>
+      <p:nvGrpSpPr>
+        <p:cNvPr id="1" name=""/>
+        <p:cNvGrpSpPr/>
+        <p:nvPr/>
+      </p:nvGrpSpPr>
+      <p:grpSpPr>
+        <a:xfrm>
+          <a:off x="0" y="0"/>
+          <a:ext cx="0" cy="0"/>
+          <a:chOff x="0" y="0"/>
+          <a:chExt cx="0" cy="0"/>
+        </a:xfrm>
+      </p:grpSpPr>
+      <p:sp>
+        <p:nvSpPr>
+          <p:cNvPr id="2" name="Slide Image Placeholder 1"/>
+          <p:cNvSpPr>
+            <a:spLocks noGrp="1" noRot="1" noChangeAspect="1"/>
+          </p:cNvSpPr>
+          <p:nvPr>
+            <p:ph type="sldImg"/>
+          </p:nvPr>
+        </p:nvSpPr>
+        <p:spPr/>
+      </p:sp>
+      <p:sp>
+        <p:nvSpPr>
+          <p:cNvPr id="3" name="Notes Placeholder 2"/>
+          <p:cNvSpPr>
+            <a:spLocks noGrp="1"/>
+          </p:cNvSpPr>
+          <p:nvPr>
+            <p:ph type="body" idx="1"/>
+          </p:nvPr>
+        </p:nvSpPr>
+        <p:spPr/>
+        <p:txBody>
+          <a:bodyPr/>
+          <a:lstStyle/>
+          <a:p>
+            <a:r>
+              <a:rPr lang="en-US" dirty="0"/>
+              <a:t>Next aspect we should cover is an elaboration of the Iteration; epoch and training batch</a:t>
+            </a:r>
+          </a:p>
+          <a:p>
+            <a:r>
+              <a:rPr lang="en-US" dirty="0"/>
+              <a:t>Training batch is 2^n; n = 4..8</a:t>
+            </a:r>
+          </a:p>
+        </p:txBody>
+      </p:sp>
+      <p:sp>
+        <p:nvSpPr>
+          <p:cNvPr id="4" name="Slide Number Placeholder 3"/>
+          <p:cNvSpPr>
+            <a:spLocks noGrp="1"/>
+          </p:cNvSpPr>
+          <p:nvPr>
+            <p:ph type="sldNum" sz="quarter" idx="5"/>
+          </p:nvPr>
+        </p:nvSpPr>
+        <p:spPr/>
+        <p:txBody>
+          <a:bodyPr/>
+          <a:lstStyle/>
+          <a:p>
+            <a:fld id="{AB4F6275-0E25-4E4E-99DE-2002C9C04F42}" type="slidenum">
+              <a:rPr lang="en-US" smtClean="0"/>
+              <a:t>6</a:t>
+            </a:fld>
+            <a:endParaRPr lang="en-US"/>
+          </a:p>
+        </p:txBody>
+      </p:sp>
+    </p:spTree>
+    <p:extLst>
+      <p:ext uri="{BB962C8B-B14F-4D97-AF65-F5344CB8AC3E}">
+        <p14:creationId xmlns:p14="http://schemas.microsoft.com/office/powerpoint/2010/main" val="1260871852"/>
+      </p:ext>
+    </p:extLst>
+  </p:cSld>
+  <p:clrMapOvr>
+    <a:masterClrMapping/>
+  </p:clrMapOvr>
+</p:notes>
+</file>
+
+<file path=ppt/notesSlides/notesSlide3.xml><?xml version="1.0" encoding="utf-8"?>
+<p:notes xmlns:a="http://schemas.openxmlformats.org/drawingml/2006/main" xmlns:r="http://schemas.openxmlformats.org/officeDocument/2006/relationships" xmlns:p="http://schemas.openxmlformats.org/presentationml/2006/main">
+  <p:cSld>
+    <p:spTree>
+      <p:nvGrpSpPr>
+        <p:cNvPr id="1" name=""/>
+        <p:cNvGrpSpPr/>
+        <p:nvPr/>
+      </p:nvGrpSpPr>
+      <p:grpSpPr>
+        <a:xfrm>
+          <a:off x="0" y="0"/>
+          <a:ext cx="0" cy="0"/>
+          <a:chOff x="0" y="0"/>
+          <a:chExt cx="0" cy="0"/>
+        </a:xfrm>
+      </p:grpSpPr>
+      <p:sp>
+        <p:nvSpPr>
+          <p:cNvPr id="2" name="Slide Image Placeholder 1"/>
+          <p:cNvSpPr>
+            <a:spLocks noGrp="1" noRot="1" noChangeAspect="1"/>
+          </p:cNvSpPr>
+          <p:nvPr>
+            <p:ph type="sldImg"/>
+          </p:nvPr>
+        </p:nvSpPr>
+        <p:spPr/>
+      </p:sp>
+      <p:sp>
+        <p:nvSpPr>
+          <p:cNvPr id="3" name="Notes Placeholder 2"/>
+          <p:cNvSpPr>
+            <a:spLocks noGrp="1"/>
+          </p:cNvSpPr>
+          <p:nvPr>
+            <p:ph type="body" idx="1"/>
+          </p:nvPr>
+        </p:nvSpPr>
+        <p:spPr/>
+        <p:txBody>
+          <a:bodyPr/>
+          <a:lstStyle/>
+          <a:p>
+            <a:r>
+              <a:rPr lang="en-US" dirty="0"/>
+              <a:t>10 training examples, first would be used as input, once done, it will go to next value and so on</a:t>
+            </a:r>
+          </a:p>
+          <a:p>
+            <a:r>
+              <a:rPr lang="en-US" dirty="0"/>
+              <a:t>Without training batches, updates for learning would occur at the end of an epoch, We will explain later why this is in ideal</a:t>
+            </a:r>
+          </a:p>
+          <a:p>
+            <a:r>
+              <a:rPr lang="en-US" dirty="0"/>
+              <a:t>Conversely, using training batches allows for more frequent updates, maybe after 25% of training data has been seen.</a:t>
+            </a:r>
+          </a:p>
+          <a:p>
+            <a:endParaRPr lang="en-US" dirty="0"/>
+          </a:p>
+        </p:txBody>
+      </p:sp>
+      <p:sp>
+        <p:nvSpPr>
+          <p:cNvPr id="4" name="Slide Number Placeholder 3"/>
+          <p:cNvSpPr>
+            <a:spLocks noGrp="1"/>
+          </p:cNvSpPr>
+          <p:nvPr>
+            <p:ph type="sldNum" sz="quarter" idx="5"/>
+          </p:nvPr>
+        </p:nvSpPr>
+        <p:spPr/>
+        <p:txBody>
+          <a:bodyPr/>
+          <a:lstStyle/>
+          <a:p>
+            <a:fld id="{AB4F6275-0E25-4E4E-99DE-2002C9C04F42}" type="slidenum">
+              <a:rPr lang="en-US" smtClean="0"/>
+              <a:t>7</a:t>
+            </a:fld>
+            <a:endParaRPr lang="en-US"/>
+          </a:p>
+        </p:txBody>
+      </p:sp>
+    </p:spTree>
+    <p:extLst>
+      <p:ext uri="{BB962C8B-B14F-4D97-AF65-F5344CB8AC3E}">
+        <p14:creationId xmlns:p14="http://schemas.microsoft.com/office/powerpoint/2010/main" val="597287270"/>
+      </p:ext>
+    </p:extLst>
+  </p:cSld>
+  <p:clrMapOvr>
+    <a:masterClrMapping/>
+  </p:clrMapOvr>
+</p:notes>
+</file>
+
+<file path=ppt/notesSlides/notesSlide4.xml><?xml version="1.0" encoding="utf-8"?>
+<p:notes xmlns:a="http://schemas.openxmlformats.org/drawingml/2006/main" xmlns:r="http://schemas.openxmlformats.org/officeDocument/2006/relationships" xmlns:p="http://schemas.openxmlformats.org/presentationml/2006/main">
+  <p:cSld>
+    <p:spTree>
+      <p:nvGrpSpPr>
+        <p:cNvPr id="1" name=""/>
+        <p:cNvGrpSpPr/>
+        <p:nvPr/>
+      </p:nvGrpSpPr>
+      <p:grpSpPr>
+        <a:xfrm>
+          <a:off x="0" y="0"/>
+          <a:ext cx="0" cy="0"/>
+          <a:chOff x="0" y="0"/>
+          <a:chExt cx="0" cy="0"/>
+        </a:xfrm>
+      </p:grpSpPr>
+      <p:sp>
+        <p:nvSpPr>
+          <p:cNvPr id="2" name="Slide Image Placeholder 1"/>
+          <p:cNvSpPr>
+            <a:spLocks noGrp="1" noRot="1" noChangeAspect="1"/>
+          </p:cNvSpPr>
+          <p:nvPr>
+            <p:ph type="sldImg"/>
+          </p:nvPr>
+        </p:nvSpPr>
+        <p:spPr/>
+      </p:sp>
+      <p:sp>
+        <p:nvSpPr>
+          <p:cNvPr id="3" name="Notes Placeholder 2"/>
+          <p:cNvSpPr>
+            <a:spLocks noGrp="1"/>
+          </p:cNvSpPr>
+          <p:nvPr>
+            <p:ph type="body" idx="1"/>
+          </p:nvPr>
+        </p:nvSpPr>
+        <p:spPr/>
+        <p:txBody>
+          <a:bodyPr/>
+          <a:lstStyle/>
+          <a:p>
+            <a:r>
+              <a:rPr lang="en-US" dirty="0"/>
+              <a:t>Here I will give a relatively simplistic over view of cost and loss and how that applies to learning, for a comprehensive understanding, refer to resources mentioned at end of presentation.</a:t>
+            </a:r>
+          </a:p>
+        </p:txBody>
+      </p:sp>
+      <p:sp>
+        <p:nvSpPr>
+          <p:cNvPr id="4" name="Slide Number Placeholder 3"/>
+          <p:cNvSpPr>
+            <a:spLocks noGrp="1"/>
+          </p:cNvSpPr>
+          <p:nvPr>
+            <p:ph type="sldNum" sz="quarter" idx="5"/>
+          </p:nvPr>
+        </p:nvSpPr>
+        <p:spPr/>
+        <p:txBody>
+          <a:bodyPr/>
+          <a:lstStyle/>
+          <a:p>
+            <a:fld id="{AB4F6275-0E25-4E4E-99DE-2002C9C04F42}" type="slidenum">
+              <a:rPr lang="en-US" smtClean="0"/>
+              <a:t>8</a:t>
+            </a:fld>
+            <a:endParaRPr lang="en-US"/>
+          </a:p>
+        </p:txBody>
+      </p:sp>
+    </p:spTree>
+    <p:extLst>
+      <p:ext uri="{BB962C8B-B14F-4D97-AF65-F5344CB8AC3E}">
+        <p14:creationId xmlns:p14="http://schemas.microsoft.com/office/powerpoint/2010/main" val="3099266444"/>
+      </p:ext>
+    </p:extLst>
+  </p:cSld>
+  <p:clrMapOvr>
+    <a:masterClrMapping/>
+  </p:clrMapOvr>
+</p:notes>
 </file>
 
 <file path=ppt/slideLayouts/slideLayout1.xml><?xml version="1.0" encoding="utf-8"?>
@@ -262,7 +999,7 @@
           <a:p>
             <a:fld id="{0BDBB3A1-2EF5-4059-B138-43CC68EA68D2}" type="datetimeFigureOut">
               <a:rPr lang="en-US" smtClean="0"/>
-              <a:t>11/4/2018</a:t>
+              <a:t>11/5/2018</a:t>
             </a:fld>
             <a:endParaRPr lang="en-US"/>
           </a:p>
@@ -460,7 +1197,7 @@
           <a:p>
             <a:fld id="{0BDBB3A1-2EF5-4059-B138-43CC68EA68D2}" type="datetimeFigureOut">
               <a:rPr lang="en-US" smtClean="0"/>
-              <a:t>11/4/2018</a:t>
+              <a:t>11/5/2018</a:t>
             </a:fld>
             <a:endParaRPr lang="en-US"/>
           </a:p>
@@ -668,7 +1405,7 @@
           <a:p>
             <a:fld id="{0BDBB3A1-2EF5-4059-B138-43CC68EA68D2}" type="datetimeFigureOut">
               <a:rPr lang="en-US" smtClean="0"/>
-              <a:t>11/4/2018</a:t>
+              <a:t>11/5/2018</a:t>
             </a:fld>
             <a:endParaRPr lang="en-US"/>
           </a:p>
@@ -866,7 +1603,7 @@
           <a:p>
             <a:fld id="{0BDBB3A1-2EF5-4059-B138-43CC68EA68D2}" type="datetimeFigureOut">
               <a:rPr lang="en-US" smtClean="0"/>
-              <a:t>11/4/2018</a:t>
+              <a:t>11/5/2018</a:t>
             </a:fld>
             <a:endParaRPr lang="en-US"/>
           </a:p>
@@ -1141,7 +1878,7 @@
           <a:p>
             <a:fld id="{0BDBB3A1-2EF5-4059-B138-43CC68EA68D2}" type="datetimeFigureOut">
               <a:rPr lang="en-US" smtClean="0"/>
-              <a:t>11/4/2018</a:t>
+              <a:t>11/5/2018</a:t>
             </a:fld>
             <a:endParaRPr lang="en-US"/>
           </a:p>
@@ -1406,7 +2143,7 @@
           <a:p>
             <a:fld id="{0BDBB3A1-2EF5-4059-B138-43CC68EA68D2}" type="datetimeFigureOut">
               <a:rPr lang="en-US" smtClean="0"/>
-              <a:t>11/4/2018</a:t>
+              <a:t>11/5/2018</a:t>
             </a:fld>
             <a:endParaRPr lang="en-US"/>
           </a:p>
@@ -1818,7 +2555,7 @@
           <a:p>
             <a:fld id="{0BDBB3A1-2EF5-4059-B138-43CC68EA68D2}" type="datetimeFigureOut">
               <a:rPr lang="en-US" smtClean="0"/>
-              <a:t>11/4/2018</a:t>
+              <a:t>11/5/2018</a:t>
             </a:fld>
             <a:endParaRPr lang="en-US"/>
           </a:p>
@@ -1959,7 +2696,7 @@
           <a:p>
             <a:fld id="{0BDBB3A1-2EF5-4059-B138-43CC68EA68D2}" type="datetimeFigureOut">
               <a:rPr lang="en-US" smtClean="0"/>
-              <a:t>11/4/2018</a:t>
+              <a:t>11/5/2018</a:t>
             </a:fld>
             <a:endParaRPr lang="en-US"/>
           </a:p>
@@ -2072,7 +2809,7 @@
           <a:p>
             <a:fld id="{0BDBB3A1-2EF5-4059-B138-43CC68EA68D2}" type="datetimeFigureOut">
               <a:rPr lang="en-US" smtClean="0"/>
-              <a:t>11/4/2018</a:t>
+              <a:t>11/5/2018</a:t>
             </a:fld>
             <a:endParaRPr lang="en-US"/>
           </a:p>
@@ -2383,7 +3120,7 @@
           <a:p>
             <a:fld id="{0BDBB3A1-2EF5-4059-B138-43CC68EA68D2}" type="datetimeFigureOut">
               <a:rPr lang="en-US" smtClean="0"/>
-              <a:t>11/4/2018</a:t>
+              <a:t>11/5/2018</a:t>
             </a:fld>
             <a:endParaRPr lang="en-US"/>
           </a:p>
@@ -2671,7 +3408,7 @@
           <a:p>
             <a:fld id="{0BDBB3A1-2EF5-4059-B138-43CC68EA68D2}" type="datetimeFigureOut">
               <a:rPr lang="en-US" smtClean="0"/>
-              <a:t>11/4/2018</a:t>
+              <a:t>11/5/2018</a:t>
             </a:fld>
             <a:endParaRPr lang="en-US"/>
           </a:p>
@@ -2912,7 +3649,7 @@
           <a:p>
             <a:fld id="{0BDBB3A1-2EF5-4059-B138-43CC68EA68D2}" type="datetimeFigureOut">
               <a:rPr lang="en-US" smtClean="0"/>
-              <a:t>11/4/2018</a:t>
+              <a:t>11/5/2018</a:t>
             </a:fld>
             <a:endParaRPr lang="en-US"/>
           </a:p>
@@ -3405,6 +4142,1410 @@
 </p:sld>
 </file>
 
+<file path=ppt/slides/slide10.xml><?xml version="1.0" encoding="utf-8"?>
+<p:sld xmlns:a="http://schemas.openxmlformats.org/drawingml/2006/main" xmlns:r="http://schemas.openxmlformats.org/officeDocument/2006/relationships" xmlns:p="http://schemas.openxmlformats.org/presentationml/2006/main">
+  <p:cSld>
+    <p:spTree>
+      <p:nvGrpSpPr>
+        <p:cNvPr id="1" name=""/>
+        <p:cNvGrpSpPr/>
+        <p:nvPr/>
+      </p:nvGrpSpPr>
+      <p:grpSpPr>
+        <a:xfrm>
+          <a:off x="0" y="0"/>
+          <a:ext cx="0" cy="0"/>
+          <a:chOff x="0" y="0"/>
+          <a:chExt cx="0" cy="0"/>
+        </a:xfrm>
+      </p:grpSpPr>
+      <p:sp>
+        <p:nvSpPr>
+          <p:cNvPr id="2" name="Title 1">
+            <a:extLst>
+              <a:ext uri="{FF2B5EF4-FFF2-40B4-BE49-F238E27FC236}">
+                <a16:creationId xmlns:a16="http://schemas.microsoft.com/office/drawing/2014/main" id="{C5DD3539-75DA-4ECB-96DA-4ADA2B1974D4}"/>
+              </a:ext>
+            </a:extLst>
+          </p:cNvPr>
+          <p:cNvSpPr>
+            <a:spLocks noGrp="1"/>
+          </p:cNvSpPr>
+          <p:nvPr>
+            <p:ph type="title"/>
+          </p:nvPr>
+        </p:nvSpPr>
+        <p:spPr/>
+        <p:txBody>
+          <a:bodyPr/>
+          <a:lstStyle/>
+          <a:p>
+            <a:r>
+              <a:rPr lang="en-US" dirty="0"/>
+              <a:t>Mean Squared Error</a:t>
+            </a:r>
+          </a:p>
+        </p:txBody>
+      </p:sp>
+      <mc:AlternateContent xmlns:mc="http://schemas.openxmlformats.org/markup-compatibility/2006">
+        <mc:Choice xmlns:a14="http://schemas.microsoft.com/office/drawing/2010/main" Requires="a14">
+          <p:sp>
+            <p:nvSpPr>
+              <p:cNvPr id="3" name="Content Placeholder 2">
+                <a:extLst>
+                  <a:ext uri="{FF2B5EF4-FFF2-40B4-BE49-F238E27FC236}">
+                    <a16:creationId xmlns:a16="http://schemas.microsoft.com/office/drawing/2014/main" id="{7233A35F-E784-461C-9B6D-D917D63103C9}"/>
+                  </a:ext>
+                </a:extLst>
+              </p:cNvPr>
+              <p:cNvSpPr>
+                <a:spLocks noGrp="1"/>
+              </p:cNvSpPr>
+              <p:nvPr>
+                <p:ph idx="1"/>
+              </p:nvPr>
+            </p:nvSpPr>
+            <p:spPr/>
+            <p:txBody>
+              <a:bodyPr/>
+              <a:lstStyle/>
+              <a:p>
+                <a:r>
+                  <a:rPr lang="en-US" dirty="0"/>
+                  <a:t>Simplistic function most of you should be familiar with to compute loss</a:t>
+                </a:r>
+              </a:p>
+              <a:p>
+                <a:r>
+                  <a:rPr lang="en-US" dirty="0"/>
+                  <a:t>This function also penalizes error heavily</a:t>
+                </a:r>
+              </a:p>
+              <a:p>
+                <a:pPr marL="457200" lvl="1" indent="0">
+                  <a:buNone/>
+                </a:pPr>
+                <a14:m>
+                  <m:oMathPara xmlns:m="http://schemas.openxmlformats.org/officeDocument/2006/math">
+                    <m:oMathParaPr>
+                      <m:jc m:val="centerGroup"/>
+                    </m:oMathParaPr>
+                    <m:oMath xmlns:m="http://schemas.openxmlformats.org/officeDocument/2006/math">
+                      <m:r>
+                        <a:rPr lang="en-US" b="0" i="1" smtClean="0">
+                          <a:latin typeface="Cambria Math" panose="02040503050406030204" pitchFamily="18" charset="0"/>
+                        </a:rPr>
+                        <m:t>𝑀𝑆𝐸</m:t>
+                      </m:r>
+                      <m:r>
+                        <a:rPr lang="en-US" b="0" i="1" smtClean="0">
+                          <a:latin typeface="Cambria Math" panose="02040503050406030204" pitchFamily="18" charset="0"/>
+                        </a:rPr>
+                        <m:t>= </m:t>
+                      </m:r>
+                      <m:f>
+                        <m:fPr>
+                          <m:ctrlPr>
+                            <a:rPr lang="en-US" b="0" i="1" smtClean="0">
+                              <a:latin typeface="Cambria Math" panose="02040503050406030204" pitchFamily="18" charset="0"/>
+                            </a:rPr>
+                          </m:ctrlPr>
+                        </m:fPr>
+                        <m:num>
+                          <m:r>
+                            <a:rPr lang="en-US" b="0" i="1" smtClean="0">
+                              <a:latin typeface="Cambria Math" panose="02040503050406030204" pitchFamily="18" charset="0"/>
+                            </a:rPr>
+                            <m:t>1</m:t>
+                          </m:r>
+                        </m:num>
+                        <m:den>
+                          <m:r>
+                            <a:rPr lang="en-US" b="0" i="1" smtClean="0">
+                              <a:latin typeface="Cambria Math" panose="02040503050406030204" pitchFamily="18" charset="0"/>
+                            </a:rPr>
+                            <m:t>𝑁</m:t>
+                          </m:r>
+                        </m:den>
+                      </m:f>
+                      <m:nary>
+                        <m:naryPr>
+                          <m:chr m:val="∑"/>
+                          <m:ctrlPr>
+                            <a:rPr lang="en-US" b="0" i="1" smtClean="0">
+                              <a:latin typeface="Cambria Math" panose="02040503050406030204" pitchFamily="18" charset="0"/>
+                            </a:rPr>
+                          </m:ctrlPr>
+                        </m:naryPr>
+                        <m:sub>
+                          <m:r>
+                            <m:rPr>
+                              <m:brk m:alnAt="23"/>
+                            </m:rPr>
+                            <a:rPr lang="en-US" b="0" i="1" smtClean="0">
+                              <a:latin typeface="Cambria Math" panose="02040503050406030204" pitchFamily="18" charset="0"/>
+                            </a:rPr>
+                            <m:t>𝑖</m:t>
+                          </m:r>
+                          <m:r>
+                            <a:rPr lang="en-US" b="0" i="1" smtClean="0">
+                              <a:latin typeface="Cambria Math" panose="02040503050406030204" pitchFamily="18" charset="0"/>
+                            </a:rPr>
+                            <m:t>=1</m:t>
+                          </m:r>
+                        </m:sub>
+                        <m:sup>
+                          <m:r>
+                            <a:rPr lang="en-US" b="0" i="1" smtClean="0">
+                              <a:latin typeface="Cambria Math" panose="02040503050406030204" pitchFamily="18" charset="0"/>
+                            </a:rPr>
+                            <m:t>𝑁</m:t>
+                          </m:r>
+                        </m:sup>
+                        <m:e>
+                          <m:sSup>
+                            <m:sSupPr>
+                              <m:ctrlPr>
+                                <a:rPr lang="en-US" b="0" i="1" smtClean="0">
+                                  <a:latin typeface="Cambria Math" panose="02040503050406030204" pitchFamily="18" charset="0"/>
+                                </a:rPr>
+                              </m:ctrlPr>
+                            </m:sSupPr>
+                            <m:e>
+                              <m:r>
+                                <a:rPr lang="en-US" i="1">
+                                  <a:latin typeface="Cambria Math" panose="02040503050406030204" pitchFamily="18" charset="0"/>
+                                </a:rPr>
+                                <m:t>(</m:t>
+                              </m:r>
+                              <m:sSub>
+                                <m:sSubPr>
+                                  <m:ctrlPr>
+                                    <a:rPr lang="en-US" i="1">
+                                      <a:latin typeface="Cambria Math" panose="02040503050406030204" pitchFamily="18" charset="0"/>
+                                    </a:rPr>
+                                  </m:ctrlPr>
+                                </m:sSubPr>
+                                <m:e>
+                                  <m:r>
+                                    <a:rPr lang="en-US" i="1">
+                                      <a:latin typeface="Cambria Math" panose="02040503050406030204" pitchFamily="18" charset="0"/>
+                                    </a:rPr>
+                                    <m:t>𝑦</m:t>
+                                  </m:r>
+                                </m:e>
+                                <m:sub>
+                                  <m:r>
+                                    <a:rPr lang="en-US" i="1">
+                                      <a:latin typeface="Cambria Math" panose="02040503050406030204" pitchFamily="18" charset="0"/>
+                                    </a:rPr>
+                                    <m:t>𝑖</m:t>
+                                  </m:r>
+                                </m:sub>
+                              </m:sSub>
+                              <m:r>
+                                <a:rPr lang="en-US" i="1">
+                                  <a:latin typeface="Cambria Math" panose="02040503050406030204" pitchFamily="18" charset="0"/>
+                                </a:rPr>
+                                <m:t> − </m:t>
+                              </m:r>
+                              <m:sSub>
+                                <m:sSubPr>
+                                  <m:ctrlPr>
+                                    <a:rPr lang="en-US" i="1">
+                                      <a:latin typeface="Cambria Math" panose="02040503050406030204" pitchFamily="18" charset="0"/>
+                                    </a:rPr>
+                                  </m:ctrlPr>
+                                </m:sSubPr>
+                                <m:e>
+                                  <m:r>
+                                    <a:rPr lang="cy-GB" i="1">
+                                      <a:latin typeface="Cambria Math" panose="02040503050406030204" pitchFamily="18" charset="0"/>
+                                      <a:ea typeface="Cambria Math" panose="02040503050406030204" pitchFamily="18" charset="0"/>
+                                    </a:rPr>
+                                    <m:t>ŷ</m:t>
+                                  </m:r>
+                                </m:e>
+                                <m:sub>
+                                  <m:r>
+                                    <a:rPr lang="en-US" i="1">
+                                      <a:latin typeface="Cambria Math" panose="02040503050406030204" pitchFamily="18" charset="0"/>
+                                    </a:rPr>
+                                    <m:t>𝑖</m:t>
+                                  </m:r>
+                                </m:sub>
+                              </m:sSub>
+                              <m:r>
+                                <a:rPr lang="en-US" b="0" i="1" smtClean="0">
+                                  <a:latin typeface="Cambria Math" panose="02040503050406030204" pitchFamily="18" charset="0"/>
+                                </a:rPr>
+                                <m:t>)</m:t>
+                              </m:r>
+                            </m:e>
+                            <m:sup>
+                              <m:r>
+                                <a:rPr lang="en-US" b="0" i="1" smtClean="0">
+                                  <a:latin typeface="Cambria Math" panose="02040503050406030204" pitchFamily="18" charset="0"/>
+                                </a:rPr>
+                                <m:t>2</m:t>
+                              </m:r>
+                            </m:sup>
+                          </m:sSup>
+                        </m:e>
+                      </m:nary>
+                    </m:oMath>
+                  </m:oMathPara>
+                </a14:m>
+                <a:endParaRPr lang="en-US" dirty="0"/>
+              </a:p>
+              <a:p>
+                <a:endParaRPr lang="en-US" dirty="0"/>
+              </a:p>
+            </p:txBody>
+          </p:sp>
+        </mc:Choice>
+        <mc:Fallback>
+          <p:sp>
+            <p:nvSpPr>
+              <p:cNvPr id="3" name="Content Placeholder 2">
+                <a:extLst>
+                  <a:ext uri="{FF2B5EF4-FFF2-40B4-BE49-F238E27FC236}">
+                    <a16:creationId xmlns:a16="http://schemas.microsoft.com/office/drawing/2014/main" id="{7233A35F-E784-461C-9B6D-D917D63103C9}"/>
+                  </a:ext>
+                </a:extLst>
+              </p:cNvPr>
+              <p:cNvSpPr>
+                <a:spLocks noGrp="1" noRot="1" noChangeAspect="1" noMove="1" noResize="1" noEditPoints="1" noAdjustHandles="1" noChangeArrowheads="1" noChangeShapeType="1" noTextEdit="1"/>
+              </p:cNvSpPr>
+              <p:nvPr>
+                <p:ph idx="1"/>
+              </p:nvPr>
+            </p:nvSpPr>
+            <p:spPr>
+              <a:blipFill>
+                <a:blip r:embed="rId2"/>
+                <a:stretch>
+                  <a:fillRect l="-1043" t="-2241"/>
+                </a:stretch>
+              </a:blipFill>
+            </p:spPr>
+            <p:txBody>
+              <a:bodyPr/>
+              <a:lstStyle/>
+              <a:p>
+                <a:r>
+                  <a:rPr lang="en-US">
+                    <a:noFill/>
+                  </a:rPr>
+                  <a:t> </a:t>
+                </a:r>
+              </a:p>
+            </p:txBody>
+          </p:sp>
+        </mc:Fallback>
+      </mc:AlternateContent>
+    </p:spTree>
+    <p:extLst>
+      <p:ext uri="{BB962C8B-B14F-4D97-AF65-F5344CB8AC3E}">
+        <p14:creationId xmlns:p14="http://schemas.microsoft.com/office/powerpoint/2010/main" val="3046188352"/>
+      </p:ext>
+    </p:extLst>
+  </p:cSld>
+  <p:clrMapOvr>
+    <a:masterClrMapping/>
+  </p:clrMapOvr>
+</p:sld>
+</file>
+
+<file path=ppt/slides/slide11.xml><?xml version="1.0" encoding="utf-8"?>
+<p:sld xmlns:a="http://schemas.openxmlformats.org/drawingml/2006/main" xmlns:r="http://schemas.openxmlformats.org/officeDocument/2006/relationships" xmlns:p="http://schemas.openxmlformats.org/presentationml/2006/main">
+  <p:cSld>
+    <p:spTree>
+      <p:nvGrpSpPr>
+        <p:cNvPr id="1" name=""/>
+        <p:cNvGrpSpPr/>
+        <p:nvPr/>
+      </p:nvGrpSpPr>
+      <p:grpSpPr>
+        <a:xfrm>
+          <a:off x="0" y="0"/>
+          <a:ext cx="0" cy="0"/>
+          <a:chOff x="0" y="0"/>
+          <a:chExt cx="0" cy="0"/>
+        </a:xfrm>
+      </p:grpSpPr>
+      <p:sp>
+        <p:nvSpPr>
+          <p:cNvPr id="2" name="Title 1">
+            <a:extLst>
+              <a:ext uri="{FF2B5EF4-FFF2-40B4-BE49-F238E27FC236}">
+                <a16:creationId xmlns:a16="http://schemas.microsoft.com/office/drawing/2014/main" id="{6B0DAE5A-1077-47A0-B6D7-370E18E9FE6A}"/>
+              </a:ext>
+            </a:extLst>
+          </p:cNvPr>
+          <p:cNvSpPr>
+            <a:spLocks noGrp="1"/>
+          </p:cNvSpPr>
+          <p:nvPr>
+            <p:ph type="title"/>
+          </p:nvPr>
+        </p:nvSpPr>
+        <p:spPr/>
+        <p:txBody>
+          <a:bodyPr/>
+          <a:lstStyle/>
+          <a:p>
+            <a:r>
+              <a:rPr lang="en-US" dirty="0"/>
+              <a:t>So what is Cost used for?</a:t>
+            </a:r>
+          </a:p>
+        </p:txBody>
+      </p:sp>
+      <p:sp>
+        <p:nvSpPr>
+          <p:cNvPr id="3" name="Content Placeholder 2">
+            <a:extLst>
+              <a:ext uri="{FF2B5EF4-FFF2-40B4-BE49-F238E27FC236}">
+                <a16:creationId xmlns:a16="http://schemas.microsoft.com/office/drawing/2014/main" id="{3439B645-78A3-4980-B22C-28342DA850F7}"/>
+              </a:ext>
+            </a:extLst>
+          </p:cNvPr>
+          <p:cNvSpPr>
+            <a:spLocks noGrp="1"/>
+          </p:cNvSpPr>
+          <p:nvPr>
+            <p:ph idx="1"/>
+          </p:nvPr>
+        </p:nvSpPr>
+        <p:spPr/>
+        <p:txBody>
+          <a:bodyPr/>
+          <a:lstStyle/>
+          <a:p>
+            <a:r>
+              <a:rPr lang="en-US" dirty="0"/>
+              <a:t>As mentioned, cost is used to determine how accurate the model is through comparing the predicted values with labeled values.</a:t>
+            </a:r>
+          </a:p>
+          <a:p>
+            <a:r>
+              <a:rPr lang="en-US" dirty="0"/>
+              <a:t>Ideally, this value needs to be minimized so that we will achieve high accuracy with our model</a:t>
+            </a:r>
+          </a:p>
+          <a:p>
+            <a:r>
+              <a:rPr lang="en-US" dirty="0"/>
+              <a:t>To actually minimize this value, we have to apply gradient descent</a:t>
+            </a:r>
+          </a:p>
+        </p:txBody>
+      </p:sp>
+    </p:spTree>
+    <p:extLst>
+      <p:ext uri="{BB962C8B-B14F-4D97-AF65-F5344CB8AC3E}">
+        <p14:creationId xmlns:p14="http://schemas.microsoft.com/office/powerpoint/2010/main" val="2168600291"/>
+      </p:ext>
+    </p:extLst>
+  </p:cSld>
+  <p:clrMapOvr>
+    <a:masterClrMapping/>
+  </p:clrMapOvr>
+</p:sld>
+</file>
+
+<file path=ppt/slides/slide12.xml><?xml version="1.0" encoding="utf-8"?>
+<p:sld xmlns:a="http://schemas.openxmlformats.org/drawingml/2006/main" xmlns:r="http://schemas.openxmlformats.org/officeDocument/2006/relationships" xmlns:p="http://schemas.openxmlformats.org/presentationml/2006/main">
+  <p:cSld>
+    <p:spTree>
+      <p:nvGrpSpPr>
+        <p:cNvPr id="1" name=""/>
+        <p:cNvGrpSpPr/>
+        <p:nvPr/>
+      </p:nvGrpSpPr>
+      <p:grpSpPr>
+        <a:xfrm>
+          <a:off x="0" y="0"/>
+          <a:ext cx="0" cy="0"/>
+          <a:chOff x="0" y="0"/>
+          <a:chExt cx="0" cy="0"/>
+        </a:xfrm>
+      </p:grpSpPr>
+      <p:sp>
+        <p:nvSpPr>
+          <p:cNvPr id="2" name="Title 1">
+            <a:extLst>
+              <a:ext uri="{FF2B5EF4-FFF2-40B4-BE49-F238E27FC236}">
+                <a16:creationId xmlns:a16="http://schemas.microsoft.com/office/drawing/2014/main" id="{019D91DB-301F-43C0-A103-90B2FF5D284C}"/>
+              </a:ext>
+            </a:extLst>
+          </p:cNvPr>
+          <p:cNvSpPr>
+            <a:spLocks noGrp="1"/>
+          </p:cNvSpPr>
+          <p:nvPr>
+            <p:ph type="title"/>
+          </p:nvPr>
+        </p:nvSpPr>
+        <p:spPr/>
+        <p:txBody>
+          <a:bodyPr/>
+          <a:lstStyle/>
+          <a:p>
+            <a:r>
+              <a:rPr lang="en-US" dirty="0"/>
+              <a:t>Gradient Descent</a:t>
+            </a:r>
+          </a:p>
+        </p:txBody>
+      </p:sp>
+      <p:sp>
+        <p:nvSpPr>
+          <p:cNvPr id="3" name="Content Placeholder 2">
+            <a:extLst>
+              <a:ext uri="{FF2B5EF4-FFF2-40B4-BE49-F238E27FC236}">
+                <a16:creationId xmlns:a16="http://schemas.microsoft.com/office/drawing/2014/main" id="{12D69B38-3F37-48D3-BCEB-D8E41ADB1CE0}"/>
+              </a:ext>
+            </a:extLst>
+          </p:cNvPr>
+          <p:cNvSpPr>
+            <a:spLocks noGrp="1"/>
+          </p:cNvSpPr>
+          <p:nvPr>
+            <p:ph idx="1"/>
+          </p:nvPr>
+        </p:nvSpPr>
+        <p:spPr/>
+        <p:txBody>
+          <a:bodyPr/>
+          <a:lstStyle/>
+          <a:p>
+            <a:r>
+              <a:rPr lang="en-US" dirty="0"/>
+              <a:t>Using calculus, we are able to determine the slope of the loss and then take a “step” downward to approach the global minimum</a:t>
+            </a:r>
+          </a:p>
+          <a:p>
+            <a:r>
+              <a:rPr lang="en-US" dirty="0"/>
+              <a:t>However, as we will have many hundreds or thousands of parameters (each w and b term associated with the algorithm) we would need to calculate slopes, but gradients</a:t>
+            </a:r>
+          </a:p>
+          <a:p>
+            <a:r>
+              <a:rPr lang="en-US" dirty="0"/>
+              <a:t>This will allow us to determine which area in space we should step, with respect to all of the input variables, to get to the next smaller value</a:t>
+            </a:r>
+          </a:p>
+          <a:p>
+            <a:endParaRPr lang="en-US" dirty="0"/>
+          </a:p>
+        </p:txBody>
+      </p:sp>
+    </p:spTree>
+    <p:extLst>
+      <p:ext uri="{BB962C8B-B14F-4D97-AF65-F5344CB8AC3E}">
+        <p14:creationId xmlns:p14="http://schemas.microsoft.com/office/powerpoint/2010/main" val="1636868832"/>
+      </p:ext>
+    </p:extLst>
+  </p:cSld>
+  <p:clrMapOvr>
+    <a:masterClrMapping/>
+  </p:clrMapOvr>
+</p:sld>
+</file>
+
+<file path=ppt/slides/slide13.xml><?xml version="1.0" encoding="utf-8"?>
+<p:sld xmlns:a="http://schemas.openxmlformats.org/drawingml/2006/main" xmlns:r="http://schemas.openxmlformats.org/officeDocument/2006/relationships" xmlns:p="http://schemas.openxmlformats.org/presentationml/2006/main">
+  <p:cSld>
+    <p:spTree>
+      <p:nvGrpSpPr>
+        <p:cNvPr id="1" name=""/>
+        <p:cNvGrpSpPr/>
+        <p:nvPr/>
+      </p:nvGrpSpPr>
+      <p:grpSpPr>
+        <a:xfrm>
+          <a:off x="0" y="0"/>
+          <a:ext cx="0" cy="0"/>
+          <a:chOff x="0" y="0"/>
+          <a:chExt cx="0" cy="0"/>
+        </a:xfrm>
+      </p:grpSpPr>
+      <p:sp>
+        <p:nvSpPr>
+          <p:cNvPr id="2" name="Title 1">
+            <a:extLst>
+              <a:ext uri="{FF2B5EF4-FFF2-40B4-BE49-F238E27FC236}">
+                <a16:creationId xmlns:a16="http://schemas.microsoft.com/office/drawing/2014/main" id="{01862D45-66C7-4D12-90C0-3DA1B0970F1B}"/>
+              </a:ext>
+            </a:extLst>
+          </p:cNvPr>
+          <p:cNvSpPr>
+            <a:spLocks noGrp="1"/>
+          </p:cNvSpPr>
+          <p:nvPr>
+            <p:ph type="title"/>
+          </p:nvPr>
+        </p:nvSpPr>
+        <p:spPr/>
+        <p:txBody>
+          <a:bodyPr/>
+          <a:lstStyle/>
+          <a:p>
+            <a:r>
+              <a:rPr lang="en-US" dirty="0"/>
+              <a:t>Example of Steps Taken</a:t>
+            </a:r>
+          </a:p>
+        </p:txBody>
+      </p:sp>
+      <p:sp>
+        <p:nvSpPr>
+          <p:cNvPr id="3" name="Content Placeholder 2">
+            <a:extLst>
+              <a:ext uri="{FF2B5EF4-FFF2-40B4-BE49-F238E27FC236}">
+                <a16:creationId xmlns:a16="http://schemas.microsoft.com/office/drawing/2014/main" id="{E4C79DF8-0DE0-45FC-9131-CE51AD381654}"/>
+              </a:ext>
+            </a:extLst>
+          </p:cNvPr>
+          <p:cNvSpPr>
+            <a:spLocks noGrp="1"/>
+          </p:cNvSpPr>
+          <p:nvPr>
+            <p:ph idx="1"/>
+          </p:nvPr>
+        </p:nvSpPr>
+        <p:spPr>
+          <a:xfrm>
+            <a:off x="838200" y="1586139"/>
+            <a:ext cx="10515600" cy="4351338"/>
+          </a:xfrm>
+        </p:spPr>
+        <p:txBody>
+          <a:bodyPr/>
+          <a:lstStyle/>
+          <a:p>
+            <a:r>
+              <a:rPr lang="en-US" dirty="0"/>
+              <a:t>Each step progressively decreases the error as it approaches </a:t>
+            </a:r>
+            <a:r>
+              <a:rPr lang="en-US" dirty="0" err="1"/>
+              <a:t>globabl</a:t>
+            </a:r>
+            <a:r>
+              <a:rPr lang="en-US" dirty="0"/>
+              <a:t> minimum</a:t>
+            </a:r>
+          </a:p>
+          <a:p>
+            <a:r>
+              <a:rPr lang="en-US" dirty="0"/>
+              <a:t>As we mentioned earlier, a global minimum will beam accuracy of the model</a:t>
+            </a:r>
+          </a:p>
+        </p:txBody>
+      </p:sp>
+      <p:pic>
+        <p:nvPicPr>
+          <p:cNvPr id="4" name="Picture 2" descr="https://cdn-images-1.medium.com/max/1600/0*qtiSV8B2__XR52XP.jpg">
+            <a:extLst>
+              <a:ext uri="{FF2B5EF4-FFF2-40B4-BE49-F238E27FC236}">
+                <a16:creationId xmlns:a16="http://schemas.microsoft.com/office/drawing/2014/main" id="{2EF03020-910B-472F-B82A-10CFBFDD5A58}"/>
+              </a:ext>
+            </a:extLst>
+          </p:cNvPr>
+          <p:cNvPicPr>
+            <a:picLocks noChangeAspect="1" noChangeArrowheads="1"/>
+          </p:cNvPicPr>
+          <p:nvPr/>
+        </p:nvPicPr>
+        <p:blipFill>
+          <a:blip r:embed="rId2">
+            <a:extLst>
+              <a:ext uri="{28A0092B-C50C-407E-A947-70E740481C1C}">
+                <a14:useLocalDpi xmlns:a14="http://schemas.microsoft.com/office/drawing/2010/main" val="0"/>
+              </a:ext>
+            </a:extLst>
+          </a:blip>
+          <a:srcRect/>
+          <a:stretch>
+            <a:fillRect/>
+          </a:stretch>
+        </p:blipFill>
+        <p:spPr bwMode="auto">
+          <a:xfrm>
+            <a:off x="2886056" y="3429000"/>
+            <a:ext cx="5985802" cy="3112617"/>
+          </a:xfrm>
+          <a:prstGeom prst="rect">
+            <a:avLst/>
+          </a:prstGeom>
+          <a:noFill/>
+          <a:extLst>
+            <a:ext uri="{909E8E84-426E-40DD-AFC4-6F175D3DCCD1}">
+              <a14:hiddenFill xmlns:a14="http://schemas.microsoft.com/office/drawing/2010/main">
+                <a:solidFill>
+                  <a:srgbClr val="FFFFFF"/>
+                </a:solidFill>
+              </a14:hiddenFill>
+            </a:ext>
+          </a:extLst>
+        </p:spPr>
+      </p:pic>
+    </p:spTree>
+    <p:extLst>
+      <p:ext uri="{BB962C8B-B14F-4D97-AF65-F5344CB8AC3E}">
+        <p14:creationId xmlns:p14="http://schemas.microsoft.com/office/powerpoint/2010/main" val="2883742246"/>
+      </p:ext>
+    </p:extLst>
+  </p:cSld>
+  <p:clrMapOvr>
+    <a:masterClrMapping/>
+  </p:clrMapOvr>
+</p:sld>
+</file>
+
+<file path=ppt/slides/slide14.xml><?xml version="1.0" encoding="utf-8"?>
+<p:sld xmlns:a="http://schemas.openxmlformats.org/drawingml/2006/main" xmlns:r="http://schemas.openxmlformats.org/officeDocument/2006/relationships" xmlns:p="http://schemas.openxmlformats.org/presentationml/2006/main">
+  <p:cSld>
+    <p:spTree>
+      <p:nvGrpSpPr>
+        <p:cNvPr id="1" name=""/>
+        <p:cNvGrpSpPr/>
+        <p:nvPr/>
+      </p:nvGrpSpPr>
+      <p:grpSpPr>
+        <a:xfrm>
+          <a:off x="0" y="0"/>
+          <a:ext cx="0" cy="0"/>
+          <a:chOff x="0" y="0"/>
+          <a:chExt cx="0" cy="0"/>
+        </a:xfrm>
+      </p:grpSpPr>
+      <p:sp>
+        <p:nvSpPr>
+          <p:cNvPr id="2" name="Title 1">
+            <a:extLst>
+              <a:ext uri="{FF2B5EF4-FFF2-40B4-BE49-F238E27FC236}">
+                <a16:creationId xmlns:a16="http://schemas.microsoft.com/office/drawing/2014/main" id="{019D91DB-301F-43C0-A103-90B2FF5D284C}"/>
+              </a:ext>
+            </a:extLst>
+          </p:cNvPr>
+          <p:cNvSpPr>
+            <a:spLocks noGrp="1"/>
+          </p:cNvSpPr>
+          <p:nvPr>
+            <p:ph type="title"/>
+          </p:nvPr>
+        </p:nvSpPr>
+        <p:spPr/>
+        <p:txBody>
+          <a:bodyPr/>
+          <a:lstStyle/>
+          <a:p>
+            <a:r>
+              <a:rPr lang="en-US" dirty="0"/>
+              <a:t>Gradient Descent</a:t>
+            </a:r>
+          </a:p>
+        </p:txBody>
+      </p:sp>
+      <p:sp>
+        <p:nvSpPr>
+          <p:cNvPr id="3" name="Content Placeholder 2">
+            <a:extLst>
+              <a:ext uri="{FF2B5EF4-FFF2-40B4-BE49-F238E27FC236}">
+                <a16:creationId xmlns:a16="http://schemas.microsoft.com/office/drawing/2014/main" id="{12D69B38-3F37-48D3-BCEB-D8E41ADB1CE0}"/>
+              </a:ext>
+            </a:extLst>
+          </p:cNvPr>
+          <p:cNvSpPr>
+            <a:spLocks noGrp="1"/>
+          </p:cNvSpPr>
+          <p:nvPr>
+            <p:ph idx="1"/>
+          </p:nvPr>
+        </p:nvSpPr>
+        <p:spPr/>
+        <p:txBody>
+          <a:bodyPr/>
+          <a:lstStyle/>
+          <a:p>
+            <a:r>
+              <a:rPr lang="en-US" dirty="0"/>
+              <a:t>Using calculus, we are able to determine the slope of the loss and then take a “step” downward to approach the global minimum</a:t>
+            </a:r>
+          </a:p>
+          <a:p>
+            <a:r>
+              <a:rPr lang="en-US" dirty="0"/>
+              <a:t>However, as we will have many hundreds or thousands of parameters (each w and b term associated with the algorithm) we would need to calculate slopes, but gradients</a:t>
+            </a:r>
+          </a:p>
+          <a:p>
+            <a:r>
+              <a:rPr lang="en-US" dirty="0"/>
+              <a:t>This will allow us to determine which area in space we should step, with respect to all of the input variables, to get to the next smaller value</a:t>
+            </a:r>
+          </a:p>
+          <a:p>
+            <a:endParaRPr lang="en-US" dirty="0"/>
+          </a:p>
+        </p:txBody>
+      </p:sp>
+    </p:spTree>
+    <p:extLst>
+      <p:ext uri="{BB962C8B-B14F-4D97-AF65-F5344CB8AC3E}">
+        <p14:creationId xmlns:p14="http://schemas.microsoft.com/office/powerpoint/2010/main" val="330857367"/>
+      </p:ext>
+    </p:extLst>
+  </p:cSld>
+  <p:clrMapOvr>
+    <a:masterClrMapping/>
+  </p:clrMapOvr>
+</p:sld>
+</file>
+
+<file path=ppt/slides/slide15.xml><?xml version="1.0" encoding="utf-8"?>
+<p:sld xmlns:a="http://schemas.openxmlformats.org/drawingml/2006/main" xmlns:r="http://schemas.openxmlformats.org/officeDocument/2006/relationships" xmlns:p="http://schemas.openxmlformats.org/presentationml/2006/main">
+  <p:cSld>
+    <p:spTree>
+      <p:nvGrpSpPr>
+        <p:cNvPr id="1" name=""/>
+        <p:cNvGrpSpPr/>
+        <p:nvPr/>
+      </p:nvGrpSpPr>
+      <p:grpSpPr>
+        <a:xfrm>
+          <a:off x="0" y="0"/>
+          <a:ext cx="0" cy="0"/>
+          <a:chOff x="0" y="0"/>
+          <a:chExt cx="0" cy="0"/>
+        </a:xfrm>
+      </p:grpSpPr>
+      <p:sp>
+        <p:nvSpPr>
+          <p:cNvPr id="2" name="Title 1">
+            <a:extLst>
+              <a:ext uri="{FF2B5EF4-FFF2-40B4-BE49-F238E27FC236}">
+                <a16:creationId xmlns:a16="http://schemas.microsoft.com/office/drawing/2014/main" id="{0930BEB7-A1E8-4475-88F5-7D9AE874ADDA}"/>
+              </a:ext>
+            </a:extLst>
+          </p:cNvPr>
+          <p:cNvSpPr>
+            <a:spLocks noGrp="1"/>
+          </p:cNvSpPr>
+          <p:nvPr>
+            <p:ph type="title"/>
+          </p:nvPr>
+        </p:nvSpPr>
+        <p:spPr/>
+        <p:txBody>
+          <a:bodyPr/>
+          <a:lstStyle/>
+          <a:p>
+            <a:r>
+              <a:rPr lang="en-US" dirty="0"/>
+              <a:t>3D Visualization of GD</a:t>
+            </a:r>
+          </a:p>
+        </p:txBody>
+      </p:sp>
+      <p:sp>
+        <p:nvSpPr>
+          <p:cNvPr id="3" name="Content Placeholder 2">
+            <a:extLst>
+              <a:ext uri="{FF2B5EF4-FFF2-40B4-BE49-F238E27FC236}">
+                <a16:creationId xmlns:a16="http://schemas.microsoft.com/office/drawing/2014/main" id="{88B4BC70-192E-4B54-BE6A-915DAC6FA5CD}"/>
+              </a:ext>
+            </a:extLst>
+          </p:cNvPr>
+          <p:cNvSpPr>
+            <a:spLocks noGrp="1"/>
+          </p:cNvSpPr>
+          <p:nvPr>
+            <p:ph idx="1"/>
+          </p:nvPr>
+        </p:nvSpPr>
+        <p:spPr/>
+        <p:txBody>
+          <a:bodyPr/>
+          <a:lstStyle/>
+          <a:p>
+            <a:r>
+              <a:rPr lang="en-US" dirty="0"/>
+              <a:t>Good way to think of this is a ball rolling down a hill, it is trying to find a valley (our global minimum)</a:t>
+            </a:r>
+          </a:p>
+        </p:txBody>
+      </p:sp>
+      <p:pic>
+        <p:nvPicPr>
+          <p:cNvPr id="4100" name="Picture 4" descr="Image result for gradient descent 3d representation">
+            <a:extLst>
+              <a:ext uri="{FF2B5EF4-FFF2-40B4-BE49-F238E27FC236}">
+                <a16:creationId xmlns:a16="http://schemas.microsoft.com/office/drawing/2014/main" id="{BCCF8092-F1A0-492A-A8D0-5DE952669288}"/>
+              </a:ext>
+            </a:extLst>
+          </p:cNvPr>
+          <p:cNvPicPr>
+            <a:picLocks noChangeAspect="1" noChangeArrowheads="1"/>
+          </p:cNvPicPr>
+          <p:nvPr/>
+        </p:nvPicPr>
+        <p:blipFill>
+          <a:blip r:embed="rId2">
+            <a:extLst>
+              <a:ext uri="{28A0092B-C50C-407E-A947-70E740481C1C}">
+                <a14:useLocalDpi xmlns:a14="http://schemas.microsoft.com/office/drawing/2010/main" val="0"/>
+              </a:ext>
+            </a:extLst>
+          </a:blip>
+          <a:srcRect/>
+          <a:stretch>
+            <a:fillRect/>
+          </a:stretch>
+        </p:blipFill>
+        <p:spPr bwMode="auto">
+          <a:xfrm>
+            <a:off x="3918858" y="2822122"/>
+            <a:ext cx="4550228" cy="3981449"/>
+          </a:xfrm>
+          <a:prstGeom prst="rect">
+            <a:avLst/>
+          </a:prstGeom>
+          <a:noFill/>
+          <a:extLst>
+            <a:ext uri="{909E8E84-426E-40DD-AFC4-6F175D3DCCD1}">
+              <a14:hiddenFill xmlns:a14="http://schemas.microsoft.com/office/drawing/2010/main">
+                <a:solidFill>
+                  <a:srgbClr val="FFFFFF"/>
+                </a:solidFill>
+              </a14:hiddenFill>
+            </a:ext>
+          </a:extLst>
+        </p:spPr>
+      </p:pic>
+    </p:spTree>
+    <p:extLst>
+      <p:ext uri="{BB962C8B-B14F-4D97-AF65-F5344CB8AC3E}">
+        <p14:creationId xmlns:p14="http://schemas.microsoft.com/office/powerpoint/2010/main" val="1199048974"/>
+      </p:ext>
+    </p:extLst>
+  </p:cSld>
+  <p:clrMapOvr>
+    <a:masterClrMapping/>
+  </p:clrMapOvr>
+</p:sld>
+</file>
+
+<file path=ppt/slides/slide16.xml><?xml version="1.0" encoding="utf-8"?>
+<p:sld xmlns:a="http://schemas.openxmlformats.org/drawingml/2006/main" xmlns:r="http://schemas.openxmlformats.org/officeDocument/2006/relationships" xmlns:p="http://schemas.openxmlformats.org/presentationml/2006/main">
+  <p:cSld>
+    <p:spTree>
+      <p:nvGrpSpPr>
+        <p:cNvPr id="1" name=""/>
+        <p:cNvGrpSpPr/>
+        <p:nvPr/>
+      </p:nvGrpSpPr>
+      <p:grpSpPr>
+        <a:xfrm>
+          <a:off x="0" y="0"/>
+          <a:ext cx="0" cy="0"/>
+          <a:chOff x="0" y="0"/>
+          <a:chExt cx="0" cy="0"/>
+        </a:xfrm>
+      </p:grpSpPr>
+      <p:sp>
+        <p:nvSpPr>
+          <p:cNvPr id="2" name="Title 1">
+            <a:extLst>
+              <a:ext uri="{FF2B5EF4-FFF2-40B4-BE49-F238E27FC236}">
+                <a16:creationId xmlns:a16="http://schemas.microsoft.com/office/drawing/2014/main" id="{D70E7AD4-9090-4603-9484-3DFCFA0A7A1B}"/>
+              </a:ext>
+            </a:extLst>
+          </p:cNvPr>
+          <p:cNvSpPr>
+            <a:spLocks noGrp="1"/>
+          </p:cNvSpPr>
+          <p:nvPr>
+            <p:ph type="title"/>
+          </p:nvPr>
+        </p:nvSpPr>
+        <p:spPr/>
+        <p:txBody>
+          <a:bodyPr/>
+          <a:lstStyle/>
+          <a:p>
+            <a:r>
+              <a:rPr lang="en-US" dirty="0"/>
+              <a:t>Applying Cost to Update Parameters</a:t>
+            </a:r>
+          </a:p>
+        </p:txBody>
+      </p:sp>
+      <p:sp>
+        <p:nvSpPr>
+          <p:cNvPr id="3" name="Content Placeholder 2">
+            <a:extLst>
+              <a:ext uri="{FF2B5EF4-FFF2-40B4-BE49-F238E27FC236}">
+                <a16:creationId xmlns:a16="http://schemas.microsoft.com/office/drawing/2014/main" id="{4997C22D-6C2B-40F7-914A-86C6E01AEA33}"/>
+              </a:ext>
+            </a:extLst>
+          </p:cNvPr>
+          <p:cNvSpPr>
+            <a:spLocks noGrp="1"/>
+          </p:cNvSpPr>
+          <p:nvPr>
+            <p:ph idx="1"/>
+          </p:nvPr>
+        </p:nvSpPr>
+        <p:spPr>
+          <a:xfrm>
+            <a:off x="838200" y="1825625"/>
+            <a:ext cx="10515600" cy="4351338"/>
+          </a:xfrm>
+        </p:spPr>
+        <p:txBody>
+          <a:bodyPr/>
+          <a:lstStyle/>
+          <a:p>
+            <a:r>
+              <a:rPr lang="en-US" dirty="0"/>
+              <a:t>Using the value from the cost function as well as the computed derivatives for the specific layer, the weight and bias variables can now be updated</a:t>
+            </a:r>
+          </a:p>
+          <a:p>
+            <a:r>
+              <a:rPr lang="en-US" dirty="0"/>
+              <a:t>Essentially, partial derivatives are used t calculate the gradient, and this is used to update the parameter</a:t>
+            </a:r>
+          </a:p>
+          <a:p>
+            <a:pPr marL="0" indent="0">
+              <a:buNone/>
+            </a:pPr>
+            <a:endParaRPr lang="en-US" dirty="0"/>
+          </a:p>
+        </p:txBody>
+      </p:sp>
+      <p:pic>
+        <p:nvPicPr>
+          <p:cNvPr id="2054" name="Picture 6" descr="Related image">
+            <a:extLst>
+              <a:ext uri="{FF2B5EF4-FFF2-40B4-BE49-F238E27FC236}">
+                <a16:creationId xmlns:a16="http://schemas.microsoft.com/office/drawing/2014/main" id="{D6A20720-3209-4E8A-B108-B5AC17C4BFD7}"/>
+              </a:ext>
+            </a:extLst>
+          </p:cNvPr>
+          <p:cNvPicPr>
+            <a:picLocks noChangeAspect="1" noChangeArrowheads="1"/>
+          </p:cNvPicPr>
+          <p:nvPr/>
+        </p:nvPicPr>
+        <p:blipFill>
+          <a:blip r:embed="rId2">
+            <a:extLst>
+              <a:ext uri="{28A0092B-C50C-407E-A947-70E740481C1C}">
+                <a14:useLocalDpi xmlns:a14="http://schemas.microsoft.com/office/drawing/2010/main" val="0"/>
+              </a:ext>
+            </a:extLst>
+          </a:blip>
+          <a:srcRect/>
+          <a:stretch>
+            <a:fillRect/>
+          </a:stretch>
+        </p:blipFill>
+        <p:spPr bwMode="auto">
+          <a:xfrm>
+            <a:off x="3803725" y="4001294"/>
+            <a:ext cx="4954663" cy="2055495"/>
+          </a:xfrm>
+          <a:prstGeom prst="rect">
+            <a:avLst/>
+          </a:prstGeom>
+          <a:noFill/>
+          <a:extLst>
+            <a:ext uri="{909E8E84-426E-40DD-AFC4-6F175D3DCCD1}">
+              <a14:hiddenFill xmlns:a14="http://schemas.microsoft.com/office/drawing/2010/main">
+                <a:solidFill>
+                  <a:srgbClr val="FFFFFF"/>
+                </a:solidFill>
+              </a14:hiddenFill>
+            </a:ext>
+          </a:extLst>
+        </p:spPr>
+      </p:pic>
+    </p:spTree>
+    <p:extLst>
+      <p:ext uri="{BB962C8B-B14F-4D97-AF65-F5344CB8AC3E}">
+        <p14:creationId xmlns:p14="http://schemas.microsoft.com/office/powerpoint/2010/main" val="3959817650"/>
+      </p:ext>
+    </p:extLst>
+  </p:cSld>
+  <p:clrMapOvr>
+    <a:masterClrMapping/>
+  </p:clrMapOvr>
+</p:sld>
+</file>
+
+<file path=ppt/slides/slide17.xml><?xml version="1.0" encoding="utf-8"?>
+<p:sld xmlns:a="http://schemas.openxmlformats.org/drawingml/2006/main" xmlns:r="http://schemas.openxmlformats.org/officeDocument/2006/relationships" xmlns:p="http://schemas.openxmlformats.org/presentationml/2006/main">
+  <p:cSld>
+    <p:spTree>
+      <p:nvGrpSpPr>
+        <p:cNvPr id="1" name=""/>
+        <p:cNvGrpSpPr/>
+        <p:nvPr/>
+      </p:nvGrpSpPr>
+      <p:grpSpPr>
+        <a:xfrm>
+          <a:off x="0" y="0"/>
+          <a:ext cx="0" cy="0"/>
+          <a:chOff x="0" y="0"/>
+          <a:chExt cx="0" cy="0"/>
+        </a:xfrm>
+      </p:grpSpPr>
+      <p:sp>
+        <p:nvSpPr>
+          <p:cNvPr id="2" name="Title 1">
+            <a:extLst>
+              <a:ext uri="{FF2B5EF4-FFF2-40B4-BE49-F238E27FC236}">
+                <a16:creationId xmlns:a16="http://schemas.microsoft.com/office/drawing/2014/main" id="{F79C720F-6437-44AB-B7FD-E1F1C25BDB69}"/>
+              </a:ext>
+            </a:extLst>
+          </p:cNvPr>
+          <p:cNvSpPr>
+            <a:spLocks noGrp="1"/>
+          </p:cNvSpPr>
+          <p:nvPr>
+            <p:ph type="title"/>
+          </p:nvPr>
+        </p:nvSpPr>
+        <p:spPr/>
+        <p:txBody>
+          <a:bodyPr/>
+          <a:lstStyle/>
+          <a:p>
+            <a:r>
+              <a:rPr lang="en-US" dirty="0"/>
+              <a:t>Hyperparameters</a:t>
+            </a:r>
+          </a:p>
+        </p:txBody>
+      </p:sp>
+      <p:sp>
+        <p:nvSpPr>
+          <p:cNvPr id="3" name="Content Placeholder 2">
+            <a:extLst>
+              <a:ext uri="{FF2B5EF4-FFF2-40B4-BE49-F238E27FC236}">
+                <a16:creationId xmlns:a16="http://schemas.microsoft.com/office/drawing/2014/main" id="{8E397721-23AE-49AF-B6EC-E0F2F585EF93}"/>
+              </a:ext>
+            </a:extLst>
+          </p:cNvPr>
+          <p:cNvSpPr>
+            <a:spLocks noGrp="1"/>
+          </p:cNvSpPr>
+          <p:nvPr>
+            <p:ph idx="1"/>
+          </p:nvPr>
+        </p:nvSpPr>
+        <p:spPr/>
+        <p:txBody>
+          <a:bodyPr/>
+          <a:lstStyle/>
+          <a:p>
+            <a:r>
+              <a:rPr lang="en-US" dirty="0"/>
+              <a:t>Other than the weight and bias terms, there are also a few other aspects to training that are important to consider to get good accuracy of your model:</a:t>
+            </a:r>
+          </a:p>
+          <a:p>
+            <a:pPr lvl="2"/>
+            <a:r>
+              <a:rPr lang="en-US" dirty="0"/>
+              <a:t>Learning Rate α</a:t>
+            </a:r>
+          </a:p>
+          <a:p>
+            <a:pPr lvl="2"/>
+            <a:r>
+              <a:rPr lang="en-US" dirty="0"/>
+              <a:t>Number of Epochs</a:t>
+            </a:r>
+          </a:p>
+          <a:p>
+            <a:pPr lvl="2"/>
+            <a:r>
+              <a:rPr lang="en-US" dirty="0"/>
+              <a:t>Method of Initialization (weights and biases)</a:t>
+            </a:r>
+          </a:p>
+          <a:p>
+            <a:pPr lvl="2"/>
+            <a:r>
+              <a:rPr lang="en-US" dirty="0"/>
+              <a:t>Number of Nodes and Layers in Model</a:t>
+            </a:r>
+          </a:p>
+          <a:p>
+            <a:pPr lvl="2"/>
+            <a:r>
+              <a:rPr lang="en-US" dirty="0"/>
+              <a:t>Activation Functions</a:t>
+            </a:r>
+          </a:p>
+        </p:txBody>
+      </p:sp>
+    </p:spTree>
+    <p:extLst>
+      <p:ext uri="{BB962C8B-B14F-4D97-AF65-F5344CB8AC3E}">
+        <p14:creationId xmlns:p14="http://schemas.microsoft.com/office/powerpoint/2010/main" val="2873104609"/>
+      </p:ext>
+    </p:extLst>
+  </p:cSld>
+  <p:clrMapOvr>
+    <a:masterClrMapping/>
+  </p:clrMapOvr>
+</p:sld>
+</file>
+
+<file path=ppt/slides/slide18.xml><?xml version="1.0" encoding="utf-8"?>
+<p:sld xmlns:a="http://schemas.openxmlformats.org/drawingml/2006/main" xmlns:r="http://schemas.openxmlformats.org/officeDocument/2006/relationships" xmlns:p="http://schemas.openxmlformats.org/presentationml/2006/main">
+  <p:cSld>
+    <p:spTree>
+      <p:nvGrpSpPr>
+        <p:cNvPr id="1" name=""/>
+        <p:cNvGrpSpPr/>
+        <p:nvPr/>
+      </p:nvGrpSpPr>
+      <p:grpSpPr>
+        <a:xfrm>
+          <a:off x="0" y="0"/>
+          <a:ext cx="0" cy="0"/>
+          <a:chOff x="0" y="0"/>
+          <a:chExt cx="0" cy="0"/>
+        </a:xfrm>
+      </p:grpSpPr>
+      <p:sp>
+        <p:nvSpPr>
+          <p:cNvPr id="2" name="Title 1">
+            <a:extLst>
+              <a:ext uri="{FF2B5EF4-FFF2-40B4-BE49-F238E27FC236}">
+                <a16:creationId xmlns:a16="http://schemas.microsoft.com/office/drawing/2014/main" id="{5676E499-2383-4897-9029-779DABE9266B}"/>
+              </a:ext>
+            </a:extLst>
+          </p:cNvPr>
+          <p:cNvSpPr>
+            <a:spLocks noGrp="1"/>
+          </p:cNvSpPr>
+          <p:nvPr>
+            <p:ph type="title"/>
+          </p:nvPr>
+        </p:nvSpPr>
+        <p:spPr/>
+        <p:txBody>
+          <a:bodyPr/>
+          <a:lstStyle/>
+          <a:p>
+            <a:r>
+              <a:rPr lang="en-US" dirty="0"/>
+              <a:t>Resources</a:t>
+            </a:r>
+          </a:p>
+        </p:txBody>
+      </p:sp>
+      <p:sp>
+        <p:nvSpPr>
+          <p:cNvPr id="3" name="Content Placeholder 2">
+            <a:extLst>
+              <a:ext uri="{FF2B5EF4-FFF2-40B4-BE49-F238E27FC236}">
+                <a16:creationId xmlns:a16="http://schemas.microsoft.com/office/drawing/2014/main" id="{BD909E8A-FD72-4468-A12D-9354F3CC463C}"/>
+              </a:ext>
+            </a:extLst>
+          </p:cNvPr>
+          <p:cNvSpPr>
+            <a:spLocks noGrp="1"/>
+          </p:cNvSpPr>
+          <p:nvPr>
+            <p:ph idx="1"/>
+          </p:nvPr>
+        </p:nvSpPr>
+        <p:spPr/>
+        <p:txBody>
+          <a:bodyPr/>
+          <a:lstStyle/>
+          <a:p>
+            <a:r>
+              <a:rPr lang="en-US" dirty="0"/>
+              <a:t>Great </a:t>
+            </a:r>
+            <a:r>
+              <a:rPr lang="en-US" dirty="0" err="1"/>
+              <a:t>youtube</a:t>
+            </a:r>
+            <a:r>
+              <a:rPr lang="en-US" dirty="0"/>
+              <a:t> video: </a:t>
+            </a:r>
+            <a:r>
+              <a:rPr lang="en-US" dirty="0">
+                <a:hlinkClick r:id="rId2"/>
+              </a:rPr>
+              <a:t>https://bit.ly/2yQEKVP</a:t>
+            </a:r>
+            <a:endParaRPr lang="en-US" dirty="0"/>
+          </a:p>
+          <a:p>
+            <a:r>
+              <a:rPr lang="en-US" dirty="0"/>
+              <a:t>Article on Gradient Descent + Momentum: </a:t>
+            </a:r>
+            <a:r>
+              <a:rPr lang="en-US" dirty="0">
+                <a:hlinkClick r:id="rId3"/>
+              </a:rPr>
+              <a:t>https://bit.ly/2qsUUzS</a:t>
+            </a:r>
+            <a:endParaRPr lang="en-US" dirty="0"/>
+          </a:p>
+          <a:p>
+            <a:r>
+              <a:rPr lang="en-US" dirty="0"/>
+              <a:t>Great Blogger on Math Behind ML: </a:t>
+            </a:r>
+            <a:r>
+              <a:rPr lang="en-US" dirty="0">
+                <a:hlinkClick r:id="rId4"/>
+              </a:rPr>
+              <a:t>https://bit.ly/2j4kjME</a:t>
+            </a:r>
+            <a:endParaRPr lang="en-US" dirty="0"/>
+          </a:p>
+          <a:p>
+            <a:r>
+              <a:rPr lang="en-US" dirty="0"/>
+              <a:t>Article on SGD: </a:t>
+            </a:r>
+            <a:r>
+              <a:rPr lang="en-US" dirty="0">
+                <a:hlinkClick r:id="rId5"/>
+              </a:rPr>
+              <a:t>https://bit.ly/2LXKHEb</a:t>
+            </a:r>
+            <a:endParaRPr lang="en-US" dirty="0"/>
+          </a:p>
+          <a:p>
+            <a:r>
+              <a:rPr lang="en-US" dirty="0"/>
+              <a:t>Article on Loss Functions: </a:t>
+            </a:r>
+            <a:r>
+              <a:rPr lang="en-US" dirty="0">
+                <a:hlinkClick r:id="rId6"/>
+              </a:rPr>
+              <a:t>https://bit.ly/2o0BK3a</a:t>
+            </a:r>
+            <a:endParaRPr lang="en-US" dirty="0"/>
+          </a:p>
+          <a:p>
+            <a:endParaRPr lang="en-US" dirty="0"/>
+          </a:p>
+          <a:p>
+            <a:pPr marL="0" indent="0">
+              <a:buNone/>
+            </a:pPr>
+            <a:endParaRPr lang="en-US" dirty="0"/>
+          </a:p>
+        </p:txBody>
+      </p:sp>
+    </p:spTree>
+    <p:extLst>
+      <p:ext uri="{BB962C8B-B14F-4D97-AF65-F5344CB8AC3E}">
+        <p14:creationId xmlns:p14="http://schemas.microsoft.com/office/powerpoint/2010/main" val="3886145085"/>
+      </p:ext>
+    </p:extLst>
+  </p:cSld>
+  <p:clrMapOvr>
+    <a:masterClrMapping/>
+  </p:clrMapOvr>
+</p:sld>
+</file>
+
+<file path=ppt/slides/slide19.xml><?xml version="1.0" encoding="utf-8"?>
+<p:sld xmlns:a="http://schemas.openxmlformats.org/drawingml/2006/main" xmlns:r="http://schemas.openxmlformats.org/officeDocument/2006/relationships" xmlns:p="http://schemas.openxmlformats.org/presentationml/2006/main">
+  <p:cSld>
+    <p:spTree>
+      <p:nvGrpSpPr>
+        <p:cNvPr id="1" name=""/>
+        <p:cNvGrpSpPr/>
+        <p:nvPr/>
+      </p:nvGrpSpPr>
+      <p:grpSpPr>
+        <a:xfrm>
+          <a:off x="0" y="0"/>
+          <a:ext cx="0" cy="0"/>
+          <a:chOff x="0" y="0"/>
+          <a:chExt cx="0" cy="0"/>
+        </a:xfrm>
+      </p:grpSpPr>
+      <p:sp>
+        <p:nvSpPr>
+          <p:cNvPr id="2" name="Title 1">
+            <a:extLst>
+              <a:ext uri="{FF2B5EF4-FFF2-40B4-BE49-F238E27FC236}">
+                <a16:creationId xmlns:a16="http://schemas.microsoft.com/office/drawing/2014/main" id="{8D5509A8-CA65-4665-B91D-29C933BC3DEB}"/>
+              </a:ext>
+            </a:extLst>
+          </p:cNvPr>
+          <p:cNvSpPr>
+            <a:spLocks noGrp="1"/>
+          </p:cNvSpPr>
+          <p:nvPr>
+            <p:ph type="title"/>
+          </p:nvPr>
+        </p:nvSpPr>
+        <p:spPr>
+          <a:xfrm>
+            <a:off x="838200" y="1076960"/>
+            <a:ext cx="10515600" cy="4135119"/>
+          </a:xfrm>
+        </p:spPr>
+        <p:txBody>
+          <a:bodyPr/>
+          <a:lstStyle/>
+          <a:p>
+            <a:pPr algn="ctr"/>
+            <a:r>
+              <a:rPr lang="en-US" dirty="0"/>
+              <a:t>Second Part of Lesson:</a:t>
+            </a:r>
+            <a:br>
+              <a:rPr lang="en-US" dirty="0"/>
+            </a:br>
+            <a:r>
+              <a:rPr lang="en-US" dirty="0"/>
+              <a:t>Installation </a:t>
+            </a:r>
+          </a:p>
+        </p:txBody>
+      </p:sp>
+    </p:spTree>
+    <p:extLst>
+      <p:ext uri="{BB962C8B-B14F-4D97-AF65-F5344CB8AC3E}">
+        <p14:creationId xmlns:p14="http://schemas.microsoft.com/office/powerpoint/2010/main" val="3052846545"/>
+      </p:ext>
+    </p:extLst>
+  </p:cSld>
+  <p:clrMapOvr>
+    <a:masterClrMapping/>
+  </p:clrMapOvr>
+</p:sld>
+</file>
+
 <file path=ppt/slides/slide2.xml><?xml version="1.0" encoding="utf-8"?>
 <p:sld xmlns:a="http://schemas.openxmlformats.org/drawingml/2006/main" xmlns:r="http://schemas.openxmlformats.org/officeDocument/2006/relationships" xmlns:p="http://schemas.openxmlformats.org/presentationml/2006/main">
   <p:cSld>
@@ -3580,6 +5721,165 @@
     <p:extLst>
       <p:ext uri="{BB962C8B-B14F-4D97-AF65-F5344CB8AC3E}">
         <p14:creationId xmlns:p14="http://schemas.microsoft.com/office/powerpoint/2010/main" val="3629832111"/>
+      </p:ext>
+    </p:extLst>
+  </p:cSld>
+  <p:clrMapOvr>
+    <a:masterClrMapping/>
+  </p:clrMapOvr>
+</p:sld>
+</file>
+
+<file path=ppt/slides/slide20.xml><?xml version="1.0" encoding="utf-8"?>
+<p:sld xmlns:a="http://schemas.openxmlformats.org/drawingml/2006/main" xmlns:r="http://schemas.openxmlformats.org/officeDocument/2006/relationships" xmlns:p="http://schemas.openxmlformats.org/presentationml/2006/main">
+  <p:cSld>
+    <p:spTree>
+      <p:nvGrpSpPr>
+        <p:cNvPr id="1" name=""/>
+        <p:cNvGrpSpPr/>
+        <p:nvPr/>
+      </p:nvGrpSpPr>
+      <p:grpSpPr>
+        <a:xfrm>
+          <a:off x="0" y="0"/>
+          <a:ext cx="0" cy="0"/>
+          <a:chOff x="0" y="0"/>
+          <a:chExt cx="0" cy="0"/>
+        </a:xfrm>
+      </p:grpSpPr>
+      <p:sp>
+        <p:nvSpPr>
+          <p:cNvPr id="2" name="Title 1">
+            <a:extLst>
+              <a:ext uri="{FF2B5EF4-FFF2-40B4-BE49-F238E27FC236}">
+                <a16:creationId xmlns:a16="http://schemas.microsoft.com/office/drawing/2014/main" id="{EDE3DF1E-EBF0-4D81-A0DD-751F4B856C9B}"/>
+              </a:ext>
+            </a:extLst>
+          </p:cNvPr>
+          <p:cNvSpPr>
+            <a:spLocks noGrp="1"/>
+          </p:cNvSpPr>
+          <p:nvPr>
+            <p:ph type="title"/>
+          </p:nvPr>
+        </p:nvSpPr>
+        <p:spPr/>
+        <p:txBody>
+          <a:bodyPr/>
+          <a:lstStyle/>
+          <a:p>
+            <a:r>
+              <a:rPr lang="en-US" dirty="0"/>
+              <a:t>Setup for Programming Lesson:</a:t>
+            </a:r>
+          </a:p>
+        </p:txBody>
+      </p:sp>
+      <p:sp>
+        <p:nvSpPr>
+          <p:cNvPr id="3" name="Content Placeholder 2">
+            <a:extLst>
+              <a:ext uri="{FF2B5EF4-FFF2-40B4-BE49-F238E27FC236}">
+                <a16:creationId xmlns:a16="http://schemas.microsoft.com/office/drawing/2014/main" id="{65699A1A-C9FA-4DA2-8A3F-553E6026E7D0}"/>
+              </a:ext>
+            </a:extLst>
+          </p:cNvPr>
+          <p:cNvSpPr>
+            <a:spLocks noGrp="1"/>
+          </p:cNvSpPr>
+          <p:nvPr>
+            <p:ph idx="1"/>
+          </p:nvPr>
+        </p:nvSpPr>
+        <p:spPr/>
+        <p:txBody>
+          <a:bodyPr/>
+          <a:lstStyle/>
+          <a:p>
+            <a:r>
+              <a:rPr lang="en-US" dirty="0"/>
+              <a:t>Adding python to path (3.5.0+)</a:t>
+            </a:r>
+          </a:p>
+          <a:p>
+            <a:r>
+              <a:rPr lang="en-US" dirty="0"/>
+              <a:t>From command line:</a:t>
+            </a:r>
+          </a:p>
+          <a:p>
+            <a:pPr lvl="1"/>
+            <a:r>
+              <a:rPr lang="en-US" dirty="0"/>
+              <a:t>Pip install </a:t>
+            </a:r>
+            <a:r>
+              <a:rPr lang="en-US" dirty="0" err="1"/>
+              <a:t>tensorflow</a:t>
+            </a:r>
+            <a:endParaRPr lang="en-US" dirty="0"/>
+          </a:p>
+          <a:p>
+            <a:pPr lvl="1"/>
+            <a:r>
+              <a:rPr lang="en-US" dirty="0"/>
+              <a:t>Pip install matplotlib</a:t>
+            </a:r>
+          </a:p>
+          <a:p>
+            <a:pPr lvl="1"/>
+            <a:r>
+              <a:rPr lang="en-US" dirty="0"/>
+              <a:t>Pip install </a:t>
+            </a:r>
+            <a:r>
+              <a:rPr lang="en-US" dirty="0" err="1"/>
+              <a:t>keras</a:t>
+            </a:r>
+            <a:endParaRPr lang="en-US" dirty="0"/>
+          </a:p>
+          <a:p>
+            <a:pPr lvl="1"/>
+            <a:r>
+              <a:rPr lang="en-US" dirty="0"/>
+              <a:t>Pip install </a:t>
+            </a:r>
+            <a:r>
+              <a:rPr lang="en-US" dirty="0" err="1"/>
+              <a:t>jupyter</a:t>
+            </a:r>
+            <a:endParaRPr lang="en-US" dirty="0"/>
+          </a:p>
+          <a:p>
+            <a:pPr lvl="1"/>
+            <a:r>
+              <a:rPr lang="en-US" dirty="0"/>
+              <a:t>Pip install </a:t>
+            </a:r>
+            <a:r>
+              <a:rPr lang="en-US" dirty="0" err="1"/>
+              <a:t>opencv</a:t>
+            </a:r>
+            <a:r>
+              <a:rPr lang="en-US" dirty="0"/>
+              <a:t>-python</a:t>
+            </a:r>
+          </a:p>
+          <a:p>
+            <a:pPr marL="457200" lvl="1" indent="0">
+              <a:buNone/>
+            </a:pPr>
+            <a:endParaRPr lang="en-US" dirty="0"/>
+          </a:p>
+          <a:p>
+            <a:endParaRPr lang="en-US" dirty="0"/>
+          </a:p>
+        </p:txBody>
+      </p:sp>
+    </p:spTree>
+    <p:extLst>
+      <p:ext uri="{BB962C8B-B14F-4D97-AF65-F5344CB8AC3E}">
+        <p14:creationId xmlns:p14="http://schemas.microsoft.com/office/powerpoint/2010/main" val="879473253"/>
       </p:ext>
     </p:extLst>
   </p:cSld>
@@ -3760,35 +6060,61 @@
           <a:bodyPr/>
           <a:lstStyle/>
           <a:p>
-            <a:endParaRPr lang="en-US"/>
-          </a:p>
-        </p:txBody>
-      </p:sp>
-      <p:sp>
-        <p:nvSpPr>
-          <p:cNvPr id="3" name="Content Placeholder 2">
-            <a:extLst>
-              <a:ext uri="{FF2B5EF4-FFF2-40B4-BE49-F238E27FC236}">
-                <a16:creationId xmlns:a16="http://schemas.microsoft.com/office/drawing/2014/main" id="{F9FCCD75-E57B-4AAD-B2ED-1EBE8E968B27}"/>
-              </a:ext>
-            </a:extLst>
-          </p:cNvPr>
-          <p:cNvSpPr>
-            <a:spLocks noGrp="1"/>
-          </p:cNvSpPr>
+            <a:r>
+              <a:rPr lang="en-US" dirty="0"/>
+              <a:t>How Does the Network Learn ?</a:t>
+            </a:r>
+          </a:p>
+        </p:txBody>
+      </p:sp>
+      <p:pic>
+        <p:nvPicPr>
+          <p:cNvPr id="4" name="Picture 2" descr="Image result for neural network layers">
+            <a:extLst>
+              <a:ext uri="{FF2B5EF4-FFF2-40B4-BE49-F238E27FC236}">
+                <a16:creationId xmlns:a16="http://schemas.microsoft.com/office/drawing/2014/main" id="{78B58DBF-520F-407E-9D3D-9770C77E18B5}"/>
+              </a:ext>
+            </a:extLst>
+          </p:cNvPr>
+          <p:cNvPicPr>
+            <a:picLocks noGrp="1" noChangeAspect="1" noChangeArrowheads="1"/>
+          </p:cNvPicPr>
           <p:nvPr>
             <p:ph idx="1"/>
           </p:nvPr>
-        </p:nvSpPr>
-        <p:spPr/>
-        <p:txBody>
-          <a:bodyPr/>
-          <a:lstStyle/>
-          <a:p>
-            <a:endParaRPr lang="en-US"/>
-          </a:p>
-        </p:txBody>
-      </p:sp>
+        </p:nvPicPr>
+        <p:blipFill>
+          <a:blip r:embed="rId3">
+            <a:extLst>
+              <a:ext uri="{28A0092B-C50C-407E-A947-70E740481C1C}">
+                <a14:useLocalDpi xmlns:a14="http://schemas.microsoft.com/office/drawing/2010/main" val="0"/>
+              </a:ext>
+            </a:extLst>
+          </a:blip>
+          <a:stretch>
+            <a:fillRect/>
+          </a:stretch>
+        </p:blipFill>
+        <p:spPr bwMode="auto">
+          <a:xfrm>
+            <a:off x="2769397" y="1825625"/>
+            <a:ext cx="6653205" cy="4351338"/>
+          </a:xfrm>
+          <a:prstGeom prst="rect">
+            <a:avLst/>
+          </a:prstGeom>
+          <a:noFill/>
+          <a:extLst>
+            <a:ext uri="{909E8E84-426E-40DD-AFC4-6F175D3DCCD1}">
+              <a14:hiddenFill xmlns:a14="http://schemas.microsoft.com/office/drawing/2010/main">
+                <a:solidFill>
+                  <a:srgbClr val="FFFFFF"/>
+                </a:solidFill>
+              </a14:hiddenFill>
+            </a:ext>
+          </a:extLst>
+        </p:spPr>
+      </p:pic>
     </p:spTree>
     <p:extLst>
       <p:ext uri="{BB962C8B-B14F-4D97-AF65-F5344CB8AC3E}">
@@ -3824,7 +6150,7 @@
           <p:cNvPr id="2" name="Title 1">
             <a:extLst>
               <a:ext uri="{FF2B5EF4-FFF2-40B4-BE49-F238E27FC236}">
-                <a16:creationId xmlns:a16="http://schemas.microsoft.com/office/drawing/2014/main" id="{5676E499-2383-4897-9029-779DABE9266B}"/>
+                <a16:creationId xmlns:a16="http://schemas.microsoft.com/office/drawing/2014/main" id="{44A50DAA-5C1B-482B-BEDC-BE4E66D5202A}"/>
               </a:ext>
             </a:extLst>
           </p:cNvPr>
@@ -3842,7 +6168,7 @@
           <a:p>
             <a:r>
               <a:rPr lang="en-US" dirty="0"/>
-              <a:t>Resources</a:t>
+              <a:t>Train Test Split</a:t>
             </a:r>
           </a:p>
         </p:txBody>
@@ -3852,7 +6178,7 @@
           <p:cNvPr id="3" name="Content Placeholder 2">
             <a:extLst>
               <a:ext uri="{FF2B5EF4-FFF2-40B4-BE49-F238E27FC236}">
-                <a16:creationId xmlns:a16="http://schemas.microsoft.com/office/drawing/2014/main" id="{BD909E8A-FD72-4468-A12D-9354F3CC463C}"/>
+                <a16:creationId xmlns:a16="http://schemas.microsoft.com/office/drawing/2014/main" id="{08BE3F26-A05F-4D26-958F-1CB4502EC252}"/>
               </a:ext>
             </a:extLst>
           </p:cNvPr>
@@ -3865,72 +6191,71 @@
         </p:nvSpPr>
         <p:spPr/>
         <p:txBody>
-          <a:bodyPr/>
-          <a:lstStyle/>
-          <a:p>
-            <a:r>
-              <a:rPr lang="en-US" dirty="0"/>
-              <a:t>Great </a:t>
-            </a:r>
-            <a:r>
-              <a:rPr lang="en-US" dirty="0" err="1"/>
-              <a:t>youtube</a:t>
-            </a:r>
-            <a:r>
-              <a:rPr lang="en-US" dirty="0"/>
-              <a:t> video: </a:t>
-            </a:r>
-            <a:r>
-              <a:rPr lang="en-US" dirty="0">
-                <a:hlinkClick r:id="rId2"/>
-              </a:rPr>
-              <a:t>https://bit.ly/2yQEKVP</a:t>
-            </a:r>
-            <a:endParaRPr lang="en-US" dirty="0"/>
-          </a:p>
-          <a:p>
-            <a:r>
-              <a:rPr lang="en-US" dirty="0"/>
-              <a:t>Article on Gradient Descent + Momentum: </a:t>
-            </a:r>
-            <a:r>
-              <a:rPr lang="en-US" dirty="0">
-                <a:hlinkClick r:id="rId3"/>
-              </a:rPr>
-              <a:t>https://bit.ly/2qsUUzS</a:t>
-            </a:r>
-            <a:endParaRPr lang="en-US" dirty="0"/>
-          </a:p>
-          <a:p>
-            <a:r>
-              <a:rPr lang="en-US" dirty="0"/>
-              <a:t>Great Blogger on Math Behind ML: </a:t>
-            </a:r>
-            <a:r>
-              <a:rPr lang="en-US" dirty="0">
-                <a:hlinkClick r:id="rId4"/>
-              </a:rPr>
-              <a:t>https://bit.ly/2j4kjME</a:t>
-            </a:r>
-            <a:endParaRPr lang="en-US" dirty="0"/>
-          </a:p>
-          <a:p>
-            <a:r>
-              <a:rPr lang="en-US" dirty="0"/>
-              <a:t>Article on SGD: </a:t>
-            </a:r>
-            <a:r>
-              <a:rPr lang="en-US" dirty="0">
-                <a:hlinkClick r:id="rId5"/>
-              </a:rPr>
-              <a:t>https://bit.ly/2LXKHEb</a:t>
-            </a:r>
-            <a:endParaRPr lang="en-US" dirty="0"/>
-          </a:p>
-          <a:p>
-            <a:pPr marL="0" indent="0">
-              <a:buNone/>
-            </a:pPr>
+          <a:bodyPr>
+            <a:normAutofit lnSpcReduction="10000"/>
+          </a:bodyPr>
+          <a:lstStyle/>
+          <a:p>
+            <a:r>
+              <a:rPr lang="en-US" dirty="0"/>
+              <a:t>To approach any ML problem, you will need a lot of data</a:t>
+            </a:r>
+          </a:p>
+          <a:p>
+            <a:r>
+              <a:rPr lang="en-US" dirty="0"/>
+              <a:t>Typically, for supervised learning problems, this data will contain the input features and corresponding label</a:t>
+            </a:r>
+          </a:p>
+          <a:p>
+            <a:r>
+              <a:rPr lang="en-US" dirty="0"/>
+              <a:t>It is common practice to randomize and then split data into 2 groups</a:t>
+            </a:r>
+          </a:p>
+          <a:p>
+            <a:pPr lvl="1"/>
+            <a:r>
+              <a:rPr lang="en-US" dirty="0"/>
+              <a:t>Train group (what algorithm will learn with)</a:t>
+            </a:r>
+          </a:p>
+          <a:p>
+            <a:pPr lvl="1"/>
+            <a:r>
+              <a:rPr lang="en-US" dirty="0"/>
+              <a:t>Test and/or Validation group (validate how algorithm is working on unseen data)</a:t>
+            </a:r>
+          </a:p>
+          <a:p>
+            <a:r>
+              <a:rPr lang="en-US" dirty="0"/>
+              <a:t>Different data splits depending on amount of data available</a:t>
+            </a:r>
+          </a:p>
+          <a:p>
+            <a:pPr lvl="1"/>
+            <a:r>
+              <a:rPr lang="en-US" dirty="0"/>
+              <a:t>70/30 : Train Test Split for medium size data (few thousand)</a:t>
+            </a:r>
+          </a:p>
+          <a:p>
+            <a:pPr lvl="1"/>
+            <a:r>
+              <a:rPr lang="en-US" dirty="0"/>
+              <a:t>70/15/15: Train Test Validation for medium size data</a:t>
+            </a:r>
+          </a:p>
+          <a:p>
+            <a:pPr lvl="1"/>
+            <a:r>
+              <a:rPr lang="en-US" dirty="0"/>
+              <a:t>90/5/5: Train Test Validation for large amounts of data</a:t>
+            </a:r>
+          </a:p>
+          <a:p>
+            <a:pPr lvl="1"/>
             <a:endParaRPr lang="en-US" dirty="0"/>
           </a:p>
         </p:txBody>
@@ -3938,7 +6263,7 @@
     </p:spTree>
     <p:extLst>
       <p:ext uri="{BB962C8B-B14F-4D97-AF65-F5344CB8AC3E}">
-        <p14:creationId xmlns:p14="http://schemas.microsoft.com/office/powerpoint/2010/main" val="3886145085"/>
+        <p14:creationId xmlns:p14="http://schemas.microsoft.com/office/powerpoint/2010/main" val="1305066997"/>
       </p:ext>
     </p:extLst>
   </p:cSld>
@@ -3970,7 +6295,7 @@
           <p:cNvPr id="2" name="Title 1">
             <a:extLst>
               <a:ext uri="{FF2B5EF4-FFF2-40B4-BE49-F238E27FC236}">
-                <a16:creationId xmlns:a16="http://schemas.microsoft.com/office/drawing/2014/main" id="{8D5509A8-CA65-4665-B91D-29C933BC3DEB}"/>
+                <a16:creationId xmlns:a16="http://schemas.microsoft.com/office/drawing/2014/main" id="{036730D6-2903-464A-9015-343CE59B35C8}"/>
               </a:ext>
             </a:extLst>
           </p:cNvPr>
@@ -3981,27 +6306,62 @@
             <p:ph type="title"/>
           </p:nvPr>
         </p:nvSpPr>
-        <p:spPr>
-          <a:xfrm>
-            <a:off x="838200" y="1076960"/>
-            <a:ext cx="10515600" cy="4135119"/>
-          </a:xfrm>
-        </p:spPr>
-        <p:txBody>
-          <a:bodyPr/>
-          <a:lstStyle/>
-          <a:p>
-            <a:pPr algn="ctr"/>
-            <a:r>
-              <a:rPr lang="en-US" dirty="0"/>
-              <a:t>Second Part of Lesson:</a:t>
-            </a:r>
-            <a:br>
-              <a:rPr lang="en-US" dirty="0"/>
-            </a:br>
-            <a:r>
-              <a:rPr lang="en-US" dirty="0"/>
-              <a:t>Installation </a:t>
+        <p:spPr/>
+        <p:txBody>
+          <a:bodyPr/>
+          <a:lstStyle/>
+          <a:p>
+            <a:r>
+              <a:rPr lang="en-US" dirty="0"/>
+              <a:t>Epoch and Training Batch</a:t>
+            </a:r>
+          </a:p>
+        </p:txBody>
+      </p:sp>
+      <p:sp>
+        <p:nvSpPr>
+          <p:cNvPr id="3" name="Content Placeholder 2">
+            <a:extLst>
+              <a:ext uri="{FF2B5EF4-FFF2-40B4-BE49-F238E27FC236}">
+                <a16:creationId xmlns:a16="http://schemas.microsoft.com/office/drawing/2014/main" id="{36F0636C-1321-4CDF-982A-EC528AF78111}"/>
+              </a:ext>
+            </a:extLst>
+          </p:cNvPr>
+          <p:cNvSpPr>
+            <a:spLocks noGrp="1"/>
+          </p:cNvSpPr>
+          <p:nvPr>
+            <p:ph idx="1"/>
+          </p:nvPr>
+        </p:nvSpPr>
+        <p:spPr/>
+        <p:txBody>
+          <a:bodyPr/>
+          <a:lstStyle/>
+          <a:p>
+            <a:r>
+              <a:rPr lang="en-US" dirty="0"/>
+              <a:t>An epoch is a single pass through </a:t>
+            </a:r>
+            <a:r>
+              <a:rPr lang="en-US" b="1" dirty="0"/>
+              <a:t>all</a:t>
+            </a:r>
+            <a:r>
+              <a:rPr lang="en-US" dirty="0"/>
+              <a:t> the training data</a:t>
+            </a:r>
+          </a:p>
+          <a:p>
+            <a:r>
+              <a:rPr lang="en-US" dirty="0"/>
+              <a:t>To improve upon learning, the data is subdivided into small groups called training batches</a:t>
+            </a:r>
+          </a:p>
+          <a:p>
+            <a:r>
+              <a:rPr lang="en-US" dirty="0"/>
+              <a:t>Training batches allow for updates to algorithm at a faster rate than through an entire epoch</a:t>
             </a:r>
           </a:p>
         </p:txBody>
@@ -4009,7 +6369,7 @@
     </p:spTree>
     <p:extLst>
       <p:ext uri="{BB962C8B-B14F-4D97-AF65-F5344CB8AC3E}">
-        <p14:creationId xmlns:p14="http://schemas.microsoft.com/office/powerpoint/2010/main" val="3052846545"/>
+        <p14:creationId xmlns:p14="http://schemas.microsoft.com/office/powerpoint/2010/main" val="1765906048"/>
       </p:ext>
     </p:extLst>
   </p:cSld>
@@ -4041,7 +6401,7 @@
           <p:cNvPr id="2" name="Title 1">
             <a:extLst>
               <a:ext uri="{FF2B5EF4-FFF2-40B4-BE49-F238E27FC236}">
-                <a16:creationId xmlns:a16="http://schemas.microsoft.com/office/drawing/2014/main" id="{0312FC47-14DA-49AB-BC6A-114BFFD2CD5A}"/>
+                <a16:creationId xmlns:a16="http://schemas.microsoft.com/office/drawing/2014/main" id="{EA15E00D-4864-495E-B05F-A9D2B07895B0}"/>
               </a:ext>
             </a:extLst>
           </p:cNvPr>
@@ -4059,55 +6419,63 @@
           <a:p>
             <a:r>
               <a:rPr lang="en-US" dirty="0"/>
-              <a:t>Setup Mac</a:t>
-            </a:r>
-          </a:p>
-        </p:txBody>
-      </p:sp>
-      <p:sp>
-        <p:nvSpPr>
-          <p:cNvPr id="3" name="Content Placeholder 2">
-            <a:extLst>
-              <a:ext uri="{FF2B5EF4-FFF2-40B4-BE49-F238E27FC236}">
-                <a16:creationId xmlns:a16="http://schemas.microsoft.com/office/drawing/2014/main" id="{80FE139B-74BB-4232-BECD-DA83B805AAD1}"/>
-              </a:ext>
-            </a:extLst>
-          </p:cNvPr>
-          <p:cNvSpPr>
-            <a:spLocks noGrp="1"/>
-          </p:cNvSpPr>
+              <a:t>Epoch and Training Batch Cont’d</a:t>
+            </a:r>
+          </a:p>
+        </p:txBody>
+      </p:sp>
+      <p:pic>
+        <p:nvPicPr>
+          <p:cNvPr id="4" name="Picture 2" descr="Image result for neural network layers">
+            <a:extLst>
+              <a:ext uri="{FF2B5EF4-FFF2-40B4-BE49-F238E27FC236}">
+                <a16:creationId xmlns:a16="http://schemas.microsoft.com/office/drawing/2014/main" id="{BA9DD014-1F2C-4AC3-A58B-C6BC26909FEA}"/>
+              </a:ext>
+            </a:extLst>
+          </p:cNvPr>
+          <p:cNvPicPr>
+            <a:picLocks noGrp="1" noChangeAspect="1" noChangeArrowheads="1"/>
+          </p:cNvPicPr>
           <p:nvPr>
             <p:ph idx="1"/>
           </p:nvPr>
-        </p:nvSpPr>
-        <p:spPr/>
-        <p:txBody>
-          <a:bodyPr/>
-          <a:lstStyle/>
-          <a:p>
-            <a:r>
-              <a:rPr lang="en-US" dirty="0"/>
-              <a:t>Install python if not already installed (3.5.0+)</a:t>
-            </a:r>
-          </a:p>
-          <a:p>
-            <a:r>
-              <a:rPr lang="en-US" dirty="0"/>
-              <a:t>Go to terminal and check if python3 is a valid command</a:t>
-            </a:r>
-          </a:p>
-          <a:p>
-            <a:r>
-              <a:rPr lang="en-US" dirty="0"/>
-              <a:t>Pip install required modules</a:t>
-            </a:r>
-          </a:p>
-        </p:txBody>
-      </p:sp>
+        </p:nvPicPr>
+        <p:blipFill>
+          <a:blip r:embed="rId3">
+            <a:extLst>
+              <a:ext uri="{28A0092B-C50C-407E-A947-70E740481C1C}">
+                <a14:useLocalDpi xmlns:a14="http://schemas.microsoft.com/office/drawing/2010/main" val="0"/>
+              </a:ext>
+            </a:extLst>
+          </a:blip>
+          <a:stretch>
+            <a:fillRect/>
+          </a:stretch>
+        </p:blipFill>
+        <p:spPr bwMode="auto">
+          <a:xfrm>
+            <a:off x="2769397" y="1825625"/>
+            <a:ext cx="6653205" cy="4351338"/>
+          </a:xfrm>
+          <a:prstGeom prst="rect">
+            <a:avLst/>
+          </a:prstGeom>
+          <a:noFill/>
+          <a:extLst>
+            <a:ext uri="{909E8E84-426E-40DD-AFC4-6F175D3DCCD1}">
+              <a14:hiddenFill xmlns:a14="http://schemas.microsoft.com/office/drawing/2010/main">
+                <a:solidFill>
+                  <a:srgbClr val="FFFFFF"/>
+                </a:solidFill>
+              </a14:hiddenFill>
+            </a:ext>
+          </a:extLst>
+        </p:spPr>
+      </p:pic>
     </p:spTree>
     <p:extLst>
       <p:ext uri="{BB962C8B-B14F-4D97-AF65-F5344CB8AC3E}">
-        <p14:creationId xmlns:p14="http://schemas.microsoft.com/office/powerpoint/2010/main" val="2587011049"/>
+        <p14:creationId xmlns:p14="http://schemas.microsoft.com/office/powerpoint/2010/main" val="3461775755"/>
       </p:ext>
     </p:extLst>
   </p:cSld>
@@ -4139,7 +6507,7 @@
           <p:cNvPr id="2" name="Title 1">
             <a:extLst>
               <a:ext uri="{FF2B5EF4-FFF2-40B4-BE49-F238E27FC236}">
-                <a16:creationId xmlns:a16="http://schemas.microsoft.com/office/drawing/2014/main" id="{EDE3DF1E-EBF0-4D81-A0DD-751F4B856C9B}"/>
+                <a16:creationId xmlns:a16="http://schemas.microsoft.com/office/drawing/2014/main" id="{7CCEB420-6532-4AB2-BD20-61B4AA43742A}"/>
               </a:ext>
             </a:extLst>
           </p:cNvPr>
@@ -4157,7 +6525,7 @@
           <a:p>
             <a:r>
               <a:rPr lang="en-US" dirty="0"/>
-              <a:t>Setup Windows:</a:t>
+              <a:t>Loss and Cost</a:t>
             </a:r>
           </a:p>
         </p:txBody>
@@ -4167,7 +6535,7 @@
           <p:cNvPr id="3" name="Content Placeholder 2">
             <a:extLst>
               <a:ext uri="{FF2B5EF4-FFF2-40B4-BE49-F238E27FC236}">
-                <a16:creationId xmlns:a16="http://schemas.microsoft.com/office/drawing/2014/main" id="{65699A1A-C9FA-4DA2-8A3F-553E6026E7D0}"/>
+                <a16:creationId xmlns:a16="http://schemas.microsoft.com/office/drawing/2014/main" id="{DB7BE144-D9DD-4D00-A9AD-103C1D2245E4}"/>
               </a:ext>
             </a:extLst>
           </p:cNvPr>
@@ -4185,63 +6553,55 @@
           <a:p>
             <a:r>
               <a:rPr lang="en-US" dirty="0"/>
-              <a:t>Adding python to path (3.5.0+)</a:t>
-            </a:r>
-          </a:p>
-          <a:p>
-            <a:r>
-              <a:rPr lang="en-US" dirty="0"/>
-              <a:t>Pip install </a:t>
-            </a:r>
-            <a:r>
-              <a:rPr lang="en-US" dirty="0" err="1"/>
-              <a:t>tensorflow</a:t>
-            </a:r>
-            <a:r>
-              <a:rPr lang="en-US" dirty="0"/>
-              <a:t> from command line</a:t>
-            </a:r>
-          </a:p>
-          <a:p>
-            <a:r>
-              <a:rPr lang="en-US" dirty="0"/>
-              <a:t>Pip install matplotlib</a:t>
-            </a:r>
-          </a:p>
-          <a:p>
-            <a:r>
-              <a:rPr lang="en-US" dirty="0"/>
-              <a:t>Pip install </a:t>
-            </a:r>
-            <a:r>
-              <a:rPr lang="en-US" dirty="0" err="1"/>
-              <a:t>keras</a:t>
-            </a:r>
-            <a:endParaRPr lang="en-US" dirty="0"/>
-          </a:p>
-          <a:p>
-            <a:r>
-              <a:rPr lang="en-US" dirty="0"/>
-              <a:t>Pip install </a:t>
-            </a:r>
-            <a:r>
-              <a:rPr lang="en-US" dirty="0" err="1"/>
-              <a:t>jupyter</a:t>
-            </a:r>
-            <a:endParaRPr lang="en-US" dirty="0"/>
-          </a:p>
-          <a:p>
-            <a:r>
-              <a:rPr lang="en-US" dirty="0"/>
-              <a:t>Pip install </a:t>
-            </a:r>
-            <a:r>
-              <a:rPr lang="en-US" dirty="0" err="1"/>
-              <a:t>opencv</a:t>
-            </a:r>
-            <a:r>
-              <a:rPr lang="en-US" dirty="0"/>
-              <a:t>-python</a:t>
+              <a:t>Loss (or error) function is used to determine how good </a:t>
+            </a:r>
+            <a:r>
+              <a:rPr lang="cy-GB" dirty="0"/>
+              <a:t>ŷ (predicted vale from algorithm’s output)</a:t>
+            </a:r>
+            <a:r>
+              <a:rPr lang="en-US" dirty="0"/>
+              <a:t> is in relation to </a:t>
+            </a:r>
+            <a:r>
+              <a:rPr lang="cy-GB" dirty="0"/>
+              <a:t>y (labeled value) on a single training example</a:t>
+            </a:r>
+          </a:p>
+          <a:p>
+            <a:r>
+              <a:rPr lang="cy-GB" dirty="0"/>
+              <a:t>Conversely cost, is the loss function applied to a group of data with their values averaged</a:t>
+            </a:r>
+          </a:p>
+          <a:p>
+            <a:r>
+              <a:rPr lang="cy-GB" dirty="0"/>
+              <a:t>These values are to be minimized over time as we want:</a:t>
+            </a:r>
+          </a:p>
+          <a:p>
+            <a:pPr marL="914400" lvl="2" indent="0">
+              <a:buNone/>
+            </a:pPr>
+            <a:r>
+              <a:rPr lang="cy-GB" dirty="0"/>
+              <a:t>			 ŷ </a:t>
+            </a:r>
+            <a:r>
+              <a:rPr lang="en-US" b="1" dirty="0"/>
+              <a:t>≈ </a:t>
+            </a:r>
+            <a:r>
+              <a:rPr lang="en-US" dirty="0"/>
+              <a:t>y</a:t>
+            </a:r>
+            <a:endParaRPr lang="cy-GB" dirty="0"/>
+          </a:p>
+          <a:p>
+            <a:r>
+              <a:rPr lang="cy-GB" dirty="0"/>
+              <a:t>There are many loss functions but we will briefly go over 2 most common ones.</a:t>
             </a:r>
           </a:p>
           <a:p>
@@ -4252,7 +6612,7 @@
     </p:spTree>
     <p:extLst>
       <p:ext uri="{BB962C8B-B14F-4D97-AF65-F5344CB8AC3E}">
-        <p14:creationId xmlns:p14="http://schemas.microsoft.com/office/powerpoint/2010/main" val="879473253"/>
+        <p14:creationId xmlns:p14="http://schemas.microsoft.com/office/powerpoint/2010/main" val="4007438207"/>
       </p:ext>
     </p:extLst>
   </p:cSld>
@@ -4284,7 +6644,7 @@
           <p:cNvPr id="2" name="Title 1">
             <a:extLst>
               <a:ext uri="{FF2B5EF4-FFF2-40B4-BE49-F238E27FC236}">
-                <a16:creationId xmlns:a16="http://schemas.microsoft.com/office/drawing/2014/main" id="{3AD95E31-F638-4D37-862D-BAC7B70649B7}"/>
+                <a16:creationId xmlns:a16="http://schemas.microsoft.com/office/drawing/2014/main" id="{24D0856F-2BD0-47D4-A16F-C2954D971F12}"/>
               </a:ext>
             </a:extLst>
           </p:cNvPr>
@@ -4300,39 +6660,411 @@
           <a:bodyPr/>
           <a:lstStyle/>
           <a:p>
-            <a:endParaRPr lang="en-US"/>
-          </a:p>
-        </p:txBody>
-      </p:sp>
-      <p:sp>
-        <p:nvSpPr>
-          <p:cNvPr id="3" name="Content Placeholder 2">
-            <a:extLst>
-              <a:ext uri="{FF2B5EF4-FFF2-40B4-BE49-F238E27FC236}">
-                <a16:creationId xmlns:a16="http://schemas.microsoft.com/office/drawing/2014/main" id="{401C14CF-57C8-49D0-A97B-84131558595A}"/>
-              </a:ext>
-            </a:extLst>
-          </p:cNvPr>
-          <p:cNvSpPr>
-            <a:spLocks noGrp="1"/>
-          </p:cNvSpPr>
-          <p:nvPr>
-            <p:ph idx="1"/>
-          </p:nvPr>
-        </p:nvSpPr>
-        <p:spPr/>
-        <p:txBody>
-          <a:bodyPr/>
-          <a:lstStyle/>
-          <a:p>
-            <a:endParaRPr lang="en-US"/>
-          </a:p>
-        </p:txBody>
-      </p:sp>
+            <a:r>
+              <a:rPr lang="en-US" dirty="0"/>
+              <a:t>Logarithmic (Log) Loss</a:t>
+            </a:r>
+          </a:p>
+        </p:txBody>
+      </p:sp>
+      <mc:AlternateContent xmlns:mc="http://schemas.openxmlformats.org/markup-compatibility/2006">
+        <mc:Choice xmlns:a14="http://schemas.microsoft.com/office/drawing/2010/main" Requires="a14">
+          <p:sp>
+            <p:nvSpPr>
+              <p:cNvPr id="3" name="Content Placeholder 2">
+                <a:extLst>
+                  <a:ext uri="{FF2B5EF4-FFF2-40B4-BE49-F238E27FC236}">
+                    <a16:creationId xmlns:a16="http://schemas.microsoft.com/office/drawing/2014/main" id="{BD2C5A33-C1B4-44DE-BD96-3EA94305A6B5}"/>
+                  </a:ext>
+                </a:extLst>
+              </p:cNvPr>
+              <p:cNvSpPr>
+                <a:spLocks noGrp="1"/>
+              </p:cNvSpPr>
+              <p:nvPr>
+                <p:ph idx="1"/>
+              </p:nvPr>
+            </p:nvSpPr>
+            <p:spPr/>
+            <p:txBody>
+              <a:bodyPr/>
+              <a:lstStyle/>
+              <a:p>
+                <a:r>
+                  <a:rPr lang="en-US" dirty="0"/>
+                  <a:t>Log Loss quantifies the accuracy of a classifier by </a:t>
+                </a:r>
+                <a:r>
+                  <a:rPr lang="en-US" dirty="0" err="1"/>
+                  <a:t>penalising</a:t>
+                </a:r>
+                <a:r>
+                  <a:rPr lang="en-US" dirty="0"/>
+                  <a:t> false classifications</a:t>
+                </a:r>
+              </a:p>
+              <a:p>
+                <a:r>
+                  <a:rPr lang="en-US" dirty="0" err="1"/>
+                  <a:t>Minimising</a:t>
+                </a:r>
+                <a:r>
+                  <a:rPr lang="en-US" dirty="0"/>
+                  <a:t> the Log Loss is basically equivalent to </a:t>
+                </a:r>
+                <a:r>
+                  <a:rPr lang="en-US" dirty="0" err="1"/>
+                  <a:t>maximising</a:t>
+                </a:r>
+                <a:r>
+                  <a:rPr lang="en-US" dirty="0"/>
+                  <a:t> the accuracy of the classifier</a:t>
+                </a:r>
+              </a:p>
+              <a:p>
+                <a:r>
+                  <a:rPr lang="en-US" dirty="0"/>
+                  <a:t>When there are two classes the following is used:</a:t>
+                </a:r>
+              </a:p>
+              <a:p>
+                <a:pPr marL="457200" lvl="1" indent="0">
+                  <a:buNone/>
+                </a:pPr>
+                <a14:m>
+                  <m:oMathPara xmlns:m="http://schemas.openxmlformats.org/officeDocument/2006/math">
+                    <m:oMathParaPr>
+                      <m:jc m:val="centerGroup"/>
+                    </m:oMathParaPr>
+                    <m:oMath xmlns:m="http://schemas.openxmlformats.org/officeDocument/2006/math">
+                      <m:r>
+                        <a:rPr lang="en-US" b="0" i="1" smtClean="0">
+                          <a:latin typeface="Cambria Math" panose="02040503050406030204" pitchFamily="18" charset="0"/>
+                        </a:rPr>
+                        <m:t>𝐿𝑜𝑔</m:t>
+                      </m:r>
+                      <m:r>
+                        <a:rPr lang="en-US" b="0" i="1" smtClean="0">
+                          <a:latin typeface="Cambria Math" panose="02040503050406030204" pitchFamily="18" charset="0"/>
+                        </a:rPr>
+                        <m:t>= </m:t>
+                      </m:r>
+                      <m:f>
+                        <m:fPr>
+                          <m:ctrlPr>
+                            <a:rPr lang="en-US" b="0" i="1" smtClean="0">
+                              <a:latin typeface="Cambria Math" panose="02040503050406030204" pitchFamily="18" charset="0"/>
+                            </a:rPr>
+                          </m:ctrlPr>
+                        </m:fPr>
+                        <m:num>
+                          <m:r>
+                            <a:rPr lang="en-US" b="0" i="1" smtClean="0">
+                              <a:latin typeface="Cambria Math" panose="02040503050406030204" pitchFamily="18" charset="0"/>
+                            </a:rPr>
+                            <m:t>−1</m:t>
+                          </m:r>
+                        </m:num>
+                        <m:den>
+                          <m:r>
+                            <a:rPr lang="en-US" b="0" i="1" smtClean="0">
+                              <a:latin typeface="Cambria Math" panose="02040503050406030204" pitchFamily="18" charset="0"/>
+                            </a:rPr>
+                            <m:t>𝑁</m:t>
+                          </m:r>
+                        </m:den>
+                      </m:f>
+                      <m:nary>
+                        <m:naryPr>
+                          <m:chr m:val="∑"/>
+                          <m:ctrlPr>
+                            <a:rPr lang="en-US" b="0" i="1" smtClean="0">
+                              <a:latin typeface="Cambria Math" panose="02040503050406030204" pitchFamily="18" charset="0"/>
+                            </a:rPr>
+                          </m:ctrlPr>
+                        </m:naryPr>
+                        <m:sub>
+                          <m:r>
+                            <m:rPr>
+                              <m:brk m:alnAt="23"/>
+                            </m:rPr>
+                            <a:rPr lang="en-US" b="0" i="1" smtClean="0">
+                              <a:latin typeface="Cambria Math" panose="02040503050406030204" pitchFamily="18" charset="0"/>
+                            </a:rPr>
+                            <m:t>𝑖</m:t>
+                          </m:r>
+                          <m:r>
+                            <a:rPr lang="en-US" b="0" i="1" smtClean="0">
+                              <a:latin typeface="Cambria Math" panose="02040503050406030204" pitchFamily="18" charset="0"/>
+                            </a:rPr>
+                            <m:t>=1</m:t>
+                          </m:r>
+                        </m:sub>
+                        <m:sup>
+                          <m:r>
+                            <a:rPr lang="en-US" b="0" i="1" smtClean="0">
+                              <a:latin typeface="Cambria Math" panose="02040503050406030204" pitchFamily="18" charset="0"/>
+                            </a:rPr>
+                            <m:t>𝑁</m:t>
+                          </m:r>
+                        </m:sup>
+                        <m:e>
+                          <m:r>
+                            <a:rPr lang="en-US" b="0" i="1" smtClean="0">
+                              <a:latin typeface="Cambria Math" panose="02040503050406030204" pitchFamily="18" charset="0"/>
+                            </a:rPr>
+                            <m:t>[</m:t>
+                          </m:r>
+                          <m:sSub>
+                            <m:sSubPr>
+                              <m:ctrlPr>
+                                <a:rPr lang="en-US" b="0" i="1" smtClean="0">
+                                  <a:latin typeface="Cambria Math" panose="02040503050406030204" pitchFamily="18" charset="0"/>
+                                </a:rPr>
+                              </m:ctrlPr>
+                            </m:sSubPr>
+                            <m:e>
+                              <m:r>
+                                <a:rPr lang="en-US" b="0" i="1" smtClean="0">
+                                  <a:latin typeface="Cambria Math" panose="02040503050406030204" pitchFamily="18" charset="0"/>
+                                </a:rPr>
+                                <m:t>𝑦</m:t>
+                              </m:r>
+                            </m:e>
+                            <m:sub>
+                              <m:r>
+                                <a:rPr lang="en-US" b="0" i="1" smtClean="0">
+                                  <a:latin typeface="Cambria Math" panose="02040503050406030204" pitchFamily="18" charset="0"/>
+                                </a:rPr>
+                                <m:t>𝑖</m:t>
+                              </m:r>
+                            </m:sub>
+                          </m:sSub>
+                          <m:r>
+                            <a:rPr lang="en-US" b="0" i="1" smtClean="0">
+                              <a:latin typeface="Cambria Math" panose="02040503050406030204" pitchFamily="18" charset="0"/>
+                              <a:ea typeface="Cambria Math" panose="02040503050406030204" pitchFamily="18" charset="0"/>
+                            </a:rPr>
+                            <m:t>∙</m:t>
+                          </m:r>
+                          <m:func>
+                            <m:funcPr>
+                              <m:ctrlPr>
+                                <a:rPr lang="en-US" b="0" i="1" smtClean="0">
+                                  <a:latin typeface="Cambria Math" panose="02040503050406030204" pitchFamily="18" charset="0"/>
+                                  <a:ea typeface="Cambria Math" panose="02040503050406030204" pitchFamily="18" charset="0"/>
+                                </a:rPr>
+                              </m:ctrlPr>
+                            </m:funcPr>
+                            <m:fName>
+                              <m:r>
+                                <m:rPr>
+                                  <m:sty m:val="p"/>
+                                </m:rPr>
+                                <a:rPr lang="en-US" b="0" i="0" smtClean="0">
+                                  <a:latin typeface="Cambria Math" panose="02040503050406030204" pitchFamily="18" charset="0"/>
+                                  <a:ea typeface="Cambria Math" panose="02040503050406030204" pitchFamily="18" charset="0"/>
+                                </a:rPr>
+                                <m:t>log</m:t>
+                              </m:r>
+                            </m:fName>
+                            <m:e>
+                              <m:d>
+                                <m:dPr>
+                                  <m:ctrlPr>
+                                    <a:rPr lang="en-US" i="1">
+                                      <a:latin typeface="Cambria Math" panose="02040503050406030204" pitchFamily="18" charset="0"/>
+                                      <a:ea typeface="Cambria Math" panose="02040503050406030204" pitchFamily="18" charset="0"/>
+                                    </a:rPr>
+                                  </m:ctrlPr>
+                                </m:dPr>
+                                <m:e>
+                                  <m:sSub>
+                                    <m:sSubPr>
+                                      <m:ctrlPr>
+                                        <a:rPr lang="en-US" i="1" smtClean="0">
+                                          <a:latin typeface="Cambria Math" panose="02040503050406030204" pitchFamily="18" charset="0"/>
+                                          <a:ea typeface="Cambria Math" panose="02040503050406030204" pitchFamily="18" charset="0"/>
+                                        </a:rPr>
+                                      </m:ctrlPr>
+                                    </m:sSubPr>
+                                    <m:e>
+                                      <m:r>
+                                        <a:rPr lang="cy-GB" i="1">
+                                          <a:latin typeface="Cambria Math" panose="02040503050406030204" pitchFamily="18" charset="0"/>
+                                          <a:ea typeface="Cambria Math" panose="02040503050406030204" pitchFamily="18" charset="0"/>
+                                        </a:rPr>
+                                        <m:t>ŷ</m:t>
+                                      </m:r>
+                                    </m:e>
+                                    <m:sub>
+                                      <m:r>
+                                        <a:rPr lang="en-US" b="0" i="1" smtClean="0">
+                                          <a:latin typeface="Cambria Math" panose="02040503050406030204" pitchFamily="18" charset="0"/>
+                                          <a:ea typeface="Cambria Math" panose="02040503050406030204" pitchFamily="18" charset="0"/>
+                                        </a:rPr>
+                                        <m:t>𝑖</m:t>
+                                      </m:r>
+                                    </m:sub>
+                                  </m:sSub>
+                                </m:e>
+                              </m:d>
+                            </m:e>
+                          </m:func>
+                          <m:r>
+                            <a:rPr lang="en-US" b="0" i="1" smtClean="0">
+                              <a:latin typeface="Cambria Math" panose="02040503050406030204" pitchFamily="18" charset="0"/>
+                              <a:ea typeface="Cambria Math" panose="02040503050406030204" pitchFamily="18" charset="0"/>
+                            </a:rPr>
+                            <m:t>+(1 −</m:t>
+                          </m:r>
+                          <m:sSub>
+                            <m:sSubPr>
+                              <m:ctrlPr>
+                                <a:rPr lang="en-US" b="0" i="1" smtClean="0">
+                                  <a:latin typeface="Cambria Math" panose="02040503050406030204" pitchFamily="18" charset="0"/>
+                                  <a:ea typeface="Cambria Math" panose="02040503050406030204" pitchFamily="18" charset="0"/>
+                                </a:rPr>
+                              </m:ctrlPr>
+                            </m:sSubPr>
+                            <m:e>
+                              <m:r>
+                                <a:rPr lang="en-US" b="0" i="1" smtClean="0">
+                                  <a:latin typeface="Cambria Math" panose="02040503050406030204" pitchFamily="18" charset="0"/>
+                                  <a:ea typeface="Cambria Math" panose="02040503050406030204" pitchFamily="18" charset="0"/>
+                                </a:rPr>
+                                <m:t>𝑦</m:t>
+                              </m:r>
+                            </m:e>
+                            <m:sub>
+                              <m:r>
+                                <a:rPr lang="en-US" b="0" i="1" smtClean="0">
+                                  <a:latin typeface="Cambria Math" panose="02040503050406030204" pitchFamily="18" charset="0"/>
+                                  <a:ea typeface="Cambria Math" panose="02040503050406030204" pitchFamily="18" charset="0"/>
+                                </a:rPr>
+                                <m:t>𝑖</m:t>
+                              </m:r>
+                            </m:sub>
+                          </m:sSub>
+                          <m:r>
+                            <a:rPr lang="en-US" b="0" i="1" smtClean="0">
+                              <a:latin typeface="Cambria Math" panose="02040503050406030204" pitchFamily="18" charset="0"/>
+                              <a:ea typeface="Cambria Math" panose="02040503050406030204" pitchFamily="18" charset="0"/>
+                            </a:rPr>
+                            <m:t>)∙</m:t>
+                          </m:r>
+                          <m:r>
+                            <m:rPr>
+                              <m:sty m:val="p"/>
+                            </m:rPr>
+                            <a:rPr lang="en-US" b="0" i="0" smtClean="0">
+                              <a:latin typeface="Cambria Math" panose="02040503050406030204" pitchFamily="18" charset="0"/>
+                              <a:ea typeface="Cambria Math" panose="02040503050406030204" pitchFamily="18" charset="0"/>
+                            </a:rPr>
+                            <m:t>log</m:t>
+                          </m:r>
+                          <m:r>
+                            <a:rPr lang="en-US" b="0" i="1" smtClean="0">
+                              <a:latin typeface="Cambria Math" panose="02040503050406030204" pitchFamily="18" charset="0"/>
+                              <a:ea typeface="Cambria Math" panose="02040503050406030204" pitchFamily="18" charset="0"/>
+                            </a:rPr>
+                            <m:t>⁡(1 − </m:t>
+                          </m:r>
+                          <m:sSub>
+                            <m:sSubPr>
+                              <m:ctrlPr>
+                                <a:rPr lang="en-US" b="0" i="1" smtClean="0">
+                                  <a:latin typeface="Cambria Math" panose="02040503050406030204" pitchFamily="18" charset="0"/>
+                                  <a:ea typeface="Cambria Math" panose="02040503050406030204" pitchFamily="18" charset="0"/>
+                                </a:rPr>
+                              </m:ctrlPr>
+                            </m:sSubPr>
+                            <m:e>
+                              <m:r>
+                                <a:rPr lang="cy-GB" i="1">
+                                  <a:latin typeface="Cambria Math" panose="02040503050406030204" pitchFamily="18" charset="0"/>
+                                  <a:ea typeface="Cambria Math" panose="02040503050406030204" pitchFamily="18" charset="0"/>
+                                </a:rPr>
+                                <m:t>ŷ</m:t>
+                              </m:r>
+                            </m:e>
+                            <m:sub>
+                              <m:r>
+                                <a:rPr lang="en-US" b="0" i="1" smtClean="0">
+                                  <a:latin typeface="Cambria Math" panose="02040503050406030204" pitchFamily="18" charset="0"/>
+                                  <a:ea typeface="Cambria Math" panose="02040503050406030204" pitchFamily="18" charset="0"/>
+                                </a:rPr>
+                                <m:t>𝑖</m:t>
+                              </m:r>
+                            </m:sub>
+                          </m:sSub>
+                          <m:r>
+                            <a:rPr lang="en-US" b="0" i="1" smtClean="0">
+                              <a:latin typeface="Cambria Math" panose="02040503050406030204" pitchFamily="18" charset="0"/>
+                              <a:ea typeface="Cambria Math" panose="02040503050406030204" pitchFamily="18" charset="0"/>
+                            </a:rPr>
+                            <m:t>)</m:t>
+                          </m:r>
+                          <m:r>
+                            <a:rPr lang="en-US" b="0" i="1" smtClean="0">
+                              <a:latin typeface="Cambria Math" panose="02040503050406030204" pitchFamily="18" charset="0"/>
+                            </a:rPr>
+                            <m:t>]</m:t>
+                          </m:r>
+                        </m:e>
+                      </m:nary>
+                    </m:oMath>
+                  </m:oMathPara>
+                </a14:m>
+                <a:endParaRPr lang="en-US" dirty="0"/>
+              </a:p>
+            </p:txBody>
+          </p:sp>
+        </mc:Choice>
+        <mc:Fallback>
+          <p:sp>
+            <p:nvSpPr>
+              <p:cNvPr id="3" name="Content Placeholder 2">
+                <a:extLst>
+                  <a:ext uri="{FF2B5EF4-FFF2-40B4-BE49-F238E27FC236}">
+                    <a16:creationId xmlns:a16="http://schemas.microsoft.com/office/drawing/2014/main" id="{BD2C5A33-C1B4-44DE-BD96-3EA94305A6B5}"/>
+                  </a:ext>
+                </a:extLst>
+              </p:cNvPr>
+              <p:cNvSpPr>
+                <a:spLocks noGrp="1" noRot="1" noChangeAspect="1" noMove="1" noResize="1" noEditPoints="1" noAdjustHandles="1" noChangeArrowheads="1" noChangeShapeType="1" noTextEdit="1"/>
+              </p:cNvSpPr>
+              <p:nvPr>
+                <p:ph idx="1"/>
+              </p:nvPr>
+            </p:nvSpPr>
+            <p:spPr>
+              <a:blipFill>
+                <a:blip r:embed="rId2"/>
+                <a:stretch>
+                  <a:fillRect l="-1043" t="-2241"/>
+                </a:stretch>
+              </a:blipFill>
+            </p:spPr>
+            <p:txBody>
+              <a:bodyPr/>
+              <a:lstStyle/>
+              <a:p>
+                <a:r>
+                  <a:rPr lang="en-US">
+                    <a:noFill/>
+                  </a:rPr>
+                  <a:t> </a:t>
+                </a:r>
+              </a:p>
+            </p:txBody>
+          </p:sp>
+        </mc:Fallback>
+      </mc:AlternateContent>
     </p:spTree>
     <p:extLst>
       <p:ext uri="{BB962C8B-B14F-4D97-AF65-F5344CB8AC3E}">
-        <p14:creationId xmlns:p14="http://schemas.microsoft.com/office/powerpoint/2010/main" val="3230342614"/>
+        <p14:creationId xmlns:p14="http://schemas.microsoft.com/office/powerpoint/2010/main" val="2470327581"/>
       </p:ext>
     </p:extLst>
   </p:cSld>
@@ -4635,4 +7367,299 @@
     </a:ext>
   </a:extLst>
 </a:theme>
+</file>
+
+<file path=ppt/theme/theme2.xml><?xml version="1.0" encoding="utf-8"?>
+<a:theme xmlns:a="http://schemas.openxmlformats.org/drawingml/2006/main" name="Office Theme">
+  <a:themeElements>
+    <a:clrScheme name="Office">
+      <a:dk1>
+        <a:sysClr val="windowText" lastClr="000000"/>
+      </a:dk1>
+      <a:lt1>
+        <a:sysClr val="window" lastClr="FFFFFF"/>
+      </a:lt1>
+      <a:dk2>
+        <a:srgbClr val="44546A"/>
+      </a:dk2>
+      <a:lt2>
+        <a:srgbClr val="E7E6E6"/>
+      </a:lt2>
+      <a:accent1>
+        <a:srgbClr val="4472C4"/>
+      </a:accent1>
+      <a:accent2>
+        <a:srgbClr val="ED7D31"/>
+      </a:accent2>
+      <a:accent3>
+        <a:srgbClr val="A5A5A5"/>
+      </a:accent3>
+      <a:accent4>
+        <a:srgbClr val="FFC000"/>
+      </a:accent4>
+      <a:accent5>
+        <a:srgbClr val="5B9BD5"/>
+      </a:accent5>
+      <a:accent6>
+        <a:srgbClr val="70AD47"/>
+      </a:accent6>
+      <a:hlink>
+        <a:srgbClr val="0563C1"/>
+      </a:hlink>
+      <a:folHlink>
+        <a:srgbClr val="954F72"/>
+      </a:folHlink>
+    </a:clrScheme>
+    <a:fontScheme name="Office">
+      <a:majorFont>
+        <a:latin typeface="Calibri Light" panose="020F0302020204030204"/>
+        <a:ea typeface=""/>
+        <a:cs typeface=""/>
+        <a:font script="Jpan" typeface="游ゴシック Light"/>
+        <a:font script="Hang" typeface="맑은 고딕"/>
+        <a:font script="Hans" typeface="等线 Light"/>
+        <a:font script="Hant" typeface="新細明體"/>
+        <a:font script="Arab" typeface="Times New Roman"/>
+        <a:font script="Hebr" typeface="Times New Roman"/>
+        <a:font script="Thai" typeface="Angsana New"/>
+        <a:font script="Ethi" typeface="Nyala"/>
+        <a:font script="Beng" typeface="Vrinda"/>
+        <a:font script="Gujr" typeface="Shruti"/>
+        <a:font script="Khmr" typeface="MoolBoran"/>
+        <a:font script="Knda" typeface="Tunga"/>
+        <a:font script="Guru" typeface="Raavi"/>
+        <a:font script="Cans" typeface="Euphemia"/>
+        <a:font script="Cher" typeface="Plantagenet Cherokee"/>
+        <a:font script="Yiii" typeface="Microsoft Yi Baiti"/>
+        <a:font script="Tibt" typeface="Microsoft Himalaya"/>
+        <a:font script="Thaa" typeface="MV Boli"/>
+        <a:font script="Deva" typeface="Mangal"/>
+        <a:font script="Telu" typeface="Gautami"/>
+        <a:font script="Taml" typeface="Latha"/>
+        <a:font script="Syrc" typeface="Estrangelo Edessa"/>
+        <a:font script="Orya" typeface="Kalinga"/>
+        <a:font script="Mlym" typeface="Kartika"/>
+        <a:font script="Laoo" typeface="DokChampa"/>
+        <a:font script="Sinh" typeface="Iskoola Pota"/>
+        <a:font script="Mong" typeface="Mongolian Baiti"/>
+        <a:font script="Viet" typeface="Times New Roman"/>
+        <a:font script="Uigh" typeface="Microsoft Uighur"/>
+        <a:font script="Geor" typeface="Sylfaen"/>
+        <a:font script="Armn" typeface="Arial"/>
+        <a:font script="Bugi" typeface="Leelawadee UI"/>
+        <a:font script="Bopo" typeface="Microsoft JhengHei"/>
+        <a:font script="Java" typeface="Javanese Text"/>
+        <a:font script="Lisu" typeface="Segoe UI"/>
+        <a:font script="Mymr" typeface="Myanmar Text"/>
+        <a:font script="Nkoo" typeface="Ebrima"/>
+        <a:font script="Olck" typeface="Nirmala UI"/>
+        <a:font script="Osma" typeface="Ebrima"/>
+        <a:font script="Phag" typeface="Phagspa"/>
+        <a:font script="Syrn" typeface="Estrangelo Edessa"/>
+        <a:font script="Syrj" typeface="Estrangelo Edessa"/>
+        <a:font script="Syre" typeface="Estrangelo Edessa"/>
+        <a:font script="Sora" typeface="Nirmala UI"/>
+        <a:font script="Tale" typeface="Microsoft Tai Le"/>
+        <a:font script="Talu" typeface="Microsoft New Tai Lue"/>
+        <a:font script="Tfng" typeface="Ebrima"/>
+      </a:majorFont>
+      <a:minorFont>
+        <a:latin typeface="Calibri" panose="020F0502020204030204"/>
+        <a:ea typeface=""/>
+        <a:cs typeface=""/>
+        <a:font script="Jpan" typeface="游ゴシック"/>
+        <a:font script="Hang" typeface="맑은 고딕"/>
+        <a:font script="Hans" typeface="等线"/>
+        <a:font script="Hant" typeface="新細明體"/>
+        <a:font script="Arab" typeface="Arial"/>
+        <a:font script="Hebr" typeface="Arial"/>
+        <a:font script="Thai" typeface="Cordia New"/>
+        <a:font script="Ethi" typeface="Nyala"/>
+        <a:font script="Beng" typeface="Vrinda"/>
+        <a:font script="Gujr" typeface="Shruti"/>
+        <a:font script="Khmr" typeface="DaunPenh"/>
+        <a:font script="Knda" typeface="Tunga"/>
+        <a:font script="Guru" typeface="Raavi"/>
+        <a:font script="Cans" typeface="Euphemia"/>
+        <a:font script="Cher" typeface="Plantagenet Cherokee"/>
+        <a:font script="Yiii" typeface="Microsoft Yi Baiti"/>
+        <a:font script="Tibt" typeface="Microsoft Himalaya"/>
+        <a:font script="Thaa" typeface="MV Boli"/>
+        <a:font script="Deva" typeface="Mangal"/>
+        <a:font script="Telu" typeface="Gautami"/>
+        <a:font script="Taml" typeface="Latha"/>
+        <a:font script="Syrc" typeface="Estrangelo Edessa"/>
+        <a:font script="Orya" typeface="Kalinga"/>
+        <a:font script="Mlym" typeface="Kartika"/>
+        <a:font script="Laoo" typeface="DokChampa"/>
+        <a:font script="Sinh" typeface="Iskoola Pota"/>
+        <a:font script="Mong" typeface="Mongolian Baiti"/>
+        <a:font script="Viet" typeface="Arial"/>
+        <a:font script="Uigh" typeface="Microsoft Uighur"/>
+        <a:font script="Geor" typeface="Sylfaen"/>
+        <a:font script="Armn" typeface="Arial"/>
+        <a:font script="Bugi" typeface="Leelawadee UI"/>
+        <a:font script="Bopo" typeface="Microsoft JhengHei"/>
+        <a:font script="Java" typeface="Javanese Text"/>
+        <a:font script="Lisu" typeface="Segoe UI"/>
+        <a:font script="Mymr" typeface="Myanmar Text"/>
+        <a:font script="Nkoo" typeface="Ebrima"/>
+        <a:font script="Olck" typeface="Nirmala UI"/>
+        <a:font script="Osma" typeface="Ebrima"/>
+        <a:font script="Phag" typeface="Phagspa"/>
+        <a:font script="Syrn" typeface="Estrangelo Edessa"/>
+        <a:font script="Syrj" typeface="Estrangelo Edessa"/>
+        <a:font script="Syre" typeface="Estrangelo Edessa"/>
+        <a:font script="Sora" typeface="Nirmala UI"/>
+        <a:font script="Tale" typeface="Microsoft Tai Le"/>
+        <a:font script="Talu" typeface="Microsoft New Tai Lue"/>
+        <a:font script="Tfng" typeface="Ebrima"/>
+      </a:minorFont>
+    </a:fontScheme>
+    <a:fmtScheme name="Office">
+      <a:fillStyleLst>
+        <a:solidFill>
+          <a:schemeClr val="phClr"/>
+        </a:solidFill>
+        <a:gradFill rotWithShape="1">
+          <a:gsLst>
+            <a:gs pos="0">
+              <a:schemeClr val="phClr">
+                <a:lumMod val="110000"/>
+                <a:satMod val="105000"/>
+                <a:tint val="67000"/>
+              </a:schemeClr>
+            </a:gs>
+            <a:gs pos="50000">
+              <a:schemeClr val="phClr">
+                <a:lumMod val="105000"/>
+                <a:satMod val="103000"/>
+                <a:tint val="73000"/>
+              </a:schemeClr>
+            </a:gs>
+            <a:gs pos="100000">
+              <a:schemeClr val="phClr">
+                <a:lumMod val="105000"/>
+                <a:satMod val="109000"/>
+                <a:tint val="81000"/>
+              </a:schemeClr>
+            </a:gs>
+          </a:gsLst>
+          <a:lin ang="5400000" scaled="0"/>
+        </a:gradFill>
+        <a:gradFill rotWithShape="1">
+          <a:gsLst>
+            <a:gs pos="0">
+              <a:schemeClr val="phClr">
+                <a:satMod val="103000"/>
+                <a:lumMod val="102000"/>
+                <a:tint val="94000"/>
+              </a:schemeClr>
+            </a:gs>
+            <a:gs pos="50000">
+              <a:schemeClr val="phClr">
+                <a:satMod val="110000"/>
+                <a:lumMod val="100000"/>
+                <a:shade val="100000"/>
+              </a:schemeClr>
+            </a:gs>
+            <a:gs pos="100000">
+              <a:schemeClr val="phClr">
+                <a:lumMod val="99000"/>
+                <a:satMod val="120000"/>
+                <a:shade val="78000"/>
+              </a:schemeClr>
+            </a:gs>
+          </a:gsLst>
+          <a:lin ang="5400000" scaled="0"/>
+        </a:gradFill>
+      </a:fillStyleLst>
+      <a:lnStyleLst>
+        <a:ln w="6350" cap="flat" cmpd="sng" algn="ctr">
+          <a:solidFill>
+            <a:schemeClr val="phClr"/>
+          </a:solidFill>
+          <a:prstDash val="solid"/>
+          <a:miter lim="800000"/>
+        </a:ln>
+        <a:ln w="12700" cap="flat" cmpd="sng" algn="ctr">
+          <a:solidFill>
+            <a:schemeClr val="phClr"/>
+          </a:solidFill>
+          <a:prstDash val="solid"/>
+          <a:miter lim="800000"/>
+        </a:ln>
+        <a:ln w="19050" cap="flat" cmpd="sng" algn="ctr">
+          <a:solidFill>
+            <a:schemeClr val="phClr"/>
+          </a:solidFill>
+          <a:prstDash val="solid"/>
+          <a:miter lim="800000"/>
+        </a:ln>
+      </a:lnStyleLst>
+      <a:effectStyleLst>
+        <a:effectStyle>
+          <a:effectLst/>
+        </a:effectStyle>
+        <a:effectStyle>
+          <a:effectLst/>
+        </a:effectStyle>
+        <a:effectStyle>
+          <a:effectLst>
+            <a:outerShdw blurRad="57150" dist="19050" dir="5400000" algn="ctr" rotWithShape="0">
+              <a:srgbClr val="000000">
+                <a:alpha val="63000"/>
+              </a:srgbClr>
+            </a:outerShdw>
+          </a:effectLst>
+        </a:effectStyle>
+      </a:effectStyleLst>
+      <a:bgFillStyleLst>
+        <a:solidFill>
+          <a:schemeClr val="phClr"/>
+        </a:solidFill>
+        <a:solidFill>
+          <a:schemeClr val="phClr">
+            <a:tint val="95000"/>
+            <a:satMod val="170000"/>
+          </a:schemeClr>
+        </a:solidFill>
+        <a:gradFill rotWithShape="1">
+          <a:gsLst>
+            <a:gs pos="0">
+              <a:schemeClr val="phClr">
+                <a:tint val="93000"/>
+                <a:satMod val="150000"/>
+                <a:shade val="98000"/>
+                <a:lumMod val="102000"/>
+              </a:schemeClr>
+            </a:gs>
+            <a:gs pos="50000">
+              <a:schemeClr val="phClr">
+                <a:tint val="98000"/>
+                <a:satMod val="130000"/>
+                <a:shade val="90000"/>
+                <a:lumMod val="103000"/>
+              </a:schemeClr>
+            </a:gs>
+            <a:gs pos="100000">
+              <a:schemeClr val="phClr">
+                <a:shade val="63000"/>
+                <a:satMod val="120000"/>
+              </a:schemeClr>
+            </a:gs>
+          </a:gsLst>
+          <a:lin ang="5400000" scaled="0"/>
+        </a:gradFill>
+      </a:bgFillStyleLst>
+    </a:fmtScheme>
+  </a:themeElements>
+  <a:objectDefaults/>
+  <a:extraClrSchemeLst/>
+  <a:extLst>
+    <a:ext uri="{05A4C25C-085E-4340-85A3-A5531E510DB2}">
+      <thm15:themeFamily xmlns:thm15="http://schemas.microsoft.com/office/thememl/2012/main" name="Office Theme" id="{62F939B6-93AF-4DB8-9C6B-D6C7DFDC589F}" vid="{4A3C46E8-61CC-4603-A589-7422A47A8E4A}"/>
+    </a:ext>
+  </a:extLst>
+</a:theme>
 </file>
--- a/Lessons/Lesson2.pptx
+++ b/Lessons/Lesson2.pptx
@@ -2,10 +2,10 @@
 <file path=ppt/presentation.xml><?xml version="1.0" encoding="utf-8"?>
 <p:presentation xmlns:a="http://schemas.openxmlformats.org/drawingml/2006/main" xmlns:r="http://schemas.openxmlformats.org/officeDocument/2006/relationships" xmlns:p="http://schemas.openxmlformats.org/presentationml/2006/main" saveSubsetFonts="1">
   <p:sldMasterIdLst>
-    <p:sldMasterId id="2147483648" r:id="rId1"/>
+    <p:sldMasterId id="2147483660" r:id="rId1"/>
   </p:sldMasterIdLst>
   <p:notesMasterIdLst>
-    <p:notesMasterId r:id="rId22"/>
+    <p:notesMasterId r:id="rId24"/>
   </p:notesMasterIdLst>
   <p:sldIdLst>
     <p:sldId id="256" r:id="rId2"/>
@@ -24,10 +24,12 @@
     <p:sldId id="275" r:id="rId15"/>
     <p:sldId id="276" r:id="rId16"/>
     <p:sldId id="270" r:id="rId17"/>
-    <p:sldId id="278" r:id="rId18"/>
-    <p:sldId id="263" r:id="rId19"/>
-    <p:sldId id="264" r:id="rId20"/>
-    <p:sldId id="258" r:id="rId21"/>
+    <p:sldId id="279" r:id="rId18"/>
+    <p:sldId id="280" r:id="rId19"/>
+    <p:sldId id="278" r:id="rId20"/>
+    <p:sldId id="263" r:id="rId21"/>
+    <p:sldId id="264" r:id="rId22"/>
+    <p:sldId id="258" r:id="rId23"/>
   </p:sldIdLst>
   <p:sldSz cx="12192000" cy="6858000"/>
   <p:notesSz cx="6858000" cy="9144000"/>
@@ -35,7 +37,7 @@
     <a:defPPr>
       <a:defRPr lang="en-US"/>
     </a:defPPr>
-    <a:lvl1pPr marL="0" algn="l" defTabSz="914400" rtl="0" eaLnBrk="1" latinLnBrk="0" hangingPunct="1">
+    <a:lvl1pPr marL="0" algn="l" defTabSz="457200" rtl="0" eaLnBrk="1" latinLnBrk="0" hangingPunct="1">
       <a:defRPr sz="1800" kern="1200">
         <a:solidFill>
           <a:schemeClr val="tx1"/>
@@ -45,7 +47,7 @@
         <a:cs typeface="+mn-cs"/>
       </a:defRPr>
     </a:lvl1pPr>
-    <a:lvl2pPr marL="457200" algn="l" defTabSz="914400" rtl="0" eaLnBrk="1" latinLnBrk="0" hangingPunct="1">
+    <a:lvl2pPr marL="457200" algn="l" defTabSz="457200" rtl="0" eaLnBrk="1" latinLnBrk="0" hangingPunct="1">
       <a:defRPr sz="1800" kern="1200">
         <a:solidFill>
           <a:schemeClr val="tx1"/>
@@ -55,7 +57,7 @@
         <a:cs typeface="+mn-cs"/>
       </a:defRPr>
     </a:lvl2pPr>
-    <a:lvl3pPr marL="914400" algn="l" defTabSz="914400" rtl="0" eaLnBrk="1" latinLnBrk="0" hangingPunct="1">
+    <a:lvl3pPr marL="914400" algn="l" defTabSz="457200" rtl="0" eaLnBrk="1" latinLnBrk="0" hangingPunct="1">
       <a:defRPr sz="1800" kern="1200">
         <a:solidFill>
           <a:schemeClr val="tx1"/>
@@ -65,7 +67,7 @@
         <a:cs typeface="+mn-cs"/>
       </a:defRPr>
     </a:lvl3pPr>
-    <a:lvl4pPr marL="1371600" algn="l" defTabSz="914400" rtl="0" eaLnBrk="1" latinLnBrk="0" hangingPunct="1">
+    <a:lvl4pPr marL="1371600" algn="l" defTabSz="457200" rtl="0" eaLnBrk="1" latinLnBrk="0" hangingPunct="1">
       <a:defRPr sz="1800" kern="1200">
         <a:solidFill>
           <a:schemeClr val="tx1"/>
@@ -75,7 +77,7 @@
         <a:cs typeface="+mn-cs"/>
       </a:defRPr>
     </a:lvl4pPr>
-    <a:lvl5pPr marL="1828800" algn="l" defTabSz="914400" rtl="0" eaLnBrk="1" latinLnBrk="0" hangingPunct="1">
+    <a:lvl5pPr marL="1828800" algn="l" defTabSz="457200" rtl="0" eaLnBrk="1" latinLnBrk="0" hangingPunct="1">
       <a:defRPr sz="1800" kern="1200">
         <a:solidFill>
           <a:schemeClr val="tx1"/>
@@ -85,7 +87,7 @@
         <a:cs typeface="+mn-cs"/>
       </a:defRPr>
     </a:lvl5pPr>
-    <a:lvl6pPr marL="2286000" algn="l" defTabSz="914400" rtl="0" eaLnBrk="1" latinLnBrk="0" hangingPunct="1">
+    <a:lvl6pPr marL="2286000" algn="l" defTabSz="457200" rtl="0" eaLnBrk="1" latinLnBrk="0" hangingPunct="1">
       <a:defRPr sz="1800" kern="1200">
         <a:solidFill>
           <a:schemeClr val="tx1"/>
@@ -95,7 +97,7 @@
         <a:cs typeface="+mn-cs"/>
       </a:defRPr>
     </a:lvl6pPr>
-    <a:lvl7pPr marL="2743200" algn="l" defTabSz="914400" rtl="0" eaLnBrk="1" latinLnBrk="0" hangingPunct="1">
+    <a:lvl7pPr marL="2743200" algn="l" defTabSz="457200" rtl="0" eaLnBrk="1" latinLnBrk="0" hangingPunct="1">
       <a:defRPr sz="1800" kern="1200">
         <a:solidFill>
           <a:schemeClr val="tx1"/>
@@ -105,7 +107,7 @@
         <a:cs typeface="+mn-cs"/>
       </a:defRPr>
     </a:lvl7pPr>
-    <a:lvl8pPr marL="3200400" algn="l" defTabSz="914400" rtl="0" eaLnBrk="1" latinLnBrk="0" hangingPunct="1">
+    <a:lvl8pPr marL="3200400" algn="l" defTabSz="457200" rtl="0" eaLnBrk="1" latinLnBrk="0" hangingPunct="1">
       <a:defRPr sz="1800" kern="1200">
         <a:solidFill>
           <a:schemeClr val="tx1"/>
@@ -115,7 +117,7 @@
         <a:cs typeface="+mn-cs"/>
       </a:defRPr>
     </a:lvl8pPr>
-    <a:lvl9pPr marL="3657600" algn="l" defTabSz="914400" rtl="0" eaLnBrk="1" latinLnBrk="0" hangingPunct="1">
+    <a:lvl9pPr marL="3657600" algn="l" defTabSz="457200" rtl="0" eaLnBrk="1" latinLnBrk="0" hangingPunct="1">
       <a:defRPr sz="1800" kern="1200">
         <a:solidFill>
           <a:schemeClr val="tx1"/>
@@ -216,7 +218,7 @@
           <a:p>
             <a:fld id="{CF2B96EE-A88A-4F53-824F-757220476D78}" type="datetimeFigureOut">
               <a:rPr lang="en-US" smtClean="0"/>
-              <a:t>11/5/2018</a:t>
+              <a:t>11/6/2018</a:t>
             </a:fld>
             <a:endParaRPr lang="en-US"/>
           </a:p>
@@ -852,9 +854,9 @@
 </p:notes>
 </file>
 
-<file path=ppt/slideLayouts/slideLayout1.xml><?xml version="1.0" encoding="utf-8"?>
-<p:sldLayout xmlns:a="http://schemas.openxmlformats.org/drawingml/2006/main" xmlns:r="http://schemas.openxmlformats.org/officeDocument/2006/relationships" xmlns:p="http://schemas.openxmlformats.org/presentationml/2006/main" type="title" preserve="1">
-  <p:cSld name="Title Slide">
+<file path=ppt/notesSlides/notesSlide5.xml><?xml version="1.0" encoding="utf-8"?>
+<p:notes xmlns:a="http://schemas.openxmlformats.org/drawingml/2006/main" xmlns:r="http://schemas.openxmlformats.org/officeDocument/2006/relationships" xmlns:p="http://schemas.openxmlformats.org/presentationml/2006/main">
+  <p:cSld>
     <p:spTree>
       <p:nvGrpSpPr>
         <p:cNvPr id="1" name=""/>
@@ -871,13 +873,107 @@
       </p:grpSpPr>
       <p:sp>
         <p:nvSpPr>
-          <p:cNvPr id="2" name="Title 1">
-            <a:extLst>
-              <a:ext uri="{FF2B5EF4-FFF2-40B4-BE49-F238E27FC236}">
-                <a16:creationId xmlns:a16="http://schemas.microsoft.com/office/drawing/2014/main" id="{92AB866F-4091-4718-B78C-78BC0638050E}"/>
-              </a:ext>
-            </a:extLst>
-          </p:cNvPr>
+          <p:cNvPr id="2" name="Slide Image Placeholder 1"/>
+          <p:cNvSpPr>
+            <a:spLocks noGrp="1" noRot="1" noChangeAspect="1"/>
+          </p:cNvSpPr>
+          <p:nvPr>
+            <p:ph type="sldImg"/>
+          </p:nvPr>
+        </p:nvSpPr>
+        <p:spPr/>
+      </p:sp>
+      <p:sp>
+        <p:nvSpPr>
+          <p:cNvPr id="3" name="Notes Placeholder 2"/>
+          <p:cNvSpPr>
+            <a:spLocks noGrp="1"/>
+          </p:cNvSpPr>
+          <p:nvPr>
+            <p:ph type="body" idx="1"/>
+          </p:nvPr>
+        </p:nvSpPr>
+        <p:spPr/>
+        <p:txBody>
+          <a:bodyPr/>
+          <a:lstStyle/>
+          <a:p>
+            <a:r>
+              <a:rPr lang="en-US" dirty="0"/>
+              <a:t>Last topic I will briefly go over is Xavier </a:t>
+            </a:r>
+            <a:r>
+              <a:rPr lang="en-US" dirty="0" err="1"/>
+              <a:t>initalization</a:t>
+            </a:r>
+            <a:endParaRPr lang="en-US" dirty="0"/>
+          </a:p>
+        </p:txBody>
+      </p:sp>
+      <p:sp>
+        <p:nvSpPr>
+          <p:cNvPr id="4" name="Slide Number Placeholder 3"/>
+          <p:cNvSpPr>
+            <a:spLocks noGrp="1"/>
+          </p:cNvSpPr>
+          <p:nvPr>
+            <p:ph type="sldNum" sz="quarter" idx="5"/>
+          </p:nvPr>
+        </p:nvSpPr>
+        <p:spPr/>
+        <p:txBody>
+          <a:bodyPr/>
+          <a:lstStyle/>
+          <a:p>
+            <a:fld id="{AB4F6275-0E25-4E4E-99DE-2002C9C04F42}" type="slidenum">
+              <a:rPr lang="en-US" smtClean="0"/>
+              <a:t>18</a:t>
+            </a:fld>
+            <a:endParaRPr lang="en-US"/>
+          </a:p>
+        </p:txBody>
+      </p:sp>
+    </p:spTree>
+    <p:extLst>
+      <p:ext uri="{BB962C8B-B14F-4D97-AF65-F5344CB8AC3E}">
+        <p14:creationId xmlns:p14="http://schemas.microsoft.com/office/powerpoint/2010/main" val="216038071"/>
+      </p:ext>
+    </p:extLst>
+  </p:cSld>
+  <p:clrMapOvr>
+    <a:masterClrMapping/>
+  </p:clrMapOvr>
+</p:notes>
+</file>
+
+<file path=ppt/slideLayouts/slideLayout1.xml><?xml version="1.0" encoding="utf-8"?>
+<p:sldLayout xmlns:a="http://schemas.openxmlformats.org/drawingml/2006/main" xmlns:r="http://schemas.openxmlformats.org/officeDocument/2006/relationships" xmlns:p="http://schemas.openxmlformats.org/presentationml/2006/main" showMasterSp="0" type="title" preserve="1">
+  <p:cSld name="Title Slide">
+    <p:bg>
+      <p:bgPr>
+        <a:solidFill>
+          <a:schemeClr val="bg2"/>
+        </a:solidFill>
+        <a:effectLst/>
+      </p:bgPr>
+    </p:bg>
+    <p:spTree>
+      <p:nvGrpSpPr>
+        <p:cNvPr id="1" name=""/>
+        <p:cNvGrpSpPr/>
+        <p:nvPr/>
+      </p:nvGrpSpPr>
+      <p:grpSpPr>
+        <a:xfrm>
+          <a:off x="0" y="0"/>
+          <a:ext cx="0" cy="0"/>
+          <a:chOff x="0" y="0"/>
+          <a:chExt cx="0" cy="0"/>
+        </a:xfrm>
+      </p:grpSpPr>
+      <p:sp>
+        <p:nvSpPr>
+          <p:cNvPr id="2" name="Title 1"/>
           <p:cNvSpPr>
             <a:spLocks noGrp="1"/>
           </p:cNvSpPr>
@@ -887,15 +983,21 @@
         </p:nvSpPr>
         <p:spPr>
           <a:xfrm>
-            <a:off x="1524000" y="1122363"/>
-            <a:ext cx="9144000" cy="2387600"/>
+            <a:off x="1915128" y="1788454"/>
+            <a:ext cx="8361229" cy="2098226"/>
           </a:xfrm>
         </p:spPr>
         <p:txBody>
-          <a:bodyPr anchor="b"/>
+          <a:bodyPr anchor="b">
+            <a:noAutofit/>
+          </a:bodyPr>
           <a:lstStyle>
             <a:lvl1pPr algn="ctr">
-              <a:defRPr sz="6000"/>
+              <a:defRPr sz="7200" cap="all" baseline="0">
+                <a:solidFill>
+                  <a:schemeClr val="tx2"/>
+                </a:solidFill>
+              </a:defRPr>
             </a:lvl1pPr>
           </a:lstStyle>
           <a:p>
@@ -903,18 +1005,13 @@
               <a:rPr lang="en-US"/>
               <a:t>Click to edit Master title style</a:t>
             </a:r>
-          </a:p>
-        </p:txBody>
-      </p:sp>
-      <p:sp>
-        <p:nvSpPr>
-          <p:cNvPr id="3" name="Subtitle 2">
-            <a:extLst>
-              <a:ext uri="{FF2B5EF4-FFF2-40B4-BE49-F238E27FC236}">
-                <a16:creationId xmlns:a16="http://schemas.microsoft.com/office/drawing/2014/main" id="{1B983171-F323-48AE-A5C1-8435519FA954}"/>
-              </a:ext>
-            </a:extLst>
-          </p:cNvPr>
+            <a:endParaRPr lang="en-US" dirty="0"/>
+          </a:p>
+        </p:txBody>
+      </p:sp>
+      <p:sp>
+        <p:nvSpPr>
+          <p:cNvPr id="3" name="Subtitle 2"/>
           <p:cNvSpPr>
             <a:spLocks noGrp="1"/>
           </p:cNvSpPr>
@@ -924,16 +1021,27 @@
         </p:nvSpPr>
         <p:spPr>
           <a:xfrm>
-            <a:off x="1524000" y="3602038"/>
-            <a:ext cx="9144000" cy="1655762"/>
+            <a:off x="2679906" y="3956279"/>
+            <a:ext cx="6831673" cy="1086237"/>
           </a:xfrm>
         </p:spPr>
         <p:txBody>
-          <a:bodyPr/>
+          <a:bodyPr>
+            <a:normAutofit/>
+          </a:bodyPr>
           <a:lstStyle>
             <a:lvl1pPr marL="0" indent="0" algn="ctr">
+              <a:lnSpc>
+                <a:spcPct val="112000"/>
+              </a:lnSpc>
+              <a:spcBef>
+                <a:spcPts val="0"/>
+              </a:spcBef>
+              <a:spcAft>
+                <a:spcPts val="0"/>
+              </a:spcAft>
               <a:buNone/>
-              <a:defRPr sz="2400"/>
+              <a:defRPr sz="2300"/>
             </a:lvl1pPr>
             <a:lvl2pPr marL="457200" indent="0" algn="ctr">
               <a:buNone/>
@@ -973,18 +1081,13 @@
               <a:rPr lang="en-US"/>
               <a:t>Click to edit Master subtitle style</a:t>
             </a:r>
-          </a:p>
-        </p:txBody>
-      </p:sp>
-      <p:sp>
-        <p:nvSpPr>
-          <p:cNvPr id="4" name="Date Placeholder 3">
-            <a:extLst>
-              <a:ext uri="{FF2B5EF4-FFF2-40B4-BE49-F238E27FC236}">
-                <a16:creationId xmlns:a16="http://schemas.microsoft.com/office/drawing/2014/main" id="{227BDFB1-A953-4CE2-85E7-B4E49A721E8F}"/>
-              </a:ext>
-            </a:extLst>
-          </p:cNvPr>
+            <a:endParaRPr lang="en-US" dirty="0"/>
+          </a:p>
+        </p:txBody>
+      </p:sp>
+      <p:sp>
+        <p:nvSpPr>
+          <p:cNvPr id="4" name="Date Placeholder 3"/>
           <p:cNvSpPr>
             <a:spLocks noGrp="1"/>
           </p:cNvSpPr>
@@ -992,14 +1095,27 @@
             <p:ph type="dt" sz="half" idx="10"/>
           </p:nvPr>
         </p:nvSpPr>
-        <p:spPr/>
-        <p:txBody>
-          <a:bodyPr/>
-          <a:lstStyle/>
+        <p:spPr>
+          <a:xfrm>
+            <a:off x="752858" y="6453386"/>
+            <a:ext cx="1607944" cy="404614"/>
+          </a:xfrm>
+        </p:spPr>
+        <p:txBody>
+          <a:bodyPr/>
+          <a:lstStyle>
+            <a:lvl1pPr>
+              <a:defRPr baseline="0">
+                <a:solidFill>
+                  <a:schemeClr val="tx2"/>
+                </a:solidFill>
+              </a:defRPr>
+            </a:lvl1pPr>
+          </a:lstStyle>
           <a:p>
             <a:fld id="{0BDBB3A1-2EF5-4059-B138-43CC68EA68D2}" type="datetimeFigureOut">
               <a:rPr lang="en-US" smtClean="0"/>
-              <a:t>11/5/2018</a:t>
+              <a:t>11/6/2018</a:t>
             </a:fld>
             <a:endParaRPr lang="en-US"/>
           </a:p>
@@ -1007,13 +1123,7 @@
       </p:sp>
       <p:sp>
         <p:nvSpPr>
-          <p:cNvPr id="5" name="Footer Placeholder 4">
-            <a:extLst>
-              <a:ext uri="{FF2B5EF4-FFF2-40B4-BE49-F238E27FC236}">
-                <a16:creationId xmlns:a16="http://schemas.microsoft.com/office/drawing/2014/main" id="{4310407C-87F4-440A-B143-A94F4C37030C}"/>
-              </a:ext>
-            </a:extLst>
-          </p:cNvPr>
+          <p:cNvPr id="5" name="Footer Placeholder 4"/>
           <p:cNvSpPr>
             <a:spLocks noGrp="1"/>
           </p:cNvSpPr>
@@ -1021,10 +1131,23 @@
             <p:ph type="ftr" sz="quarter" idx="11"/>
           </p:nvPr>
         </p:nvSpPr>
-        <p:spPr/>
-        <p:txBody>
-          <a:bodyPr/>
-          <a:lstStyle/>
+        <p:spPr>
+          <a:xfrm>
+            <a:off x="2584054" y="6453386"/>
+            <a:ext cx="7023377" cy="404614"/>
+          </a:xfrm>
+        </p:spPr>
+        <p:txBody>
+          <a:bodyPr/>
+          <a:lstStyle>
+            <a:lvl1pPr algn="ctr">
+              <a:defRPr baseline="0">
+                <a:solidFill>
+                  <a:schemeClr val="tx2"/>
+                </a:solidFill>
+              </a:defRPr>
+            </a:lvl1pPr>
+          </a:lstStyle>
           <a:p>
             <a:endParaRPr lang="en-US"/>
           </a:p>
@@ -1032,13 +1155,7 @@
       </p:sp>
       <p:sp>
         <p:nvSpPr>
-          <p:cNvPr id="6" name="Slide Number Placeholder 5">
-            <a:extLst>
-              <a:ext uri="{FF2B5EF4-FFF2-40B4-BE49-F238E27FC236}">
-                <a16:creationId xmlns:a16="http://schemas.microsoft.com/office/drawing/2014/main" id="{10501FC5-BA6D-426E-964D-92219B80F008}"/>
-              </a:ext>
-            </a:extLst>
-          </p:cNvPr>
+          <p:cNvPr id="6" name="Slide Number Placeholder 5"/>
           <p:cNvSpPr>
             <a:spLocks noGrp="1"/>
           </p:cNvSpPr>
@@ -1046,10 +1163,23 @@
             <p:ph type="sldNum" sz="quarter" idx="12"/>
           </p:nvPr>
         </p:nvSpPr>
-        <p:spPr/>
-        <p:txBody>
-          <a:bodyPr/>
-          <a:lstStyle/>
+        <p:spPr>
+          <a:xfrm>
+            <a:off x="9830683" y="6453386"/>
+            <a:ext cx="1596292" cy="404614"/>
+          </a:xfrm>
+        </p:spPr>
+        <p:txBody>
+          <a:bodyPr/>
+          <a:lstStyle>
+            <a:lvl1pPr>
+              <a:defRPr baseline="0">
+                <a:solidFill>
+                  <a:schemeClr val="tx2"/>
+                </a:solidFill>
+              </a:defRPr>
+            </a:lvl1pPr>
+          </a:lstStyle>
           <a:p>
             <a:fld id="{7EF32F1C-D2FE-4FE3-A514-699B58EBF0F1}" type="slidenum">
               <a:rPr lang="en-US" smtClean="0"/>
@@ -1059,15 +1189,144 @@
           </a:p>
         </p:txBody>
       </p:sp>
+      <p:grpSp>
+        <p:nvGrpSpPr>
+          <p:cNvPr id="7" name="Group 6"/>
+          <p:cNvGrpSpPr/>
+          <p:nvPr/>
+        </p:nvGrpSpPr>
+        <p:grpSpPr>
+          <a:xfrm>
+            <a:off x="752858" y="744469"/>
+            <a:ext cx="10674117" cy="5349671"/>
+            <a:chOff x="752858" y="744469"/>
+            <a:chExt cx="10674117" cy="5349671"/>
+          </a:xfrm>
+        </p:grpSpPr>
+        <p:sp>
+          <p:nvSpPr>
+            <p:cNvPr id="11" name="Freeform 6"/>
+            <p:cNvSpPr/>
+            <p:nvPr/>
+          </p:nvSpPr>
+          <p:spPr bwMode="auto">
+            <a:xfrm>
+              <a:off x="8151962" y="1685652"/>
+              <a:ext cx="3275013" cy="4408488"/>
+            </a:xfrm>
+            <a:custGeom>
+              <a:avLst/>
+              <a:gdLst/>
+              <a:ahLst/>
+              <a:cxnLst/>
+              <a:rect l="l" t="t" r="r" b="b"/>
+              <a:pathLst>
+                <a:path w="10000" h="10000">
+                  <a:moveTo>
+                    <a:pt x="8761" y="0"/>
+                  </a:moveTo>
+                  <a:lnTo>
+                    <a:pt x="10000" y="0"/>
+                  </a:lnTo>
+                  <a:lnTo>
+                    <a:pt x="10000" y="10000"/>
+                  </a:lnTo>
+                  <a:lnTo>
+                    <a:pt x="0" y="10000"/>
+                  </a:lnTo>
+                  <a:lnTo>
+                    <a:pt x="0" y="9126"/>
+                  </a:lnTo>
+                  <a:lnTo>
+                    <a:pt x="8761" y="9127"/>
+                  </a:lnTo>
+                  <a:lnTo>
+                    <a:pt x="8761" y="0"/>
+                  </a:lnTo>
+                  <a:close/>
+                </a:path>
+              </a:pathLst>
+            </a:custGeom>
+            <a:solidFill>
+              <a:schemeClr val="tx2"/>
+            </a:solidFill>
+            <a:ln w="0">
+              <a:noFill/>
+              <a:prstDash val="solid"/>
+              <a:round/>
+              <a:headEnd/>
+              <a:tailEnd/>
+            </a:ln>
+          </p:spPr>
+        </p:sp>
+        <p:sp>
+          <p:nvSpPr>
+            <p:cNvPr id="14" name="Freeform 6"/>
+            <p:cNvSpPr/>
+            <p:nvPr/>
+          </p:nvSpPr>
+          <p:spPr bwMode="auto">
+            <a:xfrm flipH="1" flipV="1">
+              <a:off x="752858" y="744469"/>
+              <a:ext cx="3275668" cy="4408488"/>
+            </a:xfrm>
+            <a:custGeom>
+              <a:avLst/>
+              <a:gdLst/>
+              <a:ahLst/>
+              <a:cxnLst/>
+              <a:rect l="l" t="t" r="r" b="b"/>
+              <a:pathLst>
+                <a:path w="10002" h="10000">
+                  <a:moveTo>
+                    <a:pt x="8763" y="0"/>
+                  </a:moveTo>
+                  <a:lnTo>
+                    <a:pt x="10002" y="0"/>
+                  </a:lnTo>
+                  <a:lnTo>
+                    <a:pt x="10002" y="10000"/>
+                  </a:lnTo>
+                  <a:lnTo>
+                    <a:pt x="2" y="10000"/>
+                  </a:lnTo>
+                  <a:cubicBezTo>
+                    <a:pt x="-2" y="9698"/>
+                    <a:pt x="4" y="9427"/>
+                    <a:pt x="0" y="9125"/>
+                  </a:cubicBezTo>
+                  <a:lnTo>
+                    <a:pt x="8763" y="9128"/>
+                  </a:lnTo>
+                  <a:lnTo>
+                    <a:pt x="8763" y="0"/>
+                  </a:lnTo>
+                  <a:close/>
+                </a:path>
+              </a:pathLst>
+            </a:custGeom>
+            <a:solidFill>
+              <a:schemeClr val="tx2"/>
+            </a:solidFill>
+            <a:ln w="0">
+              <a:noFill/>
+              <a:prstDash val="solid"/>
+              <a:round/>
+              <a:headEnd/>
+              <a:tailEnd/>
+            </a:ln>
+          </p:spPr>
+        </p:sp>
+      </p:grpSp>
     </p:spTree>
     <p:extLst>
       <p:ext uri="{BB962C8B-B14F-4D97-AF65-F5344CB8AC3E}">
-        <p14:creationId xmlns:p14="http://schemas.microsoft.com/office/powerpoint/2010/main" val="2690164536"/>
+        <p14:creationId xmlns:p14="http://schemas.microsoft.com/office/powerpoint/2010/main" val="3273546015"/>
       </p:ext>
     </p:extLst>
   </p:cSld>
   <p:clrMapOvr>
-    <a:masterClrMapping/>
+    <a:overrideClrMapping bg1="lt1" tx1="dk1" bg2="lt2" tx2="dk2" accent1="accent1" accent2="accent2" accent3="accent3" accent4="accent4" accent5="accent5" accent6="accent6" hlink="hlink" folHlink="folHlink"/>
   </p:clrMapOvr>
 </p:sldLayout>
 </file>
@@ -1091,13 +1350,7 @@
       </p:grpSpPr>
       <p:sp>
         <p:nvSpPr>
-          <p:cNvPr id="2" name="Title 1">
-            <a:extLst>
-              <a:ext uri="{FF2B5EF4-FFF2-40B4-BE49-F238E27FC236}">
-                <a16:creationId xmlns:a16="http://schemas.microsoft.com/office/drawing/2014/main" id="{0C6A6FB0-7D4D-42A6-8333-752F8158EF65}"/>
-              </a:ext>
-            </a:extLst>
-          </p:cNvPr>
+          <p:cNvPr id="2" name="Title 1"/>
           <p:cNvSpPr>
             <a:spLocks noGrp="1"/>
           </p:cNvSpPr>
@@ -1114,18 +1367,13 @@
               <a:rPr lang="en-US"/>
               <a:t>Click to edit Master title style</a:t>
             </a:r>
-          </a:p>
-        </p:txBody>
-      </p:sp>
-      <p:sp>
-        <p:nvSpPr>
-          <p:cNvPr id="3" name="Vertical Text Placeholder 2">
-            <a:extLst>
-              <a:ext uri="{FF2B5EF4-FFF2-40B4-BE49-F238E27FC236}">
-                <a16:creationId xmlns:a16="http://schemas.microsoft.com/office/drawing/2014/main" id="{1B79ED33-5334-41B6-830B-5E46CE65695F}"/>
-              </a:ext>
-            </a:extLst>
-          </p:cNvPr>
+            <a:endParaRPr lang="en-US" dirty="0"/>
+          </a:p>
+        </p:txBody>
+      </p:sp>
+      <p:sp>
+        <p:nvSpPr>
+          <p:cNvPr id="3" name="Vertical Text Placeholder 2"/>
           <p:cNvSpPr>
             <a:spLocks noGrp="1"/>
           </p:cNvSpPr>
@@ -1133,7 +1381,12 @@
             <p:ph type="body" orient="vert" idx="1"/>
           </p:nvPr>
         </p:nvSpPr>
-        <p:spPr/>
+        <p:spPr>
+          <a:xfrm>
+            <a:off x="1371600" y="2295525"/>
+            <a:ext cx="9601200" cy="3571875"/>
+          </a:xfrm>
+        </p:spPr>
         <p:txBody>
           <a:bodyPr vert="eaVert"/>
           <a:lstStyle/>
@@ -1171,18 +1424,13 @@
               <a:rPr lang="en-US"/>
               <a:t>Fifth level</a:t>
             </a:r>
-          </a:p>
-        </p:txBody>
-      </p:sp>
-      <p:sp>
-        <p:nvSpPr>
-          <p:cNvPr id="4" name="Date Placeholder 3">
-            <a:extLst>
-              <a:ext uri="{FF2B5EF4-FFF2-40B4-BE49-F238E27FC236}">
-                <a16:creationId xmlns:a16="http://schemas.microsoft.com/office/drawing/2014/main" id="{665076BE-31FB-4AC3-83A8-A15210CB6897}"/>
-              </a:ext>
-            </a:extLst>
-          </p:cNvPr>
+            <a:endParaRPr lang="en-US" dirty="0"/>
+          </a:p>
+        </p:txBody>
+      </p:sp>
+      <p:sp>
+        <p:nvSpPr>
+          <p:cNvPr id="4" name="Date Placeholder 3"/>
           <p:cNvSpPr>
             <a:spLocks noGrp="1"/>
           </p:cNvSpPr>
@@ -1197,7 +1445,7 @@
           <a:p>
             <a:fld id="{0BDBB3A1-2EF5-4059-B138-43CC68EA68D2}" type="datetimeFigureOut">
               <a:rPr lang="en-US" smtClean="0"/>
-              <a:t>11/5/2018</a:t>
+              <a:t>11/6/2018</a:t>
             </a:fld>
             <a:endParaRPr lang="en-US"/>
           </a:p>
@@ -1205,13 +1453,7 @@
       </p:sp>
       <p:sp>
         <p:nvSpPr>
-          <p:cNvPr id="5" name="Footer Placeholder 4">
-            <a:extLst>
-              <a:ext uri="{FF2B5EF4-FFF2-40B4-BE49-F238E27FC236}">
-                <a16:creationId xmlns:a16="http://schemas.microsoft.com/office/drawing/2014/main" id="{04B07E2E-9398-4F92-B72A-7D602A56B47E}"/>
-              </a:ext>
-            </a:extLst>
-          </p:cNvPr>
+          <p:cNvPr id="5" name="Footer Placeholder 4"/>
           <p:cNvSpPr>
             <a:spLocks noGrp="1"/>
           </p:cNvSpPr>
@@ -1230,13 +1472,7 @@
       </p:sp>
       <p:sp>
         <p:nvSpPr>
-          <p:cNvPr id="6" name="Slide Number Placeholder 5">
-            <a:extLst>
-              <a:ext uri="{FF2B5EF4-FFF2-40B4-BE49-F238E27FC236}">
-                <a16:creationId xmlns:a16="http://schemas.microsoft.com/office/drawing/2014/main" id="{C2B7F704-AB8E-4347-8E88-390C62AC5847}"/>
-              </a:ext>
-            </a:extLst>
-          </p:cNvPr>
+          <p:cNvPr id="6" name="Slide Number Placeholder 5"/>
           <p:cNvSpPr>
             <a:spLocks noGrp="1"/>
           </p:cNvSpPr>
@@ -1260,7 +1496,7 @@
     </p:spTree>
     <p:extLst>
       <p:ext uri="{BB962C8B-B14F-4D97-AF65-F5344CB8AC3E}">
-        <p14:creationId xmlns:p14="http://schemas.microsoft.com/office/powerpoint/2010/main" val="3488270657"/>
+        <p14:creationId xmlns:p14="http://schemas.microsoft.com/office/powerpoint/2010/main" val="2759571332"/>
       </p:ext>
     </p:extLst>
   </p:cSld>
@@ -1289,13 +1525,7 @@
       </p:grpSpPr>
       <p:sp>
         <p:nvSpPr>
-          <p:cNvPr id="2" name="Vertical Title 1">
-            <a:extLst>
-              <a:ext uri="{FF2B5EF4-FFF2-40B4-BE49-F238E27FC236}">
-                <a16:creationId xmlns:a16="http://schemas.microsoft.com/office/drawing/2014/main" id="{D5D9069E-2D07-470E-8EA7-7FFF1F1C0A2A}"/>
-              </a:ext>
-            </a:extLst>
-          </p:cNvPr>
+          <p:cNvPr id="2" name="Vertical Title 1"/>
           <p:cNvSpPr>
             <a:spLocks noGrp="1"/>
           </p:cNvSpPr>
@@ -1305,8 +1535,8 @@
         </p:nvSpPr>
         <p:spPr>
           <a:xfrm>
-            <a:off x="8724900" y="365125"/>
-            <a:ext cx="2628900" cy="5811838"/>
+            <a:off x="9596561" y="624156"/>
+            <a:ext cx="1565766" cy="5243244"/>
           </a:xfrm>
         </p:spPr>
         <p:txBody>
@@ -1317,18 +1547,13 @@
               <a:rPr lang="en-US"/>
               <a:t>Click to edit Master title style</a:t>
             </a:r>
-          </a:p>
-        </p:txBody>
-      </p:sp>
-      <p:sp>
-        <p:nvSpPr>
-          <p:cNvPr id="3" name="Vertical Text Placeholder 2">
-            <a:extLst>
-              <a:ext uri="{FF2B5EF4-FFF2-40B4-BE49-F238E27FC236}">
-                <a16:creationId xmlns:a16="http://schemas.microsoft.com/office/drawing/2014/main" id="{B52260CA-10A2-407A-9092-FAFA08419671}"/>
-              </a:ext>
-            </a:extLst>
-          </p:cNvPr>
+            <a:endParaRPr lang="en-US" dirty="0"/>
+          </a:p>
+        </p:txBody>
+      </p:sp>
+      <p:sp>
+        <p:nvSpPr>
+          <p:cNvPr id="3" name="Vertical Text Placeholder 2"/>
           <p:cNvSpPr>
             <a:spLocks noGrp="1"/>
           </p:cNvSpPr>
@@ -1338,8 +1563,8 @@
         </p:nvSpPr>
         <p:spPr>
           <a:xfrm>
-            <a:off x="838200" y="365125"/>
-            <a:ext cx="7734300" cy="5811838"/>
+            <a:off x="1371600" y="624156"/>
+            <a:ext cx="8179641" cy="5243244"/>
           </a:xfrm>
         </p:spPr>
         <p:txBody>
@@ -1379,18 +1604,13 @@
               <a:rPr lang="en-US"/>
               <a:t>Fifth level</a:t>
             </a:r>
-          </a:p>
-        </p:txBody>
-      </p:sp>
-      <p:sp>
-        <p:nvSpPr>
-          <p:cNvPr id="4" name="Date Placeholder 3">
-            <a:extLst>
-              <a:ext uri="{FF2B5EF4-FFF2-40B4-BE49-F238E27FC236}">
-                <a16:creationId xmlns:a16="http://schemas.microsoft.com/office/drawing/2014/main" id="{C7211CDA-8204-46CF-8A41-A60B5ADC388B}"/>
-              </a:ext>
-            </a:extLst>
-          </p:cNvPr>
+            <a:endParaRPr lang="en-US" dirty="0"/>
+          </a:p>
+        </p:txBody>
+      </p:sp>
+      <p:sp>
+        <p:nvSpPr>
+          <p:cNvPr id="4" name="Date Placeholder 3"/>
           <p:cNvSpPr>
             <a:spLocks noGrp="1"/>
           </p:cNvSpPr>
@@ -1405,7 +1625,7 @@
           <a:p>
             <a:fld id="{0BDBB3A1-2EF5-4059-B138-43CC68EA68D2}" type="datetimeFigureOut">
               <a:rPr lang="en-US" smtClean="0"/>
-              <a:t>11/5/2018</a:t>
+              <a:t>11/6/2018</a:t>
             </a:fld>
             <a:endParaRPr lang="en-US"/>
           </a:p>
@@ -1413,13 +1633,7 @@
       </p:sp>
       <p:sp>
         <p:nvSpPr>
-          <p:cNvPr id="5" name="Footer Placeholder 4">
-            <a:extLst>
-              <a:ext uri="{FF2B5EF4-FFF2-40B4-BE49-F238E27FC236}">
-                <a16:creationId xmlns:a16="http://schemas.microsoft.com/office/drawing/2014/main" id="{828B11B8-0D3A-41E7-980A-CDBEF5281D63}"/>
-              </a:ext>
-            </a:extLst>
-          </p:cNvPr>
+          <p:cNvPr id="5" name="Footer Placeholder 4"/>
           <p:cNvSpPr>
             <a:spLocks noGrp="1"/>
           </p:cNvSpPr>
@@ -1438,13 +1652,7 @@
       </p:sp>
       <p:sp>
         <p:nvSpPr>
-          <p:cNvPr id="6" name="Slide Number Placeholder 5">
-            <a:extLst>
-              <a:ext uri="{FF2B5EF4-FFF2-40B4-BE49-F238E27FC236}">
-                <a16:creationId xmlns:a16="http://schemas.microsoft.com/office/drawing/2014/main" id="{F7F936BB-D3AD-4889-8911-135FB0F04FF3}"/>
-              </a:ext>
-            </a:extLst>
-          </p:cNvPr>
+          <p:cNvPr id="6" name="Slide Number Placeholder 5"/>
           <p:cNvSpPr>
             <a:spLocks noGrp="1"/>
           </p:cNvSpPr>
@@ -1468,7 +1676,7 @@
     </p:spTree>
     <p:extLst>
       <p:ext uri="{BB962C8B-B14F-4D97-AF65-F5344CB8AC3E}">
-        <p14:creationId xmlns:p14="http://schemas.microsoft.com/office/powerpoint/2010/main" val="2271606400"/>
+        <p14:creationId xmlns:p14="http://schemas.microsoft.com/office/powerpoint/2010/main" val="3244278335"/>
       </p:ext>
     </p:extLst>
   </p:cSld>
@@ -1497,13 +1705,7 @@
       </p:grpSpPr>
       <p:sp>
         <p:nvSpPr>
-          <p:cNvPr id="2" name="Title 1">
-            <a:extLst>
-              <a:ext uri="{FF2B5EF4-FFF2-40B4-BE49-F238E27FC236}">
-                <a16:creationId xmlns:a16="http://schemas.microsoft.com/office/drawing/2014/main" id="{3A774EC2-87FE-44F4-BA77-4BA891F4F78B}"/>
-              </a:ext>
-            </a:extLst>
-          </p:cNvPr>
+          <p:cNvPr id="2" name="Title 1"/>
           <p:cNvSpPr>
             <a:spLocks noGrp="1"/>
           </p:cNvSpPr>
@@ -1520,18 +1722,13 @@
               <a:rPr lang="en-US"/>
               <a:t>Click to edit Master title style</a:t>
             </a:r>
-          </a:p>
-        </p:txBody>
-      </p:sp>
-      <p:sp>
-        <p:nvSpPr>
-          <p:cNvPr id="3" name="Content Placeholder 2">
-            <a:extLst>
-              <a:ext uri="{FF2B5EF4-FFF2-40B4-BE49-F238E27FC236}">
-                <a16:creationId xmlns:a16="http://schemas.microsoft.com/office/drawing/2014/main" id="{E7565D63-4181-4031-8BA9-168411766288}"/>
-              </a:ext>
-            </a:extLst>
-          </p:cNvPr>
+            <a:endParaRPr lang="en-US" dirty="0"/>
+          </a:p>
+        </p:txBody>
+      </p:sp>
+      <p:sp>
+        <p:nvSpPr>
+          <p:cNvPr id="3" name="Content Placeholder 2"/>
           <p:cNvSpPr>
             <a:spLocks noGrp="1"/>
           </p:cNvSpPr>
@@ -1577,18 +1774,13 @@
               <a:rPr lang="en-US"/>
               <a:t>Fifth level</a:t>
             </a:r>
-          </a:p>
-        </p:txBody>
-      </p:sp>
-      <p:sp>
-        <p:nvSpPr>
-          <p:cNvPr id="4" name="Date Placeholder 3">
-            <a:extLst>
-              <a:ext uri="{FF2B5EF4-FFF2-40B4-BE49-F238E27FC236}">
-                <a16:creationId xmlns:a16="http://schemas.microsoft.com/office/drawing/2014/main" id="{59BC96E3-8673-432E-9DCD-C926A3036921}"/>
-              </a:ext>
-            </a:extLst>
-          </p:cNvPr>
+            <a:endParaRPr lang="en-US" dirty="0"/>
+          </a:p>
+        </p:txBody>
+      </p:sp>
+      <p:sp>
+        <p:nvSpPr>
+          <p:cNvPr id="4" name="Date Placeholder 3"/>
           <p:cNvSpPr>
             <a:spLocks noGrp="1"/>
           </p:cNvSpPr>
@@ -1603,7 +1795,7 @@
           <a:p>
             <a:fld id="{0BDBB3A1-2EF5-4059-B138-43CC68EA68D2}" type="datetimeFigureOut">
               <a:rPr lang="en-US" smtClean="0"/>
-              <a:t>11/5/2018</a:t>
+              <a:t>11/6/2018</a:t>
             </a:fld>
             <a:endParaRPr lang="en-US"/>
           </a:p>
@@ -1611,13 +1803,7 @@
       </p:sp>
       <p:sp>
         <p:nvSpPr>
-          <p:cNvPr id="5" name="Footer Placeholder 4">
-            <a:extLst>
-              <a:ext uri="{FF2B5EF4-FFF2-40B4-BE49-F238E27FC236}">
-                <a16:creationId xmlns:a16="http://schemas.microsoft.com/office/drawing/2014/main" id="{B53F51EA-48CD-44DC-BF5D-2A2A7AC274A7}"/>
-              </a:ext>
-            </a:extLst>
-          </p:cNvPr>
+          <p:cNvPr id="5" name="Footer Placeholder 4"/>
           <p:cNvSpPr>
             <a:spLocks noGrp="1"/>
           </p:cNvSpPr>
@@ -1636,13 +1822,7 @@
       </p:sp>
       <p:sp>
         <p:nvSpPr>
-          <p:cNvPr id="6" name="Slide Number Placeholder 5">
-            <a:extLst>
-              <a:ext uri="{FF2B5EF4-FFF2-40B4-BE49-F238E27FC236}">
-                <a16:creationId xmlns:a16="http://schemas.microsoft.com/office/drawing/2014/main" id="{2119B9DF-252D-4BAE-AB23-9B3AAE1CC534}"/>
-              </a:ext>
-            </a:extLst>
-          </p:cNvPr>
+          <p:cNvPr id="6" name="Slide Number Placeholder 5"/>
           <p:cNvSpPr>
             <a:spLocks noGrp="1"/>
           </p:cNvSpPr>
@@ -1666,7 +1846,7 @@
     </p:spTree>
     <p:extLst>
       <p:ext uri="{BB962C8B-B14F-4D97-AF65-F5344CB8AC3E}">
-        <p14:creationId xmlns:p14="http://schemas.microsoft.com/office/powerpoint/2010/main" val="3868042280"/>
+        <p14:creationId xmlns:p14="http://schemas.microsoft.com/office/powerpoint/2010/main" val="779865416"/>
       </p:ext>
     </p:extLst>
   </p:cSld>
@@ -1677,8 +1857,13 @@
 </file>
 
 <file path=ppt/slideLayouts/slideLayout3.xml><?xml version="1.0" encoding="utf-8"?>
-<p:sldLayout xmlns:a="http://schemas.openxmlformats.org/drawingml/2006/main" xmlns:r="http://schemas.openxmlformats.org/officeDocument/2006/relationships" xmlns:p="http://schemas.openxmlformats.org/presentationml/2006/main" type="secHead" preserve="1">
+<p:sldLayout xmlns:a="http://schemas.openxmlformats.org/drawingml/2006/main" xmlns:r="http://schemas.openxmlformats.org/officeDocument/2006/relationships" xmlns:p="http://schemas.openxmlformats.org/presentationml/2006/main" showMasterSp="0" type="secHead" preserve="1">
   <p:cSld name="Section Header">
+    <p:bg>
+      <p:bgRef idx="1001">
+        <a:schemeClr val="bg2"/>
+      </p:bgRef>
+    </p:bg>
     <p:spTree>
       <p:nvGrpSpPr>
         <p:cNvPr id="1" name=""/>
@@ -1695,13 +1880,7 @@
       </p:grpSpPr>
       <p:sp>
         <p:nvSpPr>
-          <p:cNvPr id="2" name="Title 1">
-            <a:extLst>
-              <a:ext uri="{FF2B5EF4-FFF2-40B4-BE49-F238E27FC236}">
-                <a16:creationId xmlns:a16="http://schemas.microsoft.com/office/drawing/2014/main" id="{A6E4CA81-B35E-4453-8D60-989BDD273AD5}"/>
-              </a:ext>
-            </a:extLst>
-          </p:cNvPr>
+          <p:cNvPr id="2" name="Title 1"/>
           <p:cNvSpPr>
             <a:spLocks noGrp="1"/>
           </p:cNvSpPr>
@@ -1711,15 +1890,21 @@
         </p:nvSpPr>
         <p:spPr>
           <a:xfrm>
-            <a:off x="831850" y="1709738"/>
-            <a:ext cx="10515600" cy="2852737"/>
+            <a:off x="765025" y="1301360"/>
+            <a:ext cx="9612971" cy="2852737"/>
           </a:xfrm>
         </p:spPr>
         <p:txBody>
-          <a:bodyPr anchor="b"/>
+          <a:bodyPr anchor="b">
+            <a:normAutofit/>
+          </a:bodyPr>
           <a:lstStyle>
-            <a:lvl1pPr>
-              <a:defRPr sz="6000"/>
+            <a:lvl1pPr algn="r">
+              <a:defRPr sz="7200" cap="all" baseline="0">
+                <a:solidFill>
+                  <a:schemeClr val="tx2"/>
+                </a:solidFill>
+              </a:defRPr>
             </a:lvl1pPr>
           </a:lstStyle>
           <a:p>
@@ -1727,18 +1912,13 @@
               <a:rPr lang="en-US"/>
               <a:t>Click to edit Master title style</a:t>
             </a:r>
-          </a:p>
-        </p:txBody>
-      </p:sp>
-      <p:sp>
-        <p:nvSpPr>
-          <p:cNvPr id="3" name="Text Placeholder 2">
-            <a:extLst>
-              <a:ext uri="{FF2B5EF4-FFF2-40B4-BE49-F238E27FC236}">
-                <a16:creationId xmlns:a16="http://schemas.microsoft.com/office/drawing/2014/main" id="{C510EF22-B6E2-41BC-AEBE-6011FC946F13}"/>
-              </a:ext>
-            </a:extLst>
-          </p:cNvPr>
+            <a:endParaRPr lang="en-US" dirty="0"/>
+          </a:p>
+        </p:txBody>
+      </p:sp>
+      <p:sp>
+        <p:nvSpPr>
+          <p:cNvPr id="3" name="Text Placeholder 2"/>
           <p:cNvSpPr>
             <a:spLocks noGrp="1"/>
           </p:cNvSpPr>
@@ -1748,20 +1928,27 @@
         </p:nvSpPr>
         <p:spPr>
           <a:xfrm>
-            <a:off x="831850" y="4589463"/>
-            <a:ext cx="10515600" cy="1500187"/>
+            <a:off x="765025" y="4216328"/>
+            <a:ext cx="9612971" cy="1143324"/>
           </a:xfrm>
         </p:spPr>
         <p:txBody>
           <a:bodyPr/>
           <a:lstStyle>
-            <a:lvl1pPr marL="0" indent="0">
+            <a:lvl1pPr marL="0" indent="0" algn="r">
+              <a:lnSpc>
+                <a:spcPct val="112000"/>
+              </a:lnSpc>
+              <a:spcBef>
+                <a:spcPts val="0"/>
+              </a:spcBef>
+              <a:spcAft>
+                <a:spcPts val="0"/>
+              </a:spcAft>
               <a:buNone/>
               <a:defRPr sz="2400">
                 <a:solidFill>
-                  <a:schemeClr val="tx1">
-                    <a:tint val="75000"/>
-                  </a:schemeClr>
+                  <a:schemeClr val="tx2"/>
                 </a:solidFill>
               </a:defRPr>
             </a:lvl1pPr>
@@ -1857,13 +2044,7 @@
       </p:sp>
       <p:sp>
         <p:nvSpPr>
-          <p:cNvPr id="4" name="Date Placeholder 3">
-            <a:extLst>
-              <a:ext uri="{FF2B5EF4-FFF2-40B4-BE49-F238E27FC236}">
-                <a16:creationId xmlns:a16="http://schemas.microsoft.com/office/drawing/2014/main" id="{CFDB4920-0187-41CD-BCD4-352862812215}"/>
-              </a:ext>
-            </a:extLst>
-          </p:cNvPr>
+          <p:cNvPr id="4" name="Date Placeholder 3"/>
           <p:cNvSpPr>
             <a:spLocks noGrp="1"/>
           </p:cNvSpPr>
@@ -1871,14 +2052,27 @@
             <p:ph type="dt" sz="half" idx="10"/>
           </p:nvPr>
         </p:nvSpPr>
-        <p:spPr/>
-        <p:txBody>
-          <a:bodyPr/>
-          <a:lstStyle/>
+        <p:spPr>
+          <a:xfrm>
+            <a:off x="738908" y="6453386"/>
+            <a:ext cx="1622409" cy="404614"/>
+          </a:xfrm>
+        </p:spPr>
+        <p:txBody>
+          <a:bodyPr/>
+          <a:lstStyle>
+            <a:lvl1pPr>
+              <a:defRPr>
+                <a:solidFill>
+                  <a:schemeClr val="tx2"/>
+                </a:solidFill>
+              </a:defRPr>
+            </a:lvl1pPr>
+          </a:lstStyle>
           <a:p>
             <a:fld id="{0BDBB3A1-2EF5-4059-B138-43CC68EA68D2}" type="datetimeFigureOut">
               <a:rPr lang="en-US" smtClean="0"/>
-              <a:t>11/5/2018</a:t>
+              <a:t>11/6/2018</a:t>
             </a:fld>
             <a:endParaRPr lang="en-US"/>
           </a:p>
@@ -1886,13 +2080,7 @@
       </p:sp>
       <p:sp>
         <p:nvSpPr>
-          <p:cNvPr id="5" name="Footer Placeholder 4">
-            <a:extLst>
-              <a:ext uri="{FF2B5EF4-FFF2-40B4-BE49-F238E27FC236}">
-                <a16:creationId xmlns:a16="http://schemas.microsoft.com/office/drawing/2014/main" id="{8D4CE384-51A3-4B6C-BDB5-1D4F0907D612}"/>
-              </a:ext>
-            </a:extLst>
-          </p:cNvPr>
+          <p:cNvPr id="5" name="Footer Placeholder 4"/>
           <p:cNvSpPr>
             <a:spLocks noGrp="1"/>
           </p:cNvSpPr>
@@ -1900,10 +2088,23 @@
             <p:ph type="ftr" sz="quarter" idx="11"/>
           </p:nvPr>
         </p:nvSpPr>
-        <p:spPr/>
-        <p:txBody>
-          <a:bodyPr/>
-          <a:lstStyle/>
+        <p:spPr>
+          <a:xfrm>
+            <a:off x="2584312" y="6453386"/>
+            <a:ext cx="7023377" cy="404614"/>
+          </a:xfrm>
+        </p:spPr>
+        <p:txBody>
+          <a:bodyPr/>
+          <a:lstStyle>
+            <a:lvl1pPr algn="ctr">
+              <a:defRPr>
+                <a:solidFill>
+                  <a:schemeClr val="tx2"/>
+                </a:solidFill>
+              </a:defRPr>
+            </a:lvl1pPr>
+          </a:lstStyle>
           <a:p>
             <a:endParaRPr lang="en-US"/>
           </a:p>
@@ -1911,13 +2112,7 @@
       </p:sp>
       <p:sp>
         <p:nvSpPr>
-          <p:cNvPr id="6" name="Slide Number Placeholder 5">
-            <a:extLst>
-              <a:ext uri="{FF2B5EF4-FFF2-40B4-BE49-F238E27FC236}">
-                <a16:creationId xmlns:a16="http://schemas.microsoft.com/office/drawing/2014/main" id="{22B2912A-A1E8-41D7-BB47-12801791BCE1}"/>
-              </a:ext>
-            </a:extLst>
-          </p:cNvPr>
+          <p:cNvPr id="6" name="Slide Number Placeholder 5"/>
           <p:cNvSpPr>
             <a:spLocks noGrp="1"/>
           </p:cNvSpPr>
@@ -1925,10 +2120,23 @@
             <p:ph type="sldNum" sz="quarter" idx="12"/>
           </p:nvPr>
         </p:nvSpPr>
-        <p:spPr/>
-        <p:txBody>
-          <a:bodyPr/>
-          <a:lstStyle/>
+        <p:spPr>
+          <a:xfrm>
+            <a:off x="9830683" y="6453386"/>
+            <a:ext cx="1596292" cy="404614"/>
+          </a:xfrm>
+        </p:spPr>
+        <p:txBody>
+          <a:bodyPr/>
+          <a:lstStyle>
+            <a:lvl1pPr>
+              <a:defRPr>
+                <a:solidFill>
+                  <a:schemeClr val="tx2"/>
+                </a:solidFill>
+              </a:defRPr>
+            </a:lvl1pPr>
+          </a:lstStyle>
           <a:p>
             <a:fld id="{7EF32F1C-D2FE-4FE3-A514-699B58EBF0F1}" type="slidenum">
               <a:rPr lang="en-US" smtClean="0"/>
@@ -1938,15 +2146,71 @@
           </a:p>
         </p:txBody>
       </p:sp>
+      <p:sp>
+        <p:nvSpPr>
+          <p:cNvPr id="7" name="Freeform 6" title="Crop Mark"/>
+          <p:cNvSpPr/>
+          <p:nvPr/>
+        </p:nvSpPr>
+        <p:spPr bwMode="auto">
+          <a:xfrm>
+            <a:off x="8151962" y="1685652"/>
+            <a:ext cx="3275013" cy="4408488"/>
+          </a:xfrm>
+          <a:custGeom>
+            <a:avLst/>
+            <a:gdLst/>
+            <a:ahLst/>
+            <a:cxnLst/>
+            <a:rect l="0" t="0" r="r" b="b"/>
+            <a:pathLst>
+              <a:path w="4125" h="5554">
+                <a:moveTo>
+                  <a:pt x="3614" y="0"/>
+                </a:moveTo>
+                <a:lnTo>
+                  <a:pt x="4125" y="0"/>
+                </a:lnTo>
+                <a:lnTo>
+                  <a:pt x="4125" y="5554"/>
+                </a:lnTo>
+                <a:lnTo>
+                  <a:pt x="0" y="5554"/>
+                </a:lnTo>
+                <a:lnTo>
+                  <a:pt x="0" y="5074"/>
+                </a:lnTo>
+                <a:lnTo>
+                  <a:pt x="3614" y="5074"/>
+                </a:lnTo>
+                <a:lnTo>
+                  <a:pt x="3614" y="0"/>
+                </a:lnTo>
+                <a:close/>
+              </a:path>
+            </a:pathLst>
+          </a:custGeom>
+          <a:solidFill>
+            <a:schemeClr val="tx2"/>
+          </a:solidFill>
+          <a:ln w="0">
+            <a:noFill/>
+            <a:prstDash val="solid"/>
+            <a:round/>
+            <a:headEnd/>
+            <a:tailEnd/>
+          </a:ln>
+        </p:spPr>
+      </p:sp>
     </p:spTree>
     <p:extLst>
       <p:ext uri="{BB962C8B-B14F-4D97-AF65-F5344CB8AC3E}">
-        <p14:creationId xmlns:p14="http://schemas.microsoft.com/office/powerpoint/2010/main" val="3261474339"/>
+        <p14:creationId xmlns:p14="http://schemas.microsoft.com/office/powerpoint/2010/main" val="3908690866"/>
       </p:ext>
     </p:extLst>
   </p:cSld>
   <p:clrMapOvr>
-    <a:masterClrMapping/>
+    <a:overrideClrMapping bg1="dk1" tx1="lt1" bg2="dk2" tx2="lt2" accent1="accent1" accent2="accent2" accent3="accent3" accent4="accent4" accent5="accent5" accent6="accent6" hlink="hlink" folHlink="folHlink"/>
   </p:clrMapOvr>
 </p:sldLayout>
 </file>
@@ -1970,13 +2234,7 @@
       </p:grpSpPr>
       <p:sp>
         <p:nvSpPr>
-          <p:cNvPr id="2" name="Title 1">
-            <a:extLst>
-              <a:ext uri="{FF2B5EF4-FFF2-40B4-BE49-F238E27FC236}">
-                <a16:creationId xmlns:a16="http://schemas.microsoft.com/office/drawing/2014/main" id="{08177519-6691-44AC-B753-2A6A2FC26FD7}"/>
-              </a:ext>
-            </a:extLst>
-          </p:cNvPr>
+          <p:cNvPr id="2" name="Title 1"/>
           <p:cNvSpPr>
             <a:spLocks noGrp="1"/>
           </p:cNvSpPr>
@@ -1987,24 +2245,27 @@
         <p:spPr/>
         <p:txBody>
           <a:bodyPr/>
-          <a:lstStyle/>
+          <a:lstStyle>
+            <a:lvl1pPr>
+              <a:defRPr>
+                <a:solidFill>
+                  <a:schemeClr val="tx2"/>
+                </a:solidFill>
+              </a:defRPr>
+            </a:lvl1pPr>
+          </a:lstStyle>
           <a:p>
             <a:r>
               <a:rPr lang="en-US"/>
               <a:t>Click to edit Master title style</a:t>
             </a:r>
-          </a:p>
-        </p:txBody>
-      </p:sp>
-      <p:sp>
-        <p:nvSpPr>
-          <p:cNvPr id="3" name="Content Placeholder 2">
-            <a:extLst>
-              <a:ext uri="{FF2B5EF4-FFF2-40B4-BE49-F238E27FC236}">
-                <a16:creationId xmlns:a16="http://schemas.microsoft.com/office/drawing/2014/main" id="{DB53BEE8-9E7C-4E92-8266-96D6D543E29B}"/>
-              </a:ext>
-            </a:extLst>
-          </p:cNvPr>
+            <a:endParaRPr lang="en-US" dirty="0"/>
+          </a:p>
+        </p:txBody>
+      </p:sp>
+      <p:sp>
+        <p:nvSpPr>
+          <p:cNvPr id="3" name="Content Placeholder 2"/>
           <p:cNvSpPr>
             <a:spLocks noGrp="1"/>
           </p:cNvSpPr>
@@ -2014,13 +2275,49 @@
         </p:nvSpPr>
         <p:spPr>
           <a:xfrm>
-            <a:off x="838200" y="1825625"/>
-            <a:ext cx="5181600" cy="4351338"/>
+            <a:off x="1371600" y="2285999"/>
+            <a:ext cx="4447786" cy="3581401"/>
           </a:xfrm>
         </p:spPr>
         <p:txBody>
           <a:bodyPr/>
-          <a:lstStyle/>
+          <a:lstStyle>
+            <a:lvl1pPr>
+              <a:defRPr baseline="0">
+                <a:solidFill>
+                  <a:schemeClr val="tx2"/>
+                </a:solidFill>
+              </a:defRPr>
+            </a:lvl1pPr>
+            <a:lvl2pPr>
+              <a:defRPr baseline="0">
+                <a:solidFill>
+                  <a:schemeClr val="tx2"/>
+                </a:solidFill>
+              </a:defRPr>
+            </a:lvl2pPr>
+            <a:lvl3pPr>
+              <a:defRPr baseline="0">
+                <a:solidFill>
+                  <a:schemeClr val="tx2"/>
+                </a:solidFill>
+              </a:defRPr>
+            </a:lvl3pPr>
+            <a:lvl4pPr>
+              <a:defRPr baseline="0">
+                <a:solidFill>
+                  <a:schemeClr val="tx2"/>
+                </a:solidFill>
+              </a:defRPr>
+            </a:lvl4pPr>
+            <a:lvl5pPr>
+              <a:defRPr baseline="0">
+                <a:solidFill>
+                  <a:schemeClr val="tx2"/>
+                </a:solidFill>
+              </a:defRPr>
+            </a:lvl5pPr>
+          </a:lstStyle>
           <a:p>
             <a:pPr lvl="0"/>
             <a:r>
@@ -2055,18 +2352,13 @@
               <a:rPr lang="en-US"/>
               <a:t>Fifth level</a:t>
             </a:r>
-          </a:p>
-        </p:txBody>
-      </p:sp>
-      <p:sp>
-        <p:nvSpPr>
-          <p:cNvPr id="4" name="Content Placeholder 3">
-            <a:extLst>
-              <a:ext uri="{FF2B5EF4-FFF2-40B4-BE49-F238E27FC236}">
-                <a16:creationId xmlns:a16="http://schemas.microsoft.com/office/drawing/2014/main" id="{F3147D65-23F1-4A15-885F-166664A91DEF}"/>
-              </a:ext>
-            </a:extLst>
-          </p:cNvPr>
+            <a:endParaRPr lang="en-US" dirty="0"/>
+          </a:p>
+        </p:txBody>
+      </p:sp>
+      <p:sp>
+        <p:nvSpPr>
+          <p:cNvPr id="4" name="Content Placeholder 3"/>
           <p:cNvSpPr>
             <a:spLocks noGrp="1"/>
           </p:cNvSpPr>
@@ -2076,13 +2368,49 @@
         </p:nvSpPr>
         <p:spPr>
           <a:xfrm>
-            <a:off x="6172200" y="1825625"/>
-            <a:ext cx="5181600" cy="4351338"/>
+            <a:off x="6525403" y="2285999"/>
+            <a:ext cx="4447786" cy="3581401"/>
           </a:xfrm>
         </p:spPr>
         <p:txBody>
           <a:bodyPr/>
-          <a:lstStyle/>
+          <a:lstStyle>
+            <a:lvl1pPr>
+              <a:defRPr>
+                <a:solidFill>
+                  <a:schemeClr val="tx2"/>
+                </a:solidFill>
+              </a:defRPr>
+            </a:lvl1pPr>
+            <a:lvl2pPr>
+              <a:defRPr>
+                <a:solidFill>
+                  <a:schemeClr val="tx2"/>
+                </a:solidFill>
+              </a:defRPr>
+            </a:lvl2pPr>
+            <a:lvl3pPr>
+              <a:defRPr>
+                <a:solidFill>
+                  <a:schemeClr val="tx2"/>
+                </a:solidFill>
+              </a:defRPr>
+            </a:lvl3pPr>
+            <a:lvl4pPr>
+              <a:defRPr>
+                <a:solidFill>
+                  <a:schemeClr val="tx2"/>
+                </a:solidFill>
+              </a:defRPr>
+            </a:lvl4pPr>
+            <a:lvl5pPr>
+              <a:defRPr>
+                <a:solidFill>
+                  <a:schemeClr val="tx2"/>
+                </a:solidFill>
+              </a:defRPr>
+            </a:lvl5pPr>
+          </a:lstStyle>
           <a:p>
             <a:pPr lvl="0"/>
             <a:r>
@@ -2117,18 +2445,13 @@
               <a:rPr lang="en-US"/>
               <a:t>Fifth level</a:t>
             </a:r>
-          </a:p>
-        </p:txBody>
-      </p:sp>
-      <p:sp>
-        <p:nvSpPr>
-          <p:cNvPr id="5" name="Date Placeholder 4">
-            <a:extLst>
-              <a:ext uri="{FF2B5EF4-FFF2-40B4-BE49-F238E27FC236}">
-                <a16:creationId xmlns:a16="http://schemas.microsoft.com/office/drawing/2014/main" id="{4A14668E-4789-4D64-9E6C-302E37CCEF87}"/>
-              </a:ext>
-            </a:extLst>
-          </p:cNvPr>
+            <a:endParaRPr lang="en-US" dirty="0"/>
+          </a:p>
+        </p:txBody>
+      </p:sp>
+      <p:sp>
+        <p:nvSpPr>
+          <p:cNvPr id="5" name="Date Placeholder 4"/>
           <p:cNvSpPr>
             <a:spLocks noGrp="1"/>
           </p:cNvSpPr>
@@ -2143,7 +2466,7 @@
           <a:p>
             <a:fld id="{0BDBB3A1-2EF5-4059-B138-43CC68EA68D2}" type="datetimeFigureOut">
               <a:rPr lang="en-US" smtClean="0"/>
-              <a:t>11/5/2018</a:t>
+              <a:t>11/6/2018</a:t>
             </a:fld>
             <a:endParaRPr lang="en-US"/>
           </a:p>
@@ -2151,13 +2474,7 @@
       </p:sp>
       <p:sp>
         <p:nvSpPr>
-          <p:cNvPr id="6" name="Footer Placeholder 5">
-            <a:extLst>
-              <a:ext uri="{FF2B5EF4-FFF2-40B4-BE49-F238E27FC236}">
-                <a16:creationId xmlns:a16="http://schemas.microsoft.com/office/drawing/2014/main" id="{AD63F13F-9BB9-416B-B107-674CD1C522A5}"/>
-              </a:ext>
-            </a:extLst>
-          </p:cNvPr>
+          <p:cNvPr id="6" name="Footer Placeholder 5"/>
           <p:cNvSpPr>
             <a:spLocks noGrp="1"/>
           </p:cNvSpPr>
@@ -2176,13 +2493,7 @@
       </p:sp>
       <p:sp>
         <p:nvSpPr>
-          <p:cNvPr id="7" name="Slide Number Placeholder 6">
-            <a:extLst>
-              <a:ext uri="{FF2B5EF4-FFF2-40B4-BE49-F238E27FC236}">
-                <a16:creationId xmlns:a16="http://schemas.microsoft.com/office/drawing/2014/main" id="{5D8F2F6E-6B56-405D-BA1A-DEB1C05DD8D8}"/>
-              </a:ext>
-            </a:extLst>
-          </p:cNvPr>
+          <p:cNvPr id="7" name="Slide Number Placeholder 6"/>
           <p:cNvSpPr>
             <a:spLocks noGrp="1"/>
           </p:cNvSpPr>
@@ -2206,7 +2517,7 @@
     </p:spTree>
     <p:extLst>
       <p:ext uri="{BB962C8B-B14F-4D97-AF65-F5344CB8AC3E}">
-        <p14:creationId xmlns:p14="http://schemas.microsoft.com/office/powerpoint/2010/main" val="890396447"/>
+        <p14:creationId xmlns:p14="http://schemas.microsoft.com/office/powerpoint/2010/main" val="2301289811"/>
       </p:ext>
     </p:extLst>
   </p:cSld>
@@ -2235,13 +2546,7 @@
       </p:grpSpPr>
       <p:sp>
         <p:nvSpPr>
-          <p:cNvPr id="2" name="Title 1">
-            <a:extLst>
-              <a:ext uri="{FF2B5EF4-FFF2-40B4-BE49-F238E27FC236}">
-                <a16:creationId xmlns:a16="http://schemas.microsoft.com/office/drawing/2014/main" id="{C2031705-8377-4C2B-A014-3B42F79F782E}"/>
-              </a:ext>
-            </a:extLst>
-          </p:cNvPr>
+          <p:cNvPr id="2" name="Title 1"/>
           <p:cNvSpPr>
             <a:spLocks noGrp="1"/>
           </p:cNvSpPr>
@@ -2251,30 +2556,33 @@
         </p:nvSpPr>
         <p:spPr>
           <a:xfrm>
-            <a:off x="839788" y="365125"/>
-            <a:ext cx="10515600" cy="1325563"/>
+            <a:off x="1371600" y="685800"/>
+            <a:ext cx="9601200" cy="1485900"/>
           </a:xfrm>
         </p:spPr>
         <p:txBody>
           <a:bodyPr/>
-          <a:lstStyle/>
+          <a:lstStyle>
+            <a:lvl1pPr>
+              <a:defRPr>
+                <a:solidFill>
+                  <a:schemeClr val="tx2"/>
+                </a:solidFill>
+              </a:defRPr>
+            </a:lvl1pPr>
+          </a:lstStyle>
           <a:p>
             <a:r>
               <a:rPr lang="en-US"/>
               <a:t>Click to edit Master title style</a:t>
             </a:r>
-          </a:p>
-        </p:txBody>
-      </p:sp>
-      <p:sp>
-        <p:nvSpPr>
-          <p:cNvPr id="3" name="Text Placeholder 2">
-            <a:extLst>
-              <a:ext uri="{FF2B5EF4-FFF2-40B4-BE49-F238E27FC236}">
-                <a16:creationId xmlns:a16="http://schemas.microsoft.com/office/drawing/2014/main" id="{28001EC0-3919-4221-BF7F-8E5B546B7D9A}"/>
-              </a:ext>
-            </a:extLst>
-          </p:cNvPr>
+            <a:endParaRPr lang="en-US" dirty="0"/>
+          </a:p>
+        </p:txBody>
+      </p:sp>
+      <p:sp>
+        <p:nvSpPr>
+          <p:cNvPr id="3" name="Text Placeholder 2"/>
           <p:cNvSpPr>
             <a:spLocks noGrp="1"/>
           </p:cNvSpPr>
@@ -2284,16 +2592,31 @@
         </p:nvSpPr>
         <p:spPr>
           <a:xfrm>
-            <a:off x="839788" y="1681163"/>
-            <a:ext cx="5157787" cy="823912"/>
+            <a:off x="1371600" y="2340864"/>
+            <a:ext cx="4443984" cy="823912"/>
           </a:xfrm>
         </p:spPr>
         <p:txBody>
-          <a:bodyPr anchor="b"/>
+          <a:bodyPr anchor="b">
+            <a:noAutofit/>
+          </a:bodyPr>
           <a:lstStyle>
             <a:lvl1pPr marL="0" indent="0">
+              <a:lnSpc>
+                <a:spcPct val="84000"/>
+              </a:lnSpc>
+              <a:spcBef>
+                <a:spcPts val="0"/>
+              </a:spcBef>
+              <a:spcAft>
+                <a:spcPts val="0"/>
+              </a:spcAft>
               <a:buNone/>
-              <a:defRPr sz="2400" b="1"/>
+              <a:defRPr sz="3000" b="0" baseline="0">
+                <a:solidFill>
+                  <a:schemeClr val="tx2"/>
+                </a:solidFill>
+              </a:defRPr>
             </a:lvl1pPr>
             <a:lvl2pPr marL="457200" indent="0">
               <a:buNone/>
@@ -2339,13 +2662,7 @@
       </p:sp>
       <p:sp>
         <p:nvSpPr>
-          <p:cNvPr id="4" name="Content Placeholder 3">
-            <a:extLst>
-              <a:ext uri="{FF2B5EF4-FFF2-40B4-BE49-F238E27FC236}">
-                <a16:creationId xmlns:a16="http://schemas.microsoft.com/office/drawing/2014/main" id="{48DF80D5-CA1E-4CFD-8D96-F739198C328E}"/>
-              </a:ext>
-            </a:extLst>
-          </p:cNvPr>
+          <p:cNvPr id="4" name="Content Placeholder 3"/>
           <p:cNvSpPr>
             <a:spLocks noGrp="1"/>
           </p:cNvSpPr>
@@ -2355,13 +2672,49 @@
         </p:nvSpPr>
         <p:spPr>
           <a:xfrm>
-            <a:off x="839788" y="2505075"/>
-            <a:ext cx="5157787" cy="3684588"/>
+            <a:off x="1371600" y="3305207"/>
+            <a:ext cx="4443984" cy="2562193"/>
           </a:xfrm>
         </p:spPr>
         <p:txBody>
           <a:bodyPr/>
-          <a:lstStyle/>
+          <a:lstStyle>
+            <a:lvl1pPr>
+              <a:defRPr baseline="0">
+                <a:solidFill>
+                  <a:schemeClr val="tx2"/>
+                </a:solidFill>
+              </a:defRPr>
+            </a:lvl1pPr>
+            <a:lvl2pPr>
+              <a:defRPr baseline="0">
+                <a:solidFill>
+                  <a:schemeClr val="tx2"/>
+                </a:solidFill>
+              </a:defRPr>
+            </a:lvl2pPr>
+            <a:lvl3pPr>
+              <a:defRPr baseline="0">
+                <a:solidFill>
+                  <a:schemeClr val="tx2"/>
+                </a:solidFill>
+              </a:defRPr>
+            </a:lvl3pPr>
+            <a:lvl4pPr>
+              <a:defRPr baseline="0">
+                <a:solidFill>
+                  <a:schemeClr val="tx2"/>
+                </a:solidFill>
+              </a:defRPr>
+            </a:lvl4pPr>
+            <a:lvl5pPr>
+              <a:defRPr baseline="0">
+                <a:solidFill>
+                  <a:schemeClr val="tx2"/>
+                </a:solidFill>
+              </a:defRPr>
+            </a:lvl5pPr>
+          </a:lstStyle>
           <a:p>
             <a:pPr lvl="0"/>
             <a:r>
@@ -2396,18 +2749,13 @@
               <a:rPr lang="en-US"/>
               <a:t>Fifth level</a:t>
             </a:r>
-          </a:p>
-        </p:txBody>
-      </p:sp>
-      <p:sp>
-        <p:nvSpPr>
-          <p:cNvPr id="5" name="Text Placeholder 4">
-            <a:extLst>
-              <a:ext uri="{FF2B5EF4-FFF2-40B4-BE49-F238E27FC236}">
-                <a16:creationId xmlns:a16="http://schemas.microsoft.com/office/drawing/2014/main" id="{5C516BC7-DAEC-420A-95F6-8ECCA73ED261}"/>
-              </a:ext>
-            </a:extLst>
-          </p:cNvPr>
+            <a:endParaRPr lang="en-US" dirty="0"/>
+          </a:p>
+        </p:txBody>
+      </p:sp>
+      <p:sp>
+        <p:nvSpPr>
+          <p:cNvPr id="5" name="Text Placeholder 4"/>
           <p:cNvSpPr>
             <a:spLocks noGrp="1"/>
           </p:cNvSpPr>
@@ -2417,16 +2765,31 @@
         </p:nvSpPr>
         <p:spPr>
           <a:xfrm>
-            <a:off x="6172200" y="1681163"/>
-            <a:ext cx="5183188" cy="823912"/>
+            <a:off x="6525014" y="2340864"/>
+            <a:ext cx="4443984" cy="823912"/>
           </a:xfrm>
         </p:spPr>
         <p:txBody>
-          <a:bodyPr anchor="b"/>
+          <a:bodyPr anchor="b">
+            <a:noAutofit/>
+          </a:bodyPr>
           <a:lstStyle>
             <a:lvl1pPr marL="0" indent="0">
+              <a:lnSpc>
+                <a:spcPct val="84000"/>
+              </a:lnSpc>
+              <a:spcBef>
+                <a:spcPts val="0"/>
+              </a:spcBef>
+              <a:spcAft>
+                <a:spcPts val="0"/>
+              </a:spcAft>
               <a:buNone/>
-              <a:defRPr sz="2400" b="1"/>
+              <a:defRPr sz="3000" b="0" baseline="0">
+                <a:solidFill>
+                  <a:schemeClr val="tx2"/>
+                </a:solidFill>
+              </a:defRPr>
             </a:lvl1pPr>
             <a:lvl2pPr marL="457200" indent="0">
               <a:buNone/>
@@ -2472,13 +2835,7 @@
       </p:sp>
       <p:sp>
         <p:nvSpPr>
-          <p:cNvPr id="6" name="Content Placeholder 5">
-            <a:extLst>
-              <a:ext uri="{FF2B5EF4-FFF2-40B4-BE49-F238E27FC236}">
-                <a16:creationId xmlns:a16="http://schemas.microsoft.com/office/drawing/2014/main" id="{324A4590-5139-4E8D-B579-86C2FD777099}"/>
-              </a:ext>
-            </a:extLst>
-          </p:cNvPr>
+          <p:cNvPr id="6" name="Content Placeholder 5"/>
           <p:cNvSpPr>
             <a:spLocks noGrp="1"/>
           </p:cNvSpPr>
@@ -2488,13 +2845,49 @@
         </p:nvSpPr>
         <p:spPr>
           <a:xfrm>
-            <a:off x="6172200" y="2505075"/>
-            <a:ext cx="5183188" cy="3684588"/>
+            <a:off x="6525014" y="3305207"/>
+            <a:ext cx="4443984" cy="2562193"/>
           </a:xfrm>
         </p:spPr>
         <p:txBody>
           <a:bodyPr/>
-          <a:lstStyle/>
+          <a:lstStyle>
+            <a:lvl1pPr>
+              <a:defRPr baseline="0">
+                <a:solidFill>
+                  <a:schemeClr val="tx2"/>
+                </a:solidFill>
+              </a:defRPr>
+            </a:lvl1pPr>
+            <a:lvl2pPr>
+              <a:defRPr baseline="0">
+                <a:solidFill>
+                  <a:schemeClr val="tx2"/>
+                </a:solidFill>
+              </a:defRPr>
+            </a:lvl2pPr>
+            <a:lvl3pPr>
+              <a:defRPr baseline="0">
+                <a:solidFill>
+                  <a:schemeClr val="tx2"/>
+                </a:solidFill>
+              </a:defRPr>
+            </a:lvl3pPr>
+            <a:lvl4pPr>
+              <a:defRPr baseline="0">
+                <a:solidFill>
+                  <a:schemeClr val="tx2"/>
+                </a:solidFill>
+              </a:defRPr>
+            </a:lvl4pPr>
+            <a:lvl5pPr>
+              <a:defRPr baseline="0">
+                <a:solidFill>
+                  <a:schemeClr val="tx2"/>
+                </a:solidFill>
+              </a:defRPr>
+            </a:lvl5pPr>
+          </a:lstStyle>
           <a:p>
             <a:pPr lvl="0"/>
             <a:r>
@@ -2529,18 +2922,13 @@
               <a:rPr lang="en-US"/>
               <a:t>Fifth level</a:t>
             </a:r>
-          </a:p>
-        </p:txBody>
-      </p:sp>
-      <p:sp>
-        <p:nvSpPr>
-          <p:cNvPr id="7" name="Date Placeholder 6">
-            <a:extLst>
-              <a:ext uri="{FF2B5EF4-FFF2-40B4-BE49-F238E27FC236}">
-                <a16:creationId xmlns:a16="http://schemas.microsoft.com/office/drawing/2014/main" id="{A3A4769F-3709-4BB3-9B72-091CB3BED263}"/>
-              </a:ext>
-            </a:extLst>
-          </p:cNvPr>
+            <a:endParaRPr lang="en-US" dirty="0"/>
+          </a:p>
+        </p:txBody>
+      </p:sp>
+      <p:sp>
+        <p:nvSpPr>
+          <p:cNvPr id="7" name="Date Placeholder 6"/>
           <p:cNvSpPr>
             <a:spLocks noGrp="1"/>
           </p:cNvSpPr>
@@ -2555,7 +2943,7 @@
           <a:p>
             <a:fld id="{0BDBB3A1-2EF5-4059-B138-43CC68EA68D2}" type="datetimeFigureOut">
               <a:rPr lang="en-US" smtClean="0"/>
-              <a:t>11/5/2018</a:t>
+              <a:t>11/6/2018</a:t>
             </a:fld>
             <a:endParaRPr lang="en-US"/>
           </a:p>
@@ -2563,13 +2951,7 @@
       </p:sp>
       <p:sp>
         <p:nvSpPr>
-          <p:cNvPr id="8" name="Footer Placeholder 7">
-            <a:extLst>
-              <a:ext uri="{FF2B5EF4-FFF2-40B4-BE49-F238E27FC236}">
-                <a16:creationId xmlns:a16="http://schemas.microsoft.com/office/drawing/2014/main" id="{7349D4DF-69BB-4514-9E38-CFBC7F869546}"/>
-              </a:ext>
-            </a:extLst>
-          </p:cNvPr>
+          <p:cNvPr id="8" name="Footer Placeholder 7"/>
           <p:cNvSpPr>
             <a:spLocks noGrp="1"/>
           </p:cNvSpPr>
@@ -2588,13 +2970,7 @@
       </p:sp>
       <p:sp>
         <p:nvSpPr>
-          <p:cNvPr id="9" name="Slide Number Placeholder 8">
-            <a:extLst>
-              <a:ext uri="{FF2B5EF4-FFF2-40B4-BE49-F238E27FC236}">
-                <a16:creationId xmlns:a16="http://schemas.microsoft.com/office/drawing/2014/main" id="{6C0FB397-2004-4D46-BC45-33E6B9251C46}"/>
-              </a:ext>
-            </a:extLst>
-          </p:cNvPr>
+          <p:cNvPr id="9" name="Slide Number Placeholder 8"/>
           <p:cNvSpPr>
             <a:spLocks noGrp="1"/>
           </p:cNvSpPr>
@@ -2618,7 +2994,7 @@
     </p:spTree>
     <p:extLst>
       <p:ext uri="{BB962C8B-B14F-4D97-AF65-F5344CB8AC3E}">
-        <p14:creationId xmlns:p14="http://schemas.microsoft.com/office/powerpoint/2010/main" val="3403750586"/>
+        <p14:creationId xmlns:p14="http://schemas.microsoft.com/office/powerpoint/2010/main" val="872004583"/>
       </p:ext>
     </p:extLst>
   </p:cSld>
@@ -2647,13 +3023,7 @@
       </p:grpSpPr>
       <p:sp>
         <p:nvSpPr>
-          <p:cNvPr id="2" name="Title 1">
-            <a:extLst>
-              <a:ext uri="{FF2B5EF4-FFF2-40B4-BE49-F238E27FC236}">
-                <a16:creationId xmlns:a16="http://schemas.microsoft.com/office/drawing/2014/main" id="{1A473892-7C1C-42A4-966B-625751739329}"/>
-              </a:ext>
-            </a:extLst>
-          </p:cNvPr>
+          <p:cNvPr id="2" name="Title 1"/>
           <p:cNvSpPr>
             <a:spLocks noGrp="1"/>
           </p:cNvSpPr>
@@ -2670,18 +3040,13 @@
               <a:rPr lang="en-US"/>
               <a:t>Click to edit Master title style</a:t>
             </a:r>
-          </a:p>
-        </p:txBody>
-      </p:sp>
-      <p:sp>
-        <p:nvSpPr>
-          <p:cNvPr id="3" name="Date Placeholder 2">
-            <a:extLst>
-              <a:ext uri="{FF2B5EF4-FFF2-40B4-BE49-F238E27FC236}">
-                <a16:creationId xmlns:a16="http://schemas.microsoft.com/office/drawing/2014/main" id="{0BF20C61-92B3-459A-9567-F06E079B8EA0}"/>
-              </a:ext>
-            </a:extLst>
-          </p:cNvPr>
+            <a:endParaRPr lang="en-US" dirty="0"/>
+          </a:p>
+        </p:txBody>
+      </p:sp>
+      <p:sp>
+        <p:nvSpPr>
+          <p:cNvPr id="3" name="Date Placeholder 2"/>
           <p:cNvSpPr>
             <a:spLocks noGrp="1"/>
           </p:cNvSpPr>
@@ -2696,7 +3061,7 @@
           <a:p>
             <a:fld id="{0BDBB3A1-2EF5-4059-B138-43CC68EA68D2}" type="datetimeFigureOut">
               <a:rPr lang="en-US" smtClean="0"/>
-              <a:t>11/5/2018</a:t>
+              <a:t>11/6/2018</a:t>
             </a:fld>
             <a:endParaRPr lang="en-US"/>
           </a:p>
@@ -2704,13 +3069,7 @@
       </p:sp>
       <p:sp>
         <p:nvSpPr>
-          <p:cNvPr id="4" name="Footer Placeholder 3">
-            <a:extLst>
-              <a:ext uri="{FF2B5EF4-FFF2-40B4-BE49-F238E27FC236}">
-                <a16:creationId xmlns:a16="http://schemas.microsoft.com/office/drawing/2014/main" id="{BB40F691-C19D-4BDF-8B10-F8DA9FF8D6F5}"/>
-              </a:ext>
-            </a:extLst>
-          </p:cNvPr>
+          <p:cNvPr id="4" name="Footer Placeholder 3"/>
           <p:cNvSpPr>
             <a:spLocks noGrp="1"/>
           </p:cNvSpPr>
@@ -2729,13 +3088,7 @@
       </p:sp>
       <p:sp>
         <p:nvSpPr>
-          <p:cNvPr id="5" name="Slide Number Placeholder 4">
-            <a:extLst>
-              <a:ext uri="{FF2B5EF4-FFF2-40B4-BE49-F238E27FC236}">
-                <a16:creationId xmlns:a16="http://schemas.microsoft.com/office/drawing/2014/main" id="{FE141F31-F8AE-4341-B398-296EE4374311}"/>
-              </a:ext>
-            </a:extLst>
-          </p:cNvPr>
+          <p:cNvPr id="5" name="Slide Number Placeholder 4"/>
           <p:cNvSpPr>
             <a:spLocks noGrp="1"/>
           </p:cNvSpPr>
@@ -2759,7 +3112,7 @@
     </p:spTree>
     <p:extLst>
       <p:ext uri="{BB962C8B-B14F-4D97-AF65-F5344CB8AC3E}">
-        <p14:creationId xmlns:p14="http://schemas.microsoft.com/office/powerpoint/2010/main" val="3073879763"/>
+        <p14:creationId xmlns:p14="http://schemas.microsoft.com/office/powerpoint/2010/main" val="2218076267"/>
       </p:ext>
     </p:extLst>
   </p:cSld>
@@ -2788,13 +3141,7 @@
       </p:grpSpPr>
       <p:sp>
         <p:nvSpPr>
-          <p:cNvPr id="2" name="Date Placeholder 1">
-            <a:extLst>
-              <a:ext uri="{FF2B5EF4-FFF2-40B4-BE49-F238E27FC236}">
-                <a16:creationId xmlns:a16="http://schemas.microsoft.com/office/drawing/2014/main" id="{F15F0F25-63D8-462E-A259-8B4FD38CDC67}"/>
-              </a:ext>
-            </a:extLst>
-          </p:cNvPr>
+          <p:cNvPr id="2" name="Date Placeholder 1"/>
           <p:cNvSpPr>
             <a:spLocks noGrp="1"/>
           </p:cNvSpPr>
@@ -2809,7 +3156,7 @@
           <a:p>
             <a:fld id="{0BDBB3A1-2EF5-4059-B138-43CC68EA68D2}" type="datetimeFigureOut">
               <a:rPr lang="en-US" smtClean="0"/>
-              <a:t>11/5/2018</a:t>
+              <a:t>11/6/2018</a:t>
             </a:fld>
             <a:endParaRPr lang="en-US"/>
           </a:p>
@@ -2817,13 +3164,7 @@
       </p:sp>
       <p:sp>
         <p:nvSpPr>
-          <p:cNvPr id="3" name="Footer Placeholder 2">
-            <a:extLst>
-              <a:ext uri="{FF2B5EF4-FFF2-40B4-BE49-F238E27FC236}">
-                <a16:creationId xmlns:a16="http://schemas.microsoft.com/office/drawing/2014/main" id="{DA2AABD9-69A4-42E0-BFF0-1BF264BB8B82}"/>
-              </a:ext>
-            </a:extLst>
-          </p:cNvPr>
+          <p:cNvPr id="3" name="Footer Placeholder 2"/>
           <p:cNvSpPr>
             <a:spLocks noGrp="1"/>
           </p:cNvSpPr>
@@ -2842,13 +3183,7 @@
       </p:sp>
       <p:sp>
         <p:nvSpPr>
-          <p:cNvPr id="4" name="Slide Number Placeholder 3">
-            <a:extLst>
-              <a:ext uri="{FF2B5EF4-FFF2-40B4-BE49-F238E27FC236}">
-                <a16:creationId xmlns:a16="http://schemas.microsoft.com/office/drawing/2014/main" id="{84A30B14-C3E6-4642-8972-B8125FA3758F}"/>
-              </a:ext>
-            </a:extLst>
-          </p:cNvPr>
+          <p:cNvPr id="4" name="Slide Number Placeholder 3"/>
           <p:cNvSpPr>
             <a:spLocks noGrp="1"/>
           </p:cNvSpPr>
@@ -2872,7 +3207,7 @@
     </p:spTree>
     <p:extLst>
       <p:ext uri="{BB962C8B-B14F-4D97-AF65-F5344CB8AC3E}">
-        <p14:creationId xmlns:p14="http://schemas.microsoft.com/office/powerpoint/2010/main" val="4229171392"/>
+        <p14:creationId xmlns:p14="http://schemas.microsoft.com/office/powerpoint/2010/main" val="1984279022"/>
       </p:ext>
     </p:extLst>
   </p:cSld>
@@ -2883,7 +3218,7 @@
 </file>
 
 <file path=ppt/slideLayouts/slideLayout8.xml><?xml version="1.0" encoding="utf-8"?>
-<p:sldLayout xmlns:a="http://schemas.openxmlformats.org/drawingml/2006/main" xmlns:r="http://schemas.openxmlformats.org/officeDocument/2006/relationships" xmlns:p="http://schemas.openxmlformats.org/presentationml/2006/main" type="objTx" preserve="1">
+<p:sldLayout xmlns:a="http://schemas.openxmlformats.org/drawingml/2006/main" xmlns:r="http://schemas.openxmlformats.org/officeDocument/2006/relationships" xmlns:p="http://schemas.openxmlformats.org/presentationml/2006/main" showMasterSp="0" type="objTx" preserve="1">
   <p:cSld name="Content with Caption">
     <p:spTree>
       <p:nvGrpSpPr>
@@ -2901,31 +3236,72 @@
       </p:grpSpPr>
       <p:sp>
         <p:nvSpPr>
-          <p:cNvPr id="2" name="Title 1">
-            <a:extLst>
-              <a:ext uri="{FF2B5EF4-FFF2-40B4-BE49-F238E27FC236}">
-                <a16:creationId xmlns:a16="http://schemas.microsoft.com/office/drawing/2014/main" id="{CA9B9907-0F6C-46A0-97E8-E28288C79898}"/>
-              </a:ext>
-            </a:extLst>
-          </p:cNvPr>
-          <p:cNvSpPr>
-            <a:spLocks noGrp="1"/>
-          </p:cNvSpPr>
-          <p:nvPr>
-            <p:ph type="title"/>
-          </p:nvPr>
+          <p:cNvPr id="8" name="Rectangle 7" title="Background Shape"/>
+          <p:cNvSpPr/>
+          <p:nvPr/>
         </p:nvSpPr>
         <p:spPr>
           <a:xfrm>
-            <a:off x="839788" y="457200"/>
-            <a:ext cx="3932237" cy="1600200"/>
+            <a:off x="0" y="376"/>
+            <a:ext cx="5303520" cy="6857624"/>
+          </a:xfrm>
+          <a:prstGeom prst="rect">
+            <a:avLst/>
+          </a:prstGeom>
+          <a:solidFill>
+            <a:schemeClr val="accent1"/>
+          </a:solidFill>
+          <a:ln>
+            <a:noFill/>
+          </a:ln>
+        </p:spPr>
+        <p:style>
+          <a:lnRef idx="2">
+            <a:schemeClr val="accent1">
+              <a:shade val="50000"/>
+            </a:schemeClr>
+          </a:lnRef>
+          <a:fillRef idx="1">
+            <a:schemeClr val="accent1"/>
+          </a:fillRef>
+          <a:effectRef idx="0">
+            <a:schemeClr val="accent1"/>
+          </a:effectRef>
+          <a:fontRef idx="minor">
+            <a:schemeClr val="lt1"/>
+          </a:fontRef>
+        </p:style>
+      </p:sp>
+      <p:sp>
+        <p:nvSpPr>
+          <p:cNvPr id="2" name="Title 1"/>
+          <p:cNvSpPr>
+            <a:spLocks noGrp="1"/>
+          </p:cNvSpPr>
+          <p:nvPr>
+            <p:ph type="title"/>
+          </p:nvPr>
+        </p:nvSpPr>
+        <p:spPr>
+          <a:xfrm>
+            <a:off x="723900" y="685800"/>
+            <a:ext cx="3855720" cy="2157884"/>
           </a:xfrm>
         </p:spPr>
         <p:txBody>
-          <a:bodyPr anchor="b"/>
+          <a:bodyPr anchor="t">
+            <a:noAutofit/>
+          </a:bodyPr>
           <a:lstStyle>
             <a:lvl1pPr>
-              <a:defRPr sz="3200"/>
+              <a:lnSpc>
+                <a:spcPct val="84000"/>
+              </a:lnSpc>
+              <a:defRPr sz="4800" baseline="0">
+                <a:solidFill>
+                  <a:schemeClr val="tx2"/>
+                </a:solidFill>
+              </a:defRPr>
             </a:lvl1pPr>
           </a:lstStyle>
           <a:p>
@@ -2933,18 +3309,13 @@
               <a:rPr lang="en-US"/>
               <a:t>Click to edit Master title style</a:t>
             </a:r>
-          </a:p>
-        </p:txBody>
-      </p:sp>
-      <p:sp>
-        <p:nvSpPr>
-          <p:cNvPr id="3" name="Content Placeholder 2">
-            <a:extLst>
-              <a:ext uri="{FF2B5EF4-FFF2-40B4-BE49-F238E27FC236}">
-                <a16:creationId xmlns:a16="http://schemas.microsoft.com/office/drawing/2014/main" id="{2D664693-356F-4FEC-BF5A-DE42516AE5BF}"/>
-              </a:ext>
-            </a:extLst>
-          </p:cNvPr>
+            <a:endParaRPr lang="en-US" dirty="0"/>
+          </a:p>
+        </p:txBody>
+      </p:sp>
+      <p:sp>
+        <p:nvSpPr>
+          <p:cNvPr id="3" name="Content Placeholder 2"/>
           <p:cNvSpPr>
             <a:spLocks noGrp="1"/>
           </p:cNvSpPr>
@@ -2954,39 +3325,39 @@
         </p:nvSpPr>
         <p:spPr>
           <a:xfrm>
-            <a:off x="5183188" y="987425"/>
-            <a:ext cx="6172200" cy="4873625"/>
+            <a:off x="6256020" y="685801"/>
+            <a:ext cx="5212080" cy="5175250"/>
           </a:xfrm>
         </p:spPr>
         <p:txBody>
           <a:bodyPr/>
           <a:lstStyle>
             <a:lvl1pPr>
-              <a:defRPr sz="3200"/>
+              <a:defRPr sz="2000"/>
             </a:lvl1pPr>
             <a:lvl2pPr>
-              <a:defRPr sz="2800"/>
+              <a:defRPr sz="2000"/>
             </a:lvl2pPr>
             <a:lvl3pPr>
-              <a:defRPr sz="2400"/>
+              <a:defRPr sz="1800"/>
             </a:lvl3pPr>
             <a:lvl4pPr>
-              <a:defRPr sz="2000"/>
+              <a:defRPr sz="1800"/>
             </a:lvl4pPr>
             <a:lvl5pPr>
-              <a:defRPr sz="2000"/>
+              <a:defRPr sz="1600"/>
             </a:lvl5pPr>
             <a:lvl6pPr>
-              <a:defRPr sz="2000"/>
+              <a:defRPr sz="1600"/>
             </a:lvl6pPr>
             <a:lvl7pPr>
-              <a:defRPr sz="2000"/>
+              <a:defRPr sz="1600"/>
             </a:lvl7pPr>
             <a:lvl8pPr>
-              <a:defRPr sz="2000"/>
+              <a:defRPr sz="1600"/>
             </a:lvl8pPr>
             <a:lvl9pPr>
-              <a:defRPr sz="2000"/>
+              <a:defRPr sz="1600"/>
             </a:lvl9pPr>
           </a:lstStyle>
           <a:p>
@@ -3023,18 +3394,13 @@
               <a:rPr lang="en-US"/>
               <a:t>Fifth level</a:t>
             </a:r>
-          </a:p>
-        </p:txBody>
-      </p:sp>
-      <p:sp>
-        <p:nvSpPr>
-          <p:cNvPr id="4" name="Text Placeholder 3">
-            <a:extLst>
-              <a:ext uri="{FF2B5EF4-FFF2-40B4-BE49-F238E27FC236}">
-                <a16:creationId xmlns:a16="http://schemas.microsoft.com/office/drawing/2014/main" id="{F14A476B-3E46-42B9-8A89-B6B66D7D786E}"/>
-              </a:ext>
-            </a:extLst>
-          </p:cNvPr>
+            <a:endParaRPr lang="en-US" dirty="0"/>
+          </a:p>
+        </p:txBody>
+      </p:sp>
+      <p:sp>
+        <p:nvSpPr>
+          <p:cNvPr id="4" name="Text Placeholder 3"/>
           <p:cNvSpPr>
             <a:spLocks noGrp="1"/>
           </p:cNvSpPr>
@@ -3044,14 +3410,23 @@
         </p:nvSpPr>
         <p:spPr>
           <a:xfrm>
-            <a:off x="839788" y="2057400"/>
-            <a:ext cx="3932237" cy="3811588"/>
+            <a:off x="723900" y="2856344"/>
+            <a:ext cx="3855720" cy="3011056"/>
           </a:xfrm>
         </p:spPr>
         <p:txBody>
           <a:bodyPr/>
           <a:lstStyle>
             <a:lvl1pPr marL="0" indent="0">
+              <a:lnSpc>
+                <a:spcPct val="113000"/>
+              </a:lnSpc>
+              <a:spcBef>
+                <a:spcPts val="0"/>
+              </a:spcBef>
+              <a:spcAft>
+                <a:spcPts val="1500"/>
+              </a:spcAft>
               <a:buNone/>
               <a:defRPr sz="1600"/>
             </a:lvl1pPr>
@@ -3099,13 +3474,7 @@
       </p:sp>
       <p:sp>
         <p:nvSpPr>
-          <p:cNvPr id="5" name="Date Placeholder 4">
-            <a:extLst>
-              <a:ext uri="{FF2B5EF4-FFF2-40B4-BE49-F238E27FC236}">
-                <a16:creationId xmlns:a16="http://schemas.microsoft.com/office/drawing/2014/main" id="{8423603F-FBAB-4E54-A8E1-05132A049AD4}"/>
-              </a:ext>
-            </a:extLst>
-          </p:cNvPr>
+          <p:cNvPr id="5" name="Date Placeholder 4"/>
           <p:cNvSpPr>
             <a:spLocks noGrp="1"/>
           </p:cNvSpPr>
@@ -3113,14 +3482,27 @@
             <p:ph type="dt" sz="half" idx="10"/>
           </p:nvPr>
         </p:nvSpPr>
-        <p:spPr/>
-        <p:txBody>
-          <a:bodyPr/>
-          <a:lstStyle/>
+        <p:spPr>
+          <a:xfrm>
+            <a:off x="723900" y="6453386"/>
+            <a:ext cx="1204572" cy="404614"/>
+          </a:xfrm>
+        </p:spPr>
+        <p:txBody>
+          <a:bodyPr/>
+          <a:lstStyle>
+            <a:lvl1pPr>
+              <a:defRPr>
+                <a:solidFill>
+                  <a:schemeClr val="tx2"/>
+                </a:solidFill>
+              </a:defRPr>
+            </a:lvl1pPr>
+          </a:lstStyle>
           <a:p>
             <a:fld id="{0BDBB3A1-2EF5-4059-B138-43CC68EA68D2}" type="datetimeFigureOut">
               <a:rPr lang="en-US" smtClean="0"/>
-              <a:t>11/5/2018</a:t>
+              <a:t>11/6/2018</a:t>
             </a:fld>
             <a:endParaRPr lang="en-US"/>
           </a:p>
@@ -3128,13 +3510,7 @@
       </p:sp>
       <p:sp>
         <p:nvSpPr>
-          <p:cNvPr id="6" name="Footer Placeholder 5">
-            <a:extLst>
-              <a:ext uri="{FF2B5EF4-FFF2-40B4-BE49-F238E27FC236}">
-                <a16:creationId xmlns:a16="http://schemas.microsoft.com/office/drawing/2014/main" id="{0F923280-A99E-4D74-B4DC-BDDA9CFDCB0C}"/>
-              </a:ext>
-            </a:extLst>
-          </p:cNvPr>
+          <p:cNvPr id="6" name="Footer Placeholder 5"/>
           <p:cNvSpPr>
             <a:spLocks noGrp="1"/>
           </p:cNvSpPr>
@@ -3142,10 +3518,23 @@
             <p:ph type="ftr" sz="quarter" idx="11"/>
           </p:nvPr>
         </p:nvSpPr>
-        <p:spPr/>
-        <p:txBody>
-          <a:bodyPr/>
-          <a:lstStyle/>
+        <p:spPr>
+          <a:xfrm>
+            <a:off x="2205945" y="6453386"/>
+            <a:ext cx="2373675" cy="404614"/>
+          </a:xfrm>
+        </p:spPr>
+        <p:txBody>
+          <a:bodyPr/>
+          <a:lstStyle>
+            <a:lvl1pPr>
+              <a:defRPr>
+                <a:solidFill>
+                  <a:schemeClr val="tx2"/>
+                </a:solidFill>
+              </a:defRPr>
+            </a:lvl1pPr>
+          </a:lstStyle>
           <a:p>
             <a:endParaRPr lang="en-US"/>
           </a:p>
@@ -3153,13 +3542,7 @@
       </p:sp>
       <p:sp>
         <p:nvSpPr>
-          <p:cNvPr id="7" name="Slide Number Placeholder 6">
-            <a:extLst>
-              <a:ext uri="{FF2B5EF4-FFF2-40B4-BE49-F238E27FC236}">
-                <a16:creationId xmlns:a16="http://schemas.microsoft.com/office/drawing/2014/main" id="{AF84D2FF-FB4A-4DD6-8DBF-0F3B8FFBDBF4}"/>
-              </a:ext>
-            </a:extLst>
-          </p:cNvPr>
+          <p:cNvPr id="7" name="Slide Number Placeholder 6"/>
           <p:cNvSpPr>
             <a:spLocks noGrp="1"/>
           </p:cNvSpPr>
@@ -3167,10 +3550,23 @@
             <p:ph type="sldNum" sz="quarter" idx="12"/>
           </p:nvPr>
         </p:nvSpPr>
-        <p:spPr/>
-        <p:txBody>
-          <a:bodyPr/>
-          <a:lstStyle/>
+        <p:spPr>
+          <a:xfrm>
+            <a:off x="9883140" y="6453386"/>
+            <a:ext cx="1596292" cy="404614"/>
+          </a:xfrm>
+        </p:spPr>
+        <p:txBody>
+          <a:bodyPr/>
+          <a:lstStyle>
+            <a:lvl1pPr>
+              <a:defRPr>
+                <a:solidFill>
+                  <a:schemeClr val="tx2"/>
+                </a:solidFill>
+              </a:defRPr>
+            </a:lvl1pPr>
+          </a:lstStyle>
           <a:p>
             <a:fld id="{7EF32F1C-D2FE-4FE3-A514-699B58EBF0F1}" type="slidenum">
               <a:rPr lang="en-US" smtClean="0"/>
@@ -3180,10 +3576,48 @@
           </a:p>
         </p:txBody>
       </p:sp>
+      <p:sp>
+        <p:nvSpPr>
+          <p:cNvPr id="9" name="Rectangle 8" title="Divider Bar"/>
+          <p:cNvSpPr/>
+          <p:nvPr/>
+        </p:nvSpPr>
+        <p:spPr>
+          <a:xfrm>
+            <a:off x="5303520" y="376"/>
+            <a:ext cx="228600" cy="6858000"/>
+          </a:xfrm>
+          <a:prstGeom prst="rect">
+            <a:avLst/>
+          </a:prstGeom>
+          <a:solidFill>
+            <a:schemeClr val="tx2"/>
+          </a:solidFill>
+          <a:ln>
+            <a:noFill/>
+          </a:ln>
+        </p:spPr>
+        <p:style>
+          <a:lnRef idx="2">
+            <a:schemeClr val="accent1">
+              <a:shade val="50000"/>
+            </a:schemeClr>
+          </a:lnRef>
+          <a:fillRef idx="1">
+            <a:schemeClr val="accent1"/>
+          </a:fillRef>
+          <a:effectRef idx="0">
+            <a:schemeClr val="accent1"/>
+          </a:effectRef>
+          <a:fontRef idx="minor">
+            <a:schemeClr val="lt1"/>
+          </a:fontRef>
+        </p:style>
+      </p:sp>
     </p:spTree>
     <p:extLst>
       <p:ext uri="{BB962C8B-B14F-4D97-AF65-F5344CB8AC3E}">
-        <p14:creationId xmlns:p14="http://schemas.microsoft.com/office/powerpoint/2010/main" val="1223327488"/>
+        <p14:creationId xmlns:p14="http://schemas.microsoft.com/office/powerpoint/2010/main" val="2815648939"/>
       </p:ext>
     </p:extLst>
   </p:cSld>
@@ -3194,7 +3628,7 @@
 </file>
 
 <file path=ppt/slideLayouts/slideLayout9.xml><?xml version="1.0" encoding="utf-8"?>
-<p:sldLayout xmlns:a="http://schemas.openxmlformats.org/drawingml/2006/main" xmlns:r="http://schemas.openxmlformats.org/officeDocument/2006/relationships" xmlns:p="http://schemas.openxmlformats.org/presentationml/2006/main" type="picTx" preserve="1">
+<p:sldLayout xmlns:a="http://schemas.openxmlformats.org/drawingml/2006/main" xmlns:r="http://schemas.openxmlformats.org/officeDocument/2006/relationships" xmlns:p="http://schemas.openxmlformats.org/presentationml/2006/main" showMasterSp="0" type="picTx" preserve="1">
   <p:cSld name="Picture with Caption">
     <p:spTree>
       <p:nvGrpSpPr>
@@ -3212,31 +3646,68 @@
       </p:grpSpPr>
       <p:sp>
         <p:nvSpPr>
-          <p:cNvPr id="2" name="Title 1">
-            <a:extLst>
-              <a:ext uri="{FF2B5EF4-FFF2-40B4-BE49-F238E27FC236}">
-                <a16:creationId xmlns:a16="http://schemas.microsoft.com/office/drawing/2014/main" id="{9F3B37F5-E996-49CC-8E40-2B3CF4ADF461}"/>
-              </a:ext>
-            </a:extLst>
-          </p:cNvPr>
-          <p:cNvSpPr>
-            <a:spLocks noGrp="1"/>
-          </p:cNvSpPr>
-          <p:nvPr>
-            <p:ph type="title"/>
-          </p:nvPr>
+          <p:cNvPr id="8" name="Rectangle 7" title="Background Shape"/>
+          <p:cNvSpPr/>
+          <p:nvPr/>
         </p:nvSpPr>
         <p:spPr>
           <a:xfrm>
-            <a:off x="839788" y="457200"/>
-            <a:ext cx="3932237" cy="1600200"/>
+            <a:off x="0" y="376"/>
+            <a:ext cx="5303520" cy="6857624"/>
+          </a:xfrm>
+          <a:prstGeom prst="rect">
+            <a:avLst/>
+          </a:prstGeom>
+          <a:solidFill>
+            <a:schemeClr val="accent1"/>
+          </a:solidFill>
+          <a:ln>
+            <a:noFill/>
+          </a:ln>
+        </p:spPr>
+        <p:style>
+          <a:lnRef idx="2">
+            <a:schemeClr val="accent1">
+              <a:shade val="50000"/>
+            </a:schemeClr>
+          </a:lnRef>
+          <a:fillRef idx="1">
+            <a:schemeClr val="accent1"/>
+          </a:fillRef>
+          <a:effectRef idx="0">
+            <a:schemeClr val="accent1"/>
+          </a:effectRef>
+          <a:fontRef idx="minor">
+            <a:schemeClr val="lt1"/>
+          </a:fontRef>
+        </p:style>
+      </p:sp>
+      <p:sp>
+        <p:nvSpPr>
+          <p:cNvPr id="2" name="Title 1"/>
+          <p:cNvSpPr>
+            <a:spLocks noGrp="1"/>
+          </p:cNvSpPr>
+          <p:nvPr>
+            <p:ph type="title"/>
+          </p:nvPr>
+        </p:nvSpPr>
+        <p:spPr>
+          <a:xfrm>
+            <a:off x="723900" y="685800"/>
+            <a:ext cx="3855720" cy="2157884"/>
           </a:xfrm>
         </p:spPr>
         <p:txBody>
-          <a:bodyPr anchor="b"/>
+          <a:bodyPr anchor="t">
+            <a:normAutofit/>
+          </a:bodyPr>
           <a:lstStyle>
             <a:lvl1pPr>
-              <a:defRPr sz="3200"/>
+              <a:lnSpc>
+                <a:spcPct val="84000"/>
+              </a:lnSpc>
+              <a:defRPr sz="4800" baseline="0"/>
             </a:lvl1pPr>
           </a:lstStyle>
           <a:p>
@@ -3244,20 +3715,15 @@
               <a:rPr lang="en-US"/>
               <a:t>Click to edit Master title style</a:t>
             </a:r>
-          </a:p>
-        </p:txBody>
-      </p:sp>
-      <p:sp>
-        <p:nvSpPr>
-          <p:cNvPr id="3" name="Picture Placeholder 2">
-            <a:extLst>
-              <a:ext uri="{FF2B5EF4-FFF2-40B4-BE49-F238E27FC236}">
-                <a16:creationId xmlns:a16="http://schemas.microsoft.com/office/drawing/2014/main" id="{EEADB1B6-D933-4409-B0B6-B22B56FE6E68}"/>
-              </a:ext>
-            </a:extLst>
-          </p:cNvPr>
-          <p:cNvSpPr>
-            <a:spLocks noGrp="1"/>
+            <a:endParaRPr lang="en-US" dirty="0"/>
+          </a:p>
+        </p:txBody>
+      </p:sp>
+      <p:sp>
+        <p:nvSpPr>
+          <p:cNvPr id="3" name="Picture Placeholder 2"/>
+          <p:cNvSpPr>
+            <a:spLocks noGrp="1" noChangeAspect="1"/>
           </p:cNvSpPr>
           <p:nvPr>
             <p:ph type="pic" idx="1"/>
@@ -3265,24 +3731,26 @@
         </p:nvSpPr>
         <p:spPr>
           <a:xfrm>
-            <a:off x="5183188" y="987425"/>
-            <a:ext cx="6172200" cy="4873625"/>
+            <a:off x="5532120" y="0"/>
+            <a:ext cx="6659880" cy="6857999"/>
           </a:xfrm>
         </p:spPr>
         <p:txBody>
-          <a:bodyPr/>
+          <a:bodyPr anchor="t">
+            <a:normAutofit/>
+          </a:bodyPr>
           <a:lstStyle>
             <a:lvl1pPr marL="0" indent="0">
               <a:buNone/>
-              <a:defRPr sz="3200"/>
+              <a:defRPr sz="2000"/>
             </a:lvl1pPr>
             <a:lvl2pPr marL="457200" indent="0">
               <a:buNone/>
-              <a:defRPr sz="2800"/>
+              <a:defRPr sz="2000"/>
             </a:lvl2pPr>
             <a:lvl3pPr marL="914400" indent="0">
               <a:buNone/>
-              <a:defRPr sz="2400"/>
+              <a:defRPr sz="2000"/>
             </a:lvl3pPr>
             <a:lvl4pPr marL="1371600" indent="0">
               <a:buNone/>
@@ -3310,19 +3778,17 @@
             </a:lvl9pPr>
           </a:lstStyle>
           <a:p>
-            <a:endParaRPr lang="en-US"/>
-          </a:p>
-        </p:txBody>
-      </p:sp>
-      <p:sp>
-        <p:nvSpPr>
-          <p:cNvPr id="4" name="Text Placeholder 3">
-            <a:extLst>
-              <a:ext uri="{FF2B5EF4-FFF2-40B4-BE49-F238E27FC236}">
-                <a16:creationId xmlns:a16="http://schemas.microsoft.com/office/drawing/2014/main" id="{13CF0FC3-7E8D-4367-9488-0EE718853843}"/>
-              </a:ext>
-            </a:extLst>
-          </p:cNvPr>
+            <a:r>
+              <a:rPr lang="en-US"/>
+              <a:t>Click icon to add picture</a:t>
+            </a:r>
+            <a:endParaRPr lang="en-US" dirty="0"/>
+          </a:p>
+        </p:txBody>
+      </p:sp>
+      <p:sp>
+        <p:nvSpPr>
+          <p:cNvPr id="4" name="Text Placeholder 3"/>
           <p:cNvSpPr>
             <a:spLocks noGrp="1"/>
           </p:cNvSpPr>
@@ -3332,14 +3798,23 @@
         </p:nvSpPr>
         <p:spPr>
           <a:xfrm>
-            <a:off x="839788" y="2057400"/>
-            <a:ext cx="3932237" cy="3811588"/>
+            <a:off x="723900" y="2855968"/>
+            <a:ext cx="3855720" cy="3011432"/>
           </a:xfrm>
         </p:spPr>
         <p:txBody>
           <a:bodyPr/>
           <a:lstStyle>
             <a:lvl1pPr marL="0" indent="0">
+              <a:lnSpc>
+                <a:spcPct val="113000"/>
+              </a:lnSpc>
+              <a:spcBef>
+                <a:spcPts val="0"/>
+              </a:spcBef>
+              <a:spcAft>
+                <a:spcPts val="1500"/>
+              </a:spcAft>
               <a:buNone/>
               <a:defRPr sz="1600"/>
             </a:lvl1pPr>
@@ -3387,13 +3862,7 @@
       </p:sp>
       <p:sp>
         <p:nvSpPr>
-          <p:cNvPr id="5" name="Date Placeholder 4">
-            <a:extLst>
-              <a:ext uri="{FF2B5EF4-FFF2-40B4-BE49-F238E27FC236}">
-                <a16:creationId xmlns:a16="http://schemas.microsoft.com/office/drawing/2014/main" id="{9A55530F-427F-4C9A-90CF-5D7525B008FD}"/>
-              </a:ext>
-            </a:extLst>
-          </p:cNvPr>
+          <p:cNvPr id="5" name="Date Placeholder 4"/>
           <p:cNvSpPr>
             <a:spLocks noGrp="1"/>
           </p:cNvSpPr>
@@ -3401,14 +3870,27 @@
             <p:ph type="dt" sz="half" idx="10"/>
           </p:nvPr>
         </p:nvSpPr>
-        <p:spPr/>
-        <p:txBody>
-          <a:bodyPr/>
-          <a:lstStyle/>
+        <p:spPr>
+          <a:xfrm>
+            <a:off x="723900" y="6453386"/>
+            <a:ext cx="1204572" cy="404614"/>
+          </a:xfrm>
+        </p:spPr>
+        <p:txBody>
+          <a:bodyPr/>
+          <a:lstStyle>
+            <a:lvl1pPr>
+              <a:defRPr>
+                <a:solidFill>
+                  <a:schemeClr val="tx2"/>
+                </a:solidFill>
+              </a:defRPr>
+            </a:lvl1pPr>
+          </a:lstStyle>
           <a:p>
             <a:fld id="{0BDBB3A1-2EF5-4059-B138-43CC68EA68D2}" type="datetimeFigureOut">
               <a:rPr lang="en-US" smtClean="0"/>
-              <a:t>11/5/2018</a:t>
+              <a:t>11/6/2018</a:t>
             </a:fld>
             <a:endParaRPr lang="en-US"/>
           </a:p>
@@ -3416,13 +3898,7 @@
       </p:sp>
       <p:sp>
         <p:nvSpPr>
-          <p:cNvPr id="6" name="Footer Placeholder 5">
-            <a:extLst>
-              <a:ext uri="{FF2B5EF4-FFF2-40B4-BE49-F238E27FC236}">
-                <a16:creationId xmlns:a16="http://schemas.microsoft.com/office/drawing/2014/main" id="{5B1E2FD1-3711-4D15-A6FE-20FE933A462C}"/>
-              </a:ext>
-            </a:extLst>
-          </p:cNvPr>
+          <p:cNvPr id="6" name="Footer Placeholder 5"/>
           <p:cNvSpPr>
             <a:spLocks noGrp="1"/>
           </p:cNvSpPr>
@@ -3430,10 +3906,23 @@
             <p:ph type="ftr" sz="quarter" idx="11"/>
           </p:nvPr>
         </p:nvSpPr>
-        <p:spPr/>
-        <p:txBody>
-          <a:bodyPr/>
-          <a:lstStyle/>
+        <p:spPr>
+          <a:xfrm>
+            <a:off x="2205945" y="6453386"/>
+            <a:ext cx="2373675" cy="404614"/>
+          </a:xfrm>
+        </p:spPr>
+        <p:txBody>
+          <a:bodyPr/>
+          <a:lstStyle>
+            <a:lvl1pPr>
+              <a:defRPr>
+                <a:solidFill>
+                  <a:schemeClr val="tx2"/>
+                </a:solidFill>
+              </a:defRPr>
+            </a:lvl1pPr>
+          </a:lstStyle>
           <a:p>
             <a:endParaRPr lang="en-US"/>
           </a:p>
@@ -3441,13 +3930,7 @@
       </p:sp>
       <p:sp>
         <p:nvSpPr>
-          <p:cNvPr id="7" name="Slide Number Placeholder 6">
-            <a:extLst>
-              <a:ext uri="{FF2B5EF4-FFF2-40B4-BE49-F238E27FC236}">
-                <a16:creationId xmlns:a16="http://schemas.microsoft.com/office/drawing/2014/main" id="{E55877CA-1BEF-4096-8947-F717518FA13E}"/>
-              </a:ext>
-            </a:extLst>
-          </p:cNvPr>
+          <p:cNvPr id="7" name="Slide Number Placeholder 6"/>
           <p:cNvSpPr>
             <a:spLocks noGrp="1"/>
           </p:cNvSpPr>
@@ -3455,10 +3938,23 @@
             <p:ph type="sldNum" sz="quarter" idx="12"/>
           </p:nvPr>
         </p:nvSpPr>
-        <p:spPr/>
-        <p:txBody>
-          <a:bodyPr/>
-          <a:lstStyle/>
+        <p:spPr>
+          <a:xfrm>
+            <a:off x="9883140" y="6453386"/>
+            <a:ext cx="1596292" cy="404614"/>
+          </a:xfrm>
+        </p:spPr>
+        <p:txBody>
+          <a:bodyPr/>
+          <a:lstStyle>
+            <a:lvl1pPr>
+              <a:defRPr>
+                <a:solidFill>
+                  <a:schemeClr val="tx2"/>
+                </a:solidFill>
+              </a:defRPr>
+            </a:lvl1pPr>
+          </a:lstStyle>
           <a:p>
             <a:fld id="{7EF32F1C-D2FE-4FE3-A514-699B58EBF0F1}" type="slidenum">
               <a:rPr lang="en-US" smtClean="0"/>
@@ -3468,10 +3964,48 @@
           </a:p>
         </p:txBody>
       </p:sp>
+      <p:sp>
+        <p:nvSpPr>
+          <p:cNvPr id="9" name="Rectangle 8" title="Divider Bar"/>
+          <p:cNvSpPr/>
+          <p:nvPr/>
+        </p:nvSpPr>
+        <p:spPr>
+          <a:xfrm>
+            <a:off x="5303520" y="376"/>
+            <a:ext cx="228600" cy="6858000"/>
+          </a:xfrm>
+          <a:prstGeom prst="rect">
+            <a:avLst/>
+          </a:prstGeom>
+          <a:solidFill>
+            <a:schemeClr val="tx2"/>
+          </a:solidFill>
+          <a:ln>
+            <a:noFill/>
+          </a:ln>
+        </p:spPr>
+        <p:style>
+          <a:lnRef idx="2">
+            <a:schemeClr val="accent1">
+              <a:shade val="50000"/>
+            </a:schemeClr>
+          </a:lnRef>
+          <a:fillRef idx="1">
+            <a:schemeClr val="accent1"/>
+          </a:fillRef>
+          <a:effectRef idx="0">
+            <a:schemeClr val="accent1"/>
+          </a:effectRef>
+          <a:fontRef idx="minor">
+            <a:schemeClr val="lt1"/>
+          </a:fontRef>
+        </p:style>
+      </p:sp>
     </p:spTree>
     <p:extLst>
       <p:ext uri="{BB962C8B-B14F-4D97-AF65-F5344CB8AC3E}">
-        <p14:creationId xmlns:p14="http://schemas.microsoft.com/office/powerpoint/2010/main" val="2845751608"/>
+        <p14:creationId xmlns:p14="http://schemas.microsoft.com/office/powerpoint/2010/main" val="373434884"/>
       </p:ext>
     </p:extLst>
   </p:cSld>
@@ -3485,9 +4019,12 @@
 <p:sldMaster xmlns:a="http://schemas.openxmlformats.org/drawingml/2006/main" xmlns:r="http://schemas.openxmlformats.org/officeDocument/2006/relationships" xmlns:p="http://schemas.openxmlformats.org/presentationml/2006/main">
   <p:cSld>
     <p:bg>
-      <p:bgRef idx="1001">
-        <a:schemeClr val="bg1"/>
-      </p:bgRef>
+      <p:bgPr>
+        <a:solidFill>
+          <a:schemeClr val="bg2"/>
+        </a:solidFill>
+        <a:effectLst/>
+      </p:bgPr>
     </p:bg>
     <p:spTree>
       <p:nvGrpSpPr>
@@ -3505,13 +4042,7 @@
       </p:grpSpPr>
       <p:sp>
         <p:nvSpPr>
-          <p:cNvPr id="2" name="Title Placeholder 1">
-            <a:extLst>
-              <a:ext uri="{FF2B5EF4-FFF2-40B4-BE49-F238E27FC236}">
-                <a16:creationId xmlns:a16="http://schemas.microsoft.com/office/drawing/2014/main" id="{565873A5-B80F-4CA7-A02C-B7ACB158C82D}"/>
-              </a:ext>
-            </a:extLst>
-          </p:cNvPr>
+          <p:cNvPr id="2" name="Title Placeholder 1"/>
           <p:cNvSpPr>
             <a:spLocks noGrp="1"/>
           </p:cNvSpPr>
@@ -3521,15 +4052,15 @@
         </p:nvSpPr>
         <p:spPr>
           <a:xfrm>
-            <a:off x="838200" y="365125"/>
-            <a:ext cx="10515600" cy="1325563"/>
+            <a:off x="1371600" y="685800"/>
+            <a:ext cx="9601200" cy="1485900"/>
           </a:xfrm>
           <a:prstGeom prst="rect">
             <a:avLst/>
           </a:prstGeom>
         </p:spPr>
         <p:txBody>
-          <a:bodyPr vert="horz" lIns="91440" tIns="45720" rIns="91440" bIns="45720" rtlCol="0" anchor="ctr">
+          <a:bodyPr vert="horz" lIns="91440" tIns="45720" rIns="91440" bIns="45720" rtlCol="0" anchor="t">
             <a:normAutofit/>
           </a:bodyPr>
           <a:lstStyle/>
@@ -3538,18 +4069,13 @@
               <a:rPr lang="en-US"/>
               <a:t>Click to edit Master title style</a:t>
             </a:r>
-          </a:p>
-        </p:txBody>
-      </p:sp>
-      <p:sp>
-        <p:nvSpPr>
-          <p:cNvPr id="3" name="Text Placeholder 2">
-            <a:extLst>
-              <a:ext uri="{FF2B5EF4-FFF2-40B4-BE49-F238E27FC236}">
-                <a16:creationId xmlns:a16="http://schemas.microsoft.com/office/drawing/2014/main" id="{A28F565D-20BD-4762-B915-FACF78F69334}"/>
-              </a:ext>
-            </a:extLst>
-          </p:cNvPr>
+            <a:endParaRPr lang="en-US" dirty="0"/>
+          </a:p>
+        </p:txBody>
+      </p:sp>
+      <p:sp>
+        <p:nvSpPr>
+          <p:cNvPr id="3" name="Text Placeholder 2"/>
           <p:cNvSpPr>
             <a:spLocks noGrp="1"/>
           </p:cNvSpPr>
@@ -3559,8 +4085,8 @@
         </p:nvSpPr>
         <p:spPr>
           <a:xfrm>
-            <a:off x="838200" y="1825625"/>
-            <a:ext cx="10515600" cy="4351338"/>
+            <a:off x="1371600" y="2286000"/>
+            <a:ext cx="9601200" cy="3581400"/>
           </a:xfrm>
           <a:prstGeom prst="rect">
             <a:avLst/>
@@ -3605,18 +4131,13 @@
               <a:rPr lang="en-US"/>
               <a:t>Fifth level</a:t>
             </a:r>
-          </a:p>
-        </p:txBody>
-      </p:sp>
-      <p:sp>
-        <p:nvSpPr>
-          <p:cNvPr id="4" name="Date Placeholder 3">
-            <a:extLst>
-              <a:ext uri="{FF2B5EF4-FFF2-40B4-BE49-F238E27FC236}">
-                <a16:creationId xmlns:a16="http://schemas.microsoft.com/office/drawing/2014/main" id="{7323BBF8-9B53-492E-AB10-8D4D1F6C2085}"/>
-              </a:ext>
-            </a:extLst>
-          </p:cNvPr>
+            <a:endParaRPr lang="en-US" dirty="0"/>
+          </a:p>
+        </p:txBody>
+      </p:sp>
+      <p:sp>
+        <p:nvSpPr>
+          <p:cNvPr id="4" name="Date Placeholder 3"/>
           <p:cNvSpPr>
             <a:spLocks noGrp="1"/>
           </p:cNvSpPr>
@@ -3626,8 +4147,8 @@
         </p:nvSpPr>
         <p:spPr>
           <a:xfrm>
-            <a:off x="838200" y="6356350"/>
-            <a:ext cx="2743200" cy="365125"/>
+            <a:off x="1390650" y="6453386"/>
+            <a:ext cx="1204572" cy="404614"/>
           </a:xfrm>
           <a:prstGeom prst="rect">
             <a:avLst/>
@@ -3637,11 +4158,9 @@
           <a:bodyPr vert="horz" lIns="91440" tIns="45720" rIns="91440" bIns="45720" rtlCol="0" anchor="ctr"/>
           <a:lstStyle>
             <a:lvl1pPr algn="l">
-              <a:defRPr sz="1200">
+              <a:defRPr sz="1200" baseline="0">
                 <a:solidFill>
-                  <a:schemeClr val="tx1">
-                    <a:tint val="75000"/>
-                  </a:schemeClr>
+                  <a:schemeClr val="tx2"/>
                 </a:solidFill>
               </a:defRPr>
             </a:lvl1pPr>
@@ -3649,7 +4168,7 @@
           <a:p>
             <a:fld id="{0BDBB3A1-2EF5-4059-B138-43CC68EA68D2}" type="datetimeFigureOut">
               <a:rPr lang="en-US" smtClean="0"/>
-              <a:t>11/5/2018</a:t>
+              <a:t>11/6/2018</a:t>
             </a:fld>
             <a:endParaRPr lang="en-US"/>
           </a:p>
@@ -3657,13 +4176,7 @@
       </p:sp>
       <p:sp>
         <p:nvSpPr>
-          <p:cNvPr id="5" name="Footer Placeholder 4">
-            <a:extLst>
-              <a:ext uri="{FF2B5EF4-FFF2-40B4-BE49-F238E27FC236}">
-                <a16:creationId xmlns:a16="http://schemas.microsoft.com/office/drawing/2014/main" id="{B3DE56E6-2DB7-49E0-941A-3D85F49EA4C0}"/>
-              </a:ext>
-            </a:extLst>
-          </p:cNvPr>
+          <p:cNvPr id="5" name="Footer Placeholder 4"/>
           <p:cNvSpPr>
             <a:spLocks noGrp="1"/>
           </p:cNvSpPr>
@@ -3673,8 +4186,8 @@
         </p:nvSpPr>
         <p:spPr>
           <a:xfrm>
-            <a:off x="4038600" y="6356350"/>
-            <a:ext cx="4114800" cy="365125"/>
+            <a:off x="2893564" y="6453386"/>
+            <a:ext cx="6280830" cy="404614"/>
           </a:xfrm>
           <a:prstGeom prst="rect">
             <a:avLst/>
@@ -3683,12 +4196,10 @@
         <p:txBody>
           <a:bodyPr vert="horz" lIns="91440" tIns="45720" rIns="91440" bIns="45720" rtlCol="0" anchor="ctr"/>
           <a:lstStyle>
-            <a:lvl1pPr algn="ctr">
-              <a:defRPr sz="1200">
+            <a:lvl1pPr algn="l">
+              <a:defRPr sz="1200" baseline="0">
                 <a:solidFill>
-                  <a:schemeClr val="tx1">
-                    <a:tint val="75000"/>
-                  </a:schemeClr>
+                  <a:schemeClr val="tx2"/>
                 </a:solidFill>
               </a:defRPr>
             </a:lvl1pPr>
@@ -3700,13 +4211,7 @@
       </p:sp>
       <p:sp>
         <p:nvSpPr>
-          <p:cNvPr id="6" name="Slide Number Placeholder 5">
-            <a:extLst>
-              <a:ext uri="{FF2B5EF4-FFF2-40B4-BE49-F238E27FC236}">
-                <a16:creationId xmlns:a16="http://schemas.microsoft.com/office/drawing/2014/main" id="{25183CBB-FE70-4E5B-B15E-602E01C4630B}"/>
-              </a:ext>
-            </a:extLst>
-          </p:cNvPr>
+          <p:cNvPr id="6" name="Slide Number Placeholder 5"/>
           <p:cNvSpPr>
             <a:spLocks noGrp="1"/>
           </p:cNvSpPr>
@@ -3716,8 +4221,8 @@
         </p:nvSpPr>
         <p:spPr>
           <a:xfrm>
-            <a:off x="8610600" y="6356350"/>
-            <a:ext cx="2743200" cy="365125"/>
+            <a:off x="9472736" y="6453386"/>
+            <a:ext cx="1596292" cy="404614"/>
           </a:xfrm>
           <a:prstGeom prst="rect">
             <a:avLst/>
@@ -3727,11 +4232,9 @@
           <a:bodyPr vert="horz" lIns="91440" tIns="45720" rIns="91440" bIns="45720" rtlCol="0" anchor="ctr"/>
           <a:lstStyle>
             <a:lvl1pPr algn="r">
-              <a:defRPr sz="1200">
+              <a:defRPr sz="1200" baseline="0">
                 <a:solidFill>
-                  <a:schemeClr val="tx1">
-                    <a:tint val="75000"/>
-                  </a:schemeClr>
+                  <a:schemeClr val="tx2"/>
                 </a:solidFill>
               </a:defRPr>
             </a:lvl1pPr>
@@ -3745,40 +4248,78 @@
           </a:p>
         </p:txBody>
       </p:sp>
+      <p:sp>
+        <p:nvSpPr>
+          <p:cNvPr id="9" name="Rectangle 8" title="Side bar"/>
+          <p:cNvSpPr/>
+          <p:nvPr/>
+        </p:nvSpPr>
+        <p:spPr>
+          <a:xfrm>
+            <a:off x="478095" y="376"/>
+            <a:ext cx="228600" cy="6858000"/>
+          </a:xfrm>
+          <a:prstGeom prst="rect">
+            <a:avLst/>
+          </a:prstGeom>
+          <a:solidFill>
+            <a:schemeClr val="tx2"/>
+          </a:solidFill>
+          <a:ln>
+            <a:noFill/>
+          </a:ln>
+        </p:spPr>
+        <p:style>
+          <a:lnRef idx="2">
+            <a:schemeClr val="accent1">
+              <a:shade val="50000"/>
+            </a:schemeClr>
+          </a:lnRef>
+          <a:fillRef idx="1">
+            <a:schemeClr val="accent1"/>
+          </a:fillRef>
+          <a:effectRef idx="0">
+            <a:schemeClr val="accent1"/>
+          </a:effectRef>
+          <a:fontRef idx="minor">
+            <a:schemeClr val="lt1"/>
+          </a:fontRef>
+        </p:style>
+      </p:sp>
     </p:spTree>
     <p:extLst>
       <p:ext uri="{BB962C8B-B14F-4D97-AF65-F5344CB8AC3E}">
-        <p14:creationId xmlns:p14="http://schemas.microsoft.com/office/powerpoint/2010/main" val="3324543724"/>
+        <p14:creationId xmlns:p14="http://schemas.microsoft.com/office/powerpoint/2010/main" val="3662805099"/>
       </p:ext>
     </p:extLst>
   </p:cSld>
   <p:clrMap bg1="lt1" tx1="dk1" bg2="lt2" tx2="dk2" accent1="accent1" accent2="accent2" accent3="accent3" accent4="accent4" accent5="accent5" accent6="accent6" hlink="hlink" folHlink="folHlink"/>
   <p:sldLayoutIdLst>
-    <p:sldLayoutId id="2147483649" r:id="rId1"/>
-    <p:sldLayoutId id="2147483650" r:id="rId2"/>
-    <p:sldLayoutId id="2147483651" r:id="rId3"/>
-    <p:sldLayoutId id="2147483652" r:id="rId4"/>
-    <p:sldLayoutId id="2147483653" r:id="rId5"/>
-    <p:sldLayoutId id="2147483654" r:id="rId6"/>
-    <p:sldLayoutId id="2147483655" r:id="rId7"/>
-    <p:sldLayoutId id="2147483656" r:id="rId8"/>
-    <p:sldLayoutId id="2147483657" r:id="rId9"/>
-    <p:sldLayoutId id="2147483658" r:id="rId10"/>
-    <p:sldLayoutId id="2147483659" r:id="rId11"/>
+    <p:sldLayoutId id="2147483661" r:id="rId1"/>
+    <p:sldLayoutId id="2147483662" r:id="rId2"/>
+    <p:sldLayoutId id="2147483663" r:id="rId3"/>
+    <p:sldLayoutId id="2147483664" r:id="rId4"/>
+    <p:sldLayoutId id="2147483665" r:id="rId5"/>
+    <p:sldLayoutId id="2147483666" r:id="rId6"/>
+    <p:sldLayoutId id="2147483667" r:id="rId7"/>
+    <p:sldLayoutId id="2147483668" r:id="rId8"/>
+    <p:sldLayoutId id="2147483669" r:id="rId9"/>
+    <p:sldLayoutId id="2147483670" r:id="rId10"/>
+    <p:sldLayoutId id="2147483671" r:id="rId11"/>
   </p:sldLayoutIdLst>
   <p:txStyles>
     <p:titleStyle>
       <a:lvl1pPr algn="l" defTabSz="914400" rtl="0" eaLnBrk="1" latinLnBrk="0" hangingPunct="1">
         <a:lnSpc>
-          <a:spcPct val="90000"/>
+          <a:spcPct val="89000"/>
         </a:lnSpc>
         <a:spcBef>
           <a:spcPct val="0"/>
         </a:spcBef>
         <a:buNone/>
-        <a:defRPr sz="4400" kern="1200">
+        <a:defRPr sz="4400" kern="1200" baseline="0">
           <a:solidFill>
-            <a:schemeClr val="tx1"/>
+            <a:schemeClr val="tx2"/>
           </a:solidFill>
           <a:latin typeface="+mj-lt"/>
           <a:ea typeface="+mj-ea"/>
@@ -3787,162 +4328,189 @@
       </a:lvl1pPr>
     </p:titleStyle>
     <p:bodyStyle>
-      <a:lvl1pPr marL="228600" indent="-228600" algn="l" defTabSz="914400" rtl="0" eaLnBrk="1" latinLnBrk="0" hangingPunct="1">
+      <a:lvl1pPr marL="384048" indent="-384048" algn="l" defTabSz="914400" rtl="0" eaLnBrk="1" latinLnBrk="0" hangingPunct="1">
         <a:lnSpc>
-          <a:spcPct val="90000"/>
+          <a:spcPct val="94000"/>
         </a:lnSpc>
         <a:spcBef>
           <a:spcPts val="1000"/>
         </a:spcBef>
-        <a:buFont typeface="Arial" panose="020B0604020202020204" pitchFamily="34" charset="0"/>
-        <a:buChar char="•"/>
-        <a:defRPr sz="2800" kern="1200">
+        <a:spcAft>
+          <a:spcPts val="200"/>
+        </a:spcAft>
+        <a:buFont typeface="Franklin Gothic Book" panose="020B0503020102020204" pitchFamily="34" charset="0"/>
+        <a:buChar char="■"/>
+        <a:defRPr sz="2000" kern="1200" baseline="0">
           <a:solidFill>
-            <a:schemeClr val="tx1"/>
+            <a:schemeClr val="tx2"/>
           </a:solidFill>
           <a:latin typeface="+mn-lt"/>
           <a:ea typeface="+mn-ea"/>
           <a:cs typeface="+mn-cs"/>
         </a:defRPr>
       </a:lvl1pPr>
-      <a:lvl2pPr marL="685800" indent="-228600" algn="l" defTabSz="914400" rtl="0" eaLnBrk="1" latinLnBrk="0" hangingPunct="1">
+      <a:lvl2pPr marL="914400" indent="-384048" algn="l" defTabSz="914400" rtl="0" eaLnBrk="1" latinLnBrk="0" hangingPunct="1">
         <a:lnSpc>
-          <a:spcPct val="90000"/>
+          <a:spcPct val="94000"/>
         </a:lnSpc>
         <a:spcBef>
           <a:spcPts val="500"/>
         </a:spcBef>
-        <a:buFont typeface="Arial" panose="020B0604020202020204" pitchFamily="34" charset="0"/>
-        <a:buChar char="•"/>
-        <a:defRPr sz="2400" kern="1200">
+        <a:spcAft>
+          <a:spcPts val="200"/>
+        </a:spcAft>
+        <a:buFont typeface="Franklin Gothic Book" panose="020B0503020102020204" pitchFamily="34" charset="0"/>
+        <a:buChar char="–"/>
+        <a:defRPr sz="2000" i="1" kern="1200" baseline="0">
           <a:solidFill>
-            <a:schemeClr val="tx1"/>
+            <a:schemeClr val="tx2"/>
           </a:solidFill>
           <a:latin typeface="+mn-lt"/>
           <a:ea typeface="+mn-ea"/>
           <a:cs typeface="+mn-cs"/>
         </a:defRPr>
       </a:lvl2pPr>
-      <a:lvl3pPr marL="1143000" indent="-228600" algn="l" defTabSz="914400" rtl="0" eaLnBrk="1" latinLnBrk="0" hangingPunct="1">
+      <a:lvl3pPr marL="1371600" indent="-384048" algn="l" defTabSz="914400" rtl="0" eaLnBrk="1" latinLnBrk="0" hangingPunct="1">
         <a:lnSpc>
-          <a:spcPct val="90000"/>
+          <a:spcPct val="94000"/>
         </a:lnSpc>
         <a:spcBef>
           <a:spcPts val="500"/>
         </a:spcBef>
-        <a:buFont typeface="Arial" panose="020B0604020202020204" pitchFamily="34" charset="0"/>
-        <a:buChar char="•"/>
-        <a:defRPr sz="2000" kern="1200">
+        <a:spcAft>
+          <a:spcPts val="200"/>
+        </a:spcAft>
+        <a:buFont typeface="Franklin Gothic Book" panose="020B0503020102020204" pitchFamily="34" charset="0"/>
+        <a:buChar char="■"/>
+        <a:defRPr sz="1800" kern="1200" baseline="0">
           <a:solidFill>
-            <a:schemeClr val="tx1"/>
+            <a:schemeClr val="tx2"/>
           </a:solidFill>
           <a:latin typeface="+mn-lt"/>
           <a:ea typeface="+mn-ea"/>
           <a:cs typeface="+mn-cs"/>
         </a:defRPr>
       </a:lvl3pPr>
-      <a:lvl4pPr marL="1600200" indent="-228600" algn="l" defTabSz="914400" rtl="0" eaLnBrk="1" latinLnBrk="0" hangingPunct="1">
+      <a:lvl4pPr marL="1828800" indent="-384048" algn="l" defTabSz="914400" rtl="0" eaLnBrk="1" latinLnBrk="0" hangingPunct="1">
         <a:lnSpc>
-          <a:spcPct val="90000"/>
+          <a:spcPct val="94000"/>
         </a:lnSpc>
         <a:spcBef>
           <a:spcPts val="500"/>
         </a:spcBef>
-        <a:buFont typeface="Arial" panose="020B0604020202020204" pitchFamily="34" charset="0"/>
-        <a:buChar char="•"/>
-        <a:defRPr sz="1800" kern="1200">
+        <a:spcAft>
+          <a:spcPts val="200"/>
+        </a:spcAft>
+        <a:buFont typeface="Franklin Gothic Book" panose="020B0503020102020204" pitchFamily="34" charset="0"/>
+        <a:buChar char="–"/>
+        <a:defRPr sz="1800" i="1" kern="1200" baseline="0">
           <a:solidFill>
-            <a:schemeClr val="tx1"/>
+            <a:schemeClr val="tx2"/>
           </a:solidFill>
           <a:latin typeface="+mn-lt"/>
           <a:ea typeface="+mn-ea"/>
           <a:cs typeface="+mn-cs"/>
         </a:defRPr>
       </a:lvl4pPr>
-      <a:lvl5pPr marL="2057400" indent="-228600" algn="l" defTabSz="914400" rtl="0" eaLnBrk="1" latinLnBrk="0" hangingPunct="1">
+      <a:lvl5pPr marL="2286000" indent="-384048" algn="l" defTabSz="914400" rtl="0" eaLnBrk="1" latinLnBrk="0" hangingPunct="1">
         <a:lnSpc>
-          <a:spcPct val="90000"/>
+          <a:spcPct val="94000"/>
         </a:lnSpc>
         <a:spcBef>
           <a:spcPts val="500"/>
         </a:spcBef>
-        <a:buFont typeface="Arial" panose="020B0604020202020204" pitchFamily="34" charset="0"/>
-        <a:buChar char="•"/>
-        <a:defRPr sz="1800" kern="1200">
+        <a:spcAft>
+          <a:spcPts val="200"/>
+        </a:spcAft>
+        <a:buFont typeface="Franklin Gothic Book" panose="020B0503020102020204" pitchFamily="34" charset="0"/>
+        <a:buChar char="■"/>
+        <a:defRPr sz="1600" kern="1200" baseline="0">
           <a:solidFill>
-            <a:schemeClr val="tx1"/>
+            <a:schemeClr val="tx2"/>
           </a:solidFill>
           <a:latin typeface="+mn-lt"/>
           <a:ea typeface="+mn-ea"/>
           <a:cs typeface="+mn-cs"/>
         </a:defRPr>
       </a:lvl5pPr>
-      <a:lvl6pPr marL="2514600" indent="-228600" algn="l" defTabSz="914400" rtl="0" eaLnBrk="1" latinLnBrk="0" hangingPunct="1">
+      <a:lvl6pPr marL="2743200" indent="-384048" algn="l" defTabSz="914400" rtl="0" eaLnBrk="1" latinLnBrk="0" hangingPunct="1">
         <a:lnSpc>
-          <a:spcPct val="90000"/>
+          <a:spcPct val="94000"/>
         </a:lnSpc>
         <a:spcBef>
           <a:spcPts val="500"/>
         </a:spcBef>
-        <a:buFont typeface="Arial" panose="020B0604020202020204" pitchFamily="34" charset="0"/>
-        <a:buChar char="•"/>
-        <a:defRPr sz="1800" kern="1200">
+        <a:spcAft>
+          <a:spcPts val="200"/>
+        </a:spcAft>
+        <a:buFont typeface="Franklin Gothic Book" panose="020B0503020102020204" pitchFamily="34" charset="0"/>
+        <a:buChar char="–"/>
+        <a:defRPr sz="1600" i="1" kern="1200" baseline="0">
           <a:solidFill>
-            <a:schemeClr val="tx1"/>
+            <a:schemeClr val="tx2"/>
           </a:solidFill>
           <a:latin typeface="+mn-lt"/>
           <a:ea typeface="+mn-ea"/>
           <a:cs typeface="+mn-cs"/>
         </a:defRPr>
       </a:lvl6pPr>
-      <a:lvl7pPr marL="2971800" indent="-228600" algn="l" defTabSz="914400" rtl="0" eaLnBrk="1" latinLnBrk="0" hangingPunct="1">
+      <a:lvl7pPr marL="3200400" indent="-384048" algn="l" defTabSz="914400" rtl="0" eaLnBrk="1" latinLnBrk="0" hangingPunct="1">
         <a:lnSpc>
-          <a:spcPct val="90000"/>
+          <a:spcPct val="94000"/>
         </a:lnSpc>
         <a:spcBef>
           <a:spcPts val="500"/>
         </a:spcBef>
-        <a:buFont typeface="Arial" panose="020B0604020202020204" pitchFamily="34" charset="0"/>
-        <a:buChar char="•"/>
-        <a:defRPr sz="1800" kern="1200">
+        <a:spcAft>
+          <a:spcPts val="200"/>
+        </a:spcAft>
+        <a:buFont typeface="Franklin Gothic Book" panose="020B0503020102020204" pitchFamily="34" charset="0"/>
+        <a:buChar char="■"/>
+        <a:defRPr sz="1400" kern="1200" baseline="0">
           <a:solidFill>
-            <a:schemeClr val="tx1"/>
+            <a:schemeClr val="tx2"/>
           </a:solidFill>
           <a:latin typeface="+mn-lt"/>
           <a:ea typeface="+mn-ea"/>
           <a:cs typeface="+mn-cs"/>
         </a:defRPr>
       </a:lvl7pPr>
-      <a:lvl8pPr marL="3429000" indent="-228600" algn="l" defTabSz="914400" rtl="0" eaLnBrk="1" latinLnBrk="0" hangingPunct="1">
+      <a:lvl8pPr marL="3657600" indent="-384048" algn="l" defTabSz="914400" rtl="0" eaLnBrk="1" latinLnBrk="0" hangingPunct="1">
         <a:lnSpc>
-          <a:spcPct val="90000"/>
+          <a:spcPct val="94000"/>
         </a:lnSpc>
         <a:spcBef>
           <a:spcPts val="500"/>
         </a:spcBef>
-        <a:buFont typeface="Arial" panose="020B0604020202020204" pitchFamily="34" charset="0"/>
-        <a:buChar char="•"/>
-        <a:defRPr sz="1800" kern="1200">
+        <a:spcAft>
+          <a:spcPts val="200"/>
+        </a:spcAft>
+        <a:buFont typeface="Franklin Gothic Book" panose="020B0503020102020204" pitchFamily="34" charset="0"/>
+        <a:buChar char="–"/>
+        <a:defRPr sz="1400" i="1" kern="1200" baseline="0">
           <a:solidFill>
-            <a:schemeClr val="tx1"/>
+            <a:schemeClr val="tx2"/>
           </a:solidFill>
           <a:latin typeface="+mn-lt"/>
           <a:ea typeface="+mn-ea"/>
           <a:cs typeface="+mn-cs"/>
         </a:defRPr>
       </a:lvl8pPr>
-      <a:lvl9pPr marL="3886200" indent="-228600" algn="l" defTabSz="914400" rtl="0" eaLnBrk="1" latinLnBrk="0" hangingPunct="1">
+      <a:lvl9pPr marL="4114800" indent="-384048" algn="l" defTabSz="914400" rtl="0" eaLnBrk="1" latinLnBrk="0" hangingPunct="1">
         <a:lnSpc>
-          <a:spcPct val="90000"/>
+          <a:spcPct val="94000"/>
         </a:lnSpc>
         <a:spcBef>
           <a:spcPts val="500"/>
         </a:spcBef>
-        <a:buFont typeface="Arial" panose="020B0604020202020204" pitchFamily="34" charset="0"/>
-        <a:buChar char="•"/>
-        <a:defRPr sz="1800" kern="1200">
+        <a:spcAft>
+          <a:spcPts val="200"/>
+        </a:spcAft>
+        <a:buFont typeface="Franklin Gothic Book" panose="020B0503020102020204" pitchFamily="34" charset="0"/>
+        <a:buChar char="■"/>
+        <a:defRPr sz="1400" kern="1200" baseline="0">
           <a:solidFill>
-            <a:schemeClr val="tx1"/>
+            <a:schemeClr val="tx2"/>
           </a:solidFill>
           <a:latin typeface="+mn-lt"/>
           <a:ea typeface="+mn-ea"/>
@@ -4046,6 +4614,52 @@
       </a:lvl9pPr>
     </p:otherStyle>
   </p:txStyles>
+  <p:extLst mod="1">
+    <p:ext uri="{27BBF7A9-308A-43DC-89C8-2F10F3537804}">
+      <p15:sldGuideLst xmlns:p15="http://schemas.microsoft.com/office/powerpoint/2012/main">
+        <p15:guide id="3" orient="horz" pos="1368">
+          <p15:clr>
+            <a:srgbClr val="F26B43"/>
+          </p15:clr>
+        </p15:guide>
+        <p15:guide id="4" orient="horz" pos="1440">
+          <p15:clr>
+            <a:srgbClr val="F26B43"/>
+          </p15:clr>
+        </p15:guide>
+        <p15:guide id="6" orient="horz" pos="3696">
+          <p15:clr>
+            <a:srgbClr val="F26B43"/>
+          </p15:clr>
+        </p15:guide>
+        <p15:guide id="7" orient="horz" pos="432">
+          <p15:clr>
+            <a:srgbClr val="F26B43"/>
+          </p15:clr>
+        </p15:guide>
+        <p15:guide id="8" orient="horz" pos="1512">
+          <p15:clr>
+            <a:srgbClr val="F26B43"/>
+          </p15:clr>
+        </p15:guide>
+        <p15:guide id="9" pos="6912">
+          <p15:clr>
+            <a:srgbClr val="F26B43"/>
+          </p15:clr>
+        </p15:guide>
+        <p15:guide id="10" pos="936">
+          <p15:clr>
+            <a:srgbClr val="F26B43"/>
+          </p15:clr>
+        </p15:guide>
+        <p15:guide id="11" pos="864">
+          <p15:clr>
+            <a:srgbClr val="F26B43"/>
+          </p15:clr>
+        </p15:guide>
+      </p15:sldGuideLst>
+    </p:ext>
+  </p:extLst>
 </p:sldMaster>
 </file>
 
@@ -4082,21 +4696,33 @@
             <p:ph type="ctrTitle"/>
           </p:nvPr>
         </p:nvSpPr>
-        <p:spPr/>
+        <p:spPr>
+          <a:xfrm>
+            <a:off x="587828" y="718204"/>
+            <a:ext cx="11495313" cy="3603582"/>
+          </a:xfrm>
+        </p:spPr>
         <p:txBody>
           <a:bodyPr/>
           <a:lstStyle/>
           <a:p>
             <a:r>
-              <a:rPr lang="en-US" dirty="0"/>
+              <a:rPr lang="en-US" sz="6000" dirty="0"/>
               <a:t>Lesson 2: </a:t>
             </a:r>
             <a:br>
-              <a:rPr lang="en-US" dirty="0"/>
+              <a:rPr lang="en-US" sz="6000" dirty="0"/>
             </a:br>
             <a:r>
-              <a:rPr lang="en-US" dirty="0"/>
-              <a:t>How Neural Networks Learn</a:t>
+              <a:rPr lang="en-US" sz="6000" dirty="0"/>
+              <a:t>How Neural Networks</a:t>
+            </a:r>
+            <a:br>
+              <a:rPr lang="en-US" sz="6000" dirty="0"/>
+            </a:br>
+            <a:r>
+              <a:rPr lang="en-US" sz="6000" dirty="0"/>
+              <a:t> Learn</a:t>
             </a:r>
           </a:p>
         </p:txBody>
@@ -4117,7 +4743,12 @@
             <p:ph type="subTitle" idx="1"/>
           </p:nvPr>
         </p:nvSpPr>
-        <p:spPr/>
+        <p:spPr>
+          <a:xfrm>
+            <a:off x="2679905" y="5053559"/>
+            <a:ext cx="6831673" cy="1086237"/>
+          </a:xfrm>
+        </p:spPr>
         <p:txBody>
           <a:bodyPr/>
           <a:lstStyle/>
@@ -4218,11 +4849,11 @@
               <a:p>
                 <a:r>
                   <a:rPr lang="en-US" dirty="0"/>
-                  <a:t>This function also penalizes error heavily</a:t>
+                  <a:t>This function also penalizes error heavily:</a:t>
                 </a:r>
               </a:p>
               <a:p>
-                <a:pPr marL="457200" lvl="1" indent="0">
+                <a:pPr marL="0" indent="0">
                   <a:buNone/>
                 </a:pPr>
                 <a14:m>
@@ -4232,13 +4863,13 @@
                     </m:oMathParaPr>
                     <m:oMath xmlns:m="http://schemas.openxmlformats.org/officeDocument/2006/math">
                       <m:r>
-                        <a:rPr lang="en-US" b="0" i="1" smtClean="0">
+                        <a:rPr lang="en-US" i="1">
                           <a:latin typeface="Cambria Math" panose="02040503050406030204" pitchFamily="18" charset="0"/>
                         </a:rPr>
                         <m:t>𝑀𝑆𝐸</m:t>
                       </m:r>
                       <m:r>
-                        <a:rPr lang="en-US" b="0" i="1" smtClean="0">
+                        <a:rPr lang="en-US" i="1">
                           <a:latin typeface="Cambria Math" panose="02040503050406030204" pitchFamily="18" charset="0"/>
                         </a:rPr>
                         <m:t>= </m:t>
@@ -4246,14 +4877,14 @@
                       <m:f>
                         <m:fPr>
                           <m:ctrlPr>
-                            <a:rPr lang="en-US" b="0" i="1" smtClean="0">
+                            <a:rPr lang="en-US" i="1">
                               <a:latin typeface="Cambria Math" panose="02040503050406030204" pitchFamily="18" charset="0"/>
                             </a:rPr>
                           </m:ctrlPr>
                         </m:fPr>
                         <m:num>
                           <m:r>
-                            <a:rPr lang="en-US" b="0" i="1" smtClean="0">
+                            <a:rPr lang="en-US" i="1">
                               <a:latin typeface="Cambria Math" panose="02040503050406030204" pitchFamily="18" charset="0"/>
                             </a:rPr>
                             <m:t>1</m:t>
@@ -4261,7 +4892,7 @@
                         </m:num>
                         <m:den>
                           <m:r>
-                            <a:rPr lang="en-US" b="0" i="1" smtClean="0">
+                            <a:rPr lang="en-US" i="1">
                               <a:latin typeface="Cambria Math" panose="02040503050406030204" pitchFamily="18" charset="0"/>
                             </a:rPr>
                             <m:t>𝑁</m:t>
@@ -4272,7 +4903,7 @@
                         <m:naryPr>
                           <m:chr m:val="∑"/>
                           <m:ctrlPr>
-                            <a:rPr lang="en-US" b="0" i="1" smtClean="0">
+                            <a:rPr lang="en-US" i="1">
                               <a:latin typeface="Cambria Math" panose="02040503050406030204" pitchFamily="18" charset="0"/>
                             </a:rPr>
                           </m:ctrlPr>
@@ -4282,13 +4913,13 @@
                             <m:rPr>
                               <m:brk m:alnAt="23"/>
                             </m:rPr>
-                            <a:rPr lang="en-US" b="0" i="1" smtClean="0">
+                            <a:rPr lang="en-US" i="1">
                               <a:latin typeface="Cambria Math" panose="02040503050406030204" pitchFamily="18" charset="0"/>
                             </a:rPr>
                             <m:t>𝑖</m:t>
                           </m:r>
                           <m:r>
-                            <a:rPr lang="en-US" b="0" i="1" smtClean="0">
+                            <a:rPr lang="en-US" i="1">
                               <a:latin typeface="Cambria Math" panose="02040503050406030204" pitchFamily="18" charset="0"/>
                             </a:rPr>
                             <m:t>=1</m:t>
@@ -4296,7 +4927,7 @@
                         </m:sub>
                         <m:sup>
                           <m:r>
-                            <a:rPr lang="en-US" b="0" i="1" smtClean="0">
+                            <a:rPr lang="en-US" i="1">
                               <a:latin typeface="Cambria Math" panose="02040503050406030204" pitchFamily="18" charset="0"/>
                             </a:rPr>
                             <m:t>𝑁</m:t>
@@ -4306,7 +4937,7 @@
                           <m:sSup>
                             <m:sSupPr>
                               <m:ctrlPr>
-                                <a:rPr lang="en-US" b="0" i="1" smtClean="0">
+                                <a:rPr lang="en-US" i="1">
                                   <a:latin typeface="Cambria Math" panose="02040503050406030204" pitchFamily="18" charset="0"/>
                                 </a:rPr>
                               </m:ctrlPr>
@@ -4376,7 +5007,7 @@
                                 </m:sub>
                               </m:sSub>
                               <m:r>
-                                <a:rPr lang="en-US" b="0" i="1" smtClean="0">
+                                <a:rPr lang="en-US" i="1">
                                   <a:latin typeface="Cambria Math" panose="02040503050406030204" pitchFamily="18" charset="0"/>
                                 </a:rPr>
                                 <m:t>)</m:t>
@@ -4384,7 +5015,7 @@
                             </m:e>
                             <m:sup>
                               <m:r>
-                                <a:rPr lang="en-US" b="0" i="1" smtClean="0">
+                                <a:rPr lang="en-US" i="1">
                                   <a:latin typeface="Cambria Math" panose="02040503050406030204" pitchFamily="18" charset="0"/>
                                 </a:rPr>
                                 <m:t>2</m:t>
@@ -4396,6 +5027,126 @@
                     </m:oMath>
                   </m:oMathPara>
                 </a14:m>
+                <a:endParaRPr lang="en-US" dirty="0"/>
+              </a:p>
+              <a:p>
+                <a:r>
+                  <a:rPr lang="en-US" dirty="0"/>
+                  <a:t>Implementation in </a:t>
+                </a:r>
+                <a:r>
+                  <a:rPr lang="en-US" dirty="0" err="1"/>
+                  <a:t>Keras</a:t>
+                </a:r>
+                <a:r>
+                  <a:rPr lang="en-US" dirty="0"/>
+                  <a:t>:</a:t>
+                </a:r>
+              </a:p>
+              <a:p>
+                <a:pPr marL="530352" lvl="1" indent="0">
+                  <a:buNone/>
+                </a:pPr>
+                <a:endParaRPr lang="en-US" dirty="0"/>
+              </a:p>
+              <a:p>
+                <a:pPr marL="530352" lvl="1" indent="0">
+                  <a:buNone/>
+                </a:pPr>
+                <a:r>
+                  <a:rPr lang="en-US" dirty="0">
+                    <a:solidFill>
+                      <a:srgbClr val="0070C0"/>
+                    </a:solidFill>
+                    <a:latin typeface="Consolas" panose="020B0609020204030204" pitchFamily="49" charset="0"/>
+                  </a:rPr>
+                  <a:t>import </a:t>
+                </a:r>
+                <a:r>
+                  <a:rPr lang="en-US" dirty="0" err="1">
+                    <a:solidFill>
+                      <a:srgbClr val="0070C0"/>
+                    </a:solidFill>
+                    <a:latin typeface="Consolas" panose="020B0609020204030204" pitchFamily="49" charset="0"/>
+                  </a:rPr>
+                  <a:t>keras</a:t>
+                </a:r>
+                <a:endParaRPr lang="en-US" dirty="0">
+                  <a:solidFill>
+                    <a:srgbClr val="0070C0"/>
+                  </a:solidFill>
+                  <a:latin typeface="Consolas" panose="020B0609020204030204" pitchFamily="49" charset="0"/>
+                </a:endParaRPr>
+              </a:p>
+              <a:p>
+                <a:pPr marL="530352" lvl="1" indent="0">
+                  <a:buNone/>
+                </a:pPr>
+                <a:r>
+                  <a:rPr lang="en-US" dirty="0" err="1">
+                    <a:solidFill>
+                      <a:srgbClr val="0070C0"/>
+                    </a:solidFill>
+                    <a:latin typeface="Consolas" panose="020B0609020204030204" pitchFamily="49" charset="0"/>
+                  </a:rPr>
+                  <a:t>keras.loss.mean_squared_error</a:t>
+                </a:r>
+                <a:r>
+                  <a:rPr lang="en-US" dirty="0">
+                    <a:solidFill>
+                      <a:srgbClr val="0070C0"/>
+                    </a:solidFill>
+                    <a:latin typeface="Consolas" panose="020B0609020204030204" pitchFamily="49" charset="0"/>
+                  </a:rPr>
+                  <a:t>(</a:t>
+                </a:r>
+                <a:r>
+                  <a:rPr lang="en-US" dirty="0" err="1">
+                    <a:solidFill>
+                      <a:srgbClr val="0070C0"/>
+                    </a:solidFill>
+                    <a:latin typeface="Consolas" panose="020B0609020204030204" pitchFamily="49" charset="0"/>
+                  </a:rPr>
+                  <a:t>y_true</a:t>
+                </a:r>
+                <a:r>
+                  <a:rPr lang="en-US" dirty="0">
+                    <a:solidFill>
+                      <a:srgbClr val="0070C0"/>
+                    </a:solidFill>
+                    <a:latin typeface="Consolas" panose="020B0609020204030204" pitchFamily="49" charset="0"/>
+                  </a:rPr>
+                  <a:t>, </a:t>
+                </a:r>
+                <a:r>
+                  <a:rPr lang="en-US" dirty="0" err="1">
+                    <a:solidFill>
+                      <a:srgbClr val="0070C0"/>
+                    </a:solidFill>
+                    <a:latin typeface="Consolas" panose="020B0609020204030204" pitchFamily="49" charset="0"/>
+                  </a:rPr>
+                  <a:t>y_pred</a:t>
+                </a:r>
+                <a:r>
+                  <a:rPr lang="en-US" dirty="0">
+                    <a:solidFill>
+                      <a:srgbClr val="0070C0"/>
+                    </a:solidFill>
+                    <a:latin typeface="Consolas" panose="020B0609020204030204" pitchFamily="49" charset="0"/>
+                  </a:rPr>
+                  <a:t>)</a:t>
+                </a:r>
+              </a:p>
+              <a:p>
+                <a:endParaRPr lang="en-US" dirty="0"/>
+              </a:p>
+              <a:p>
+                <a:endParaRPr lang="en-US" dirty="0"/>
+              </a:p>
+              <a:p>
+                <a:pPr marL="457200" lvl="1" indent="0">
+                  <a:buNone/>
+                </a:pPr>
                 <a:endParaRPr lang="en-US" dirty="0"/>
               </a:p>
               <a:p>
@@ -4425,7 +5176,7 @@
               <a:blipFill>
                 <a:blip r:embed="rId2"/>
                 <a:stretch>
-                  <a:fillRect l="-1043" t="-2241"/>
+                  <a:fillRect l="-571" t="-1361"/>
                 </a:stretch>
               </a:blipFill>
             </p:spPr>
@@ -4811,6 +5562,14 @@
 <file path=ppt/slides/slide14.xml><?xml version="1.0" encoding="utf-8"?>
 <p:sld xmlns:a="http://schemas.openxmlformats.org/drawingml/2006/main" xmlns:r="http://schemas.openxmlformats.org/officeDocument/2006/relationships" xmlns:p="http://schemas.openxmlformats.org/presentationml/2006/main">
   <p:cSld>
+    <p:bg>
+      <p:bgPr>
+        <a:solidFill>
+          <a:schemeClr val="bg2"/>
+        </a:solidFill>
+        <a:effectLst/>
+      </p:bgPr>
+    </p:bg>
     <p:spTree>
       <p:nvGrpSpPr>
         <p:cNvPr id="1" name=""/>
@@ -4841,9 +5600,16 @@
             <p:ph type="title"/>
           </p:nvPr>
         </p:nvSpPr>
-        <p:spPr/>
-        <p:txBody>
-          <a:bodyPr/>
+        <p:spPr>
+          <a:xfrm>
+            <a:off x="1023562" y="685800"/>
+            <a:ext cx="10493524" cy="1485900"/>
+          </a:xfrm>
+        </p:spPr>
+        <p:txBody>
+          <a:bodyPr>
+            <a:normAutofit/>
+          </a:bodyPr>
           <a:lstStyle/>
           <a:p>
             <a:r>
@@ -4852,6 +5618,61 @@
             </a:r>
           </a:p>
         </p:txBody>
+      </p:sp>
+      <p:sp>
+        <p:nvSpPr>
+          <p:cNvPr id="71" name="Rectangle 70">
+            <a:extLst>
+              <a:ext uri="{FF2B5EF4-FFF2-40B4-BE49-F238E27FC236}">
+                <a16:creationId xmlns:a16="http://schemas.microsoft.com/office/drawing/2014/main" id="{B9F89C22-0475-4427-B7C8-0269AD40E3EC}"/>
+              </a:ext>
+              <a:ext uri="{C183D7F6-B498-43B3-948B-1728B52AA6E4}">
+                <adec:decorative xmlns:adec="http://schemas.microsoft.com/office/drawing/2017/decorative" val="1"/>
+              </a:ext>
+            </a:extLst>
+          </p:cNvPr>
+          <p:cNvSpPr>
+            <a:spLocks noGrp="1" noRot="1" noChangeAspect="1" noMove="1" noResize="1" noEditPoints="1" noAdjustHandles="1" noChangeArrowheads="1" noChangeShapeType="1" noTextEdit="1"/>
+          </p:cNvSpPr>
+          <p:nvPr>
+            <p:extLst>
+              <p:ext uri="{386F3935-93C4-4BCD-93E2-E3B085C9AB24}">
+                <p16:designElem xmlns:p16="http://schemas.microsoft.com/office/powerpoint/2015/main" val="1"/>
+              </p:ext>
+            </p:extLst>
+          </p:nvPr>
+        </p:nvSpPr>
+        <p:spPr>
+          <a:xfrm>
+            <a:off x="478095" y="376"/>
+            <a:ext cx="228600" cy="6858000"/>
+          </a:xfrm>
+          <a:prstGeom prst="rect">
+            <a:avLst/>
+          </a:prstGeom>
+          <a:solidFill>
+            <a:schemeClr val="tx2"/>
+          </a:solidFill>
+          <a:ln>
+            <a:noFill/>
+          </a:ln>
+        </p:spPr>
+        <p:style>
+          <a:lnRef idx="2">
+            <a:schemeClr val="accent1">
+              <a:shade val="50000"/>
+            </a:schemeClr>
+          </a:lnRef>
+          <a:fillRef idx="1">
+            <a:schemeClr val="accent1"/>
+          </a:fillRef>
+          <a:effectRef idx="0">
+            <a:schemeClr val="accent1"/>
+          </a:effectRef>
+          <a:fontRef idx="minor">
+            <a:schemeClr val="lt1"/>
+          </a:fontRef>
+        </p:style>
       </p:sp>
       <p:sp>
         <p:nvSpPr>
@@ -4869,30 +5690,133 @@
             <p:ph idx="1"/>
           </p:nvPr>
         </p:nvSpPr>
-        <p:spPr/>
-        <p:txBody>
-          <a:bodyPr/>
+        <p:spPr>
+          <a:xfrm>
+            <a:off x="1023562" y="2286000"/>
+            <a:ext cx="5072437" cy="3581400"/>
+          </a:xfrm>
+        </p:spPr>
+        <p:txBody>
+          <a:bodyPr>
+            <a:normAutofit/>
+          </a:bodyPr>
           <a:lstStyle/>
           <a:p>
             <a:r>
-              <a:rPr lang="en-US" dirty="0"/>
+              <a:rPr lang="en-US" sz="1800" dirty="0"/>
               <a:t>Using calculus, we are able to determine the slope of the loss and then take a “step” downward to approach the global minimum</a:t>
             </a:r>
           </a:p>
           <a:p>
             <a:r>
-              <a:rPr lang="en-US" dirty="0"/>
+              <a:rPr lang="en-US" sz="1800" dirty="0"/>
               <a:t>However, as we will have many hundreds or thousands of parameters (each w and b term associated with the algorithm) we would need to calculate slopes, but gradients</a:t>
             </a:r>
           </a:p>
           <a:p>
             <a:r>
-              <a:rPr lang="en-US" dirty="0"/>
+              <a:rPr lang="en-US" sz="1800" dirty="0"/>
               <a:t>This will allow us to determine which area in space we should step, with respect to all of the input variables, to get to the next smaller value</a:t>
             </a:r>
           </a:p>
           <a:p>
-            <a:endParaRPr lang="en-US" dirty="0"/>
+            <a:endParaRPr lang="en-US" sz="1800" dirty="0"/>
+          </a:p>
+        </p:txBody>
+      </p:sp>
+      <p:pic>
+        <p:nvPicPr>
+          <p:cNvPr id="1026" name="Picture 2" descr="Image result for gradient descent gif">
+            <a:extLst>
+              <a:ext uri="{FF2B5EF4-FFF2-40B4-BE49-F238E27FC236}">
+                <a16:creationId xmlns:a16="http://schemas.microsoft.com/office/drawing/2014/main" id="{964E6CF3-3C63-47E1-99B6-2ACAB2D91F5F}"/>
+              </a:ext>
+            </a:extLst>
+          </p:cNvPr>
+          <p:cNvPicPr>
+            <a:picLocks noChangeAspect="1" noChangeArrowheads="1" noCrop="1"/>
+          </p:cNvPicPr>
+          <p:nvPr/>
+        </p:nvPicPr>
+        <p:blipFill>
+          <a:blip r:embed="rId2">
+            <a:extLst>
+              <a:ext uri="{28A0092B-C50C-407E-A947-70E740481C1C}">
+                <a14:useLocalDpi xmlns:a14="http://schemas.microsoft.com/office/drawing/2010/main" val="0"/>
+              </a:ext>
+            </a:extLst>
+          </a:blip>
+          <a:srcRect/>
+          <a:stretch>
+            <a:fillRect/>
+          </a:stretch>
+        </p:blipFill>
+        <p:spPr bwMode="auto">
+          <a:xfrm>
+            <a:off x="6602618" y="2350235"/>
+            <a:ext cx="4723490" cy="3542618"/>
+          </a:xfrm>
+          <a:prstGeom prst="rect">
+            <a:avLst/>
+          </a:prstGeom>
+          <a:noFill/>
+          <a:extLst>
+            <a:ext uri="{909E8E84-426E-40DD-AFC4-6F175D3DCCD1}">
+              <a14:hiddenFill xmlns:a14="http://schemas.microsoft.com/office/drawing/2010/main">
+                <a:solidFill>
+                  <a:srgbClr val="FFFFFF"/>
+                </a:solidFill>
+              </a14:hiddenFill>
+            </a:ext>
+          </a:extLst>
+        </p:spPr>
+      </p:pic>
+      <p:sp>
+        <p:nvSpPr>
+          <p:cNvPr id="4" name="Oval 3">
+            <a:extLst>
+              <a:ext uri="{FF2B5EF4-FFF2-40B4-BE49-F238E27FC236}">
+                <a16:creationId xmlns:a16="http://schemas.microsoft.com/office/drawing/2014/main" id="{5976C9E1-47E1-4E9C-927A-B537D4356505}"/>
+              </a:ext>
+            </a:extLst>
+          </p:cNvPr>
+          <p:cNvSpPr/>
+          <p:nvPr/>
+        </p:nvSpPr>
+        <p:spPr>
+          <a:xfrm>
+            <a:off x="8964363" y="4820194"/>
+            <a:ext cx="179637" cy="143692"/>
+          </a:xfrm>
+          <a:prstGeom prst="ellipse">
+            <a:avLst/>
+          </a:prstGeom>
+          <a:solidFill>
+            <a:srgbClr val="FF0000"/>
+          </a:solidFill>
+        </p:spPr>
+        <p:style>
+          <a:lnRef idx="2">
+            <a:schemeClr val="accent1">
+              <a:shade val="50000"/>
+            </a:schemeClr>
+          </a:lnRef>
+          <a:fillRef idx="1">
+            <a:schemeClr val="accent1"/>
+          </a:fillRef>
+          <a:effectRef idx="0">
+            <a:schemeClr val="accent1"/>
+          </a:effectRef>
+          <a:fontRef idx="minor">
+            <a:schemeClr val="lt1"/>
+          </a:fontRef>
+        </p:style>
+        <p:txBody>
+          <a:bodyPr rtlCol="0" anchor="ctr"/>
+          <a:lstStyle/>
+          <a:p>
+            <a:pPr algn="ctr"/>
+            <a:endParaRPr lang="en-US"/>
           </a:p>
         </p:txBody>
       </p:sp>
@@ -5103,12 +6027,7 @@
             <p:ph idx="1"/>
           </p:nvPr>
         </p:nvSpPr>
-        <p:spPr>
-          <a:xfrm>
-            <a:off x="838200" y="1825625"/>
-            <a:ext cx="10515600" cy="4351338"/>
-          </a:xfrm>
-        </p:spPr>
+        <p:spPr/>
         <p:txBody>
           <a:bodyPr/>
           <a:lstStyle/>
@@ -5214,7 +6133,7 @@
           <p:cNvPr id="2" name="Title 1">
             <a:extLst>
               <a:ext uri="{FF2B5EF4-FFF2-40B4-BE49-F238E27FC236}">
-                <a16:creationId xmlns:a16="http://schemas.microsoft.com/office/drawing/2014/main" id="{F79C720F-6437-44AB-B7FD-E1F1C25BDB69}"/>
+                <a16:creationId xmlns:a16="http://schemas.microsoft.com/office/drawing/2014/main" id="{BC5970FD-3E13-4506-B158-FABDC0CC2C08}"/>
               </a:ext>
             </a:extLst>
           </p:cNvPr>
@@ -5232,7 +6151,7 @@
           <a:p>
             <a:r>
               <a:rPr lang="en-US" dirty="0"/>
-              <a:t>Hyperparameters</a:t>
+              <a:t>Adaptive Moment Estimation (Adam) Optimization</a:t>
             </a:r>
           </a:p>
         </p:txBody>
@@ -5242,7 +6161,7 @@
           <p:cNvPr id="3" name="Content Placeholder 2">
             <a:extLst>
               <a:ext uri="{FF2B5EF4-FFF2-40B4-BE49-F238E27FC236}">
-                <a16:creationId xmlns:a16="http://schemas.microsoft.com/office/drawing/2014/main" id="{8E397721-23AE-49AF-B6EC-E0F2F585EF93}"/>
+                <a16:creationId xmlns:a16="http://schemas.microsoft.com/office/drawing/2014/main" id="{62E7F706-E92A-4B72-A8E9-233EB17B8B08}"/>
               </a:ext>
             </a:extLst>
           </p:cNvPr>
@@ -5260,50 +6179,66 @@
           <a:p>
             <a:r>
               <a:rPr lang="en-US" dirty="0"/>
-              <a:t>Other than the weight and bias terms, there are also a few other aspects to training that are important to consider to get good accuracy of your model:</a:t>
+              <a:t>This is a very popular way update the parameters W and B</a:t>
+            </a:r>
+          </a:p>
+          <a:p>
+            <a:r>
+              <a:rPr lang="en-US" dirty="0"/>
+              <a:t>Essentially </a:t>
+            </a:r>
+            <a:r>
+              <a:rPr lang="en-US" dirty="0" err="1"/>
+              <a:t>adam</a:t>
+            </a:r>
+            <a:r>
+              <a:rPr lang="en-US" dirty="0"/>
+              <a:t> is an improved approach to the typical gradient descent which allows for optimized learning and smoother steps</a:t>
+            </a:r>
+          </a:p>
+          <a:p>
+            <a:r>
+              <a:rPr lang="en-US" dirty="0"/>
+              <a:t>Again, the math behind this is somewhat complex but what makes this algorithm so efficient is due to the following </a:t>
+            </a:r>
+            <a:r>
+              <a:rPr lang="en-US" dirty="0" err="1"/>
+              <a:t>propertis</a:t>
+            </a:r>
+            <a:r>
+              <a:rPr lang="en-US" dirty="0"/>
+              <a:t>:</a:t>
             </a:r>
           </a:p>
           <a:p>
             <a:pPr lvl="2"/>
             <a:r>
               <a:rPr lang="en-US" dirty="0"/>
-              <a:t>Learning Rate α</a:t>
+              <a:t>It stores an exponentially decaying average of past squared gradients</a:t>
             </a:r>
           </a:p>
           <a:p>
             <a:pPr lvl="2"/>
             <a:r>
               <a:rPr lang="en-US" dirty="0"/>
-              <a:t>Number of Epochs</a:t>
-            </a:r>
-          </a:p>
-          <a:p>
-            <a:pPr lvl="2"/>
-            <a:r>
-              <a:rPr lang="en-US" dirty="0"/>
-              <a:t>Method of Initialization (weights and biases)</a:t>
-            </a:r>
-          </a:p>
-          <a:p>
-            <a:pPr lvl="2"/>
-            <a:r>
-              <a:rPr lang="en-US" dirty="0"/>
-              <a:t>Number of Nodes and Layers in Model</a:t>
-            </a:r>
-          </a:p>
-          <a:p>
-            <a:pPr lvl="2"/>
-            <a:r>
-              <a:rPr lang="en-US" dirty="0"/>
-              <a:t>Activation Functions</a:t>
-            </a:r>
+              <a:t>It keeps an exponentially decaying average of past gradients</a:t>
+            </a:r>
+          </a:p>
+          <a:p>
+            <a:r>
+              <a:rPr lang="en-US" dirty="0"/>
+              <a:t>This is the algorithm that we will be typically be using 	</a:t>
+            </a:r>
+          </a:p>
+          <a:p>
+            <a:endParaRPr lang="en-US" dirty="0"/>
           </a:p>
         </p:txBody>
       </p:sp>
     </p:spTree>
     <p:extLst>
       <p:ext uri="{BB962C8B-B14F-4D97-AF65-F5344CB8AC3E}">
-        <p14:creationId xmlns:p14="http://schemas.microsoft.com/office/powerpoint/2010/main" val="2873104609"/>
+        <p14:creationId xmlns:p14="http://schemas.microsoft.com/office/powerpoint/2010/main" val="517338906"/>
       </p:ext>
     </p:extLst>
   </p:cSld>
@@ -5335,7 +6270,7 @@
           <p:cNvPr id="2" name="Title 1">
             <a:extLst>
               <a:ext uri="{FF2B5EF4-FFF2-40B4-BE49-F238E27FC236}">
-                <a16:creationId xmlns:a16="http://schemas.microsoft.com/office/drawing/2014/main" id="{5676E499-2383-4897-9029-779DABE9266B}"/>
+                <a16:creationId xmlns:a16="http://schemas.microsoft.com/office/drawing/2014/main" id="{4611B40D-F041-4BBE-9A1E-B927AED23F1E}"/>
               </a:ext>
             </a:extLst>
           </p:cNvPr>
@@ -5352,8 +6287,19 @@
           <a:lstStyle/>
           <a:p>
             <a:r>
-              <a:rPr lang="en-US" dirty="0"/>
-              <a:t>Resources</a:t>
+              <a:rPr lang="en-US" dirty="0" err="1"/>
+              <a:t>Glorot</a:t>
+            </a:r>
+            <a:r>
+              <a:rPr lang="en-US" dirty="0"/>
+              <a:t> Uniform / Xavier</a:t>
+            </a:r>
+            <a:br>
+              <a:rPr lang="en-US" dirty="0"/>
+            </a:br>
+            <a:r>
+              <a:rPr lang="en-US" dirty="0"/>
+              <a:t>Initialization</a:t>
             </a:r>
           </a:p>
         </p:txBody>
@@ -5363,7 +6309,7 @@
           <p:cNvPr id="3" name="Content Placeholder 2">
             <a:extLst>
               <a:ext uri="{FF2B5EF4-FFF2-40B4-BE49-F238E27FC236}">
-                <a16:creationId xmlns:a16="http://schemas.microsoft.com/office/drawing/2014/main" id="{BD909E8A-FD72-4468-A12D-9354F3CC463C}"/>
+                <a16:creationId xmlns:a16="http://schemas.microsoft.com/office/drawing/2014/main" id="{373101C1-AA66-44EA-8466-5C3A8AD93BED}"/>
               </a:ext>
             </a:extLst>
           </p:cNvPr>
@@ -5379,93 +6325,38 @@
           <a:bodyPr/>
           <a:lstStyle/>
           <a:p>
-            <a:r>
-              <a:rPr lang="en-US" dirty="0"/>
-              <a:t>Great </a:t>
-            </a:r>
-            <a:r>
-              <a:rPr lang="en-US" dirty="0" err="1"/>
-              <a:t>youtube</a:t>
-            </a:r>
-            <a:r>
-              <a:rPr lang="en-US" dirty="0"/>
-              <a:t> video: </a:t>
-            </a:r>
-            <a:r>
-              <a:rPr lang="en-US" dirty="0">
-                <a:hlinkClick r:id="rId2"/>
-              </a:rPr>
-              <a:t>https://bit.ly/2yQEKVP</a:t>
-            </a:r>
-            <a:endParaRPr lang="en-US" dirty="0"/>
-          </a:p>
-          <a:p>
-            <a:r>
-              <a:rPr lang="en-US" dirty="0"/>
-              <a:t>Article on Gradient Descent + Momentum: </a:t>
-            </a:r>
-            <a:r>
-              <a:rPr lang="en-US" dirty="0">
-                <a:hlinkClick r:id="rId3"/>
-              </a:rPr>
-              <a:t>https://bit.ly/2qsUUzS</a:t>
-            </a:r>
-            <a:endParaRPr lang="en-US" dirty="0"/>
-          </a:p>
-          <a:p>
-            <a:r>
-              <a:rPr lang="en-US" dirty="0"/>
-              <a:t>Great Blogger on Math Behind ML: </a:t>
-            </a:r>
-            <a:r>
-              <a:rPr lang="en-US" dirty="0">
-                <a:hlinkClick r:id="rId4"/>
-              </a:rPr>
-              <a:t>https://bit.ly/2j4kjME</a:t>
-            </a:r>
-            <a:endParaRPr lang="en-US" dirty="0"/>
-          </a:p>
-          <a:p>
-            <a:r>
-              <a:rPr lang="en-US" dirty="0"/>
-              <a:t>Article on SGD: </a:t>
-            </a:r>
-            <a:r>
-              <a:rPr lang="en-US" dirty="0">
-                <a:hlinkClick r:id="rId5"/>
-              </a:rPr>
-              <a:t>https://bit.ly/2LXKHEb</a:t>
-            </a:r>
-            <a:endParaRPr lang="en-US" dirty="0"/>
-          </a:p>
-          <a:p>
-            <a:r>
-              <a:rPr lang="en-US" dirty="0"/>
-              <a:t>Article on Loss Functions: </a:t>
-            </a:r>
-            <a:r>
-              <a:rPr lang="en-US" dirty="0">
-                <a:hlinkClick r:id="rId6"/>
-              </a:rPr>
-              <a:t>https://bit.ly/2o0BK3a</a:t>
-            </a:r>
-            <a:endParaRPr lang="en-US" dirty="0"/>
-          </a:p>
-          <a:p>
-            <a:endParaRPr lang="en-US" dirty="0"/>
-          </a:p>
-          <a:p>
-            <a:pPr marL="0" indent="0">
-              <a:buNone/>
-            </a:pPr>
-            <a:endParaRPr lang="en-US" dirty="0"/>
+            <a:pPr fontAlgn="base"/>
+            <a:r>
+              <a:rPr lang="en-US" dirty="0"/>
+              <a:t>In the initialization of weights and biases, there can be 2 problems:</a:t>
+            </a:r>
+          </a:p>
+          <a:p>
+            <a:pPr lvl="2" fontAlgn="base"/>
+            <a:r>
+              <a:rPr lang="en-US" dirty="0"/>
+              <a:t>If the weights in a network start too small, then the signal shrinks as it passes through each layer until it’s too tiny to be useful.</a:t>
+            </a:r>
+          </a:p>
+          <a:p>
+            <a:pPr lvl="2" fontAlgn="base"/>
+            <a:r>
+              <a:rPr lang="en-US" dirty="0"/>
+              <a:t>If the weights in a network start too large, then the signal grows as it passes through each layer until it’s too massive to be useful.</a:t>
+            </a:r>
+          </a:p>
+          <a:p>
+            <a:r>
+              <a:rPr lang="en-US" dirty="0"/>
+              <a:t>To address this problem Xavier Initialization is used</a:t>
+            </a:r>
           </a:p>
         </p:txBody>
       </p:sp>
     </p:spTree>
     <p:extLst>
       <p:ext uri="{BB962C8B-B14F-4D97-AF65-F5344CB8AC3E}">
-        <p14:creationId xmlns:p14="http://schemas.microsoft.com/office/powerpoint/2010/main" val="3886145085"/>
+        <p14:creationId xmlns:p14="http://schemas.microsoft.com/office/powerpoint/2010/main" val="692978697"/>
       </p:ext>
     </p:extLst>
   </p:cSld>
@@ -5497,7 +6388,7 @@
           <p:cNvPr id="2" name="Title 1">
             <a:extLst>
               <a:ext uri="{FF2B5EF4-FFF2-40B4-BE49-F238E27FC236}">
-                <a16:creationId xmlns:a16="http://schemas.microsoft.com/office/drawing/2014/main" id="{8D5509A8-CA65-4665-B91D-29C933BC3DEB}"/>
+                <a16:creationId xmlns:a16="http://schemas.microsoft.com/office/drawing/2014/main" id="{F79C720F-6437-44AB-B7FD-E1F1C25BDB69}"/>
               </a:ext>
             </a:extLst>
           </p:cNvPr>
@@ -5508,27 +6399,77 @@
             <p:ph type="title"/>
           </p:nvPr>
         </p:nvSpPr>
-        <p:spPr>
-          <a:xfrm>
-            <a:off x="838200" y="1076960"/>
-            <a:ext cx="10515600" cy="4135119"/>
-          </a:xfrm>
-        </p:spPr>
+        <p:spPr/>
         <p:txBody>
           <a:bodyPr/>
           <a:lstStyle/>
           <a:p>
-            <a:pPr algn="ctr"/>
-            <a:r>
-              <a:rPr lang="en-US" dirty="0"/>
-              <a:t>Second Part of Lesson:</a:t>
-            </a:r>
-            <a:br>
-              <a:rPr lang="en-US" dirty="0"/>
-            </a:br>
-            <a:r>
-              <a:rPr lang="en-US" dirty="0"/>
-              <a:t>Installation </a:t>
+            <a:r>
+              <a:rPr lang="en-US" dirty="0"/>
+              <a:t>Hyperparameters</a:t>
+            </a:r>
+          </a:p>
+        </p:txBody>
+      </p:sp>
+      <p:sp>
+        <p:nvSpPr>
+          <p:cNvPr id="3" name="Content Placeholder 2">
+            <a:extLst>
+              <a:ext uri="{FF2B5EF4-FFF2-40B4-BE49-F238E27FC236}">
+                <a16:creationId xmlns:a16="http://schemas.microsoft.com/office/drawing/2014/main" id="{8E397721-23AE-49AF-B6EC-E0F2F585EF93}"/>
+              </a:ext>
+            </a:extLst>
+          </p:cNvPr>
+          <p:cNvSpPr>
+            <a:spLocks noGrp="1"/>
+          </p:cNvSpPr>
+          <p:nvPr>
+            <p:ph idx="1"/>
+          </p:nvPr>
+        </p:nvSpPr>
+        <p:spPr/>
+        <p:txBody>
+          <a:bodyPr/>
+          <a:lstStyle/>
+          <a:p>
+            <a:r>
+              <a:rPr lang="en-US" dirty="0"/>
+              <a:t>Other than the weight and bias terms, there are also a few other aspects to training that are important to consider to get good accuracy of your model:</a:t>
+            </a:r>
+          </a:p>
+          <a:p>
+            <a:pPr lvl="2"/>
+            <a:r>
+              <a:rPr lang="en-US" dirty="0"/>
+              <a:t>Learning Rate α</a:t>
+            </a:r>
+          </a:p>
+          <a:p>
+            <a:pPr lvl="2"/>
+            <a:r>
+              <a:rPr lang="en-US" dirty="0"/>
+              <a:t>Number of Epochs</a:t>
+            </a:r>
+          </a:p>
+          <a:p>
+            <a:pPr lvl="2"/>
+            <a:r>
+              <a:rPr lang="en-US" dirty="0"/>
+              <a:t>Method of Initialization (weights and biases)</a:t>
+            </a:r>
+          </a:p>
+          <a:p>
+            <a:pPr lvl="2"/>
+            <a:r>
+              <a:rPr lang="en-US" dirty="0"/>
+              <a:t>Number of Nodes and Layers in Model</a:t>
+            </a:r>
+          </a:p>
+          <a:p>
+            <a:pPr lvl="2"/>
+            <a:r>
+              <a:rPr lang="en-US" dirty="0"/>
+              <a:t>Activation Functions</a:t>
             </a:r>
           </a:p>
         </p:txBody>
@@ -5536,7 +6477,7 @@
     </p:spTree>
     <p:extLst>
       <p:ext uri="{BB962C8B-B14F-4D97-AF65-F5344CB8AC3E}">
-        <p14:creationId xmlns:p14="http://schemas.microsoft.com/office/powerpoint/2010/main" val="3052846545"/>
+        <p14:creationId xmlns:p14="http://schemas.microsoft.com/office/powerpoint/2010/main" val="2873104609"/>
       </p:ext>
     </p:extLst>
   </p:cSld>
@@ -5610,7 +6551,7 @@
         <p:spPr/>
         <p:txBody>
           <a:bodyPr>
-            <a:normAutofit lnSpcReduction="10000"/>
+            <a:normAutofit fontScale="92500" lnSpcReduction="10000"/>
           </a:bodyPr>
           <a:lstStyle/>
           <a:p>
@@ -5670,13 +6611,8 @@
             </a:pPr>
             <a:r>
               <a:rPr lang="en-US" dirty="0"/>
-              <a:t>Adam </a:t>
-            </a:r>
-            <a:r>
-              <a:rPr lang="en-US" dirty="0" err="1"/>
-              <a:t>Optomization</a:t>
-            </a:r>
-            <a:endParaRPr lang="en-US" dirty="0"/>
+              <a:t>Adam Optimization</a:t>
+            </a:r>
           </a:p>
           <a:p>
             <a:pPr>
@@ -5684,8 +6620,12 @@
               <a:buChar char="§"/>
             </a:pPr>
             <a:r>
-              <a:rPr lang="en-US" dirty="0"/>
-              <a:t>Xavier initialization</a:t>
+              <a:rPr lang="en-US" dirty="0" err="1"/>
+              <a:t>Glorot</a:t>
+            </a:r>
+            <a:r>
+              <a:rPr lang="en-US" dirty="0"/>
+              <a:t>/Xavier initialization</a:t>
             </a:r>
           </a:p>
           <a:p>
@@ -5695,7 +6635,7 @@
             </a:pPr>
             <a:r>
               <a:rPr lang="en-US" dirty="0"/>
-              <a:t>Installation</a:t>
+              <a:t>Resources</a:t>
             </a:r>
           </a:p>
           <a:p>
@@ -5705,7 +6645,7 @@
             </a:pPr>
             <a:r>
               <a:rPr lang="en-US" dirty="0"/>
-              <a:t>Resources</a:t>
+              <a:t>Installation</a:t>
             </a:r>
           </a:p>
           <a:p>
@@ -5752,6 +6692,255 @@
           <p:cNvPr id="2" name="Title 1">
             <a:extLst>
               <a:ext uri="{FF2B5EF4-FFF2-40B4-BE49-F238E27FC236}">
+                <a16:creationId xmlns:a16="http://schemas.microsoft.com/office/drawing/2014/main" id="{5676E499-2383-4897-9029-779DABE9266B}"/>
+              </a:ext>
+            </a:extLst>
+          </p:cNvPr>
+          <p:cNvSpPr>
+            <a:spLocks noGrp="1"/>
+          </p:cNvSpPr>
+          <p:nvPr>
+            <p:ph type="title"/>
+          </p:nvPr>
+        </p:nvSpPr>
+        <p:spPr/>
+        <p:txBody>
+          <a:bodyPr/>
+          <a:lstStyle/>
+          <a:p>
+            <a:r>
+              <a:rPr lang="en-US" dirty="0"/>
+              <a:t>Resources</a:t>
+            </a:r>
+          </a:p>
+        </p:txBody>
+      </p:sp>
+      <p:sp>
+        <p:nvSpPr>
+          <p:cNvPr id="3" name="Content Placeholder 2">
+            <a:extLst>
+              <a:ext uri="{FF2B5EF4-FFF2-40B4-BE49-F238E27FC236}">
+                <a16:creationId xmlns:a16="http://schemas.microsoft.com/office/drawing/2014/main" id="{BD909E8A-FD72-4468-A12D-9354F3CC463C}"/>
+              </a:ext>
+            </a:extLst>
+          </p:cNvPr>
+          <p:cNvSpPr>
+            <a:spLocks noGrp="1"/>
+          </p:cNvSpPr>
+          <p:nvPr>
+            <p:ph idx="1"/>
+          </p:nvPr>
+        </p:nvSpPr>
+        <p:spPr/>
+        <p:txBody>
+          <a:bodyPr/>
+          <a:lstStyle/>
+          <a:p>
+            <a:r>
+              <a:rPr lang="en-US" dirty="0"/>
+              <a:t>Great YouTube video: </a:t>
+            </a:r>
+            <a:r>
+              <a:rPr lang="en-US" dirty="0">
+                <a:hlinkClick r:id="rId2"/>
+              </a:rPr>
+              <a:t>https://bit.ly/2yQEKVP</a:t>
+            </a:r>
+            <a:endParaRPr lang="en-US" dirty="0"/>
+          </a:p>
+          <a:p>
+            <a:r>
+              <a:rPr lang="en-US" dirty="0"/>
+              <a:t>Article on Gradient Descent + Momentum: </a:t>
+            </a:r>
+            <a:r>
+              <a:rPr lang="en-US" dirty="0">
+                <a:hlinkClick r:id="rId3"/>
+              </a:rPr>
+              <a:t>https://bit.ly/2qsUUzS</a:t>
+            </a:r>
+            <a:endParaRPr lang="en-US" dirty="0"/>
+          </a:p>
+          <a:p>
+            <a:r>
+              <a:rPr lang="en-US" dirty="0"/>
+              <a:t>Great Blog on Math Behind ML: </a:t>
+            </a:r>
+            <a:r>
+              <a:rPr lang="en-US" dirty="0">
+                <a:hlinkClick r:id="rId4"/>
+              </a:rPr>
+              <a:t>https://bit.ly/2j4kjME</a:t>
+            </a:r>
+            <a:endParaRPr lang="en-US" dirty="0"/>
+          </a:p>
+          <a:p>
+            <a:r>
+              <a:rPr lang="en-US" dirty="0"/>
+              <a:t>Article on SGD: </a:t>
+            </a:r>
+            <a:r>
+              <a:rPr lang="en-US" dirty="0">
+                <a:hlinkClick r:id="rId5"/>
+              </a:rPr>
+              <a:t>https://bit.ly/2LXKHEb</a:t>
+            </a:r>
+            <a:endParaRPr lang="en-US" dirty="0"/>
+          </a:p>
+          <a:p>
+            <a:r>
+              <a:rPr lang="en-US" dirty="0"/>
+              <a:t>Article on Loss Functions: </a:t>
+            </a:r>
+            <a:r>
+              <a:rPr lang="en-US" dirty="0">
+                <a:hlinkClick r:id="rId6"/>
+              </a:rPr>
+              <a:t>https://bit.ly/2o0BK3a</a:t>
+            </a:r>
+            <a:endParaRPr lang="en-US" dirty="0"/>
+          </a:p>
+          <a:p>
+            <a:r>
+              <a:rPr lang="en-US" dirty="0"/>
+              <a:t>Paper on </a:t>
+            </a:r>
+            <a:r>
+              <a:rPr lang="en-US" dirty="0" err="1"/>
+              <a:t>Glorot</a:t>
+            </a:r>
+            <a:r>
+              <a:rPr lang="en-US" dirty="0"/>
+              <a:t>: </a:t>
+            </a:r>
+            <a:r>
+              <a:rPr lang="en-US" dirty="0">
+                <a:hlinkClick r:id="rId7"/>
+              </a:rPr>
+              <a:t>https://bit.ly/2CUrZN7</a:t>
+            </a:r>
+            <a:r>
+              <a:rPr lang="en-US" dirty="0"/>
+              <a:t> </a:t>
+            </a:r>
+          </a:p>
+          <a:p>
+            <a:endParaRPr lang="en-US" dirty="0"/>
+          </a:p>
+          <a:p>
+            <a:pPr marL="0" indent="0">
+              <a:buNone/>
+            </a:pPr>
+            <a:endParaRPr lang="en-US" dirty="0"/>
+          </a:p>
+        </p:txBody>
+      </p:sp>
+    </p:spTree>
+    <p:extLst>
+      <p:ext uri="{BB962C8B-B14F-4D97-AF65-F5344CB8AC3E}">
+        <p14:creationId xmlns:p14="http://schemas.microsoft.com/office/powerpoint/2010/main" val="3886145085"/>
+      </p:ext>
+    </p:extLst>
+  </p:cSld>
+  <p:clrMapOvr>
+    <a:masterClrMapping/>
+  </p:clrMapOvr>
+</p:sld>
+</file>
+
+<file path=ppt/slides/slide21.xml><?xml version="1.0" encoding="utf-8"?>
+<p:sld xmlns:a="http://schemas.openxmlformats.org/drawingml/2006/main" xmlns:r="http://schemas.openxmlformats.org/officeDocument/2006/relationships" xmlns:p="http://schemas.openxmlformats.org/presentationml/2006/main">
+  <p:cSld>
+    <p:spTree>
+      <p:nvGrpSpPr>
+        <p:cNvPr id="1" name=""/>
+        <p:cNvGrpSpPr/>
+        <p:nvPr/>
+      </p:nvGrpSpPr>
+      <p:grpSpPr>
+        <a:xfrm>
+          <a:off x="0" y="0"/>
+          <a:ext cx="0" cy="0"/>
+          <a:chOff x="0" y="0"/>
+          <a:chExt cx="0" cy="0"/>
+        </a:xfrm>
+      </p:grpSpPr>
+      <p:sp>
+        <p:nvSpPr>
+          <p:cNvPr id="2" name="Title 1">
+            <a:extLst>
+              <a:ext uri="{FF2B5EF4-FFF2-40B4-BE49-F238E27FC236}">
+                <a16:creationId xmlns:a16="http://schemas.microsoft.com/office/drawing/2014/main" id="{8D5509A8-CA65-4665-B91D-29C933BC3DEB}"/>
+              </a:ext>
+            </a:extLst>
+          </p:cNvPr>
+          <p:cNvSpPr>
+            <a:spLocks noGrp="1"/>
+          </p:cNvSpPr>
+          <p:nvPr>
+            <p:ph type="title"/>
+          </p:nvPr>
+        </p:nvSpPr>
+        <p:spPr>
+          <a:xfrm>
+            <a:off x="838200" y="1076960"/>
+            <a:ext cx="10515600" cy="4135119"/>
+          </a:xfrm>
+        </p:spPr>
+        <p:txBody>
+          <a:bodyPr/>
+          <a:lstStyle/>
+          <a:p>
+            <a:pPr algn="ctr"/>
+            <a:r>
+              <a:rPr lang="en-US" dirty="0"/>
+              <a:t>Second Part of Lesson:</a:t>
+            </a:r>
+            <a:br>
+              <a:rPr lang="en-US" dirty="0"/>
+            </a:br>
+            <a:r>
+              <a:rPr lang="en-US" dirty="0"/>
+              <a:t>Installation </a:t>
+            </a:r>
+          </a:p>
+        </p:txBody>
+      </p:sp>
+    </p:spTree>
+    <p:extLst>
+      <p:ext uri="{BB962C8B-B14F-4D97-AF65-F5344CB8AC3E}">
+        <p14:creationId xmlns:p14="http://schemas.microsoft.com/office/powerpoint/2010/main" val="3052846545"/>
+      </p:ext>
+    </p:extLst>
+  </p:cSld>
+  <p:clrMapOvr>
+    <a:masterClrMapping/>
+  </p:clrMapOvr>
+</p:sld>
+</file>
+
+<file path=ppt/slides/slide22.xml><?xml version="1.0" encoding="utf-8"?>
+<p:sld xmlns:a="http://schemas.openxmlformats.org/drawingml/2006/main" xmlns:r="http://schemas.openxmlformats.org/officeDocument/2006/relationships" xmlns:p="http://schemas.openxmlformats.org/presentationml/2006/main">
+  <p:cSld>
+    <p:spTree>
+      <p:nvGrpSpPr>
+        <p:cNvPr id="1" name=""/>
+        <p:cNvGrpSpPr/>
+        <p:nvPr/>
+      </p:nvGrpSpPr>
+      <p:grpSpPr>
+        <a:xfrm>
+          <a:off x="0" y="0"/>
+          <a:ext cx="0" cy="0"/>
+          <a:chOff x="0" y="0"/>
+          <a:chExt cx="0" cy="0"/>
+        </a:xfrm>
+      </p:grpSpPr>
+      <p:sp>
+        <p:nvSpPr>
+          <p:cNvPr id="2" name="Title 1">
+            <a:extLst>
+              <a:ext uri="{FF2B5EF4-FFF2-40B4-BE49-F238E27FC236}">
                 <a16:creationId xmlns:a16="http://schemas.microsoft.com/office/drawing/2014/main" id="{EDE3DF1E-EBF0-4D81-A0DD-751F4B856C9B}"/>
               </a:ext>
             </a:extLst>
@@ -5798,7 +6987,7 @@
           <a:p>
             <a:r>
               <a:rPr lang="en-US" dirty="0"/>
-              <a:t>Adding python to path (3.5.0+)</a:t>
+              <a:t>Add python to path (3.5.0+) if on Windows</a:t>
             </a:r>
           </a:p>
           <a:p>
@@ -5864,6 +7053,18 @@
               <a:rPr lang="en-US" dirty="0"/>
               <a:t>-python</a:t>
             </a:r>
+          </a:p>
+          <a:p>
+            <a:pPr lvl="1"/>
+            <a:r>
+              <a:rPr lang="en-US" dirty="0"/>
+              <a:t>Pip install </a:t>
+            </a:r>
+            <a:r>
+              <a:rPr lang="en-US" dirty="0" err="1"/>
+              <a:t>sklearn</a:t>
+            </a:r>
+            <a:endParaRPr lang="en-US" dirty="0"/>
           </a:p>
           <a:p>
             <a:pPr marL="457200" lvl="1" indent="0">
@@ -5950,7 +7151,12 @@
             <p:ph idx="1"/>
           </p:nvPr>
         </p:nvSpPr>
-        <p:spPr/>
+        <p:spPr>
+          <a:xfrm>
+            <a:off x="1371600" y="1638300"/>
+            <a:ext cx="9601200" cy="3581400"/>
+          </a:xfrm>
+        </p:spPr>
         <p:txBody>
           <a:bodyPr/>
           <a:lstStyle/>
@@ -6097,8 +7303,8 @@
         </p:blipFill>
         <p:spPr bwMode="auto">
           <a:xfrm>
-            <a:off x="2769397" y="1825625"/>
-            <a:ext cx="6653205" cy="4351338"/>
+            <a:off x="3434216" y="2286000"/>
+            <a:ext cx="5475968" cy="3581400"/>
           </a:xfrm>
           <a:prstGeom prst="rect">
             <a:avLst/>
@@ -6192,7 +7398,7 @@
         <p:spPr/>
         <p:txBody>
           <a:bodyPr>
-            <a:normAutofit lnSpcReduction="10000"/>
+            <a:normAutofit fontScale="92500" lnSpcReduction="10000"/>
           </a:bodyPr>
           <a:lstStyle/>
           <a:p>
@@ -6454,8 +7660,8 @@
         </p:blipFill>
         <p:spPr bwMode="auto">
           <a:xfrm>
-            <a:off x="2769397" y="1825625"/>
-            <a:ext cx="6653205" cy="4351338"/>
+            <a:off x="3434216" y="2286000"/>
+            <a:ext cx="5475968" cy="3581400"/>
           </a:xfrm>
           <a:prstGeom prst="rect">
             <a:avLst/>
@@ -6586,17 +7792,21 @@
             </a:pPr>
             <a:r>
               <a:rPr lang="cy-GB" dirty="0"/>
-              <a:t>			 ŷ </a:t>
-            </a:r>
-            <a:r>
-              <a:rPr lang="en-US" b="1" dirty="0"/>
+              <a:t>			</a:t>
+            </a:r>
+            <a:r>
+              <a:rPr lang="cy-GB" sz="3600" dirty="0"/>
+              <a:t> ŷ </a:t>
+            </a:r>
+            <a:r>
+              <a:rPr lang="en-US" sz="3600" b="1" dirty="0"/>
               <a:t>≈ </a:t>
             </a:r>
             <a:r>
-              <a:rPr lang="en-US" dirty="0"/>
+              <a:rPr lang="en-US" sz="3600" dirty="0"/>
               <a:t>y</a:t>
             </a:r>
-            <a:endParaRPr lang="cy-GB" dirty="0"/>
+            <a:endParaRPr lang="cy-GB" sz="3600" dirty="0"/>
           </a:p>
           <a:p>
             <a:r>
@@ -6685,50 +7895,40 @@
                 <p:ph idx="1"/>
               </p:nvPr>
             </p:nvSpPr>
-            <p:spPr/>
+            <p:spPr>
+              <a:xfrm>
+                <a:off x="1371600" y="2285999"/>
+                <a:ext cx="9601200" cy="4245429"/>
+              </a:xfrm>
+            </p:spPr>
             <p:txBody>
-              <a:bodyPr/>
+              <a:bodyPr>
+                <a:normAutofit fontScale="62500" lnSpcReduction="20000"/>
+              </a:bodyPr>
               <a:lstStyle/>
               <a:p>
                 <a:r>
-                  <a:rPr lang="en-US" dirty="0"/>
-                  <a:t>Log Loss quantifies the accuracy of a classifier by </a:t>
-                </a:r>
-                <a:r>
-                  <a:rPr lang="en-US" dirty="0" err="1"/>
-                  <a:t>penalising</a:t>
-                </a:r>
-                <a:r>
-                  <a:rPr lang="en-US" dirty="0"/>
-                  <a:t> false classifications</a:t>
+                  <a:rPr lang="en-US" sz="2900" dirty="0"/>
+                  <a:t>Log Loss quantifies the accuracy of a classifier by penalizing false classifications</a:t>
                 </a:r>
               </a:p>
               <a:p>
                 <a:r>
-                  <a:rPr lang="en-US" dirty="0" err="1"/>
-                  <a:t>Minimising</a:t>
-                </a:r>
-                <a:r>
-                  <a:rPr lang="en-US" dirty="0"/>
-                  <a:t> the Log Loss is basically equivalent to </a:t>
-                </a:r>
-                <a:r>
-                  <a:rPr lang="en-US" dirty="0" err="1"/>
-                  <a:t>maximising</a:t>
-                </a:r>
-                <a:r>
-                  <a:rPr lang="en-US" dirty="0"/>
-                  <a:t> the accuracy of the classifier</a:t>
+                  <a:rPr lang="en-US" sz="2900" dirty="0"/>
+                  <a:t>Minimizing the Log Loss is basically equivalent to maximizing the accuracy of the classifier</a:t>
                 </a:r>
               </a:p>
               <a:p>
                 <a:r>
-                  <a:rPr lang="en-US" dirty="0"/>
+                  <a:rPr lang="en-US" sz="2900" dirty="0"/>
                   <a:t>When there are two classes the following is used:</a:t>
                 </a:r>
               </a:p>
               <a:p>
-                <a:pPr marL="457200" lvl="1" indent="0">
+                <a:endParaRPr lang="en-US" sz="2900" dirty="0"/>
+              </a:p>
+              <a:p>
+                <a:pPr marL="0" indent="0">
                   <a:buNone/>
                 </a:pPr>
                 <a14:m>
@@ -6738,13 +7938,13 @@
                     </m:oMathParaPr>
                     <m:oMath xmlns:m="http://schemas.openxmlformats.org/officeDocument/2006/math">
                       <m:r>
-                        <a:rPr lang="en-US" b="0" i="1" smtClean="0">
+                        <a:rPr lang="en-US" sz="2900" i="1">
                           <a:latin typeface="Cambria Math" panose="02040503050406030204" pitchFamily="18" charset="0"/>
                         </a:rPr>
                         <m:t>𝐿𝑜𝑔</m:t>
                       </m:r>
                       <m:r>
-                        <a:rPr lang="en-US" b="0" i="1" smtClean="0">
+                        <a:rPr lang="en-US" sz="2900" i="1">
                           <a:latin typeface="Cambria Math" panose="02040503050406030204" pitchFamily="18" charset="0"/>
                         </a:rPr>
                         <m:t>= </m:t>
@@ -6752,14 +7952,14 @@
                       <m:f>
                         <m:fPr>
                           <m:ctrlPr>
-                            <a:rPr lang="en-US" b="0" i="1" smtClean="0">
+                            <a:rPr lang="en-US" sz="2900" i="1">
                               <a:latin typeface="Cambria Math" panose="02040503050406030204" pitchFamily="18" charset="0"/>
                             </a:rPr>
                           </m:ctrlPr>
                         </m:fPr>
                         <m:num>
                           <m:r>
-                            <a:rPr lang="en-US" b="0" i="1" smtClean="0">
+                            <a:rPr lang="en-US" sz="2900" i="1">
                               <a:latin typeface="Cambria Math" panose="02040503050406030204" pitchFamily="18" charset="0"/>
                             </a:rPr>
                             <m:t>−1</m:t>
@@ -6767,7 +7967,7 @@
                         </m:num>
                         <m:den>
                           <m:r>
-                            <a:rPr lang="en-US" b="0" i="1" smtClean="0">
+                            <a:rPr lang="en-US" sz="2900" i="1">
                               <a:latin typeface="Cambria Math" panose="02040503050406030204" pitchFamily="18" charset="0"/>
                             </a:rPr>
                             <m:t>𝑁</m:t>
@@ -6778,7 +7978,7 @@
                         <m:naryPr>
                           <m:chr m:val="∑"/>
                           <m:ctrlPr>
-                            <a:rPr lang="en-US" b="0" i="1" smtClean="0">
+                            <a:rPr lang="en-US" sz="2900" i="1">
                               <a:latin typeface="Cambria Math" panose="02040503050406030204" pitchFamily="18" charset="0"/>
                             </a:rPr>
                           </m:ctrlPr>
@@ -6788,13 +7988,13 @@
                             <m:rPr>
                               <m:brk m:alnAt="23"/>
                             </m:rPr>
-                            <a:rPr lang="en-US" b="0" i="1" smtClean="0">
+                            <a:rPr lang="en-US" sz="2900" i="1">
                               <a:latin typeface="Cambria Math" panose="02040503050406030204" pitchFamily="18" charset="0"/>
                             </a:rPr>
                             <m:t>𝑖</m:t>
                           </m:r>
                           <m:r>
-                            <a:rPr lang="en-US" b="0" i="1" smtClean="0">
+                            <a:rPr lang="en-US" sz="2900" i="1">
                               <a:latin typeface="Cambria Math" panose="02040503050406030204" pitchFamily="18" charset="0"/>
                             </a:rPr>
                             <m:t>=1</m:t>
@@ -6802,7 +8002,7 @@
                         </m:sub>
                         <m:sup>
                           <m:r>
-                            <a:rPr lang="en-US" b="0" i="1" smtClean="0">
+                            <a:rPr lang="en-US" sz="2900" i="1">
                               <a:latin typeface="Cambria Math" panose="02040503050406030204" pitchFamily="18" charset="0"/>
                             </a:rPr>
                             <m:t>𝑁</m:t>
@@ -6810,7 +8010,7 @@
                         </m:sup>
                         <m:e>
                           <m:r>
-                            <a:rPr lang="en-US" b="0" i="1" smtClean="0">
+                            <a:rPr lang="en-US" sz="2900" i="1">
                               <a:latin typeface="Cambria Math" panose="02040503050406030204" pitchFamily="18" charset="0"/>
                             </a:rPr>
                             <m:t>[</m:t>
@@ -6818,14 +8018,14 @@
                           <m:sSub>
                             <m:sSubPr>
                               <m:ctrlPr>
-                                <a:rPr lang="en-US" b="0" i="1" smtClean="0">
+                                <a:rPr lang="en-US" sz="2900" i="1">
                                   <a:latin typeface="Cambria Math" panose="02040503050406030204" pitchFamily="18" charset="0"/>
                                 </a:rPr>
                               </m:ctrlPr>
                             </m:sSubPr>
                             <m:e>
                               <m:r>
-                                <a:rPr lang="en-US" b="0" i="1" smtClean="0">
+                                <a:rPr lang="en-US" sz="2900" i="1">
                                   <a:latin typeface="Cambria Math" panose="02040503050406030204" pitchFamily="18" charset="0"/>
                                 </a:rPr>
                                 <m:t>𝑦</m:t>
@@ -6833,7 +8033,7 @@
                             </m:e>
                             <m:sub>
                               <m:r>
-                                <a:rPr lang="en-US" b="0" i="1" smtClean="0">
+                                <a:rPr lang="en-US" sz="2900" i="1">
                                   <a:latin typeface="Cambria Math" panose="02040503050406030204" pitchFamily="18" charset="0"/>
                                 </a:rPr>
                                 <m:t>𝑖</m:t>
@@ -6841,7 +8041,7 @@
                             </m:sub>
                           </m:sSub>
                           <m:r>
-                            <a:rPr lang="en-US" b="0" i="1" smtClean="0">
+                            <a:rPr lang="en-US" sz="2900" i="1">
                               <a:latin typeface="Cambria Math" panose="02040503050406030204" pitchFamily="18" charset="0"/>
                               <a:ea typeface="Cambria Math" panose="02040503050406030204" pitchFamily="18" charset="0"/>
                             </a:rPr>
@@ -6850,7 +8050,7 @@
                           <m:func>
                             <m:funcPr>
                               <m:ctrlPr>
-                                <a:rPr lang="en-US" b="0" i="1" smtClean="0">
+                                <a:rPr lang="en-US" sz="2900" i="1">
                                   <a:latin typeface="Cambria Math" panose="02040503050406030204" pitchFamily="18" charset="0"/>
                                   <a:ea typeface="Cambria Math" panose="02040503050406030204" pitchFamily="18" charset="0"/>
                                 </a:rPr>
@@ -6861,7 +8061,7 @@
                                 <m:rPr>
                                   <m:sty m:val="p"/>
                                 </m:rPr>
-                                <a:rPr lang="en-US" b="0" i="0" smtClean="0">
+                                <a:rPr lang="en-US" sz="2900">
                                   <a:latin typeface="Cambria Math" panose="02040503050406030204" pitchFamily="18" charset="0"/>
                                   <a:ea typeface="Cambria Math" panose="02040503050406030204" pitchFamily="18" charset="0"/>
                                 </a:rPr>
@@ -6872,7 +8072,7 @@
                               <m:d>
                                 <m:dPr>
                                   <m:ctrlPr>
-                                    <a:rPr lang="en-US" i="1">
+                                    <a:rPr lang="en-US" sz="2900" i="1">
                                       <a:latin typeface="Cambria Math" panose="02040503050406030204" pitchFamily="18" charset="0"/>
                                       <a:ea typeface="Cambria Math" panose="02040503050406030204" pitchFamily="18" charset="0"/>
                                     </a:rPr>
@@ -6882,7 +8082,7 @@
                                   <m:sSub>
                                     <m:sSubPr>
                                       <m:ctrlPr>
-                                        <a:rPr lang="en-US" i="1" smtClean="0">
+                                        <a:rPr lang="en-US" sz="2900" i="1">
                                           <a:latin typeface="Cambria Math" panose="02040503050406030204" pitchFamily="18" charset="0"/>
                                           <a:ea typeface="Cambria Math" panose="02040503050406030204" pitchFamily="18" charset="0"/>
                                         </a:rPr>
@@ -6890,7 +8090,7 @@
                                     </m:sSubPr>
                                     <m:e>
                                       <m:r>
-                                        <a:rPr lang="cy-GB" i="1">
+                                        <a:rPr lang="cy-GB" sz="2900" i="1">
                                           <a:latin typeface="Cambria Math" panose="02040503050406030204" pitchFamily="18" charset="0"/>
                                           <a:ea typeface="Cambria Math" panose="02040503050406030204" pitchFamily="18" charset="0"/>
                                         </a:rPr>
@@ -6899,7 +8099,7 @@
                                     </m:e>
                                     <m:sub>
                                       <m:r>
-                                        <a:rPr lang="en-US" b="0" i="1" smtClean="0">
+                                        <a:rPr lang="en-US" sz="2900" i="1">
                                           <a:latin typeface="Cambria Math" panose="02040503050406030204" pitchFamily="18" charset="0"/>
                                           <a:ea typeface="Cambria Math" panose="02040503050406030204" pitchFamily="18" charset="0"/>
                                         </a:rPr>
@@ -6912,7 +8112,7 @@
                             </m:e>
                           </m:func>
                           <m:r>
-                            <a:rPr lang="en-US" b="0" i="1" smtClean="0">
+                            <a:rPr lang="en-US" sz="2900" i="1">
                               <a:latin typeface="Cambria Math" panose="02040503050406030204" pitchFamily="18" charset="0"/>
                               <a:ea typeface="Cambria Math" panose="02040503050406030204" pitchFamily="18" charset="0"/>
                             </a:rPr>
@@ -6921,7 +8121,7 @@
                           <m:sSub>
                             <m:sSubPr>
                               <m:ctrlPr>
-                                <a:rPr lang="en-US" b="0" i="1" smtClean="0">
+                                <a:rPr lang="en-US" sz="2900" i="1">
                                   <a:latin typeface="Cambria Math" panose="02040503050406030204" pitchFamily="18" charset="0"/>
                                   <a:ea typeface="Cambria Math" panose="02040503050406030204" pitchFamily="18" charset="0"/>
                                 </a:rPr>
@@ -6929,7 +8129,7 @@
                             </m:sSubPr>
                             <m:e>
                               <m:r>
-                                <a:rPr lang="en-US" b="0" i="1" smtClean="0">
+                                <a:rPr lang="en-US" sz="2900" i="1">
                                   <a:latin typeface="Cambria Math" panose="02040503050406030204" pitchFamily="18" charset="0"/>
                                   <a:ea typeface="Cambria Math" panose="02040503050406030204" pitchFamily="18" charset="0"/>
                                 </a:rPr>
@@ -6938,7 +8138,7 @@
                             </m:e>
                             <m:sub>
                               <m:r>
-                                <a:rPr lang="en-US" b="0" i="1" smtClean="0">
+                                <a:rPr lang="en-US" sz="2900" i="1">
                                   <a:latin typeface="Cambria Math" panose="02040503050406030204" pitchFamily="18" charset="0"/>
                                   <a:ea typeface="Cambria Math" panose="02040503050406030204" pitchFamily="18" charset="0"/>
                                 </a:rPr>
@@ -6947,7 +8147,7 @@
                             </m:sub>
                           </m:sSub>
                           <m:r>
-                            <a:rPr lang="en-US" b="0" i="1" smtClean="0">
+                            <a:rPr lang="en-US" sz="2900" i="1">
                               <a:latin typeface="Cambria Math" panose="02040503050406030204" pitchFamily="18" charset="0"/>
                               <a:ea typeface="Cambria Math" panose="02040503050406030204" pitchFamily="18" charset="0"/>
                             </a:rPr>
@@ -6957,14 +8157,14 @@
                             <m:rPr>
                               <m:sty m:val="p"/>
                             </m:rPr>
-                            <a:rPr lang="en-US" b="0" i="0" smtClean="0">
+                            <a:rPr lang="en-US" sz="2900">
                               <a:latin typeface="Cambria Math" panose="02040503050406030204" pitchFamily="18" charset="0"/>
                               <a:ea typeface="Cambria Math" panose="02040503050406030204" pitchFamily="18" charset="0"/>
                             </a:rPr>
                             <m:t>log</m:t>
                           </m:r>
                           <m:r>
-                            <a:rPr lang="en-US" b="0" i="1" smtClean="0">
+                            <a:rPr lang="en-US" sz="2900" i="1">
                               <a:latin typeface="Cambria Math" panose="02040503050406030204" pitchFamily="18" charset="0"/>
                               <a:ea typeface="Cambria Math" panose="02040503050406030204" pitchFamily="18" charset="0"/>
                             </a:rPr>
@@ -6973,7 +8173,7 @@
                           <m:sSub>
                             <m:sSubPr>
                               <m:ctrlPr>
-                                <a:rPr lang="en-US" b="0" i="1" smtClean="0">
+                                <a:rPr lang="en-US" sz="2900" i="1">
                                   <a:latin typeface="Cambria Math" panose="02040503050406030204" pitchFamily="18" charset="0"/>
                                   <a:ea typeface="Cambria Math" panose="02040503050406030204" pitchFamily="18" charset="0"/>
                                 </a:rPr>
@@ -6981,7 +8181,7 @@
                             </m:sSubPr>
                             <m:e>
                               <m:r>
-                                <a:rPr lang="cy-GB" i="1">
+                                <a:rPr lang="cy-GB" sz="2900" i="1">
                                   <a:latin typeface="Cambria Math" panose="02040503050406030204" pitchFamily="18" charset="0"/>
                                   <a:ea typeface="Cambria Math" panose="02040503050406030204" pitchFamily="18" charset="0"/>
                                 </a:rPr>
@@ -6990,7 +8190,7 @@
                             </m:e>
                             <m:sub>
                               <m:r>
-                                <a:rPr lang="en-US" b="0" i="1" smtClean="0">
+                                <a:rPr lang="en-US" sz="2900" i="1">
                                   <a:latin typeface="Cambria Math" panose="02040503050406030204" pitchFamily="18" charset="0"/>
                                   <a:ea typeface="Cambria Math" panose="02040503050406030204" pitchFamily="18" charset="0"/>
                                 </a:rPr>
@@ -6999,14 +8199,14 @@
                             </m:sub>
                           </m:sSub>
                           <m:r>
-                            <a:rPr lang="en-US" b="0" i="1" smtClean="0">
+                            <a:rPr lang="en-US" sz="2900" i="1">
                               <a:latin typeface="Cambria Math" panose="02040503050406030204" pitchFamily="18" charset="0"/>
                               <a:ea typeface="Cambria Math" panose="02040503050406030204" pitchFamily="18" charset="0"/>
                             </a:rPr>
                             <m:t>)</m:t>
                           </m:r>
                           <m:r>
-                            <a:rPr lang="en-US" b="0" i="1" smtClean="0">
+                            <a:rPr lang="en-US" sz="2900" i="1">
                               <a:latin typeface="Cambria Math" panose="02040503050406030204" pitchFamily="18" charset="0"/>
                             </a:rPr>
                             <m:t>]</m:t>
@@ -7016,7 +8216,147 @@
                     </m:oMath>
                   </m:oMathPara>
                 </a14:m>
+                <a:endParaRPr lang="en-US" sz="2900" dirty="0"/>
+              </a:p>
+              <a:p>
+                <a:r>
+                  <a:rPr lang="en-US" sz="2900" dirty="0"/>
+                  <a:t>Implementation using </a:t>
+                </a:r>
+                <a:r>
+                  <a:rPr lang="en-US" sz="2900" dirty="0" err="1"/>
+                  <a:t>keras</a:t>
+                </a:r>
+                <a:r>
+                  <a:rPr lang="en-US" sz="2900" dirty="0"/>
+                  <a:t> (a slight variant to log loss):</a:t>
+                </a:r>
+              </a:p>
+              <a:p>
+                <a:pPr marL="0" indent="0">
+                  <a:buNone/>
+                </a:pPr>
+                <a:endParaRPr lang="en-US" sz="2100" dirty="0">
+                  <a:solidFill>
+                    <a:srgbClr val="0070C0"/>
+                  </a:solidFill>
+                  <a:latin typeface="Consolas" panose="020B0609020204030204" pitchFamily="49" charset="0"/>
+                </a:endParaRPr>
+              </a:p>
+              <a:p>
+                <a:pPr marL="0" indent="0">
+                  <a:buNone/>
+                </a:pPr>
+                <a:r>
+                  <a:rPr lang="en-US" sz="2600" dirty="0">
+                    <a:solidFill>
+                      <a:srgbClr val="0070C0"/>
+                    </a:solidFill>
+                    <a:latin typeface="Consolas" panose="020B0609020204030204" pitchFamily="49" charset="0"/>
+                  </a:rPr>
+                  <a:t>	import </a:t>
+                </a:r>
+                <a:r>
+                  <a:rPr lang="en-US" sz="2600" dirty="0" err="1">
+                    <a:solidFill>
+                      <a:srgbClr val="0070C0"/>
+                    </a:solidFill>
+                    <a:latin typeface="Consolas" panose="020B0609020204030204" pitchFamily="49" charset="0"/>
+                  </a:rPr>
+                  <a:t>keras</a:t>
+                </a:r>
+                <a:endParaRPr lang="en-US" sz="2600" dirty="0">
+                  <a:solidFill>
+                    <a:srgbClr val="0070C0"/>
+                  </a:solidFill>
+                  <a:latin typeface="Consolas" panose="020B0609020204030204" pitchFamily="49" charset="0"/>
+                </a:endParaRPr>
+              </a:p>
+              <a:p>
+                <a:pPr marL="0" indent="0">
+                  <a:buNone/>
+                </a:pPr>
+                <a:r>
+                  <a:rPr lang="en-US" sz="2600" dirty="0">
+                    <a:solidFill>
+                      <a:srgbClr val="0070C0"/>
+                    </a:solidFill>
+                    <a:latin typeface="Consolas" panose="020B0609020204030204" pitchFamily="49" charset="0"/>
+                  </a:rPr>
+                  <a:t>	</a:t>
+                </a:r>
+                <a:r>
+                  <a:rPr lang="en-US" sz="2600" dirty="0" err="1">
+                    <a:solidFill>
+                      <a:srgbClr val="0070C0"/>
+                    </a:solidFill>
+                    <a:latin typeface="Consolas" panose="020B0609020204030204" pitchFamily="49" charset="0"/>
+                  </a:rPr>
+                  <a:t>keras.losses.mean_squared_logarithmic_error</a:t>
+                </a:r>
+                <a:r>
+                  <a:rPr lang="en-US" sz="2600" dirty="0">
+                    <a:solidFill>
+                      <a:srgbClr val="0070C0"/>
+                    </a:solidFill>
+                    <a:latin typeface="Consolas" panose="020B0609020204030204" pitchFamily="49" charset="0"/>
+                  </a:rPr>
+                  <a:t>(</a:t>
+                </a:r>
+                <a:r>
+                  <a:rPr lang="en-US" sz="2600" dirty="0" err="1">
+                    <a:solidFill>
+                      <a:srgbClr val="0070C0"/>
+                    </a:solidFill>
+                    <a:latin typeface="Consolas" panose="020B0609020204030204" pitchFamily="49" charset="0"/>
+                  </a:rPr>
+                  <a:t>y_true</a:t>
+                </a:r>
+                <a:r>
+                  <a:rPr lang="en-US" sz="2600" dirty="0">
+                    <a:solidFill>
+                      <a:srgbClr val="0070C0"/>
+                    </a:solidFill>
+                    <a:latin typeface="Consolas" panose="020B0609020204030204" pitchFamily="49" charset="0"/>
+                  </a:rPr>
+                  <a:t>, </a:t>
+                </a:r>
+                <a:r>
+                  <a:rPr lang="en-US" sz="2600" dirty="0" err="1">
+                    <a:solidFill>
+                      <a:srgbClr val="0070C0"/>
+                    </a:solidFill>
+                    <a:latin typeface="Consolas" panose="020B0609020204030204" pitchFamily="49" charset="0"/>
+                  </a:rPr>
+                  <a:t>y_pred</a:t>
+                </a:r>
+                <a:r>
+                  <a:rPr lang="en-US" sz="2600" dirty="0">
+                    <a:solidFill>
+                      <a:srgbClr val="0070C0"/>
+                    </a:solidFill>
+                    <a:latin typeface="Consolas" panose="020B0609020204030204" pitchFamily="49" charset="0"/>
+                  </a:rPr>
+                  <a:t>)</a:t>
+                </a:r>
+              </a:p>
+              <a:p>
                 <a:endParaRPr lang="en-US" dirty="0"/>
+              </a:p>
+              <a:p>
+                <a:pPr marL="457200" lvl="1" indent="0">
+                  <a:buNone/>
+                </a:pPr>
+                <a:endParaRPr lang="en-US" dirty="0"/>
+              </a:p>
+              <a:p>
+                <a:pPr marL="457200" lvl="1" indent="0">
+                  <a:buNone/>
+                </a:pPr>
+                <a:r>
+                  <a:rPr lang="en-US" dirty="0"/>
+                  <a:t>	</a:t>
+                </a:r>
               </a:p>
             </p:txBody>
           </p:sp>
@@ -7039,10 +8379,14 @@
               </p:nvPr>
             </p:nvSpPr>
             <p:spPr>
+              <a:xfrm>
+                <a:off x="1371600" y="2285999"/>
+                <a:ext cx="9601200" cy="4245429"/>
+              </a:xfrm>
               <a:blipFill>
                 <a:blip r:embed="rId2"/>
                 <a:stretch>
-                  <a:fillRect l="-1043" t="-2241"/>
+                  <a:fillRect l="-444" t="-2299"/>
                 </a:stretch>
               </a:blipFill>
             </p:spPr>
@@ -7075,9 +8419,9 @@
 </file>
 
 <file path=ppt/theme/theme1.xml><?xml version="1.0" encoding="utf-8"?>
-<a:theme xmlns:a="http://schemas.openxmlformats.org/drawingml/2006/main" name="Office Theme">
+<a:theme xmlns:a="http://schemas.openxmlformats.org/drawingml/2006/main" name="Crop">
   <a:themeElements>
-    <a:clrScheme name="Office">
+    <a:clrScheme name="Crop">
       <a:dk1>
         <a:sysClr val="windowText" lastClr="000000"/>
       </a:dk1>
@@ -7085,100 +8429,48 @@
         <a:sysClr val="window" lastClr="FFFFFF"/>
       </a:lt1>
       <a:dk2>
-        <a:srgbClr val="44546A"/>
+        <a:srgbClr val="191B0E"/>
       </a:dk2>
       <a:lt2>
-        <a:srgbClr val="E7E6E6"/>
+        <a:srgbClr val="EFEDE3"/>
       </a:lt2>
       <a:accent1>
-        <a:srgbClr val="4472C4"/>
+        <a:srgbClr val="8C8D86"/>
       </a:accent1>
       <a:accent2>
-        <a:srgbClr val="ED7D31"/>
+        <a:srgbClr val="E6C069"/>
       </a:accent2>
       <a:accent3>
-        <a:srgbClr val="A5A5A5"/>
+        <a:srgbClr val="897B61"/>
       </a:accent3>
       <a:accent4>
-        <a:srgbClr val="FFC000"/>
+        <a:srgbClr val="8DAB8E"/>
       </a:accent4>
       <a:accent5>
-        <a:srgbClr val="5B9BD5"/>
+        <a:srgbClr val="77A2BB"/>
       </a:accent5>
       <a:accent6>
-        <a:srgbClr val="70AD47"/>
+        <a:srgbClr val="E28394"/>
       </a:accent6>
       <a:hlink>
-        <a:srgbClr val="0563C1"/>
+        <a:srgbClr val="77A2BB"/>
       </a:hlink>
       <a:folHlink>
-        <a:srgbClr val="954F72"/>
+        <a:srgbClr val="957A99"/>
       </a:folHlink>
     </a:clrScheme>
-    <a:fontScheme name="Office">
+    <a:fontScheme name="Crop">
       <a:majorFont>
-        <a:latin typeface="Calibri Light" panose="020F0302020204030204"/>
+        <a:latin typeface="Franklin Gothic Book" panose="020B0503020102020204"/>
         <a:ea typeface=""/>
         <a:cs typeface=""/>
-        <a:font script="Jpan" typeface="游ゴシック Light"/>
-        <a:font script="Hang" typeface="맑은 고딕"/>
-        <a:font script="Hans" typeface="等线 Light"/>
-        <a:font script="Hant" typeface="新細明體"/>
-        <a:font script="Arab" typeface="Times New Roman"/>
-        <a:font script="Hebr" typeface="Times New Roman"/>
-        <a:font script="Thai" typeface="Angsana New"/>
-        <a:font script="Ethi" typeface="Nyala"/>
-        <a:font script="Beng" typeface="Vrinda"/>
-        <a:font script="Gujr" typeface="Shruti"/>
-        <a:font script="Khmr" typeface="MoolBoran"/>
-        <a:font script="Knda" typeface="Tunga"/>
-        <a:font script="Guru" typeface="Raavi"/>
-        <a:font script="Cans" typeface="Euphemia"/>
-        <a:font script="Cher" typeface="Plantagenet Cherokee"/>
-        <a:font script="Yiii" typeface="Microsoft Yi Baiti"/>
-        <a:font script="Tibt" typeface="Microsoft Himalaya"/>
-        <a:font script="Thaa" typeface="MV Boli"/>
-        <a:font script="Deva" typeface="Mangal"/>
-        <a:font script="Telu" typeface="Gautami"/>
-        <a:font script="Taml" typeface="Latha"/>
-        <a:font script="Syrc" typeface="Estrangelo Edessa"/>
-        <a:font script="Orya" typeface="Kalinga"/>
-        <a:font script="Mlym" typeface="Kartika"/>
-        <a:font script="Laoo" typeface="DokChampa"/>
-        <a:font script="Sinh" typeface="Iskoola Pota"/>
-        <a:font script="Mong" typeface="Mongolian Baiti"/>
-        <a:font script="Viet" typeface="Times New Roman"/>
-        <a:font script="Uigh" typeface="Microsoft Uighur"/>
-        <a:font script="Geor" typeface="Sylfaen"/>
-        <a:font script="Armn" typeface="Arial"/>
-        <a:font script="Bugi" typeface="Leelawadee UI"/>
-        <a:font script="Bopo" typeface="Microsoft JhengHei"/>
-        <a:font script="Java" typeface="Javanese Text"/>
-        <a:font script="Lisu" typeface="Segoe UI"/>
-        <a:font script="Mymr" typeface="Myanmar Text"/>
-        <a:font script="Nkoo" typeface="Ebrima"/>
-        <a:font script="Olck" typeface="Nirmala UI"/>
-        <a:font script="Osma" typeface="Ebrima"/>
-        <a:font script="Phag" typeface="Phagspa"/>
-        <a:font script="Syrn" typeface="Estrangelo Edessa"/>
-        <a:font script="Syrj" typeface="Estrangelo Edessa"/>
-        <a:font script="Syre" typeface="Estrangelo Edessa"/>
-        <a:font script="Sora" typeface="Nirmala UI"/>
-        <a:font script="Tale" typeface="Microsoft Tai Le"/>
-        <a:font script="Talu" typeface="Microsoft New Tai Lue"/>
-        <a:font script="Tfng" typeface="Ebrima"/>
-      </a:majorFont>
-      <a:minorFont>
-        <a:latin typeface="Calibri" panose="020F0502020204030204"/>
-        <a:ea typeface=""/>
-        <a:cs typeface=""/>
-        <a:font script="Jpan" typeface="游ゴシック"/>
-        <a:font script="Hang" typeface="맑은 고딕"/>
-        <a:font script="Hans" typeface="等线"/>
-        <a:font script="Hant" typeface="新細明體"/>
-        <a:font script="Arab" typeface="Arial"/>
-        <a:font script="Hebr" typeface="Arial"/>
-        <a:font script="Thai" typeface="Cordia New"/>
+        <a:font script="Jpan" typeface="メイリオ"/>
+        <a:font script="Hang" typeface="돋움"/>
+        <a:font script="Hans" typeface="华文楷体"/>
+        <a:font script="Hant" typeface="微軟正黑體"/>
+        <a:font script="Arab" typeface="Tahoma"/>
+        <a:font script="Hebr" typeface="Aharoni"/>
+        <a:font script="Thai" typeface="LilyUPC"/>
         <a:font script="Ethi" typeface="Nyala"/>
         <a:font script="Beng" typeface="Vrinda"/>
         <a:font script="Gujr" typeface="Shruti"/>
@@ -7199,29 +8491,47 @@
         <a:font script="Laoo" typeface="DokChampa"/>
         <a:font script="Sinh" typeface="Iskoola Pota"/>
         <a:font script="Mong" typeface="Mongolian Baiti"/>
-        <a:font script="Viet" typeface="Arial"/>
+        <a:font script="Viet" typeface="Tahoma"/>
         <a:font script="Uigh" typeface="Microsoft Uighur"/>
         <a:font script="Geor" typeface="Sylfaen"/>
-        <a:font script="Armn" typeface="Arial"/>
-        <a:font script="Bugi" typeface="Leelawadee UI"/>
-        <a:font script="Bopo" typeface="Microsoft JhengHei"/>
-        <a:font script="Java" typeface="Javanese Text"/>
-        <a:font script="Lisu" typeface="Segoe UI"/>
-        <a:font script="Mymr" typeface="Myanmar Text"/>
-        <a:font script="Nkoo" typeface="Ebrima"/>
-        <a:font script="Olck" typeface="Nirmala UI"/>
-        <a:font script="Osma" typeface="Ebrima"/>
-        <a:font script="Phag" typeface="Phagspa"/>
-        <a:font script="Syrn" typeface="Estrangelo Edessa"/>
-        <a:font script="Syrj" typeface="Estrangelo Edessa"/>
-        <a:font script="Syre" typeface="Estrangelo Edessa"/>
-        <a:font script="Sora" typeface="Nirmala UI"/>
-        <a:font script="Tale" typeface="Microsoft Tai Le"/>
-        <a:font script="Talu" typeface="Microsoft New Tai Lue"/>
-        <a:font script="Tfng" typeface="Ebrima"/>
+      </a:majorFont>
+      <a:minorFont>
+        <a:latin typeface="Franklin Gothic Book" panose="020B0503020102020204"/>
+        <a:ea typeface=""/>
+        <a:cs typeface=""/>
+        <a:font script="Jpan" typeface="メイリオ"/>
+        <a:font script="Hang" typeface="돋움"/>
+        <a:font script="Hans" typeface="华文楷体"/>
+        <a:font script="Hant" typeface="微軟正黑體"/>
+        <a:font script="Arab" typeface="Tahoma"/>
+        <a:font script="Hebr" typeface="Aharoni"/>
+        <a:font script="Thai" typeface="LilyUPC"/>
+        <a:font script="Ethi" typeface="Nyala"/>
+        <a:font script="Beng" typeface="Vrinda"/>
+        <a:font script="Gujr" typeface="Shruti"/>
+        <a:font script="Khmr" typeface="DaunPenh"/>
+        <a:font script="Knda" typeface="Tunga"/>
+        <a:font script="Guru" typeface="Raavi"/>
+        <a:font script="Cans" typeface="Euphemia"/>
+        <a:font script="Cher" typeface="Plantagenet Cherokee"/>
+        <a:font script="Yiii" typeface="Microsoft Yi Baiti"/>
+        <a:font script="Tibt" typeface="Microsoft Himalaya"/>
+        <a:font script="Thaa" typeface="MV Boli"/>
+        <a:font script="Deva" typeface="Mangal"/>
+        <a:font script="Telu" typeface="Gautami"/>
+        <a:font script="Taml" typeface="Latha"/>
+        <a:font script="Syrc" typeface="Estrangelo Edessa"/>
+        <a:font script="Orya" typeface="Kalinga"/>
+        <a:font script="Mlym" typeface="Kartika"/>
+        <a:font script="Laoo" typeface="DokChampa"/>
+        <a:font script="Sinh" typeface="Iskoola Pota"/>
+        <a:font script="Mong" typeface="Mongolian Baiti"/>
+        <a:font script="Viet" typeface="Tahoma"/>
+        <a:font script="Uigh" typeface="Microsoft Uighur"/>
+        <a:font script="Geor" typeface="Sylfaen"/>
       </a:minorFont>
     </a:fontScheme>
-    <a:fmtScheme name="Office">
+    <a:fmtScheme name="Crop">
       <a:fillStyleLst>
         <a:solidFill>
           <a:schemeClr val="phClr"/>
@@ -7230,23 +8540,23 @@
           <a:gsLst>
             <a:gs pos="0">
               <a:schemeClr val="phClr">
+                <a:tint val="67000"/>
+                <a:satMod val="105000"/>
                 <a:lumMod val="110000"/>
-                <a:satMod val="105000"/>
-                <a:tint val="67000"/>
               </a:schemeClr>
             </a:gs>
             <a:gs pos="50000">
               <a:schemeClr val="phClr">
+                <a:tint val="73000"/>
+                <a:satMod val="103000"/>
                 <a:lumMod val="105000"/>
-                <a:satMod val="103000"/>
-                <a:tint val="73000"/>
               </a:schemeClr>
             </a:gs>
             <a:gs pos="100000">
               <a:schemeClr val="phClr">
+                <a:tint val="81000"/>
+                <a:satMod val="109000"/>
                 <a:lumMod val="105000"/>
-                <a:satMod val="109000"/>
-                <a:tint val="81000"/>
               </a:schemeClr>
             </a:gs>
           </a:gsLst>
@@ -7256,23 +8566,23 @@
           <a:gsLst>
             <a:gs pos="0">
               <a:schemeClr val="phClr">
+                <a:tint val="94000"/>
                 <a:satMod val="103000"/>
                 <a:lumMod val="102000"/>
-                <a:tint val="94000"/>
               </a:schemeClr>
             </a:gs>
             <a:gs pos="50000">
               <a:schemeClr val="phClr">
+                <a:shade val="100000"/>
                 <a:satMod val="110000"/>
                 <a:lumMod val="100000"/>
-                <a:shade val="100000"/>
               </a:schemeClr>
             </a:gs>
             <a:gs pos="100000">
               <a:schemeClr val="phClr">
+                <a:shade val="78000"/>
+                <a:satMod val="120000"/>
                 <a:lumMod val="99000"/>
-                <a:satMod val="120000"/>
-                <a:shade val="78000"/>
               </a:schemeClr>
             </a:gs>
           </a:gsLst>
@@ -7280,26 +8590,23 @@
         </a:gradFill>
       </a:fillStyleLst>
       <a:lnStyleLst>
-        <a:ln w="6350" cap="flat" cmpd="sng" algn="ctr">
+        <a:ln w="6350" cap="flat" cmpd="sng" algn="in">
           <a:solidFill>
             <a:schemeClr val="phClr"/>
           </a:solidFill>
           <a:prstDash val="solid"/>
-          <a:miter lim="800000"/>
         </a:ln>
-        <a:ln w="12700" cap="flat" cmpd="sng" algn="ctr">
+        <a:ln w="34925" cap="flat" cmpd="sng" algn="in">
           <a:solidFill>
             <a:schemeClr val="phClr"/>
           </a:solidFill>
           <a:prstDash val="solid"/>
-          <a:miter lim="800000"/>
         </a:ln>
-        <a:ln w="19050" cap="flat" cmpd="sng" algn="ctr">
+        <a:ln w="19050" cap="flat" cmpd="sng" algn="in">
           <a:solidFill>
             <a:schemeClr val="phClr"/>
           </a:solidFill>
           <a:prstDash val="solid"/>
-          <a:miter lim="800000"/>
         </a:ln>
       </a:lnStyleLst>
       <a:effectStyleLst>
@@ -7313,7 +8620,7 @@
           <a:effectLst>
             <a:outerShdw blurRad="57150" dist="19050" dir="5400000" algn="ctr" rotWithShape="0">
               <a:srgbClr val="000000">
-                <a:alpha val="63000"/>
+                <a:alpha val="35000"/>
               </a:srgbClr>
             </a:outerShdw>
           </a:effectLst>
@@ -7334,16 +8641,16 @@
             <a:gs pos="0">
               <a:schemeClr val="phClr">
                 <a:tint val="93000"/>
+                <a:shade val="98000"/>
                 <a:satMod val="150000"/>
-                <a:shade val="98000"/>
                 <a:lumMod val="102000"/>
               </a:schemeClr>
             </a:gs>
             <a:gs pos="50000">
               <a:schemeClr val="phClr">
                 <a:tint val="98000"/>
+                <a:shade val="90000"/>
                 <a:satMod val="130000"/>
-                <a:shade val="90000"/>
                 <a:lumMod val="103000"/>
               </a:schemeClr>
             </a:gs>
@@ -7363,7 +8670,7 @@
   <a:extraClrSchemeLst/>
   <a:extLst>
     <a:ext uri="{05A4C25C-085E-4340-85A3-A5531E510DB2}">
-      <thm15:themeFamily xmlns:thm15="http://schemas.microsoft.com/office/thememl/2012/main" name="Office Theme" id="{62F939B6-93AF-4DB8-9C6B-D6C7DFDC589F}" vid="{4A3C46E8-61CC-4603-A589-7422A47A8E4A}"/>
+      <thm15:themeFamily xmlns:thm15="http://schemas.microsoft.com/office/thememl/2012/main" name="Crop" id="{EC9488ED-E761-4D60-9AC4-764D1FE2C171}" vid="{CE19780C-D67D-4C13-9DE9-A52BC3BA51B4}"/>
     </a:ext>
   </a:extLst>
 </a:theme>

--- a/Lessons/Lesson2.pptx
+++ b/Lessons/Lesson2.pptx
@@ -11,19 +11,19 @@
     <p:sldId id="256" r:id="rId2"/>
     <p:sldId id="257" r:id="rId3"/>
     <p:sldId id="261" r:id="rId4"/>
-    <p:sldId id="262" r:id="rId5"/>
-    <p:sldId id="265" r:id="rId6"/>
-    <p:sldId id="266" r:id="rId7"/>
-    <p:sldId id="267" r:id="rId8"/>
+    <p:sldId id="265" r:id="rId5"/>
+    <p:sldId id="266" r:id="rId6"/>
+    <p:sldId id="282" r:id="rId7"/>
+    <p:sldId id="262" r:id="rId8"/>
     <p:sldId id="268" r:id="rId9"/>
     <p:sldId id="269" r:id="rId10"/>
     <p:sldId id="271" r:id="rId11"/>
     <p:sldId id="272" r:id="rId12"/>
-    <p:sldId id="277" r:id="rId13"/>
-    <p:sldId id="274" r:id="rId14"/>
-    <p:sldId id="275" r:id="rId15"/>
-    <p:sldId id="276" r:id="rId16"/>
-    <p:sldId id="270" r:id="rId17"/>
+    <p:sldId id="274" r:id="rId13"/>
+    <p:sldId id="275" r:id="rId14"/>
+    <p:sldId id="276" r:id="rId15"/>
+    <p:sldId id="270" r:id="rId16"/>
+    <p:sldId id="281" r:id="rId17"/>
     <p:sldId id="279" r:id="rId18"/>
     <p:sldId id="280" r:id="rId19"/>
     <p:sldId id="278" r:id="rId20"/>
@@ -531,7 +531,13 @@
           <a:p>
             <a:r>
               <a:rPr lang="en-US" dirty="0"/>
-              <a:t>And how does it improve upon the initial predictions that it has made; before we go into that, I need to go over a few more key principles</a:t>
+              <a:t>Next aspect we should cover is an elaboration of the Iteration; epoch and training batch</a:t>
+            </a:r>
+          </a:p>
+          <a:p>
+            <a:r>
+              <a:rPr lang="en-US" dirty="0"/>
+              <a:t>Training batch is 2^n; n = 4..8</a:t>
             </a:r>
           </a:p>
         </p:txBody>
@@ -553,7 +559,7 @@
           <a:p>
             <a:fld id="{AB4F6275-0E25-4E4E-99DE-2002C9C04F42}" type="slidenum">
               <a:rPr lang="en-US" smtClean="0"/>
-              <a:t>4</a:t>
+              <a:t>5</a:t>
             </a:fld>
             <a:endParaRPr lang="en-US"/>
           </a:p>
@@ -562,7 +568,7 @@
     </p:spTree>
     <p:extLst>
       <p:ext uri="{BB962C8B-B14F-4D97-AF65-F5344CB8AC3E}">
-        <p14:creationId xmlns:p14="http://schemas.microsoft.com/office/powerpoint/2010/main" val="4056982469"/>
+        <p14:creationId xmlns:p14="http://schemas.microsoft.com/office/powerpoint/2010/main" val="1260871852"/>
       </p:ext>
     </p:extLst>
   </p:cSld>
@@ -618,13 +624,7 @@
           <a:p>
             <a:r>
               <a:rPr lang="en-US" dirty="0"/>
-              <a:t>Next aspect we should cover is an elaboration of the Iteration; epoch and training batch</a:t>
-            </a:r>
-          </a:p>
-          <a:p>
-            <a:r>
-              <a:rPr lang="en-US" dirty="0"/>
-              <a:t>Training batch is 2^n; n = 4..8</a:t>
+              <a:t>And how does it improve upon the initial predictions that it has made; before we go into that, I need to go over a few more key principles</a:t>
             </a:r>
           </a:p>
         </p:txBody>
@@ -646,7 +646,7 @@
           <a:p>
             <a:fld id="{AB4F6275-0E25-4E4E-99DE-2002C9C04F42}" type="slidenum">
               <a:rPr lang="en-US" smtClean="0"/>
-              <a:t>6</a:t>
+              <a:t>7</a:t>
             </a:fld>
             <a:endParaRPr lang="en-US"/>
           </a:p>
@@ -655,7 +655,7 @@
     </p:spTree>
     <p:extLst>
       <p:ext uri="{BB962C8B-B14F-4D97-AF65-F5344CB8AC3E}">
-        <p14:creationId xmlns:p14="http://schemas.microsoft.com/office/powerpoint/2010/main" val="1260871852"/>
+        <p14:creationId xmlns:p14="http://schemas.microsoft.com/office/powerpoint/2010/main" val="4056982469"/>
       </p:ext>
     </p:extLst>
   </p:cSld>
@@ -711,108 +711,6 @@
           <a:p>
             <a:r>
               <a:rPr lang="en-US" dirty="0"/>
-              <a:t>10 training examples, first would be used as input, once done, it will go to next value and so on</a:t>
-            </a:r>
-          </a:p>
-          <a:p>
-            <a:r>
-              <a:rPr lang="en-US" dirty="0"/>
-              <a:t>Without training batches, updates for learning would occur at the end of an epoch, We will explain later why this is in ideal</a:t>
-            </a:r>
-          </a:p>
-          <a:p>
-            <a:r>
-              <a:rPr lang="en-US" dirty="0"/>
-              <a:t>Conversely, using training batches allows for more frequent updates, maybe after 25% of training data has been seen.</a:t>
-            </a:r>
-          </a:p>
-          <a:p>
-            <a:endParaRPr lang="en-US" dirty="0"/>
-          </a:p>
-        </p:txBody>
-      </p:sp>
-      <p:sp>
-        <p:nvSpPr>
-          <p:cNvPr id="4" name="Slide Number Placeholder 3"/>
-          <p:cNvSpPr>
-            <a:spLocks noGrp="1"/>
-          </p:cNvSpPr>
-          <p:nvPr>
-            <p:ph type="sldNum" sz="quarter" idx="5"/>
-          </p:nvPr>
-        </p:nvSpPr>
-        <p:spPr/>
-        <p:txBody>
-          <a:bodyPr/>
-          <a:lstStyle/>
-          <a:p>
-            <a:fld id="{AB4F6275-0E25-4E4E-99DE-2002C9C04F42}" type="slidenum">
-              <a:rPr lang="en-US" smtClean="0"/>
-              <a:t>7</a:t>
-            </a:fld>
-            <a:endParaRPr lang="en-US"/>
-          </a:p>
-        </p:txBody>
-      </p:sp>
-    </p:spTree>
-    <p:extLst>
-      <p:ext uri="{BB962C8B-B14F-4D97-AF65-F5344CB8AC3E}">
-        <p14:creationId xmlns:p14="http://schemas.microsoft.com/office/powerpoint/2010/main" val="597287270"/>
-      </p:ext>
-    </p:extLst>
-  </p:cSld>
-  <p:clrMapOvr>
-    <a:masterClrMapping/>
-  </p:clrMapOvr>
-</p:notes>
-</file>
-
-<file path=ppt/notesSlides/notesSlide4.xml><?xml version="1.0" encoding="utf-8"?>
-<p:notes xmlns:a="http://schemas.openxmlformats.org/drawingml/2006/main" xmlns:r="http://schemas.openxmlformats.org/officeDocument/2006/relationships" xmlns:p="http://schemas.openxmlformats.org/presentationml/2006/main">
-  <p:cSld>
-    <p:spTree>
-      <p:nvGrpSpPr>
-        <p:cNvPr id="1" name=""/>
-        <p:cNvGrpSpPr/>
-        <p:nvPr/>
-      </p:nvGrpSpPr>
-      <p:grpSpPr>
-        <a:xfrm>
-          <a:off x="0" y="0"/>
-          <a:ext cx="0" cy="0"/>
-          <a:chOff x="0" y="0"/>
-          <a:chExt cx="0" cy="0"/>
-        </a:xfrm>
-      </p:grpSpPr>
-      <p:sp>
-        <p:nvSpPr>
-          <p:cNvPr id="2" name="Slide Image Placeholder 1"/>
-          <p:cNvSpPr>
-            <a:spLocks noGrp="1" noRot="1" noChangeAspect="1"/>
-          </p:cNvSpPr>
-          <p:nvPr>
-            <p:ph type="sldImg"/>
-          </p:nvPr>
-        </p:nvSpPr>
-        <p:spPr/>
-      </p:sp>
-      <p:sp>
-        <p:nvSpPr>
-          <p:cNvPr id="3" name="Notes Placeholder 2"/>
-          <p:cNvSpPr>
-            <a:spLocks noGrp="1"/>
-          </p:cNvSpPr>
-          <p:nvPr>
-            <p:ph type="body" idx="1"/>
-          </p:nvPr>
-        </p:nvSpPr>
-        <p:spPr/>
-        <p:txBody>
-          <a:bodyPr/>
-          <a:lstStyle/>
-          <a:p>
-            <a:r>
-              <a:rPr lang="en-US" dirty="0"/>
               <a:t>Here I will give a relatively simplistic over view of cost and loss and how that applies to learning, for a comprehensive understanding, refer to resources mentioned at end of presentation.</a:t>
             </a:r>
           </a:p>
@@ -854,7 +752,7 @@
 </p:notes>
 </file>
 
-<file path=ppt/notesSlides/notesSlide5.xml><?xml version="1.0" encoding="utf-8"?>
+<file path=ppt/notesSlides/notesSlide4.xml><?xml version="1.0" encoding="utf-8"?>
 <p:notes xmlns:a="http://schemas.openxmlformats.org/drawingml/2006/main" xmlns:r="http://schemas.openxmlformats.org/officeDocument/2006/relationships" xmlns:p="http://schemas.openxmlformats.org/presentationml/2006/main">
   <p:cSld>
     <p:spTree>
@@ -4698,7 +4596,7 @@
         </p:nvSpPr>
         <p:spPr>
           <a:xfrm>
-            <a:off x="587828" y="718204"/>
+            <a:off x="587828" y="1201530"/>
             <a:ext cx="11495313" cy="3603582"/>
           </a:xfrm>
         </p:spPr>
@@ -5089,7 +4987,7 @@
                     </a:solidFill>
                     <a:latin typeface="Consolas" panose="020B0609020204030204" pitchFamily="49" charset="0"/>
                   </a:rPr>
-                  <a:t>keras.loss.mean_squared_error</a:t>
+                  <a:t>keras.losses.mean_squared_error</a:t>
                 </a:r>
                 <a:r>
                   <a:rPr lang="en-US" dirty="0">
@@ -5328,107 +5226,6 @@
           <p:cNvPr id="2" name="Title 1">
             <a:extLst>
               <a:ext uri="{FF2B5EF4-FFF2-40B4-BE49-F238E27FC236}">
-                <a16:creationId xmlns:a16="http://schemas.microsoft.com/office/drawing/2014/main" id="{019D91DB-301F-43C0-A103-90B2FF5D284C}"/>
-              </a:ext>
-            </a:extLst>
-          </p:cNvPr>
-          <p:cNvSpPr>
-            <a:spLocks noGrp="1"/>
-          </p:cNvSpPr>
-          <p:nvPr>
-            <p:ph type="title"/>
-          </p:nvPr>
-        </p:nvSpPr>
-        <p:spPr/>
-        <p:txBody>
-          <a:bodyPr/>
-          <a:lstStyle/>
-          <a:p>
-            <a:r>
-              <a:rPr lang="en-US" dirty="0"/>
-              <a:t>Gradient Descent</a:t>
-            </a:r>
-          </a:p>
-        </p:txBody>
-      </p:sp>
-      <p:sp>
-        <p:nvSpPr>
-          <p:cNvPr id="3" name="Content Placeholder 2">
-            <a:extLst>
-              <a:ext uri="{FF2B5EF4-FFF2-40B4-BE49-F238E27FC236}">
-                <a16:creationId xmlns:a16="http://schemas.microsoft.com/office/drawing/2014/main" id="{12D69B38-3F37-48D3-BCEB-D8E41ADB1CE0}"/>
-              </a:ext>
-            </a:extLst>
-          </p:cNvPr>
-          <p:cNvSpPr>
-            <a:spLocks noGrp="1"/>
-          </p:cNvSpPr>
-          <p:nvPr>
-            <p:ph idx="1"/>
-          </p:nvPr>
-        </p:nvSpPr>
-        <p:spPr/>
-        <p:txBody>
-          <a:bodyPr/>
-          <a:lstStyle/>
-          <a:p>
-            <a:r>
-              <a:rPr lang="en-US" dirty="0"/>
-              <a:t>Using calculus, we are able to determine the slope of the loss and then take a “step” downward to approach the global minimum</a:t>
-            </a:r>
-          </a:p>
-          <a:p>
-            <a:r>
-              <a:rPr lang="en-US" dirty="0"/>
-              <a:t>However, as we will have many hundreds or thousands of parameters (each w and b term associated with the algorithm) we would need to calculate slopes, but gradients</a:t>
-            </a:r>
-          </a:p>
-          <a:p>
-            <a:r>
-              <a:rPr lang="en-US" dirty="0"/>
-              <a:t>This will allow us to determine which area in space we should step, with respect to all of the input variables, to get to the next smaller value</a:t>
-            </a:r>
-          </a:p>
-          <a:p>
-            <a:endParaRPr lang="en-US" dirty="0"/>
-          </a:p>
-        </p:txBody>
-      </p:sp>
-    </p:spTree>
-    <p:extLst>
-      <p:ext uri="{BB962C8B-B14F-4D97-AF65-F5344CB8AC3E}">
-        <p14:creationId xmlns:p14="http://schemas.microsoft.com/office/powerpoint/2010/main" val="1636868832"/>
-      </p:ext>
-    </p:extLst>
-  </p:cSld>
-  <p:clrMapOvr>
-    <a:masterClrMapping/>
-  </p:clrMapOvr>
-</p:sld>
-</file>
-
-<file path=ppt/slides/slide13.xml><?xml version="1.0" encoding="utf-8"?>
-<p:sld xmlns:a="http://schemas.openxmlformats.org/drawingml/2006/main" xmlns:r="http://schemas.openxmlformats.org/officeDocument/2006/relationships" xmlns:p="http://schemas.openxmlformats.org/presentationml/2006/main">
-  <p:cSld>
-    <p:spTree>
-      <p:nvGrpSpPr>
-        <p:cNvPr id="1" name=""/>
-        <p:cNvGrpSpPr/>
-        <p:nvPr/>
-      </p:nvGrpSpPr>
-      <p:grpSpPr>
-        <a:xfrm>
-          <a:off x="0" y="0"/>
-          <a:ext cx="0" cy="0"/>
-          <a:chOff x="0" y="0"/>
-          <a:chExt cx="0" cy="0"/>
-        </a:xfrm>
-      </p:grpSpPr>
-      <p:sp>
-        <p:nvSpPr>
-          <p:cNvPr id="2" name="Title 1">
-            <a:extLst>
-              <a:ext uri="{FF2B5EF4-FFF2-40B4-BE49-F238E27FC236}">
                 <a16:creationId xmlns:a16="http://schemas.microsoft.com/office/drawing/2014/main" id="{01862D45-66C7-4D12-90C0-3DA1B0970F1B}"/>
               </a:ext>
             </a:extLst>
@@ -5480,21 +5277,13 @@
           <a:p>
             <a:r>
               <a:rPr lang="en-US" dirty="0"/>
-              <a:t>Each step progressively decreases the error as it approaches </a:t>
-            </a:r>
-            <a:r>
-              <a:rPr lang="en-US" dirty="0" err="1"/>
-              <a:t>globabl</a:t>
-            </a:r>
+              <a:t>Each step progressively decreases the error as it approaches global minimum</a:t>
+            </a:r>
+          </a:p>
+          <a:p>
             <a:r>
               <a:rPr lang="en-US" dirty="0"/>
-              <a:t> minimum</a:t>
-            </a:r>
-          </a:p>
-          <a:p>
-            <a:r>
-              <a:rPr lang="en-US" dirty="0"/>
-              <a:t>As we mentioned earlier, a global minimum will beam accuracy of the model</a:t>
+              <a:t>As we mentioned earlier, a global minimum will best accuracy of the model</a:t>
             </a:r>
           </a:p>
         </p:txBody>
@@ -5559,7 +5348,7 @@
 </p:sld>
 </file>
 
-<file path=ppt/slides/slide14.xml><?xml version="1.0" encoding="utf-8"?>
+<file path=ppt/slides/slide13.xml><?xml version="1.0" encoding="utf-8"?>
 <p:sld xmlns:a="http://schemas.openxmlformats.org/drawingml/2006/main" xmlns:r="http://schemas.openxmlformats.org/officeDocument/2006/relationships" xmlns:p="http://schemas.openxmlformats.org/presentationml/2006/main">
   <p:cSld>
     <p:bg>
@@ -5710,7 +5499,7 @@
           <a:p>
             <a:r>
               <a:rPr lang="en-US" sz="1800" dirty="0"/>
-              <a:t>However, as we will have many hundreds or thousands of parameters (each w and b term associated with the algorithm) we would need to calculate slopes, but gradients</a:t>
+              <a:t>However, as we will have many hundreds or thousands of parameters (each w and b term associated with the algorithm) we would not be calculating slopes, but instead gradients</a:t>
             </a:r>
           </a:p>
           <a:p>
@@ -5833,7 +5622,7 @@
 </p:sld>
 </file>
 
-<file path=ppt/slides/slide15.xml><?xml version="1.0" encoding="utf-8"?>
+<file path=ppt/slides/slide14.xml><?xml version="1.0" encoding="utf-8"?>
 <p:sld xmlns:a="http://schemas.openxmlformats.org/drawingml/2006/main" xmlns:r="http://schemas.openxmlformats.org/officeDocument/2006/relationships" xmlns:p="http://schemas.openxmlformats.org/presentationml/2006/main">
   <p:cSld>
     <p:spTree>
@@ -5966,7 +5755,7 @@
 </p:sld>
 </file>
 
-<file path=ppt/slides/slide16.xml><?xml version="1.0" encoding="utf-8"?>
+<file path=ppt/slides/slide15.xml><?xml version="1.0" encoding="utf-8"?>
 <p:sld xmlns:a="http://schemas.openxmlformats.org/drawingml/2006/main" xmlns:r="http://schemas.openxmlformats.org/officeDocument/2006/relationships" xmlns:p="http://schemas.openxmlformats.org/presentationml/2006/main">
   <p:cSld>
     <p:spTree>
@@ -6040,7 +5829,7 @@
           <a:p>
             <a:r>
               <a:rPr lang="en-US" dirty="0"/>
-              <a:t>Essentially, partial derivatives are used t calculate the gradient, and this is used to update the parameter</a:t>
+              <a:t>Essentially, partial derivatives are used to calculate the gradient, and this is used to update the parameter</a:t>
             </a:r>
           </a:p>
           <a:p>
@@ -6111,6 +5900,376 @@
 </p:sld>
 </file>
 
+<file path=ppt/slides/slide16.xml><?xml version="1.0" encoding="utf-8"?>
+<p:sld xmlns:a="http://schemas.openxmlformats.org/drawingml/2006/main" xmlns:r="http://schemas.openxmlformats.org/officeDocument/2006/relationships" xmlns:p="http://schemas.openxmlformats.org/presentationml/2006/main">
+  <p:cSld>
+    <p:spTree>
+      <p:nvGrpSpPr>
+        <p:cNvPr id="1" name=""/>
+        <p:cNvGrpSpPr/>
+        <p:nvPr/>
+      </p:nvGrpSpPr>
+      <p:grpSpPr>
+        <a:xfrm>
+          <a:off x="0" y="0"/>
+          <a:ext cx="0" cy="0"/>
+          <a:chOff x="0" y="0"/>
+          <a:chExt cx="0" cy="0"/>
+        </a:xfrm>
+      </p:grpSpPr>
+      <p:sp>
+        <p:nvSpPr>
+          <p:cNvPr id="2" name="Title 1">
+            <a:extLst>
+              <a:ext uri="{FF2B5EF4-FFF2-40B4-BE49-F238E27FC236}">
+                <a16:creationId xmlns:a16="http://schemas.microsoft.com/office/drawing/2014/main" id="{718C5A16-E5F6-412F-AEA1-D778CC52CFF6}"/>
+              </a:ext>
+            </a:extLst>
+          </p:cNvPr>
+          <p:cNvSpPr>
+            <a:spLocks noGrp="1"/>
+          </p:cNvSpPr>
+          <p:nvPr>
+            <p:ph type="title"/>
+          </p:nvPr>
+        </p:nvSpPr>
+        <p:spPr>
+          <a:xfrm>
+            <a:off x="1295400" y="398551"/>
+            <a:ext cx="9601200" cy="1485900"/>
+          </a:xfrm>
+        </p:spPr>
+        <p:txBody>
+          <a:bodyPr/>
+          <a:lstStyle/>
+          <a:p>
+            <a:pPr algn="ctr"/>
+            <a:r>
+              <a:rPr lang="en-US" dirty="0"/>
+              <a:t>Recap </a:t>
+            </a:r>
+          </a:p>
+        </p:txBody>
+      </p:sp>
+      <p:pic>
+        <p:nvPicPr>
+          <p:cNvPr id="4" name="Picture 2" descr="Image result for neural network layers">
+            <a:extLst>
+              <a:ext uri="{FF2B5EF4-FFF2-40B4-BE49-F238E27FC236}">
+                <a16:creationId xmlns:a16="http://schemas.microsoft.com/office/drawing/2014/main" id="{2159E685-4025-4CB8-94FF-FC18451B8A8D}"/>
+              </a:ext>
+            </a:extLst>
+          </p:cNvPr>
+          <p:cNvPicPr>
+            <a:picLocks noChangeAspect="1" noChangeArrowheads="1"/>
+          </p:cNvPicPr>
+          <p:nvPr/>
+        </p:nvPicPr>
+        <p:blipFill>
+          <a:blip r:embed="rId2">
+            <a:extLst>
+              <a:ext uri="{28A0092B-C50C-407E-A947-70E740481C1C}">
+                <a14:useLocalDpi xmlns:a14="http://schemas.microsoft.com/office/drawing/2010/main" val="0"/>
+              </a:ext>
+            </a:extLst>
+          </a:blip>
+          <a:stretch>
+            <a:fillRect/>
+          </a:stretch>
+        </p:blipFill>
+        <p:spPr bwMode="auto">
+          <a:xfrm>
+            <a:off x="1623288" y="1353586"/>
+            <a:ext cx="2360022" cy="1830331"/>
+          </a:xfrm>
+          <a:prstGeom prst="rect">
+            <a:avLst/>
+          </a:prstGeom>
+          <a:noFill/>
+          <a:extLst>
+            <a:ext uri="{909E8E84-426E-40DD-AFC4-6F175D3DCCD1}">
+              <a14:hiddenFill xmlns:a14="http://schemas.microsoft.com/office/drawing/2010/main">
+                <a:solidFill>
+                  <a:srgbClr val="FFFFFF"/>
+                </a:solidFill>
+              </a14:hiddenFill>
+            </a:ext>
+          </a:extLst>
+        </p:spPr>
+      </p:pic>
+      <p:pic>
+        <p:nvPicPr>
+          <p:cNvPr id="5" name="Picture 4">
+            <a:extLst>
+              <a:ext uri="{FF2B5EF4-FFF2-40B4-BE49-F238E27FC236}">
+                <a16:creationId xmlns:a16="http://schemas.microsoft.com/office/drawing/2014/main" id="{F152EA2F-E8AB-4647-81E1-41A89A163F17}"/>
+              </a:ext>
+            </a:extLst>
+          </p:cNvPr>
+          <p:cNvPicPr>
+            <a:picLocks noChangeAspect="1"/>
+          </p:cNvPicPr>
+          <p:nvPr/>
+        </p:nvPicPr>
+        <p:blipFill>
+          <a:blip r:embed="rId3"/>
+          <a:stretch>
+            <a:fillRect/>
+          </a:stretch>
+        </p:blipFill>
+        <p:spPr>
+          <a:xfrm>
+            <a:off x="7607801" y="1378606"/>
+            <a:ext cx="3772733" cy="1390650"/>
+          </a:xfrm>
+          <a:prstGeom prst="rect">
+            <a:avLst/>
+          </a:prstGeom>
+        </p:spPr>
+      </p:pic>
+      <p:pic>
+        <p:nvPicPr>
+          <p:cNvPr id="6" name="Picture 6" descr="Related image">
+            <a:extLst>
+              <a:ext uri="{FF2B5EF4-FFF2-40B4-BE49-F238E27FC236}">
+                <a16:creationId xmlns:a16="http://schemas.microsoft.com/office/drawing/2014/main" id="{A1FA6F62-9A72-4BB2-8AD7-3AB9DA5A39F1}"/>
+              </a:ext>
+            </a:extLst>
+          </p:cNvPr>
+          <p:cNvPicPr>
+            <a:picLocks noChangeAspect="1" noChangeArrowheads="1"/>
+          </p:cNvPicPr>
+          <p:nvPr/>
+        </p:nvPicPr>
+        <p:blipFill>
+          <a:blip r:embed="rId4">
+            <a:extLst>
+              <a:ext uri="{28A0092B-C50C-407E-A947-70E740481C1C}">
+                <a14:useLocalDpi xmlns:a14="http://schemas.microsoft.com/office/drawing/2010/main" val="0"/>
+              </a:ext>
+            </a:extLst>
+          </a:blip>
+          <a:srcRect/>
+          <a:stretch>
+            <a:fillRect/>
+          </a:stretch>
+        </p:blipFill>
+        <p:spPr bwMode="auto">
+          <a:xfrm>
+            <a:off x="7607801" y="4990490"/>
+            <a:ext cx="3772732" cy="1565158"/>
+          </a:xfrm>
+          <a:prstGeom prst="rect">
+            <a:avLst/>
+          </a:prstGeom>
+          <a:noFill/>
+          <a:extLst>
+            <a:ext uri="{909E8E84-426E-40DD-AFC4-6F175D3DCCD1}">
+              <a14:hiddenFill xmlns:a14="http://schemas.microsoft.com/office/drawing/2010/main">
+                <a:solidFill>
+                  <a:srgbClr val="FFFFFF"/>
+                </a:solidFill>
+              </a14:hiddenFill>
+            </a:ext>
+          </a:extLst>
+        </p:spPr>
+      </p:pic>
+      <p:pic>
+        <p:nvPicPr>
+          <p:cNvPr id="7" name="Picture 2" descr="Image result for gradient descent gif">
+            <a:extLst>
+              <a:ext uri="{FF2B5EF4-FFF2-40B4-BE49-F238E27FC236}">
+                <a16:creationId xmlns:a16="http://schemas.microsoft.com/office/drawing/2014/main" id="{FEF6A2A5-3688-44FF-9F10-4DBF61BB8895}"/>
+              </a:ext>
+            </a:extLst>
+          </p:cNvPr>
+          <p:cNvPicPr>
+            <a:picLocks noChangeAspect="1" noChangeArrowheads="1" noCrop="1"/>
+          </p:cNvPicPr>
+          <p:nvPr/>
+        </p:nvPicPr>
+        <p:blipFill>
+          <a:blip r:embed="rId5">
+            <a:extLst>
+              <a:ext uri="{28A0092B-C50C-407E-A947-70E740481C1C}">
+                <a14:useLocalDpi xmlns:a14="http://schemas.microsoft.com/office/drawing/2010/main" val="0"/>
+              </a:ext>
+            </a:extLst>
+          </a:blip>
+          <a:srcRect/>
+          <a:stretch>
+            <a:fillRect/>
+          </a:stretch>
+        </p:blipFill>
+        <p:spPr bwMode="auto">
+          <a:xfrm>
+            <a:off x="1542869" y="4725317"/>
+            <a:ext cx="2440441" cy="1830331"/>
+          </a:xfrm>
+          <a:prstGeom prst="rect">
+            <a:avLst/>
+          </a:prstGeom>
+          <a:noFill/>
+          <a:extLst>
+            <a:ext uri="{909E8E84-426E-40DD-AFC4-6F175D3DCCD1}">
+              <a14:hiddenFill xmlns:a14="http://schemas.microsoft.com/office/drawing/2010/main">
+                <a:solidFill>
+                  <a:srgbClr val="FFFFFF"/>
+                </a:solidFill>
+              </a14:hiddenFill>
+            </a:ext>
+          </a:extLst>
+        </p:spPr>
+      </p:pic>
+      <p:sp>
+        <p:nvSpPr>
+          <p:cNvPr id="9" name="Arrow: Down 8">
+            <a:extLst>
+              <a:ext uri="{FF2B5EF4-FFF2-40B4-BE49-F238E27FC236}">
+                <a16:creationId xmlns:a16="http://schemas.microsoft.com/office/drawing/2014/main" id="{41B43698-3434-4DA1-AB91-AF400F799753}"/>
+              </a:ext>
+            </a:extLst>
+          </p:cNvPr>
+          <p:cNvSpPr/>
+          <p:nvPr/>
+        </p:nvSpPr>
+        <p:spPr>
+          <a:xfrm>
+            <a:off x="9062164" y="3243465"/>
+            <a:ext cx="864006" cy="1272815"/>
+          </a:xfrm>
+          <a:prstGeom prst="downArrow">
+            <a:avLst/>
+          </a:prstGeom>
+        </p:spPr>
+        <p:style>
+          <a:lnRef idx="2">
+            <a:schemeClr val="accent1">
+              <a:shade val="50000"/>
+            </a:schemeClr>
+          </a:lnRef>
+          <a:fillRef idx="1">
+            <a:schemeClr val="accent1"/>
+          </a:fillRef>
+          <a:effectRef idx="0">
+            <a:schemeClr val="accent1"/>
+          </a:effectRef>
+          <a:fontRef idx="minor">
+            <a:schemeClr val="lt1"/>
+          </a:fontRef>
+        </p:style>
+        <p:txBody>
+          <a:bodyPr rtlCol="0" anchor="ctr"/>
+          <a:lstStyle/>
+          <a:p>
+            <a:pPr algn="ctr"/>
+            <a:endParaRPr lang="en-US"/>
+          </a:p>
+        </p:txBody>
+      </p:sp>
+      <p:pic>
+        <p:nvPicPr>
+          <p:cNvPr id="10" name="Picture 9">
+            <a:extLst>
+              <a:ext uri="{FF2B5EF4-FFF2-40B4-BE49-F238E27FC236}">
+                <a16:creationId xmlns:a16="http://schemas.microsoft.com/office/drawing/2014/main" id="{8ED7B958-ABC9-4492-BBE5-49698F3FD8A8}"/>
+              </a:ext>
+            </a:extLst>
+          </p:cNvPr>
+          <p:cNvPicPr>
+            <a:picLocks noChangeAspect="1"/>
+          </p:cNvPicPr>
+          <p:nvPr/>
+        </p:nvPicPr>
+        <p:blipFill>
+          <a:blip r:embed="rId6"/>
+          <a:stretch>
+            <a:fillRect/>
+          </a:stretch>
+        </p:blipFill>
+        <p:spPr>
+          <a:xfrm rot="5400000">
+            <a:off x="5335701" y="5114644"/>
+            <a:ext cx="963251" cy="1316850"/>
+          </a:xfrm>
+          <a:prstGeom prst="rect">
+            <a:avLst/>
+          </a:prstGeom>
+        </p:spPr>
+      </p:pic>
+      <p:pic>
+        <p:nvPicPr>
+          <p:cNvPr id="11" name="Picture 10">
+            <a:extLst>
+              <a:ext uri="{FF2B5EF4-FFF2-40B4-BE49-F238E27FC236}">
+                <a16:creationId xmlns:a16="http://schemas.microsoft.com/office/drawing/2014/main" id="{6EB15BB7-352E-4008-B939-BCA8D235F840}"/>
+              </a:ext>
+            </a:extLst>
+          </p:cNvPr>
+          <p:cNvPicPr>
+            <a:picLocks noChangeAspect="1"/>
+          </p:cNvPicPr>
+          <p:nvPr/>
+        </p:nvPicPr>
+        <p:blipFill>
+          <a:blip r:embed="rId6"/>
+          <a:stretch>
+            <a:fillRect/>
+          </a:stretch>
+        </p:blipFill>
+        <p:spPr>
+          <a:xfrm rot="16200000">
+            <a:off x="5313930" y="1415506"/>
+            <a:ext cx="963251" cy="1316850"/>
+          </a:xfrm>
+          <a:prstGeom prst="rect">
+            <a:avLst/>
+          </a:prstGeom>
+        </p:spPr>
+      </p:pic>
+      <p:pic>
+        <p:nvPicPr>
+          <p:cNvPr id="12" name="Picture 11">
+            <a:extLst>
+              <a:ext uri="{FF2B5EF4-FFF2-40B4-BE49-F238E27FC236}">
+                <a16:creationId xmlns:a16="http://schemas.microsoft.com/office/drawing/2014/main" id="{4CEA8AA9-2CD3-4BCF-8FD1-80B06EC29412}"/>
+              </a:ext>
+            </a:extLst>
+          </p:cNvPr>
+          <p:cNvPicPr>
+            <a:picLocks noChangeAspect="1"/>
+          </p:cNvPicPr>
+          <p:nvPr/>
+        </p:nvPicPr>
+        <p:blipFill>
+          <a:blip r:embed="rId6"/>
+          <a:stretch>
+            <a:fillRect/>
+          </a:stretch>
+        </p:blipFill>
+        <p:spPr>
+          <a:xfrm rot="10800000">
+            <a:off x="2321673" y="3296192"/>
+            <a:ext cx="963251" cy="1316850"/>
+          </a:xfrm>
+          <a:prstGeom prst="rect">
+            <a:avLst/>
+          </a:prstGeom>
+        </p:spPr>
+      </p:pic>
+    </p:spTree>
+    <p:extLst>
+      <p:ext uri="{BB962C8B-B14F-4D97-AF65-F5344CB8AC3E}">
+        <p14:creationId xmlns:p14="http://schemas.microsoft.com/office/powerpoint/2010/main" val="3033069980"/>
+      </p:ext>
+    </p:extLst>
+  </p:cSld>
+  <p:clrMapOvr>
+    <a:masterClrMapping/>
+  </p:clrMapOvr>
+</p:sld>
+</file>
+
 <file path=ppt/slides/slide17.xml><?xml version="1.0" encoding="utf-8"?>
 <p:sld xmlns:a="http://schemas.openxmlformats.org/drawingml/2006/main" xmlns:r="http://schemas.openxmlformats.org/officeDocument/2006/relationships" xmlns:p="http://schemas.openxmlformats.org/presentationml/2006/main">
   <p:cSld>
@@ -6199,15 +6358,7 @@
           <a:p>
             <a:r>
               <a:rPr lang="en-US" dirty="0"/>
-              <a:t>Again, the math behind this is somewhat complex but what makes this algorithm so efficient is due to the following </a:t>
-            </a:r>
-            <a:r>
-              <a:rPr lang="en-US" dirty="0" err="1"/>
-              <a:t>propertis</a:t>
-            </a:r>
-            <a:r>
-              <a:rPr lang="en-US" dirty="0"/>
-              <a:t>:</a:t>
+              <a:t>Again, the math behind this is somewhat complex but what makes this algorithm so efficient is due to the following properties:</a:t>
             </a:r>
           </a:p>
           <a:p>
@@ -6490,6 +6641,14 @@
 <file path=ppt/slides/slide2.xml><?xml version="1.0" encoding="utf-8"?>
 <p:sld xmlns:a="http://schemas.openxmlformats.org/drawingml/2006/main" xmlns:r="http://schemas.openxmlformats.org/officeDocument/2006/relationships" xmlns:p="http://schemas.openxmlformats.org/presentationml/2006/main">
   <p:cSld>
+    <p:bg>
+      <p:bgPr>
+        <a:solidFill>
+          <a:schemeClr val="bg2"/>
+        </a:solidFill>
+        <a:effectLst/>
+      </p:bgPr>
+    </p:bg>
     <p:spTree>
       <p:nvGrpSpPr>
         <p:cNvPr id="1" name=""/>
@@ -6504,6 +6663,66 @@
           <a:chExt cx="0" cy="0"/>
         </a:xfrm>
       </p:grpSpPr>
+      <p:sp useBgFill="1">
+        <p:nvSpPr>
+          <p:cNvPr id="8" name="Rectangle 7">
+            <a:extLst>
+              <a:ext uri="{FF2B5EF4-FFF2-40B4-BE49-F238E27FC236}">
+                <a16:creationId xmlns:a16="http://schemas.microsoft.com/office/drawing/2014/main" id="{32812C54-7AEF-4ABB-826E-221F51CB0F30}"/>
+              </a:ext>
+              <a:ext uri="{C183D7F6-B498-43B3-948B-1728B52AA6E4}">
+                <adec:decorative xmlns:adec="http://schemas.microsoft.com/office/drawing/2017/decorative" val="1"/>
+              </a:ext>
+            </a:extLst>
+          </p:cNvPr>
+          <p:cNvSpPr>
+            <a:spLocks noGrp="1" noRot="1" noChangeAspect="1" noMove="1" noResize="1" noEditPoints="1" noAdjustHandles="1" noChangeArrowheads="1" noChangeShapeType="1" noTextEdit="1"/>
+          </p:cNvSpPr>
+          <p:nvPr>
+            <p:extLst>
+              <p:ext uri="{386F3935-93C4-4BCD-93E2-E3B085C9AB24}">
+                <p16:designElem xmlns:p16="http://schemas.microsoft.com/office/powerpoint/2015/main" val="1"/>
+              </p:ext>
+            </p:extLst>
+          </p:nvPr>
+        </p:nvSpPr>
+        <p:spPr>
+          <a:xfrm>
+            <a:off x="0" y="0"/>
+            <a:ext cx="12192000" cy="6858000"/>
+          </a:xfrm>
+          <a:prstGeom prst="rect">
+            <a:avLst/>
+          </a:prstGeom>
+          <a:ln>
+            <a:noFill/>
+          </a:ln>
+        </p:spPr>
+        <p:style>
+          <a:lnRef idx="2">
+            <a:schemeClr val="accent1">
+              <a:shade val="50000"/>
+            </a:schemeClr>
+          </a:lnRef>
+          <a:fillRef idx="1">
+            <a:schemeClr val="accent1"/>
+          </a:fillRef>
+          <a:effectRef idx="0">
+            <a:schemeClr val="accent1"/>
+          </a:effectRef>
+          <a:fontRef idx="minor">
+            <a:schemeClr val="lt1"/>
+          </a:fontRef>
+        </p:style>
+        <p:txBody>
+          <a:bodyPr rtlCol="0" anchor="ctr"/>
+          <a:lstStyle/>
+          <a:p>
+            <a:pPr algn="ctr"/>
+            <a:endParaRPr lang="en-US"/>
+          </a:p>
+        </p:txBody>
+      </p:sp>
       <p:sp>
         <p:nvSpPr>
           <p:cNvPr id="2" name="Title 1">
@@ -6520,9 +6739,16 @@
             <p:ph type="title"/>
           </p:nvPr>
         </p:nvSpPr>
-        <p:spPr/>
-        <p:txBody>
-          <a:bodyPr/>
+        <p:spPr>
+          <a:xfrm>
+            <a:off x="3363864" y="685800"/>
+            <a:ext cx="7705164" cy="1485900"/>
+          </a:xfrm>
+        </p:spPr>
+        <p:txBody>
+          <a:bodyPr>
+            <a:normAutofit/>
+          </a:bodyPr>
           <a:lstStyle/>
           <a:p>
             <a:r>
@@ -6531,6 +6757,116 @@
             </a:r>
           </a:p>
         </p:txBody>
+      </p:sp>
+      <p:sp>
+        <p:nvSpPr>
+          <p:cNvPr id="10" name="Rectangle 9">
+            <a:extLst>
+              <a:ext uri="{FF2B5EF4-FFF2-40B4-BE49-F238E27FC236}">
+                <a16:creationId xmlns:a16="http://schemas.microsoft.com/office/drawing/2014/main" id="{891F40E4-8A76-44CF-91EC-907367352626}"/>
+              </a:ext>
+              <a:ext uri="{C183D7F6-B498-43B3-948B-1728B52AA6E4}">
+                <adec:decorative xmlns:adec="http://schemas.microsoft.com/office/drawing/2017/decorative" val="1"/>
+              </a:ext>
+            </a:extLst>
+          </p:cNvPr>
+          <p:cNvSpPr>
+            <a:spLocks noGrp="1" noRot="1" noChangeAspect="1" noMove="1" noResize="1" noEditPoints="1" noAdjustHandles="1" noChangeArrowheads="1" noChangeShapeType="1" noTextEdit="1"/>
+          </p:cNvSpPr>
+          <p:nvPr>
+            <p:extLst>
+              <p:ext uri="{386F3935-93C4-4BCD-93E2-E3B085C9AB24}">
+                <p16:designElem xmlns:p16="http://schemas.microsoft.com/office/powerpoint/2015/main" val="1"/>
+              </p:ext>
+            </p:extLst>
+          </p:nvPr>
+        </p:nvSpPr>
+        <p:spPr>
+          <a:xfrm>
+            <a:off x="1" y="376"/>
+            <a:ext cx="3044410" cy="6857624"/>
+          </a:xfrm>
+          <a:prstGeom prst="rect">
+            <a:avLst/>
+          </a:prstGeom>
+          <a:solidFill>
+            <a:schemeClr val="accent1"/>
+          </a:solidFill>
+          <a:ln>
+            <a:noFill/>
+          </a:ln>
+        </p:spPr>
+        <p:style>
+          <a:lnRef idx="2">
+            <a:schemeClr val="accent1">
+              <a:shade val="50000"/>
+            </a:schemeClr>
+          </a:lnRef>
+          <a:fillRef idx="1">
+            <a:schemeClr val="accent1"/>
+          </a:fillRef>
+          <a:effectRef idx="0">
+            <a:schemeClr val="accent1"/>
+          </a:effectRef>
+          <a:fontRef idx="minor">
+            <a:schemeClr val="lt1"/>
+          </a:fontRef>
+        </p:style>
+      </p:sp>
+      <p:sp>
+        <p:nvSpPr>
+          <p:cNvPr id="12" name="Rectangle 11">
+            <a:extLst>
+              <a:ext uri="{FF2B5EF4-FFF2-40B4-BE49-F238E27FC236}">
+                <a16:creationId xmlns:a16="http://schemas.microsoft.com/office/drawing/2014/main" id="{72171013-D973-4187-9CF2-EE098EEF8194}"/>
+              </a:ext>
+              <a:ext uri="{C183D7F6-B498-43B3-948B-1728B52AA6E4}">
+                <adec:decorative xmlns:adec="http://schemas.microsoft.com/office/drawing/2017/decorative" val="1"/>
+              </a:ext>
+            </a:extLst>
+          </p:cNvPr>
+          <p:cNvSpPr>
+            <a:spLocks noGrp="1" noRot="1" noChangeAspect="1" noMove="1" noResize="1" noEditPoints="1" noAdjustHandles="1" noChangeArrowheads="1" noChangeShapeType="1" noTextEdit="1"/>
+          </p:cNvSpPr>
+          <p:nvPr>
+            <p:extLst>
+              <p:ext uri="{386F3935-93C4-4BCD-93E2-E3B085C9AB24}">
+                <p16:designElem xmlns:p16="http://schemas.microsoft.com/office/powerpoint/2015/main" val="1"/>
+              </p:ext>
+            </p:extLst>
+          </p:nvPr>
+        </p:nvSpPr>
+        <p:spPr>
+          <a:xfrm>
+            <a:off x="2815810" y="376"/>
+            <a:ext cx="228600" cy="6858000"/>
+          </a:xfrm>
+          <a:prstGeom prst="rect">
+            <a:avLst/>
+          </a:prstGeom>
+          <a:solidFill>
+            <a:schemeClr val="tx2"/>
+          </a:solidFill>
+          <a:ln>
+            <a:noFill/>
+          </a:ln>
+        </p:spPr>
+        <p:style>
+          <a:lnRef idx="2">
+            <a:schemeClr val="accent1">
+              <a:shade val="50000"/>
+            </a:schemeClr>
+          </a:lnRef>
+          <a:fillRef idx="1">
+            <a:schemeClr val="accent1"/>
+          </a:fillRef>
+          <a:effectRef idx="0">
+            <a:schemeClr val="accent1"/>
+          </a:effectRef>
+          <a:fontRef idx="minor">
+            <a:schemeClr val="lt1"/>
+          </a:fontRef>
+        </p:style>
       </p:sp>
       <p:sp>
         <p:nvSpPr>
@@ -6548,10 +6884,15 @@
             <p:ph idx="1"/>
           </p:nvPr>
         </p:nvSpPr>
-        <p:spPr/>
+        <p:spPr>
+          <a:xfrm>
+            <a:off x="3363864" y="2286000"/>
+            <a:ext cx="7705164" cy="3581400"/>
+          </a:xfrm>
+        </p:spPr>
         <p:txBody>
           <a:bodyPr>
-            <a:normAutofit fontScale="92500" lnSpcReduction="10000"/>
+            <a:normAutofit/>
           </a:bodyPr>
           <a:lstStyle/>
           <a:p>
@@ -6560,7 +6901,7 @@
               <a:buChar char="§"/>
             </a:pPr>
             <a:r>
-              <a:rPr lang="en-US" dirty="0"/>
+              <a:rPr lang="en-US" sz="1400"/>
               <a:t>Recap of last lesson</a:t>
             </a:r>
           </a:p>
@@ -6570,7 +6911,7 @@
               <a:buChar char="§"/>
             </a:pPr>
             <a:r>
-              <a:rPr lang="en-US" dirty="0"/>
+              <a:rPr lang="en-US" sz="1400"/>
               <a:t>Training and Test Data</a:t>
             </a:r>
           </a:p>
@@ -6580,7 +6921,7 @@
               <a:buChar char="§"/>
             </a:pPr>
             <a:r>
-              <a:rPr lang="en-US" dirty="0"/>
+              <a:rPr lang="en-US" sz="1400"/>
               <a:t>Epochs</a:t>
             </a:r>
           </a:p>
@@ -6590,8 +6931,8 @@
               <a:buChar char="§"/>
             </a:pPr>
             <a:r>
-              <a:rPr lang="en-US" dirty="0"/>
-              <a:t>Loss and Cost Functions</a:t>
+              <a:rPr lang="en-US" sz="1400"/>
+              <a:t>Learning Rate</a:t>
             </a:r>
           </a:p>
           <a:p>
@@ -6600,8 +6941,8 @@
               <a:buChar char="§"/>
             </a:pPr>
             <a:r>
-              <a:rPr lang="en-US" dirty="0"/>
-              <a:t>Gradient Descent and Learning Rate</a:t>
+              <a:rPr lang="en-US" sz="1400"/>
+              <a:t>Loss and Cost Functions</a:t>
             </a:r>
           </a:p>
           <a:p>
@@ -6610,8 +6951,8 @@
               <a:buChar char="§"/>
             </a:pPr>
             <a:r>
-              <a:rPr lang="en-US" dirty="0"/>
-              <a:t>Adam Optimization</a:t>
+              <a:rPr lang="en-US" sz="1400"/>
+              <a:t>Gradient Descent</a:t>
             </a:r>
           </a:p>
           <a:p>
@@ -6620,12 +6961,8 @@
               <a:buChar char="§"/>
             </a:pPr>
             <a:r>
-              <a:rPr lang="en-US" dirty="0" err="1"/>
-              <a:t>Glorot</a:t>
-            </a:r>
-            <a:r>
-              <a:rPr lang="en-US" dirty="0"/>
-              <a:t>/Xavier initialization</a:t>
+              <a:rPr lang="en-US" sz="1400"/>
+              <a:t>Adam Optimization</a:t>
             </a:r>
           </a:p>
           <a:p>
@@ -6634,8 +6971,12 @@
               <a:buChar char="§"/>
             </a:pPr>
             <a:r>
-              <a:rPr lang="en-US" dirty="0"/>
-              <a:t>Resources</a:t>
+              <a:rPr lang="en-US" sz="1400" err="1"/>
+              <a:t>Glorot</a:t>
+            </a:r>
+            <a:r>
+              <a:rPr lang="en-US" sz="1400"/>
+              <a:t>/Xavier Initialization</a:t>
             </a:r>
           </a:p>
           <a:p>
@@ -6644,8 +6985,8 @@
               <a:buChar char="§"/>
             </a:pPr>
             <a:r>
-              <a:rPr lang="en-US" dirty="0"/>
-              <a:t>Installation</a:t>
+              <a:rPr lang="en-US" sz="1400"/>
+              <a:t>Resources</a:t>
             </a:r>
           </a:p>
           <a:p>
@@ -6653,7 +6994,17 @@
               <a:buFont typeface="Wingdings" panose="05000000000000000000" pitchFamily="2" charset="2"/>
               <a:buChar char="§"/>
             </a:pPr>
-            <a:endParaRPr lang="en-US" dirty="0"/>
+            <a:r>
+              <a:rPr lang="en-US" sz="1400"/>
+              <a:t>Installation</a:t>
+            </a:r>
+          </a:p>
+          <a:p>
+            <a:pPr>
+              <a:buFont typeface="Wingdings" panose="05000000000000000000" pitchFamily="2" charset="2"/>
+              <a:buChar char="§"/>
+            </a:pPr>
+            <a:endParaRPr lang="en-US" sz="1400"/>
           </a:p>
         </p:txBody>
       </p:sp>
@@ -7250,6 +7601,410 @@
           <p:cNvPr id="2" name="Title 1">
             <a:extLst>
               <a:ext uri="{FF2B5EF4-FFF2-40B4-BE49-F238E27FC236}">
+                <a16:creationId xmlns:a16="http://schemas.microsoft.com/office/drawing/2014/main" id="{44A50DAA-5C1B-482B-BEDC-BE4E66D5202A}"/>
+              </a:ext>
+            </a:extLst>
+          </p:cNvPr>
+          <p:cNvSpPr>
+            <a:spLocks noGrp="1"/>
+          </p:cNvSpPr>
+          <p:nvPr>
+            <p:ph type="title"/>
+          </p:nvPr>
+        </p:nvSpPr>
+        <p:spPr/>
+        <p:txBody>
+          <a:bodyPr/>
+          <a:lstStyle/>
+          <a:p>
+            <a:r>
+              <a:rPr lang="en-US" dirty="0"/>
+              <a:t>Train Test Split</a:t>
+            </a:r>
+          </a:p>
+        </p:txBody>
+      </p:sp>
+      <p:sp>
+        <p:nvSpPr>
+          <p:cNvPr id="3" name="Content Placeholder 2">
+            <a:extLst>
+              <a:ext uri="{FF2B5EF4-FFF2-40B4-BE49-F238E27FC236}">
+                <a16:creationId xmlns:a16="http://schemas.microsoft.com/office/drawing/2014/main" id="{08BE3F26-A05F-4D26-958F-1CB4502EC252}"/>
+              </a:ext>
+            </a:extLst>
+          </p:cNvPr>
+          <p:cNvSpPr>
+            <a:spLocks noGrp="1"/>
+          </p:cNvSpPr>
+          <p:nvPr>
+            <p:ph idx="1"/>
+          </p:nvPr>
+        </p:nvSpPr>
+        <p:spPr/>
+        <p:txBody>
+          <a:bodyPr>
+            <a:normAutofit fontScale="92500" lnSpcReduction="10000"/>
+          </a:bodyPr>
+          <a:lstStyle/>
+          <a:p>
+            <a:r>
+              <a:rPr lang="en-US" dirty="0"/>
+              <a:t>To approach any ML problem, you will need a lot of data</a:t>
+            </a:r>
+          </a:p>
+          <a:p>
+            <a:r>
+              <a:rPr lang="en-US" dirty="0"/>
+              <a:t>Typically, for supervised learning problems, this data will contain the input features and corresponding label</a:t>
+            </a:r>
+          </a:p>
+          <a:p>
+            <a:r>
+              <a:rPr lang="en-US" dirty="0"/>
+              <a:t>It is common practice to randomize and then split data into 2 groups</a:t>
+            </a:r>
+          </a:p>
+          <a:p>
+            <a:pPr lvl="1"/>
+            <a:r>
+              <a:rPr lang="en-US" dirty="0"/>
+              <a:t>Train group (what algorithm will learn with)</a:t>
+            </a:r>
+          </a:p>
+          <a:p>
+            <a:pPr lvl="1"/>
+            <a:r>
+              <a:rPr lang="en-US" dirty="0"/>
+              <a:t>Test and/or Validation group (validate how algorithm is working on unseen data)</a:t>
+            </a:r>
+          </a:p>
+          <a:p>
+            <a:r>
+              <a:rPr lang="en-US" dirty="0"/>
+              <a:t>Different data splits depending on amount of data available</a:t>
+            </a:r>
+          </a:p>
+          <a:p>
+            <a:pPr lvl="1"/>
+            <a:r>
+              <a:rPr lang="en-US" dirty="0"/>
+              <a:t>70/30 : Train Test Split for medium size data (few thousand)</a:t>
+            </a:r>
+          </a:p>
+          <a:p>
+            <a:pPr lvl="1"/>
+            <a:r>
+              <a:rPr lang="en-US" dirty="0"/>
+              <a:t>70/15/15: Train Test Validation for medium size data</a:t>
+            </a:r>
+          </a:p>
+          <a:p>
+            <a:pPr lvl="1"/>
+            <a:r>
+              <a:rPr lang="en-US" dirty="0"/>
+              <a:t>90/5/5: Train Test Validation for large amounts of data</a:t>
+            </a:r>
+          </a:p>
+          <a:p>
+            <a:pPr lvl="1"/>
+            <a:endParaRPr lang="en-US" dirty="0"/>
+          </a:p>
+        </p:txBody>
+      </p:sp>
+    </p:spTree>
+    <p:extLst>
+      <p:ext uri="{BB962C8B-B14F-4D97-AF65-F5344CB8AC3E}">
+        <p14:creationId xmlns:p14="http://schemas.microsoft.com/office/powerpoint/2010/main" val="1305066997"/>
+      </p:ext>
+    </p:extLst>
+  </p:cSld>
+  <p:clrMapOvr>
+    <a:masterClrMapping/>
+  </p:clrMapOvr>
+</p:sld>
+</file>
+
+<file path=ppt/slides/slide5.xml><?xml version="1.0" encoding="utf-8"?>
+<p:sld xmlns:a="http://schemas.openxmlformats.org/drawingml/2006/main" xmlns:r="http://schemas.openxmlformats.org/officeDocument/2006/relationships" xmlns:p="http://schemas.openxmlformats.org/presentationml/2006/main">
+  <p:cSld>
+    <p:spTree>
+      <p:nvGrpSpPr>
+        <p:cNvPr id="1" name=""/>
+        <p:cNvGrpSpPr/>
+        <p:nvPr/>
+      </p:nvGrpSpPr>
+      <p:grpSpPr>
+        <a:xfrm>
+          <a:off x="0" y="0"/>
+          <a:ext cx="0" cy="0"/>
+          <a:chOff x="0" y="0"/>
+          <a:chExt cx="0" cy="0"/>
+        </a:xfrm>
+      </p:grpSpPr>
+      <p:sp>
+        <p:nvSpPr>
+          <p:cNvPr id="2" name="Title 1">
+            <a:extLst>
+              <a:ext uri="{FF2B5EF4-FFF2-40B4-BE49-F238E27FC236}">
+                <a16:creationId xmlns:a16="http://schemas.microsoft.com/office/drawing/2014/main" id="{036730D6-2903-464A-9015-343CE59B35C8}"/>
+              </a:ext>
+            </a:extLst>
+          </p:cNvPr>
+          <p:cNvSpPr>
+            <a:spLocks noGrp="1"/>
+          </p:cNvSpPr>
+          <p:nvPr>
+            <p:ph type="title"/>
+          </p:nvPr>
+        </p:nvSpPr>
+        <p:spPr/>
+        <p:txBody>
+          <a:bodyPr/>
+          <a:lstStyle/>
+          <a:p>
+            <a:r>
+              <a:rPr lang="en-US" dirty="0"/>
+              <a:t>Epoch and Training Batch</a:t>
+            </a:r>
+          </a:p>
+        </p:txBody>
+      </p:sp>
+      <p:sp>
+        <p:nvSpPr>
+          <p:cNvPr id="3" name="Content Placeholder 2">
+            <a:extLst>
+              <a:ext uri="{FF2B5EF4-FFF2-40B4-BE49-F238E27FC236}">
+                <a16:creationId xmlns:a16="http://schemas.microsoft.com/office/drawing/2014/main" id="{36F0636C-1321-4CDF-982A-EC528AF78111}"/>
+              </a:ext>
+            </a:extLst>
+          </p:cNvPr>
+          <p:cNvSpPr>
+            <a:spLocks noGrp="1"/>
+          </p:cNvSpPr>
+          <p:nvPr>
+            <p:ph idx="1"/>
+          </p:nvPr>
+        </p:nvSpPr>
+        <p:spPr/>
+        <p:txBody>
+          <a:bodyPr/>
+          <a:lstStyle/>
+          <a:p>
+            <a:r>
+              <a:rPr lang="en-US" dirty="0"/>
+              <a:t>An epoch is a single pass through </a:t>
+            </a:r>
+            <a:r>
+              <a:rPr lang="en-US" b="1" dirty="0"/>
+              <a:t>all</a:t>
+            </a:r>
+            <a:r>
+              <a:rPr lang="en-US" dirty="0"/>
+              <a:t> the training data</a:t>
+            </a:r>
+          </a:p>
+          <a:p>
+            <a:r>
+              <a:rPr lang="en-US" dirty="0"/>
+              <a:t>To improve upon learning, the data is subdivided into small groups called training batches</a:t>
+            </a:r>
+          </a:p>
+          <a:p>
+            <a:r>
+              <a:rPr lang="en-US" dirty="0"/>
+              <a:t>Training batches allow for updates to algorithm at a faster rate than through an entire epoch</a:t>
+            </a:r>
+          </a:p>
+        </p:txBody>
+      </p:sp>
+    </p:spTree>
+    <p:extLst>
+      <p:ext uri="{BB962C8B-B14F-4D97-AF65-F5344CB8AC3E}">
+        <p14:creationId xmlns:p14="http://schemas.microsoft.com/office/powerpoint/2010/main" val="1765906048"/>
+      </p:ext>
+    </p:extLst>
+  </p:cSld>
+  <p:clrMapOvr>
+    <a:masterClrMapping/>
+  </p:clrMapOvr>
+</p:sld>
+</file>
+
+<file path=ppt/slides/slide6.xml><?xml version="1.0" encoding="utf-8"?>
+<p:sld xmlns:a="http://schemas.openxmlformats.org/drawingml/2006/main" xmlns:r="http://schemas.openxmlformats.org/officeDocument/2006/relationships" xmlns:p="http://schemas.openxmlformats.org/presentationml/2006/main">
+  <p:cSld>
+    <p:spTree>
+      <p:nvGrpSpPr>
+        <p:cNvPr id="1" name=""/>
+        <p:cNvGrpSpPr/>
+        <p:nvPr/>
+      </p:nvGrpSpPr>
+      <p:grpSpPr>
+        <a:xfrm>
+          <a:off x="0" y="0"/>
+          <a:ext cx="0" cy="0"/>
+          <a:chOff x="0" y="0"/>
+          <a:chExt cx="0" cy="0"/>
+        </a:xfrm>
+      </p:grpSpPr>
+      <p:sp>
+        <p:nvSpPr>
+          <p:cNvPr id="2" name="Title 1">
+            <a:extLst>
+              <a:ext uri="{FF2B5EF4-FFF2-40B4-BE49-F238E27FC236}">
+                <a16:creationId xmlns:a16="http://schemas.microsoft.com/office/drawing/2014/main" id="{12801575-3026-4565-9BDB-39D7D0054C83}"/>
+              </a:ext>
+            </a:extLst>
+          </p:cNvPr>
+          <p:cNvSpPr>
+            <a:spLocks noGrp="1"/>
+          </p:cNvSpPr>
+          <p:nvPr>
+            <p:ph type="title"/>
+          </p:nvPr>
+        </p:nvSpPr>
+        <p:spPr/>
+        <p:txBody>
+          <a:bodyPr/>
+          <a:lstStyle/>
+          <a:p>
+            <a:r>
+              <a:rPr lang="en-US" dirty="0"/>
+              <a:t>Learning Rate</a:t>
+            </a:r>
+          </a:p>
+        </p:txBody>
+      </p:sp>
+      <p:sp>
+        <p:nvSpPr>
+          <p:cNvPr id="3" name="Content Placeholder 2">
+            <a:extLst>
+              <a:ext uri="{FF2B5EF4-FFF2-40B4-BE49-F238E27FC236}">
+                <a16:creationId xmlns:a16="http://schemas.microsoft.com/office/drawing/2014/main" id="{A09A7C39-17E5-4A8C-8129-B4D5ED5655B9}"/>
+              </a:ext>
+            </a:extLst>
+          </p:cNvPr>
+          <p:cNvSpPr>
+            <a:spLocks noGrp="1"/>
+          </p:cNvSpPr>
+          <p:nvPr>
+            <p:ph idx="1"/>
+          </p:nvPr>
+        </p:nvSpPr>
+        <p:spPr>
+          <a:xfrm>
+            <a:off x="1371600" y="1755831"/>
+            <a:ext cx="9601200" cy="3581400"/>
+          </a:xfrm>
+        </p:spPr>
+        <p:txBody>
+          <a:bodyPr/>
+          <a:lstStyle/>
+          <a:p>
+            <a:r>
+              <a:rPr lang="en-US" dirty="0"/>
+              <a:t>In the learning process, the rate at which the model updates it parameters or “learns” is predetermined by a value learning rate</a:t>
+            </a:r>
+          </a:p>
+          <a:p>
+            <a:r>
+              <a:rPr lang="en-US" dirty="0"/>
+              <a:t>This is typically a constant term that is applied in the Update Rule of a given function</a:t>
+            </a:r>
+          </a:p>
+          <a:p>
+            <a:r>
+              <a:rPr lang="en-US" dirty="0"/>
+              <a:t>More detail will be given later on in the presentation on this topic</a:t>
+            </a:r>
+          </a:p>
+          <a:p>
+            <a:endParaRPr lang="en-US" dirty="0"/>
+          </a:p>
+        </p:txBody>
+      </p:sp>
+      <p:pic>
+        <p:nvPicPr>
+          <p:cNvPr id="1026" name="Picture 2" descr="Image result for learning rate">
+            <a:extLst>
+              <a:ext uri="{FF2B5EF4-FFF2-40B4-BE49-F238E27FC236}">
+                <a16:creationId xmlns:a16="http://schemas.microsoft.com/office/drawing/2014/main" id="{416C85A0-EA32-4061-88A4-820F3ABA23EA}"/>
+              </a:ext>
+            </a:extLst>
+          </p:cNvPr>
+          <p:cNvPicPr>
+            <a:picLocks noChangeAspect="1" noChangeArrowheads="1"/>
+          </p:cNvPicPr>
+          <p:nvPr/>
+        </p:nvPicPr>
+        <p:blipFill>
+          <a:blip r:embed="rId2">
+            <a:extLst>
+              <a:ext uri="{28A0092B-C50C-407E-A947-70E740481C1C}">
+                <a14:useLocalDpi xmlns:a14="http://schemas.microsoft.com/office/drawing/2010/main" val="0"/>
+              </a:ext>
+            </a:extLst>
+          </a:blip>
+          <a:srcRect/>
+          <a:stretch>
+            <a:fillRect/>
+          </a:stretch>
+        </p:blipFill>
+        <p:spPr bwMode="auto">
+          <a:xfrm>
+            <a:off x="3363685" y="3546531"/>
+            <a:ext cx="5617029" cy="2625669"/>
+          </a:xfrm>
+          <a:prstGeom prst="rect">
+            <a:avLst/>
+          </a:prstGeom>
+          <a:noFill/>
+          <a:extLst>
+            <a:ext uri="{909E8E84-426E-40DD-AFC4-6F175D3DCCD1}">
+              <a14:hiddenFill xmlns:a14="http://schemas.microsoft.com/office/drawing/2010/main">
+                <a:solidFill>
+                  <a:srgbClr val="FFFFFF"/>
+                </a:solidFill>
+              </a14:hiddenFill>
+            </a:ext>
+          </a:extLst>
+        </p:spPr>
+      </p:pic>
+    </p:spTree>
+    <p:extLst>
+      <p:ext uri="{BB962C8B-B14F-4D97-AF65-F5344CB8AC3E}">
+        <p14:creationId xmlns:p14="http://schemas.microsoft.com/office/powerpoint/2010/main" val="1477067694"/>
+      </p:ext>
+    </p:extLst>
+  </p:cSld>
+  <p:clrMapOvr>
+    <a:masterClrMapping/>
+  </p:clrMapOvr>
+</p:sld>
+</file>
+
+<file path=ppt/slides/slide7.xml><?xml version="1.0" encoding="utf-8"?>
+<p:sld xmlns:a="http://schemas.openxmlformats.org/drawingml/2006/main" xmlns:r="http://schemas.openxmlformats.org/officeDocument/2006/relationships" xmlns:p="http://schemas.openxmlformats.org/presentationml/2006/main">
+  <p:cSld>
+    <p:spTree>
+      <p:nvGrpSpPr>
+        <p:cNvPr id="1" name=""/>
+        <p:cNvGrpSpPr/>
+        <p:nvPr/>
+      </p:nvGrpSpPr>
+      <p:grpSpPr>
+        <a:xfrm>
+          <a:off x="0" y="0"/>
+          <a:ext cx="0" cy="0"/>
+          <a:chOff x="0" y="0"/>
+          <a:chExt cx="0" cy="0"/>
+        </a:xfrm>
+      </p:grpSpPr>
+      <p:sp>
+        <p:nvSpPr>
+          <p:cNvPr id="2" name="Title 1">
+            <a:extLst>
+              <a:ext uri="{FF2B5EF4-FFF2-40B4-BE49-F238E27FC236}">
                 <a16:creationId xmlns:a16="http://schemas.microsoft.com/office/drawing/2014/main" id="{7CF6BA1D-9478-43F1-A5D2-2D0EE8AA453B}"/>
               </a:ext>
             </a:extLst>
@@ -7334,363 +8089,6 @@
 </p:sld>
 </file>
 
-<file path=ppt/slides/slide5.xml><?xml version="1.0" encoding="utf-8"?>
-<p:sld xmlns:a="http://schemas.openxmlformats.org/drawingml/2006/main" xmlns:r="http://schemas.openxmlformats.org/officeDocument/2006/relationships" xmlns:p="http://schemas.openxmlformats.org/presentationml/2006/main">
-  <p:cSld>
-    <p:spTree>
-      <p:nvGrpSpPr>
-        <p:cNvPr id="1" name=""/>
-        <p:cNvGrpSpPr/>
-        <p:nvPr/>
-      </p:nvGrpSpPr>
-      <p:grpSpPr>
-        <a:xfrm>
-          <a:off x="0" y="0"/>
-          <a:ext cx="0" cy="0"/>
-          <a:chOff x="0" y="0"/>
-          <a:chExt cx="0" cy="0"/>
-        </a:xfrm>
-      </p:grpSpPr>
-      <p:sp>
-        <p:nvSpPr>
-          <p:cNvPr id="2" name="Title 1">
-            <a:extLst>
-              <a:ext uri="{FF2B5EF4-FFF2-40B4-BE49-F238E27FC236}">
-                <a16:creationId xmlns:a16="http://schemas.microsoft.com/office/drawing/2014/main" id="{44A50DAA-5C1B-482B-BEDC-BE4E66D5202A}"/>
-              </a:ext>
-            </a:extLst>
-          </p:cNvPr>
-          <p:cNvSpPr>
-            <a:spLocks noGrp="1"/>
-          </p:cNvSpPr>
-          <p:nvPr>
-            <p:ph type="title"/>
-          </p:nvPr>
-        </p:nvSpPr>
-        <p:spPr/>
-        <p:txBody>
-          <a:bodyPr/>
-          <a:lstStyle/>
-          <a:p>
-            <a:r>
-              <a:rPr lang="en-US" dirty="0"/>
-              <a:t>Train Test Split</a:t>
-            </a:r>
-          </a:p>
-        </p:txBody>
-      </p:sp>
-      <p:sp>
-        <p:nvSpPr>
-          <p:cNvPr id="3" name="Content Placeholder 2">
-            <a:extLst>
-              <a:ext uri="{FF2B5EF4-FFF2-40B4-BE49-F238E27FC236}">
-                <a16:creationId xmlns:a16="http://schemas.microsoft.com/office/drawing/2014/main" id="{08BE3F26-A05F-4D26-958F-1CB4502EC252}"/>
-              </a:ext>
-            </a:extLst>
-          </p:cNvPr>
-          <p:cNvSpPr>
-            <a:spLocks noGrp="1"/>
-          </p:cNvSpPr>
-          <p:nvPr>
-            <p:ph idx="1"/>
-          </p:nvPr>
-        </p:nvSpPr>
-        <p:spPr/>
-        <p:txBody>
-          <a:bodyPr>
-            <a:normAutofit fontScale="92500" lnSpcReduction="10000"/>
-          </a:bodyPr>
-          <a:lstStyle/>
-          <a:p>
-            <a:r>
-              <a:rPr lang="en-US" dirty="0"/>
-              <a:t>To approach any ML problem, you will need a lot of data</a:t>
-            </a:r>
-          </a:p>
-          <a:p>
-            <a:r>
-              <a:rPr lang="en-US" dirty="0"/>
-              <a:t>Typically, for supervised learning problems, this data will contain the input features and corresponding label</a:t>
-            </a:r>
-          </a:p>
-          <a:p>
-            <a:r>
-              <a:rPr lang="en-US" dirty="0"/>
-              <a:t>It is common practice to randomize and then split data into 2 groups</a:t>
-            </a:r>
-          </a:p>
-          <a:p>
-            <a:pPr lvl="1"/>
-            <a:r>
-              <a:rPr lang="en-US" dirty="0"/>
-              <a:t>Train group (what algorithm will learn with)</a:t>
-            </a:r>
-          </a:p>
-          <a:p>
-            <a:pPr lvl="1"/>
-            <a:r>
-              <a:rPr lang="en-US" dirty="0"/>
-              <a:t>Test and/or Validation group (validate how algorithm is working on unseen data)</a:t>
-            </a:r>
-          </a:p>
-          <a:p>
-            <a:r>
-              <a:rPr lang="en-US" dirty="0"/>
-              <a:t>Different data splits depending on amount of data available</a:t>
-            </a:r>
-          </a:p>
-          <a:p>
-            <a:pPr lvl="1"/>
-            <a:r>
-              <a:rPr lang="en-US" dirty="0"/>
-              <a:t>70/30 : Train Test Split for medium size data (few thousand)</a:t>
-            </a:r>
-          </a:p>
-          <a:p>
-            <a:pPr lvl="1"/>
-            <a:r>
-              <a:rPr lang="en-US" dirty="0"/>
-              <a:t>70/15/15: Train Test Validation for medium size data</a:t>
-            </a:r>
-          </a:p>
-          <a:p>
-            <a:pPr lvl="1"/>
-            <a:r>
-              <a:rPr lang="en-US" dirty="0"/>
-              <a:t>90/5/5: Train Test Validation for large amounts of data</a:t>
-            </a:r>
-          </a:p>
-          <a:p>
-            <a:pPr lvl="1"/>
-            <a:endParaRPr lang="en-US" dirty="0"/>
-          </a:p>
-        </p:txBody>
-      </p:sp>
-    </p:spTree>
-    <p:extLst>
-      <p:ext uri="{BB962C8B-B14F-4D97-AF65-F5344CB8AC3E}">
-        <p14:creationId xmlns:p14="http://schemas.microsoft.com/office/powerpoint/2010/main" val="1305066997"/>
-      </p:ext>
-    </p:extLst>
-  </p:cSld>
-  <p:clrMapOvr>
-    <a:masterClrMapping/>
-  </p:clrMapOvr>
-</p:sld>
-</file>
-
-<file path=ppt/slides/slide6.xml><?xml version="1.0" encoding="utf-8"?>
-<p:sld xmlns:a="http://schemas.openxmlformats.org/drawingml/2006/main" xmlns:r="http://schemas.openxmlformats.org/officeDocument/2006/relationships" xmlns:p="http://schemas.openxmlformats.org/presentationml/2006/main">
-  <p:cSld>
-    <p:spTree>
-      <p:nvGrpSpPr>
-        <p:cNvPr id="1" name=""/>
-        <p:cNvGrpSpPr/>
-        <p:nvPr/>
-      </p:nvGrpSpPr>
-      <p:grpSpPr>
-        <a:xfrm>
-          <a:off x="0" y="0"/>
-          <a:ext cx="0" cy="0"/>
-          <a:chOff x="0" y="0"/>
-          <a:chExt cx="0" cy="0"/>
-        </a:xfrm>
-      </p:grpSpPr>
-      <p:sp>
-        <p:nvSpPr>
-          <p:cNvPr id="2" name="Title 1">
-            <a:extLst>
-              <a:ext uri="{FF2B5EF4-FFF2-40B4-BE49-F238E27FC236}">
-                <a16:creationId xmlns:a16="http://schemas.microsoft.com/office/drawing/2014/main" id="{036730D6-2903-464A-9015-343CE59B35C8}"/>
-              </a:ext>
-            </a:extLst>
-          </p:cNvPr>
-          <p:cNvSpPr>
-            <a:spLocks noGrp="1"/>
-          </p:cNvSpPr>
-          <p:nvPr>
-            <p:ph type="title"/>
-          </p:nvPr>
-        </p:nvSpPr>
-        <p:spPr/>
-        <p:txBody>
-          <a:bodyPr/>
-          <a:lstStyle/>
-          <a:p>
-            <a:r>
-              <a:rPr lang="en-US" dirty="0"/>
-              <a:t>Epoch and Training Batch</a:t>
-            </a:r>
-          </a:p>
-        </p:txBody>
-      </p:sp>
-      <p:sp>
-        <p:nvSpPr>
-          <p:cNvPr id="3" name="Content Placeholder 2">
-            <a:extLst>
-              <a:ext uri="{FF2B5EF4-FFF2-40B4-BE49-F238E27FC236}">
-                <a16:creationId xmlns:a16="http://schemas.microsoft.com/office/drawing/2014/main" id="{36F0636C-1321-4CDF-982A-EC528AF78111}"/>
-              </a:ext>
-            </a:extLst>
-          </p:cNvPr>
-          <p:cNvSpPr>
-            <a:spLocks noGrp="1"/>
-          </p:cNvSpPr>
-          <p:nvPr>
-            <p:ph idx="1"/>
-          </p:nvPr>
-        </p:nvSpPr>
-        <p:spPr/>
-        <p:txBody>
-          <a:bodyPr/>
-          <a:lstStyle/>
-          <a:p>
-            <a:r>
-              <a:rPr lang="en-US" dirty="0"/>
-              <a:t>An epoch is a single pass through </a:t>
-            </a:r>
-            <a:r>
-              <a:rPr lang="en-US" b="1" dirty="0"/>
-              <a:t>all</a:t>
-            </a:r>
-            <a:r>
-              <a:rPr lang="en-US" dirty="0"/>
-              <a:t> the training data</a:t>
-            </a:r>
-          </a:p>
-          <a:p>
-            <a:r>
-              <a:rPr lang="en-US" dirty="0"/>
-              <a:t>To improve upon learning, the data is subdivided into small groups called training batches</a:t>
-            </a:r>
-          </a:p>
-          <a:p>
-            <a:r>
-              <a:rPr lang="en-US" dirty="0"/>
-              <a:t>Training batches allow for updates to algorithm at a faster rate than through an entire epoch</a:t>
-            </a:r>
-          </a:p>
-        </p:txBody>
-      </p:sp>
-    </p:spTree>
-    <p:extLst>
-      <p:ext uri="{BB962C8B-B14F-4D97-AF65-F5344CB8AC3E}">
-        <p14:creationId xmlns:p14="http://schemas.microsoft.com/office/powerpoint/2010/main" val="1765906048"/>
-      </p:ext>
-    </p:extLst>
-  </p:cSld>
-  <p:clrMapOvr>
-    <a:masterClrMapping/>
-  </p:clrMapOvr>
-</p:sld>
-</file>
-
-<file path=ppt/slides/slide7.xml><?xml version="1.0" encoding="utf-8"?>
-<p:sld xmlns:a="http://schemas.openxmlformats.org/drawingml/2006/main" xmlns:r="http://schemas.openxmlformats.org/officeDocument/2006/relationships" xmlns:p="http://schemas.openxmlformats.org/presentationml/2006/main">
-  <p:cSld>
-    <p:spTree>
-      <p:nvGrpSpPr>
-        <p:cNvPr id="1" name=""/>
-        <p:cNvGrpSpPr/>
-        <p:nvPr/>
-      </p:nvGrpSpPr>
-      <p:grpSpPr>
-        <a:xfrm>
-          <a:off x="0" y="0"/>
-          <a:ext cx="0" cy="0"/>
-          <a:chOff x="0" y="0"/>
-          <a:chExt cx="0" cy="0"/>
-        </a:xfrm>
-      </p:grpSpPr>
-      <p:sp>
-        <p:nvSpPr>
-          <p:cNvPr id="2" name="Title 1">
-            <a:extLst>
-              <a:ext uri="{FF2B5EF4-FFF2-40B4-BE49-F238E27FC236}">
-                <a16:creationId xmlns:a16="http://schemas.microsoft.com/office/drawing/2014/main" id="{EA15E00D-4864-495E-B05F-A9D2B07895B0}"/>
-              </a:ext>
-            </a:extLst>
-          </p:cNvPr>
-          <p:cNvSpPr>
-            <a:spLocks noGrp="1"/>
-          </p:cNvSpPr>
-          <p:nvPr>
-            <p:ph type="title"/>
-          </p:nvPr>
-        </p:nvSpPr>
-        <p:spPr/>
-        <p:txBody>
-          <a:bodyPr/>
-          <a:lstStyle/>
-          <a:p>
-            <a:r>
-              <a:rPr lang="en-US" dirty="0"/>
-              <a:t>Epoch and Training Batch Cont’d</a:t>
-            </a:r>
-          </a:p>
-        </p:txBody>
-      </p:sp>
-      <p:pic>
-        <p:nvPicPr>
-          <p:cNvPr id="4" name="Picture 2" descr="Image result for neural network layers">
-            <a:extLst>
-              <a:ext uri="{FF2B5EF4-FFF2-40B4-BE49-F238E27FC236}">
-                <a16:creationId xmlns:a16="http://schemas.microsoft.com/office/drawing/2014/main" id="{BA9DD014-1F2C-4AC3-A58B-C6BC26909FEA}"/>
-              </a:ext>
-            </a:extLst>
-          </p:cNvPr>
-          <p:cNvPicPr>
-            <a:picLocks noGrp="1" noChangeAspect="1" noChangeArrowheads="1"/>
-          </p:cNvPicPr>
-          <p:nvPr>
-            <p:ph idx="1"/>
-          </p:nvPr>
-        </p:nvPicPr>
-        <p:blipFill>
-          <a:blip r:embed="rId3">
-            <a:extLst>
-              <a:ext uri="{28A0092B-C50C-407E-A947-70E740481C1C}">
-                <a14:useLocalDpi xmlns:a14="http://schemas.microsoft.com/office/drawing/2010/main" val="0"/>
-              </a:ext>
-            </a:extLst>
-          </a:blip>
-          <a:stretch>
-            <a:fillRect/>
-          </a:stretch>
-        </p:blipFill>
-        <p:spPr bwMode="auto">
-          <a:xfrm>
-            <a:off x="3434216" y="2286000"/>
-            <a:ext cx="5475968" cy="3581400"/>
-          </a:xfrm>
-          <a:prstGeom prst="rect">
-            <a:avLst/>
-          </a:prstGeom>
-          <a:noFill/>
-          <a:extLst>
-            <a:ext uri="{909E8E84-426E-40DD-AFC4-6F175D3DCCD1}">
-              <a14:hiddenFill xmlns:a14="http://schemas.microsoft.com/office/drawing/2010/main">
-                <a:solidFill>
-                  <a:srgbClr val="FFFFFF"/>
-                </a:solidFill>
-              </a14:hiddenFill>
-            </a:ext>
-          </a:extLst>
-        </p:spPr>
-      </p:pic>
-    </p:spTree>
-    <p:extLst>
-      <p:ext uri="{BB962C8B-B14F-4D97-AF65-F5344CB8AC3E}">
-        <p14:creationId xmlns:p14="http://schemas.microsoft.com/office/powerpoint/2010/main" val="3461775755"/>
-      </p:ext>
-    </p:extLst>
-  </p:cSld>
-  <p:clrMapOvr>
-    <a:masterClrMapping/>
-  </p:clrMapOvr>
-</p:sld>
-</file>
-
 <file path=ppt/slides/slide8.xml><?xml version="1.0" encoding="utf-8"?>
 <p:sld xmlns:a="http://schemas.openxmlformats.org/drawingml/2006/main" xmlns:r="http://schemas.openxmlformats.org/officeDocument/2006/relationships" xmlns:p="http://schemas.openxmlformats.org/presentationml/2006/main">
   <p:cSld>
@@ -7877,8 +8275,8 @@
           </a:p>
         </p:txBody>
       </p:sp>
-      <mc:AlternateContent xmlns:mc="http://schemas.openxmlformats.org/markup-compatibility/2006">
-        <mc:Choice xmlns:a14="http://schemas.microsoft.com/office/drawing/2010/main" Requires="a14">
+      <mc:AlternateContent xmlns:mc="http://schemas.openxmlformats.org/markup-compatibility/2006" xmlns:a14="http://schemas.microsoft.com/office/drawing/2010/main">
+        <mc:Choice Requires="a14">
           <p:sp>
             <p:nvSpPr>
               <p:cNvPr id="3" name="Content Placeholder 2">
@@ -8361,7 +8759,7 @@
             </p:txBody>
           </p:sp>
         </mc:Choice>
-        <mc:Fallback>
+        <mc:Fallback xmlns="">
           <p:sp>
             <p:nvSpPr>
               <p:cNvPr id="3" name="Content Placeholder 2">
